--- a/Razor pages.pptx
+++ b/Razor pages.pptx
@@ -32,12 +32,12 @@
     <p:sldId id="299" r:id="rId23"/>
     <p:sldId id="266" r:id="rId24"/>
     <p:sldId id="305" r:id="rId25"/>
-    <p:sldId id="267" r:id="rId26"/>
-    <p:sldId id="268" r:id="rId27"/>
+    <p:sldId id="268" r:id="rId26"/>
+    <p:sldId id="267" r:id="rId27"/>
     <p:sldId id="269" r:id="rId28"/>
-    <p:sldId id="306" r:id="rId29"/>
-    <p:sldId id="270" r:id="rId30"/>
-    <p:sldId id="271" r:id="rId31"/>
+    <p:sldId id="270" r:id="rId29"/>
+    <p:sldId id="271" r:id="rId30"/>
+    <p:sldId id="312" r:id="rId31"/>
     <p:sldId id="272" r:id="rId32"/>
     <p:sldId id="307" r:id="rId33"/>
     <p:sldId id="273" r:id="rId34"/>
@@ -287,7 +287,7 @@
       <p15:sldGuideLst xmlns:p15="http://schemas.microsoft.com/office/powerpoint/2012/main"/>
     </p:ext>
     <p:ext uri="http://customooxmlschemas.google.com/">
-      <go:slidesCustomData xmlns:go="http://customooxmlschemas.google.com/" xmlns:ahyp="http://schemas.microsoft.com/office/drawing/2018/hyperlinkcolor" xmlns:p15="http://schemas.microsoft.com/office/powerpoint/2012/main" xmlns:p14="http://schemas.microsoft.com/office/powerpoint/2010/main" xmlns:com="http://schemas.openxmlformats.org/drawingml/2006/compatibility" xmlns:pvml="urn:schemas-microsoft-com:office:powerpoint" xmlns:v="urn:schemas-microsoft-com:vml" xmlns:o="urn:schemas-microsoft-com:office:office" xmlns:dgm="http://schemas.openxmlformats.org/drawingml/2006/diagram" xmlns:c="http://schemas.openxmlformats.org/drawingml/2006/chart" xmlns:mv="urn:schemas-microsoft-com:mac:vml" xmlns:mc="http://schemas.openxmlformats.org/markup-compatibility/2006" xmlns="" r:id="rId46" roundtripDataSignature="AMtx7mjVEwqA5jePl45nlKRjSNtdNd4Yxw=="/>
+      <go:slidesCustomData xmlns="" xmlns:mc="http://schemas.openxmlformats.org/markup-compatibility/2006" xmlns:mv="urn:schemas-microsoft-com:mac:vml" xmlns:c="http://schemas.openxmlformats.org/drawingml/2006/chart" xmlns:dgm="http://schemas.openxmlformats.org/drawingml/2006/diagram" xmlns:o="urn:schemas-microsoft-com:office:office" xmlns:v="urn:schemas-microsoft-com:vml" xmlns:pvml="urn:schemas-microsoft-com:office:powerpoint" xmlns:com="http://schemas.openxmlformats.org/drawingml/2006/compatibility" xmlns:p14="http://schemas.microsoft.com/office/powerpoint/2010/main" xmlns:p15="http://schemas.microsoft.com/office/powerpoint/2012/main" xmlns:ahyp="http://schemas.microsoft.com/office/drawing/2018/hyperlinkcolor" xmlns:go="http://customooxmlschemas.google.com/" r:id="rId46" roundtripDataSignature="AMtx7mjVEwqA5jePl45nlKRjSNtdNd4Yxw=="/>
     </p:ext>
   </p:extLst>
 </p:presentation>
@@ -3018,7 +3018,7 @@
   <p:cSld>
     <p:spTree>
       <p:nvGrpSpPr>
-        <p:cNvPr id="1" name="Shape 229"/>
+        <p:cNvPr id="1" name="Shape 238"/>
         <p:cNvGrpSpPr/>
         <p:nvPr/>
       </p:nvGrpSpPr>
@@ -3032,7 +3032,7 @@
       </p:grpSpPr>
       <p:sp>
         <p:nvSpPr>
-          <p:cNvPr id="230" name="Google Shape;230;geef53d5d55_1_206:notes"/>
+          <p:cNvPr id="239" name="Google Shape;239;geef53d5d55_1_197:notes"/>
           <p:cNvSpPr txBox="1">
             <a:spLocks noGrp="1"/>
           </p:cNvSpPr>
@@ -3078,7 +3078,7 @@
       </p:sp>
       <p:sp>
         <p:nvSpPr>
-          <p:cNvPr id="231" name="Google Shape;231;geef53d5d55_1_206:notes"/>
+          <p:cNvPr id="240" name="Google Shape;240;geef53d5d55_1_197:notes"/>
           <p:cNvSpPr>
             <a:spLocks noGrp="1" noRot="1" noChangeAspect="1"/>
           </p:cNvSpPr>
@@ -3140,7 +3140,7 @@
   <p:cSld>
     <p:spTree>
       <p:nvGrpSpPr>
-        <p:cNvPr id="1" name="Shape 238"/>
+        <p:cNvPr id="1" name="Shape 229"/>
         <p:cNvGrpSpPr/>
         <p:nvPr/>
       </p:nvGrpSpPr>
@@ -3154,7 +3154,7 @@
       </p:grpSpPr>
       <p:sp>
         <p:nvSpPr>
-          <p:cNvPr id="239" name="Google Shape;239;geef53d5d55_1_197:notes"/>
+          <p:cNvPr id="230" name="Google Shape;230;geef53d5d55_1_206:notes"/>
           <p:cNvSpPr txBox="1">
             <a:spLocks noGrp="1"/>
           </p:cNvSpPr>
@@ -3200,7 +3200,7 @@
       </p:sp>
       <p:sp>
         <p:nvSpPr>
-          <p:cNvPr id="240" name="Google Shape;240;geef53d5d55_1_197:notes"/>
+          <p:cNvPr id="231" name="Google Shape;231;geef53d5d55_1_206:notes"/>
           <p:cNvSpPr>
             <a:spLocks noGrp="1" noRot="1" noChangeAspect="1"/>
           </p:cNvSpPr>
@@ -3384,7 +3384,7 @@
   <p:cSld>
     <p:spTree>
       <p:nvGrpSpPr>
-        <p:cNvPr id="1" name="Shape 194"/>
+        <p:cNvPr id="1" name="Shape 260"/>
         <p:cNvGrpSpPr/>
         <p:nvPr/>
       </p:nvGrpSpPr>
@@ -3398,7 +3398,7 @@
       </p:grpSpPr>
       <p:sp>
         <p:nvSpPr>
-          <p:cNvPr id="195" name="Google Shape;195;geef53d5d55_1_27:notes"/>
+          <p:cNvPr id="261" name="Google Shape;261;geef53d5d55_1_229:notes"/>
           <p:cNvSpPr txBox="1">
             <a:spLocks noGrp="1"/>
           </p:cNvSpPr>
@@ -3444,7 +3444,7 @@
       </p:sp>
       <p:sp>
         <p:nvSpPr>
-          <p:cNvPr id="196" name="Google Shape;196;geef53d5d55_1_27:notes"/>
+          <p:cNvPr id="262" name="Google Shape;262;geef53d5d55_1_229:notes"/>
           <p:cNvSpPr>
             <a:spLocks noGrp="1" noRot="1" noChangeAspect="1"/>
           </p:cNvSpPr>
@@ -3494,11 +3494,6 @@
         </p:spPr>
       </p:sp>
     </p:spTree>
-    <p:extLst>
-      <p:ext uri="{BB962C8B-B14F-4D97-AF65-F5344CB8AC3E}">
-        <p14:creationId xmlns:p14="http://schemas.microsoft.com/office/powerpoint/2010/main" val="4192465025"/>
-      </p:ext>
-    </p:extLst>
   </p:cSld>
   <p:clrMapOvr>
     <a:masterClrMapping/>
@@ -3511,7 +3506,7 @@
   <p:cSld>
     <p:spTree>
       <p:nvGrpSpPr>
-        <p:cNvPr id="1" name="Shape 260"/>
+        <p:cNvPr id="1" name="Shape 268"/>
         <p:cNvGrpSpPr/>
         <p:nvPr/>
       </p:nvGrpSpPr>
@@ -3525,7 +3520,7 @@
       </p:grpSpPr>
       <p:sp>
         <p:nvSpPr>
-          <p:cNvPr id="261" name="Google Shape;261;geef53d5d55_1_229:notes"/>
+          <p:cNvPr id="269" name="Google Shape;269;geef53d5d55_1_68:notes"/>
           <p:cNvSpPr txBox="1">
             <a:spLocks noGrp="1"/>
           </p:cNvSpPr>
@@ -3571,7 +3566,7 @@
       </p:sp>
       <p:sp>
         <p:nvSpPr>
-          <p:cNvPr id="262" name="Google Shape;262;geef53d5d55_1_229:notes"/>
+          <p:cNvPr id="270" name="Google Shape;270;geef53d5d55_1_68:notes"/>
           <p:cNvSpPr>
             <a:spLocks noGrp="1" noRot="1" noChangeAspect="1"/>
           </p:cNvSpPr>
@@ -3865,6 +3860,11 @@
         </p:spPr>
       </p:sp>
     </p:spTree>
+    <p:extLst>
+      <p:ext uri="{BB962C8B-B14F-4D97-AF65-F5344CB8AC3E}">
+        <p14:creationId xmlns:p14="http://schemas.microsoft.com/office/powerpoint/2010/main" val="2627219284"/>
+      </p:ext>
+    </p:extLst>
   </p:cSld>
   <p:clrMapOvr>
     <a:masterClrMapping/>
@@ -31213,387 +31213,6 @@
   <p:cSld>
     <p:spTree>
       <p:nvGrpSpPr>
-        <p:cNvPr id="1" name="Shape 232"/>
-        <p:cNvGrpSpPr/>
-        <p:nvPr/>
-      </p:nvGrpSpPr>
-      <p:grpSpPr>
-        <a:xfrm>
-          <a:off x="0" y="0"/>
-          <a:ext cx="0" cy="0"/>
-          <a:chOff x="0" y="0"/>
-          <a:chExt cx="0" cy="0"/>
-        </a:xfrm>
-      </p:grpSpPr>
-      <p:sp>
-        <p:nvSpPr>
-          <p:cNvPr id="233" name="Google Shape;233;geef53d5d55_1_206"/>
-          <p:cNvSpPr txBox="1">
-            <a:spLocks noGrp="1"/>
-          </p:cNvSpPr>
-          <p:nvPr>
-            <p:ph type="body" idx="1"/>
-          </p:nvPr>
-        </p:nvSpPr>
-        <p:spPr>
-          <a:xfrm>
-            <a:off x="677334" y="2160589"/>
-            <a:ext cx="8596800" cy="3880800"/>
-          </a:xfrm>
-          <a:prstGeom prst="rect">
-            <a:avLst/>
-          </a:prstGeom>
-          <a:noFill/>
-          <a:ln>
-            <a:noFill/>
-          </a:ln>
-        </p:spPr>
-        <p:txBody>
-          <a:bodyPr spcFirstLastPara="1" wrap="square" lIns="91425" tIns="45700" rIns="91425" bIns="45700" anchor="t" anchorCtr="0">
-            <a:normAutofit/>
-          </a:bodyPr>
-          <a:lstStyle/>
-          <a:p>
-            <a:pPr marL="285750" lvl="0" indent="-285750" algn="l" rtl="0">
-              <a:spcBef>
-                <a:spcPts val="0"/>
-              </a:spcBef>
-              <a:spcAft>
-                <a:spcPts val="0"/>
-              </a:spcAft>
-              <a:buFontTx/>
-              <a:buChar char="-"/>
-            </a:pPr>
-            <a:r>
-              <a:rPr lang="en-US" dirty="0">
-                <a:solidFill>
-                  <a:schemeClr val="lt1"/>
-                </a:solidFill>
-                <a:latin typeface="Times New Roman"/>
-                <a:ea typeface="Times New Roman"/>
-                <a:cs typeface="Times New Roman"/>
-                <a:sym typeface="Times New Roman"/>
-              </a:rPr>
-              <a:t>Route template đ</a:t>
-            </a:r>
-            <a:r>
-              <a:rPr lang="vi-VN" dirty="0">
-                <a:solidFill>
-                  <a:schemeClr val="lt1"/>
-                </a:solidFill>
-                <a:latin typeface="Times New Roman"/>
-                <a:ea typeface="Times New Roman"/>
-                <a:cs typeface="Times New Roman"/>
-                <a:sym typeface="Times New Roman"/>
-              </a:rPr>
-              <a:t>ư</a:t>
-            </a:r>
-            <a:r>
-              <a:rPr lang="en-US" dirty="0" err="1">
-                <a:solidFill>
-                  <a:schemeClr val="lt1"/>
-                </a:solidFill>
-                <a:latin typeface="Times New Roman"/>
-                <a:ea typeface="Times New Roman"/>
-                <a:cs typeface="Times New Roman"/>
-                <a:sym typeface="Times New Roman"/>
-              </a:rPr>
-              <a:t>ợc</a:t>
-            </a:r>
-            <a:r>
-              <a:rPr lang="en-US" dirty="0">
-                <a:solidFill>
-                  <a:schemeClr val="lt1"/>
-                </a:solidFill>
-                <a:latin typeface="Times New Roman"/>
-                <a:ea typeface="Times New Roman"/>
-                <a:cs typeface="Times New Roman"/>
-                <a:sym typeface="Times New Roman"/>
-              </a:rPr>
-              <a:t> </a:t>
-            </a:r>
-            <a:r>
-              <a:rPr lang="en-US" dirty="0" err="1">
-                <a:solidFill>
-                  <a:schemeClr val="lt1"/>
-                </a:solidFill>
-                <a:latin typeface="Times New Roman"/>
-                <a:ea typeface="Times New Roman"/>
-                <a:cs typeface="Times New Roman"/>
-                <a:sym typeface="Times New Roman"/>
-              </a:rPr>
-              <a:t>khai</a:t>
-            </a:r>
-            <a:r>
-              <a:rPr lang="en-US" dirty="0">
-                <a:solidFill>
-                  <a:schemeClr val="lt1"/>
-                </a:solidFill>
-                <a:latin typeface="Times New Roman"/>
-                <a:ea typeface="Times New Roman"/>
-                <a:cs typeface="Times New Roman"/>
-                <a:sym typeface="Times New Roman"/>
-              </a:rPr>
-              <a:t> báo ngày </a:t>
-            </a:r>
-            <a:r>
-              <a:rPr lang="en-US" dirty="0" err="1">
-                <a:solidFill>
-                  <a:schemeClr val="lt1"/>
-                </a:solidFill>
-                <a:latin typeface="Times New Roman"/>
-                <a:ea typeface="Times New Roman"/>
-                <a:cs typeface="Times New Roman"/>
-                <a:sym typeface="Times New Roman"/>
-              </a:rPr>
-              <a:t>sau</a:t>
-            </a:r>
-            <a:r>
-              <a:rPr lang="en-US" dirty="0">
-                <a:solidFill>
-                  <a:schemeClr val="lt1"/>
-                </a:solidFill>
-                <a:latin typeface="Times New Roman"/>
-                <a:ea typeface="Times New Roman"/>
-                <a:cs typeface="Times New Roman"/>
-                <a:sym typeface="Times New Roman"/>
-              </a:rPr>
-              <a:t> page directive</a:t>
-            </a:r>
-          </a:p>
-          <a:p>
-            <a:pPr marL="285750" lvl="0" indent="-285750" algn="l" rtl="0">
-              <a:spcBef>
-                <a:spcPts val="0"/>
-              </a:spcBef>
-              <a:spcAft>
-                <a:spcPts val="0"/>
-              </a:spcAft>
-              <a:buFontTx/>
-              <a:buChar char="-"/>
-            </a:pPr>
-            <a:r>
-              <a:rPr lang="en-US" dirty="0">
-                <a:solidFill>
-                  <a:schemeClr val="lt1"/>
-                </a:solidFill>
-                <a:latin typeface="Times New Roman"/>
-                <a:ea typeface="Times New Roman"/>
-                <a:cs typeface="Times New Roman"/>
-                <a:sym typeface="Times New Roman"/>
-              </a:rPr>
-              <a:t>Template bao </a:t>
-            </a:r>
-            <a:r>
-              <a:rPr lang="en-US" dirty="0" err="1">
-                <a:solidFill>
-                  <a:schemeClr val="lt1"/>
-                </a:solidFill>
-                <a:latin typeface="Times New Roman"/>
-                <a:ea typeface="Times New Roman"/>
-                <a:cs typeface="Times New Roman"/>
-                <a:sym typeface="Times New Roman"/>
-              </a:rPr>
-              <a:t>gồm</a:t>
-            </a:r>
-            <a:r>
-              <a:rPr lang="en-US" dirty="0">
-                <a:solidFill>
-                  <a:schemeClr val="lt1"/>
-                </a:solidFill>
-                <a:latin typeface="Times New Roman"/>
-                <a:ea typeface="Times New Roman"/>
-                <a:cs typeface="Times New Roman"/>
-                <a:sym typeface="Times New Roman"/>
-              </a:rPr>
-              <a:t> text, variables và </a:t>
-            </a:r>
-            <a:r>
-              <a:rPr lang="en-US" dirty="0" err="1">
-                <a:solidFill>
-                  <a:schemeClr val="lt1"/>
-                </a:solidFill>
-                <a:latin typeface="Times New Roman"/>
-                <a:ea typeface="Times New Roman"/>
-                <a:cs typeface="Times New Roman"/>
-                <a:sym typeface="Times New Roman"/>
-              </a:rPr>
-              <a:t>contraints</a:t>
-            </a:r>
-            <a:endParaRPr dirty="0">
-              <a:solidFill>
-                <a:schemeClr val="lt1"/>
-              </a:solidFill>
-              <a:latin typeface="Times New Roman"/>
-              <a:ea typeface="Times New Roman"/>
-              <a:cs typeface="Times New Roman"/>
-              <a:sym typeface="Times New Roman"/>
-            </a:endParaRPr>
-          </a:p>
-        </p:txBody>
-      </p:sp>
-      <p:sp>
-        <p:nvSpPr>
-          <p:cNvPr id="234" name="Google Shape;234;geef53d5d55_1_206"/>
-          <p:cNvSpPr txBox="1"/>
-          <p:nvPr/>
-        </p:nvSpPr>
-        <p:spPr>
-          <a:xfrm>
-            <a:off x="677334" y="678873"/>
-            <a:ext cx="6096000" cy="646500"/>
-          </a:xfrm>
-          <a:prstGeom prst="rect">
-            <a:avLst/>
-          </a:prstGeom>
-          <a:noFill/>
-          <a:ln>
-            <a:noFill/>
-          </a:ln>
-        </p:spPr>
-        <p:txBody>
-          <a:bodyPr spcFirstLastPara="1" wrap="square" lIns="91425" tIns="45700" rIns="91425" bIns="45700" anchor="t" anchorCtr="0">
-            <a:spAutoFit/>
-          </a:bodyPr>
-          <a:lstStyle/>
-          <a:p>
-            <a:pPr marL="0" marR="0" lvl="0" indent="0" algn="l" rtl="0">
-              <a:lnSpc>
-                <a:spcPct val="100000"/>
-              </a:lnSpc>
-              <a:spcBef>
-                <a:spcPts val="0"/>
-              </a:spcBef>
-              <a:spcAft>
-                <a:spcPts val="0"/>
-              </a:spcAft>
-              <a:buClr>
-                <a:srgbClr val="000000"/>
-              </a:buClr>
-              <a:buSzPts val="3600"/>
-              <a:buFont typeface="Arial"/>
-              <a:buNone/>
-            </a:pPr>
-            <a:r>
-              <a:rPr lang="en-US" sz="3600" dirty="0">
-                <a:solidFill>
-                  <a:srgbClr val="93DF5F"/>
-                </a:solidFill>
-                <a:latin typeface="Times New Roman"/>
-                <a:ea typeface="Times New Roman"/>
-                <a:cs typeface="Times New Roman"/>
-                <a:sym typeface="Times New Roman"/>
-              </a:rPr>
-              <a:t>Custom Route template</a:t>
-            </a:r>
-            <a:endParaRPr sz="3600" i="0" u="none" strike="noStrike" cap="none" dirty="0">
-              <a:solidFill>
-                <a:srgbClr val="93DF5F"/>
-              </a:solidFill>
-              <a:latin typeface="Times New Roman"/>
-              <a:ea typeface="Times New Roman"/>
-              <a:cs typeface="Times New Roman"/>
-              <a:sym typeface="Times New Roman"/>
-            </a:endParaRPr>
-          </a:p>
-        </p:txBody>
-      </p:sp>
-      <p:cxnSp>
-        <p:nvCxnSpPr>
-          <p:cNvPr id="235" name="Google Shape;235;geef53d5d55_1_206"/>
-          <p:cNvCxnSpPr/>
-          <p:nvPr/>
-        </p:nvCxnSpPr>
-        <p:spPr>
-          <a:xfrm>
-            <a:off x="815879" y="1325204"/>
-            <a:ext cx="5210700" cy="0"/>
-          </a:xfrm>
-          <a:prstGeom prst="straightConnector1">
-            <a:avLst/>
-          </a:prstGeom>
-          <a:noFill/>
-          <a:ln w="25400" cap="flat" cmpd="sng">
-            <a:solidFill>
-              <a:schemeClr val="accent1"/>
-            </a:solidFill>
-            <a:prstDash val="solid"/>
-            <a:round/>
-            <a:headEnd type="none" w="sm" len="sm"/>
-            <a:tailEnd type="none" w="sm" len="sm"/>
-          </a:ln>
-        </p:spPr>
-      </p:cxnSp>
-      <p:pic>
-        <p:nvPicPr>
-          <p:cNvPr id="236" name="Google Shape;236;geef53d5d55_1_206"/>
-          <p:cNvPicPr preferRelativeResize="0"/>
-          <p:nvPr/>
-        </p:nvPicPr>
-        <p:blipFill rotWithShape="1">
-          <a:blip r:embed="rId3">
-            <a:alphaModFix/>
-          </a:blip>
-          <a:srcRect/>
-          <a:stretch/>
-        </p:blipFill>
-        <p:spPr>
-          <a:xfrm>
-            <a:off x="677316" y="6274352"/>
-            <a:ext cx="1639649" cy="413900"/>
-          </a:xfrm>
-          <a:prstGeom prst="rect">
-            <a:avLst/>
-          </a:prstGeom>
-          <a:noFill/>
-          <a:ln>
-            <a:noFill/>
-          </a:ln>
-        </p:spPr>
-      </p:pic>
-      <p:pic>
-        <p:nvPicPr>
-          <p:cNvPr id="2" name="Picture 1">
-            <a:extLst>
-              <a:ext uri="{FF2B5EF4-FFF2-40B4-BE49-F238E27FC236}">
-                <a16:creationId xmlns:a16="http://schemas.microsoft.com/office/drawing/2014/main" id="{01ECC827-F2C7-4E29-9FF2-8A945D865758}"/>
-              </a:ext>
-            </a:extLst>
-          </p:cNvPr>
-          <p:cNvPicPr>
-            <a:picLocks noChangeAspect="1"/>
-          </p:cNvPicPr>
-          <p:nvPr/>
-        </p:nvPicPr>
-        <p:blipFill>
-          <a:blip r:embed="rId4"/>
-          <a:stretch>
-            <a:fillRect/>
-          </a:stretch>
-        </p:blipFill>
-        <p:spPr>
-          <a:xfrm>
-            <a:off x="995580" y="3033219"/>
-            <a:ext cx="5311600" cy="2499577"/>
-          </a:xfrm>
-          <a:prstGeom prst="rect">
-            <a:avLst/>
-          </a:prstGeom>
-        </p:spPr>
-      </p:pic>
-    </p:spTree>
-  </p:cSld>
-  <p:clrMapOvr>
-    <a:masterClrMapping/>
-  </p:clrMapOvr>
-</p:sld>
-</file>
-
-<file path=ppt/slides/slide26.xml><?xml version="1.0" encoding="utf-8"?>
-<p:sld xmlns:a="http://schemas.openxmlformats.org/drawingml/2006/main" xmlns:r="http://schemas.openxmlformats.org/officeDocument/2006/relationships" xmlns:p="http://schemas.openxmlformats.org/presentationml/2006/main">
-  <p:cSld>
-    <p:spTree>
-      <p:nvGrpSpPr>
         <p:cNvPr id="1" name="Shape 241"/>
         <p:cNvGrpSpPr/>
         <p:nvPr/>
@@ -31763,6 +31382,417 @@
 </p:sld>
 </file>
 
+<file path=ppt/slides/slide26.xml><?xml version="1.0" encoding="utf-8"?>
+<p:sld xmlns:a="http://schemas.openxmlformats.org/drawingml/2006/main" xmlns:r="http://schemas.openxmlformats.org/officeDocument/2006/relationships" xmlns:p="http://schemas.openxmlformats.org/presentationml/2006/main">
+  <p:cSld>
+    <p:spTree>
+      <p:nvGrpSpPr>
+        <p:cNvPr id="1" name="Shape 232"/>
+        <p:cNvGrpSpPr/>
+        <p:nvPr/>
+      </p:nvGrpSpPr>
+      <p:grpSpPr>
+        <a:xfrm>
+          <a:off x="0" y="0"/>
+          <a:ext cx="0" cy="0"/>
+          <a:chOff x="0" y="0"/>
+          <a:chExt cx="0" cy="0"/>
+        </a:xfrm>
+      </p:grpSpPr>
+      <p:sp>
+        <p:nvSpPr>
+          <p:cNvPr id="233" name="Google Shape;233;geef53d5d55_1_206"/>
+          <p:cNvSpPr txBox="1">
+            <a:spLocks noGrp="1"/>
+          </p:cNvSpPr>
+          <p:nvPr>
+            <p:ph type="body" idx="1"/>
+          </p:nvPr>
+        </p:nvSpPr>
+        <p:spPr>
+          <a:xfrm>
+            <a:off x="677334" y="2160589"/>
+            <a:ext cx="8596800" cy="3880800"/>
+          </a:xfrm>
+          <a:prstGeom prst="rect">
+            <a:avLst/>
+          </a:prstGeom>
+          <a:noFill/>
+          <a:ln>
+            <a:noFill/>
+          </a:ln>
+        </p:spPr>
+        <p:txBody>
+          <a:bodyPr spcFirstLastPara="1" wrap="square" lIns="91425" tIns="45700" rIns="91425" bIns="45700" anchor="t" anchorCtr="0">
+            <a:normAutofit/>
+          </a:bodyPr>
+          <a:lstStyle/>
+          <a:p>
+            <a:pPr marL="285750" lvl="0" indent="-285750" algn="l" rtl="0">
+              <a:spcBef>
+                <a:spcPts val="0"/>
+              </a:spcBef>
+              <a:spcAft>
+                <a:spcPts val="0"/>
+              </a:spcAft>
+              <a:buFontTx/>
+              <a:buChar char="-"/>
+            </a:pPr>
+            <a:r>
+              <a:rPr lang="en-US" dirty="0">
+                <a:solidFill>
+                  <a:schemeClr val="lt1"/>
+                </a:solidFill>
+                <a:latin typeface="Times New Roman"/>
+                <a:ea typeface="Times New Roman"/>
+                <a:cs typeface="Times New Roman"/>
+                <a:sym typeface="Times New Roman"/>
+              </a:rPr>
+              <a:t>Route template đ</a:t>
+            </a:r>
+            <a:r>
+              <a:rPr lang="vi-VN" dirty="0">
+                <a:solidFill>
+                  <a:schemeClr val="lt1"/>
+                </a:solidFill>
+                <a:latin typeface="Times New Roman"/>
+                <a:ea typeface="Times New Roman"/>
+                <a:cs typeface="Times New Roman"/>
+                <a:sym typeface="Times New Roman"/>
+              </a:rPr>
+              <a:t>ư</a:t>
+            </a:r>
+            <a:r>
+              <a:rPr lang="en-US" dirty="0" err="1">
+                <a:solidFill>
+                  <a:schemeClr val="lt1"/>
+                </a:solidFill>
+                <a:latin typeface="Times New Roman"/>
+                <a:ea typeface="Times New Roman"/>
+                <a:cs typeface="Times New Roman"/>
+                <a:sym typeface="Times New Roman"/>
+              </a:rPr>
+              <a:t>ợc</a:t>
+            </a:r>
+            <a:r>
+              <a:rPr lang="en-US" dirty="0">
+                <a:solidFill>
+                  <a:schemeClr val="lt1"/>
+                </a:solidFill>
+                <a:latin typeface="Times New Roman"/>
+                <a:ea typeface="Times New Roman"/>
+                <a:cs typeface="Times New Roman"/>
+                <a:sym typeface="Times New Roman"/>
+              </a:rPr>
+              <a:t> </a:t>
+            </a:r>
+            <a:r>
+              <a:rPr lang="en-US" dirty="0" err="1">
+                <a:solidFill>
+                  <a:schemeClr val="lt1"/>
+                </a:solidFill>
+                <a:latin typeface="Times New Roman"/>
+                <a:ea typeface="Times New Roman"/>
+                <a:cs typeface="Times New Roman"/>
+                <a:sym typeface="Times New Roman"/>
+              </a:rPr>
+              <a:t>khai</a:t>
+            </a:r>
+            <a:r>
+              <a:rPr lang="en-US" dirty="0">
+                <a:solidFill>
+                  <a:schemeClr val="lt1"/>
+                </a:solidFill>
+                <a:latin typeface="Times New Roman"/>
+                <a:ea typeface="Times New Roman"/>
+                <a:cs typeface="Times New Roman"/>
+                <a:sym typeface="Times New Roman"/>
+              </a:rPr>
+              <a:t> báo ngày </a:t>
+            </a:r>
+            <a:r>
+              <a:rPr lang="en-US" dirty="0" err="1">
+                <a:solidFill>
+                  <a:schemeClr val="lt1"/>
+                </a:solidFill>
+                <a:latin typeface="Times New Roman"/>
+                <a:ea typeface="Times New Roman"/>
+                <a:cs typeface="Times New Roman"/>
+                <a:sym typeface="Times New Roman"/>
+              </a:rPr>
+              <a:t>sau</a:t>
+            </a:r>
+            <a:r>
+              <a:rPr lang="en-US" dirty="0">
+                <a:solidFill>
+                  <a:schemeClr val="lt1"/>
+                </a:solidFill>
+                <a:latin typeface="Times New Roman"/>
+                <a:ea typeface="Times New Roman"/>
+                <a:cs typeface="Times New Roman"/>
+                <a:sym typeface="Times New Roman"/>
+              </a:rPr>
+              <a:t> page directive</a:t>
+            </a:r>
+          </a:p>
+          <a:p>
+            <a:pPr marL="285750" lvl="0" indent="-285750" algn="l" rtl="0">
+              <a:spcBef>
+                <a:spcPts val="0"/>
+              </a:spcBef>
+              <a:spcAft>
+                <a:spcPts val="0"/>
+              </a:spcAft>
+              <a:buFontTx/>
+              <a:buChar char="-"/>
+            </a:pPr>
+            <a:r>
+              <a:rPr lang="en-US" dirty="0">
+                <a:solidFill>
+                  <a:schemeClr val="lt1"/>
+                </a:solidFill>
+                <a:latin typeface="Times New Roman"/>
+                <a:ea typeface="Times New Roman"/>
+                <a:cs typeface="Times New Roman"/>
+                <a:sym typeface="Times New Roman"/>
+              </a:rPr>
+              <a:t>Template bao </a:t>
+            </a:r>
+            <a:r>
+              <a:rPr lang="en-US" dirty="0" err="1">
+                <a:solidFill>
+                  <a:schemeClr val="lt1"/>
+                </a:solidFill>
+                <a:latin typeface="Times New Roman"/>
+                <a:ea typeface="Times New Roman"/>
+                <a:cs typeface="Times New Roman"/>
+                <a:sym typeface="Times New Roman"/>
+              </a:rPr>
+              <a:t>gồm</a:t>
+            </a:r>
+            <a:r>
+              <a:rPr lang="en-US" dirty="0">
+                <a:solidFill>
+                  <a:schemeClr val="lt1"/>
+                </a:solidFill>
+                <a:latin typeface="Times New Roman"/>
+                <a:ea typeface="Times New Roman"/>
+                <a:cs typeface="Times New Roman"/>
+                <a:sym typeface="Times New Roman"/>
+              </a:rPr>
+              <a:t> text, variables và </a:t>
+            </a:r>
+            <a:r>
+              <a:rPr lang="en-US" dirty="0" err="1">
+                <a:solidFill>
+                  <a:schemeClr val="lt1"/>
+                </a:solidFill>
+                <a:latin typeface="Times New Roman"/>
+                <a:ea typeface="Times New Roman"/>
+                <a:cs typeface="Times New Roman"/>
+                <a:sym typeface="Times New Roman"/>
+              </a:rPr>
+              <a:t>contraints</a:t>
+            </a:r>
+            <a:endParaRPr dirty="0">
+              <a:solidFill>
+                <a:schemeClr val="lt1"/>
+              </a:solidFill>
+              <a:latin typeface="Times New Roman"/>
+              <a:ea typeface="Times New Roman"/>
+              <a:cs typeface="Times New Roman"/>
+              <a:sym typeface="Times New Roman"/>
+            </a:endParaRPr>
+          </a:p>
+        </p:txBody>
+      </p:sp>
+      <p:sp>
+        <p:nvSpPr>
+          <p:cNvPr id="234" name="Google Shape;234;geef53d5d55_1_206"/>
+          <p:cNvSpPr txBox="1"/>
+          <p:nvPr/>
+        </p:nvSpPr>
+        <p:spPr>
+          <a:xfrm>
+            <a:off x="677334" y="678873"/>
+            <a:ext cx="6096000" cy="646500"/>
+          </a:xfrm>
+          <a:prstGeom prst="rect">
+            <a:avLst/>
+          </a:prstGeom>
+          <a:noFill/>
+          <a:ln>
+            <a:noFill/>
+          </a:ln>
+        </p:spPr>
+        <p:txBody>
+          <a:bodyPr spcFirstLastPara="1" wrap="square" lIns="91425" tIns="45700" rIns="91425" bIns="45700" anchor="t" anchorCtr="0">
+            <a:spAutoFit/>
+          </a:bodyPr>
+          <a:lstStyle/>
+          <a:p>
+            <a:pPr marL="0" marR="0" lvl="0" indent="0" algn="l" rtl="0">
+              <a:lnSpc>
+                <a:spcPct val="100000"/>
+              </a:lnSpc>
+              <a:spcBef>
+                <a:spcPts val="0"/>
+              </a:spcBef>
+              <a:spcAft>
+                <a:spcPts val="0"/>
+              </a:spcAft>
+              <a:buClr>
+                <a:srgbClr val="000000"/>
+              </a:buClr>
+              <a:buSzPts val="3600"/>
+              <a:buFont typeface="Arial"/>
+              <a:buNone/>
+            </a:pPr>
+            <a:r>
+              <a:rPr lang="en-US" sz="3600" dirty="0">
+                <a:solidFill>
+                  <a:srgbClr val="93DF5F"/>
+                </a:solidFill>
+                <a:latin typeface="Times New Roman"/>
+                <a:ea typeface="Times New Roman"/>
+                <a:cs typeface="Times New Roman"/>
+                <a:sym typeface="Times New Roman"/>
+              </a:rPr>
+              <a:t>Custom Route template</a:t>
+            </a:r>
+            <a:endParaRPr sz="3600" i="0" u="none" strike="noStrike" cap="none" dirty="0">
+              <a:solidFill>
+                <a:srgbClr val="93DF5F"/>
+              </a:solidFill>
+              <a:latin typeface="Times New Roman"/>
+              <a:ea typeface="Times New Roman"/>
+              <a:cs typeface="Times New Roman"/>
+              <a:sym typeface="Times New Roman"/>
+            </a:endParaRPr>
+          </a:p>
+        </p:txBody>
+      </p:sp>
+      <p:cxnSp>
+        <p:nvCxnSpPr>
+          <p:cNvPr id="235" name="Google Shape;235;geef53d5d55_1_206"/>
+          <p:cNvCxnSpPr/>
+          <p:nvPr/>
+        </p:nvCxnSpPr>
+        <p:spPr>
+          <a:xfrm>
+            <a:off x="815879" y="1325204"/>
+            <a:ext cx="5210700" cy="0"/>
+          </a:xfrm>
+          <a:prstGeom prst="straightConnector1">
+            <a:avLst/>
+          </a:prstGeom>
+          <a:noFill/>
+          <a:ln w="25400" cap="flat" cmpd="sng">
+            <a:solidFill>
+              <a:schemeClr val="accent1"/>
+            </a:solidFill>
+            <a:prstDash val="solid"/>
+            <a:round/>
+            <a:headEnd type="none" w="sm" len="sm"/>
+            <a:tailEnd type="none" w="sm" len="sm"/>
+          </a:ln>
+        </p:spPr>
+      </p:cxnSp>
+      <p:pic>
+        <p:nvPicPr>
+          <p:cNvPr id="236" name="Google Shape;236;geef53d5d55_1_206"/>
+          <p:cNvPicPr preferRelativeResize="0"/>
+          <p:nvPr/>
+        </p:nvPicPr>
+        <p:blipFill rotWithShape="1">
+          <a:blip r:embed="rId3">
+            <a:alphaModFix/>
+          </a:blip>
+          <a:srcRect/>
+          <a:stretch/>
+        </p:blipFill>
+        <p:spPr>
+          <a:xfrm>
+            <a:off x="677316" y="6274352"/>
+            <a:ext cx="1639649" cy="413900"/>
+          </a:xfrm>
+          <a:prstGeom prst="rect">
+            <a:avLst/>
+          </a:prstGeom>
+          <a:noFill/>
+          <a:ln>
+            <a:noFill/>
+          </a:ln>
+        </p:spPr>
+      </p:pic>
+      <p:pic>
+        <p:nvPicPr>
+          <p:cNvPr id="3" name="Picture 2">
+            <a:extLst>
+              <a:ext uri="{FF2B5EF4-FFF2-40B4-BE49-F238E27FC236}">
+                <a16:creationId xmlns:a16="http://schemas.microsoft.com/office/drawing/2014/main" id="{242CA5EB-AC8B-4043-8070-A47895D8A967}"/>
+              </a:ext>
+            </a:extLst>
+          </p:cNvPr>
+          <p:cNvPicPr>
+            <a:picLocks noChangeAspect="1"/>
+          </p:cNvPicPr>
+          <p:nvPr/>
+        </p:nvPicPr>
+        <p:blipFill>
+          <a:blip r:embed="rId4"/>
+          <a:stretch>
+            <a:fillRect/>
+          </a:stretch>
+        </p:blipFill>
+        <p:spPr>
+          <a:xfrm>
+            <a:off x="815879" y="2872059"/>
+            <a:ext cx="7185668" cy="1989190"/>
+          </a:xfrm>
+          <a:prstGeom prst="rect">
+            <a:avLst/>
+          </a:prstGeom>
+        </p:spPr>
+      </p:pic>
+      <p:pic>
+        <p:nvPicPr>
+          <p:cNvPr id="4" name="Picture 3">
+            <a:extLst>
+              <a:ext uri="{FF2B5EF4-FFF2-40B4-BE49-F238E27FC236}">
+                <a16:creationId xmlns:a16="http://schemas.microsoft.com/office/drawing/2014/main" id="{B87F3048-1AD2-4FF6-926A-78BFFA266E40}"/>
+              </a:ext>
+            </a:extLst>
+          </p:cNvPr>
+          <p:cNvPicPr>
+            <a:picLocks noChangeAspect="1"/>
+          </p:cNvPicPr>
+          <p:nvPr/>
+        </p:nvPicPr>
+        <p:blipFill>
+          <a:blip r:embed="rId5"/>
+          <a:stretch>
+            <a:fillRect/>
+          </a:stretch>
+        </p:blipFill>
+        <p:spPr>
+          <a:xfrm>
+            <a:off x="815879" y="5163553"/>
+            <a:ext cx="6791675" cy="877836"/>
+          </a:xfrm>
+          <a:prstGeom prst="rect">
+            <a:avLst/>
+          </a:prstGeom>
+        </p:spPr>
+      </p:pic>
+    </p:spTree>
+  </p:cSld>
+  <p:clrMapOvr>
+    <a:masterClrMapping/>
+  </p:clrMapOvr>
+</p:sld>
+</file>
+
 <file path=ppt/slides/slide27.xml><?xml version="1.0" encoding="utf-8"?>
 <p:sld xmlns:a="http://schemas.openxmlformats.org/drawingml/2006/main" xmlns:r="http://schemas.openxmlformats.org/officeDocument/2006/relationships" xmlns:p="http://schemas.openxmlformats.org/presentationml/2006/main">
   <p:cSld>
@@ -31995,12 +32025,346 @@
           </a:ln>
         </p:spPr>
       </p:pic>
+      <p:sp>
+        <p:nvSpPr>
+          <p:cNvPr id="10" name="Google Shape;233;geef53d5d55_1_206">
+            <a:extLst>
+              <a:ext uri="{FF2B5EF4-FFF2-40B4-BE49-F238E27FC236}">
+                <a16:creationId xmlns:a16="http://schemas.microsoft.com/office/drawing/2014/main" id="{B39313E7-3067-4C3B-BB5A-4D583AD71873}"/>
+              </a:ext>
+            </a:extLst>
+          </p:cNvPr>
+          <p:cNvSpPr txBox="1">
+            <a:spLocks/>
+          </p:cNvSpPr>
+          <p:nvPr/>
+        </p:nvSpPr>
+        <p:spPr>
+          <a:xfrm>
+            <a:off x="593358" y="1568538"/>
+            <a:ext cx="8596800" cy="726794"/>
+          </a:xfrm>
+          <a:prstGeom prst="rect">
+            <a:avLst/>
+          </a:prstGeom>
+          <a:noFill/>
+          <a:ln>
+            <a:noFill/>
+          </a:ln>
+        </p:spPr>
+        <p:txBody>
+          <a:bodyPr spcFirstLastPara="1" wrap="square" lIns="91425" tIns="45700" rIns="91425" bIns="45700" anchor="t" anchorCtr="0">
+            <a:normAutofit/>
+          </a:bodyPr>
+          <a:lstStyle>
+            <a:defPPr marR="0" lvl="0" algn="l" rtl="0">
+              <a:lnSpc>
+                <a:spcPct val="100000"/>
+              </a:lnSpc>
+              <a:spcBef>
+                <a:spcPts val="0"/>
+              </a:spcBef>
+              <a:spcAft>
+                <a:spcPts val="0"/>
+              </a:spcAft>
+            </a:defPPr>
+            <a:lvl1pPr marL="457200" marR="0" lvl="0" indent="-320040" algn="l" rtl="0">
+              <a:lnSpc>
+                <a:spcPct val="100000"/>
+              </a:lnSpc>
+              <a:spcBef>
+                <a:spcPts val="1000"/>
+              </a:spcBef>
+              <a:spcAft>
+                <a:spcPts val="0"/>
+              </a:spcAft>
+              <a:buClr>
+                <a:schemeClr val="accent1"/>
+              </a:buClr>
+              <a:buSzPts val="1440"/>
+              <a:buFont typeface="Noto Sans Symbols"/>
+              <a:buChar char="►"/>
+              <a:defRPr sz="1800" b="0" i="0" u="none" strike="noStrike" cap="none">
+                <a:solidFill>
+                  <a:srgbClr val="3F3F3F"/>
+                </a:solidFill>
+                <a:latin typeface="Trebuchet MS"/>
+                <a:ea typeface="Trebuchet MS"/>
+                <a:cs typeface="Trebuchet MS"/>
+                <a:sym typeface="Trebuchet MS"/>
+              </a:defRPr>
+            </a:lvl1pPr>
+            <a:lvl2pPr marL="914400" marR="0" lvl="1" indent="-320040" algn="l" rtl="0">
+              <a:lnSpc>
+                <a:spcPct val="100000"/>
+              </a:lnSpc>
+              <a:spcBef>
+                <a:spcPts val="1000"/>
+              </a:spcBef>
+              <a:spcAft>
+                <a:spcPts val="0"/>
+              </a:spcAft>
+              <a:buClr>
+                <a:schemeClr val="accent1"/>
+              </a:buClr>
+              <a:buSzPts val="1440"/>
+              <a:buFont typeface="Noto Sans Symbols"/>
+              <a:buChar char="►"/>
+              <a:defRPr sz="1600" b="0" i="0" u="none" strike="noStrike" cap="none">
+                <a:solidFill>
+                  <a:srgbClr val="3F3F3F"/>
+                </a:solidFill>
+                <a:latin typeface="Trebuchet MS"/>
+                <a:ea typeface="Trebuchet MS"/>
+                <a:cs typeface="Trebuchet MS"/>
+                <a:sym typeface="Trebuchet MS"/>
+              </a:defRPr>
+            </a:lvl2pPr>
+            <a:lvl3pPr marL="1371600" marR="0" lvl="2" indent="-320039" algn="l" rtl="0">
+              <a:lnSpc>
+                <a:spcPct val="100000"/>
+              </a:lnSpc>
+              <a:spcBef>
+                <a:spcPts val="1000"/>
+              </a:spcBef>
+              <a:spcAft>
+                <a:spcPts val="0"/>
+              </a:spcAft>
+              <a:buClr>
+                <a:schemeClr val="accent1"/>
+              </a:buClr>
+              <a:buSzPts val="1440"/>
+              <a:buFont typeface="Noto Sans Symbols"/>
+              <a:buChar char="►"/>
+              <a:defRPr sz="1400" b="0" i="0" u="none" strike="noStrike" cap="none">
+                <a:solidFill>
+                  <a:srgbClr val="3F3F3F"/>
+                </a:solidFill>
+                <a:latin typeface="Trebuchet MS"/>
+                <a:ea typeface="Trebuchet MS"/>
+                <a:cs typeface="Trebuchet MS"/>
+                <a:sym typeface="Trebuchet MS"/>
+              </a:defRPr>
+            </a:lvl3pPr>
+            <a:lvl4pPr marL="1828800" marR="0" lvl="3" indent="-320039" algn="l" rtl="0">
+              <a:lnSpc>
+                <a:spcPct val="100000"/>
+              </a:lnSpc>
+              <a:spcBef>
+                <a:spcPts val="1000"/>
+              </a:spcBef>
+              <a:spcAft>
+                <a:spcPts val="0"/>
+              </a:spcAft>
+              <a:buClr>
+                <a:schemeClr val="accent1"/>
+              </a:buClr>
+              <a:buSzPts val="1440"/>
+              <a:buFont typeface="Noto Sans Symbols"/>
+              <a:buChar char="►"/>
+              <a:defRPr sz="1200" b="0" i="0" u="none" strike="noStrike" cap="none">
+                <a:solidFill>
+                  <a:srgbClr val="3F3F3F"/>
+                </a:solidFill>
+                <a:latin typeface="Trebuchet MS"/>
+                <a:ea typeface="Trebuchet MS"/>
+                <a:cs typeface="Trebuchet MS"/>
+                <a:sym typeface="Trebuchet MS"/>
+              </a:defRPr>
+            </a:lvl4pPr>
+            <a:lvl5pPr marL="2286000" marR="0" lvl="4" indent="-320039" algn="l" rtl="0">
+              <a:lnSpc>
+                <a:spcPct val="100000"/>
+              </a:lnSpc>
+              <a:spcBef>
+                <a:spcPts val="1000"/>
+              </a:spcBef>
+              <a:spcAft>
+                <a:spcPts val="0"/>
+              </a:spcAft>
+              <a:buClr>
+                <a:schemeClr val="accent1"/>
+              </a:buClr>
+              <a:buSzPts val="1440"/>
+              <a:buFont typeface="Noto Sans Symbols"/>
+              <a:buChar char="►"/>
+              <a:defRPr sz="1200" b="0" i="0" u="none" strike="noStrike" cap="none">
+                <a:solidFill>
+                  <a:srgbClr val="3F3F3F"/>
+                </a:solidFill>
+                <a:latin typeface="Trebuchet MS"/>
+                <a:ea typeface="Trebuchet MS"/>
+                <a:cs typeface="Trebuchet MS"/>
+                <a:sym typeface="Trebuchet MS"/>
+              </a:defRPr>
+            </a:lvl5pPr>
+            <a:lvl6pPr marL="2743200" marR="0" lvl="5" indent="-320039" algn="l" rtl="0">
+              <a:lnSpc>
+                <a:spcPct val="100000"/>
+              </a:lnSpc>
+              <a:spcBef>
+                <a:spcPts val="1000"/>
+              </a:spcBef>
+              <a:spcAft>
+                <a:spcPts val="0"/>
+              </a:spcAft>
+              <a:buClr>
+                <a:schemeClr val="accent1"/>
+              </a:buClr>
+              <a:buSzPts val="1440"/>
+              <a:buFont typeface="Noto Sans Symbols"/>
+              <a:buChar char="►"/>
+              <a:defRPr sz="1200" b="0" i="0" u="none" strike="noStrike" cap="none">
+                <a:solidFill>
+                  <a:srgbClr val="3F3F3F"/>
+                </a:solidFill>
+                <a:latin typeface="Trebuchet MS"/>
+                <a:ea typeface="Trebuchet MS"/>
+                <a:cs typeface="Trebuchet MS"/>
+                <a:sym typeface="Trebuchet MS"/>
+              </a:defRPr>
+            </a:lvl6pPr>
+            <a:lvl7pPr marL="3200400" marR="0" lvl="6" indent="-320039" algn="l" rtl="0">
+              <a:lnSpc>
+                <a:spcPct val="100000"/>
+              </a:lnSpc>
+              <a:spcBef>
+                <a:spcPts val="1000"/>
+              </a:spcBef>
+              <a:spcAft>
+                <a:spcPts val="0"/>
+              </a:spcAft>
+              <a:buClr>
+                <a:schemeClr val="accent1"/>
+              </a:buClr>
+              <a:buSzPts val="1440"/>
+              <a:buFont typeface="Noto Sans Symbols"/>
+              <a:buChar char="►"/>
+              <a:defRPr sz="1200" b="0" i="0" u="none" strike="noStrike" cap="none">
+                <a:solidFill>
+                  <a:srgbClr val="3F3F3F"/>
+                </a:solidFill>
+                <a:latin typeface="Trebuchet MS"/>
+                <a:ea typeface="Trebuchet MS"/>
+                <a:cs typeface="Trebuchet MS"/>
+                <a:sym typeface="Trebuchet MS"/>
+              </a:defRPr>
+            </a:lvl7pPr>
+            <a:lvl8pPr marL="3657600" marR="0" lvl="7" indent="-320040" algn="l" rtl="0">
+              <a:lnSpc>
+                <a:spcPct val="100000"/>
+              </a:lnSpc>
+              <a:spcBef>
+                <a:spcPts val="1000"/>
+              </a:spcBef>
+              <a:spcAft>
+                <a:spcPts val="0"/>
+              </a:spcAft>
+              <a:buClr>
+                <a:schemeClr val="accent1"/>
+              </a:buClr>
+              <a:buSzPts val="1440"/>
+              <a:buFont typeface="Noto Sans Symbols"/>
+              <a:buChar char="►"/>
+              <a:defRPr sz="1200" b="0" i="0" u="none" strike="noStrike" cap="none">
+                <a:solidFill>
+                  <a:srgbClr val="3F3F3F"/>
+                </a:solidFill>
+                <a:latin typeface="Trebuchet MS"/>
+                <a:ea typeface="Trebuchet MS"/>
+                <a:cs typeface="Trebuchet MS"/>
+                <a:sym typeface="Trebuchet MS"/>
+              </a:defRPr>
+            </a:lvl8pPr>
+            <a:lvl9pPr marL="4114800" marR="0" lvl="8" indent="-320040" algn="l" rtl="0">
+              <a:lnSpc>
+                <a:spcPct val="100000"/>
+              </a:lnSpc>
+              <a:spcBef>
+                <a:spcPts val="1000"/>
+              </a:spcBef>
+              <a:spcAft>
+                <a:spcPts val="0"/>
+              </a:spcAft>
+              <a:buClr>
+                <a:schemeClr val="accent1"/>
+              </a:buClr>
+              <a:buSzPts val="1440"/>
+              <a:buFont typeface="Noto Sans Symbols"/>
+              <a:buChar char="►"/>
+              <a:defRPr sz="1200" b="0" i="0" u="none" strike="noStrike" cap="none">
+                <a:solidFill>
+                  <a:srgbClr val="3F3F3F"/>
+                </a:solidFill>
+                <a:latin typeface="Trebuchet MS"/>
+                <a:ea typeface="Trebuchet MS"/>
+                <a:cs typeface="Trebuchet MS"/>
+                <a:sym typeface="Trebuchet MS"/>
+              </a:defRPr>
+            </a:lvl9pPr>
+          </a:lstStyle>
+          <a:p>
+            <a:pPr marL="285750" indent="-285750">
+              <a:spcBef>
+                <a:spcPts val="0"/>
+              </a:spcBef>
+              <a:buFontTx/>
+              <a:buChar char="-"/>
+            </a:pPr>
+            <a:r>
+              <a:rPr lang="en-US" dirty="0">
+                <a:solidFill>
+                  <a:schemeClr val="lt1"/>
+                </a:solidFill>
+                <a:latin typeface="Times New Roman"/>
+                <a:ea typeface="Times New Roman"/>
+                <a:cs typeface="Times New Roman"/>
+                <a:sym typeface="Times New Roman"/>
+              </a:rPr>
+              <a:t>Thêm route </a:t>
+            </a:r>
+            <a:r>
+              <a:rPr lang="en-US" dirty="0" err="1">
+                <a:solidFill>
+                  <a:schemeClr val="lt1"/>
+                </a:solidFill>
+                <a:latin typeface="Times New Roman"/>
+                <a:ea typeface="Times New Roman"/>
+                <a:cs typeface="Times New Roman"/>
+                <a:sym typeface="Times New Roman"/>
+              </a:rPr>
+              <a:t>cho</a:t>
+            </a:r>
+            <a:r>
+              <a:rPr lang="en-US" dirty="0">
+                <a:solidFill>
+                  <a:schemeClr val="lt1"/>
+                </a:solidFill>
+                <a:latin typeface="Times New Roman"/>
+                <a:ea typeface="Times New Roman"/>
+                <a:cs typeface="Times New Roman"/>
+                <a:sym typeface="Times New Roman"/>
+              </a:rPr>
+              <a:t> application level</a:t>
+            </a:r>
+            <a:endParaRPr lang="vi-VN" dirty="0">
+              <a:solidFill>
+                <a:schemeClr val="lt1"/>
+              </a:solidFill>
+              <a:latin typeface="Times New Roman"/>
+              <a:ea typeface="Times New Roman"/>
+              <a:cs typeface="Times New Roman"/>
+              <a:sym typeface="Times New Roman"/>
+            </a:endParaRPr>
+          </a:p>
+        </p:txBody>
+      </p:sp>
       <p:pic>
         <p:nvPicPr>
-          <p:cNvPr id="2" name="Picture 1">
+          <p:cNvPr id="3" name="Picture 2">
             <a:extLst>
               <a:ext uri="{FF2B5EF4-FFF2-40B4-BE49-F238E27FC236}">
-                <a16:creationId xmlns:a16="http://schemas.microsoft.com/office/drawing/2014/main" id="{A31B56EF-1B17-4A37-B679-F5FFBE966CCA}"/>
+                <a16:creationId xmlns:a16="http://schemas.microsoft.com/office/drawing/2014/main" id="{74000361-07DA-48D8-8849-9219DBAA57C6}"/>
               </a:ext>
             </a:extLst>
           </p:cNvPr>
@@ -32017,348 +32381,74 @@
         </p:blipFill>
         <p:spPr>
           <a:xfrm>
-            <a:off x="815879" y="1558240"/>
-            <a:ext cx="7674005" cy="2728196"/>
+            <a:off x="1003589" y="2114273"/>
+            <a:ext cx="8262485" cy="1580649"/>
           </a:xfrm>
           <a:prstGeom prst="rect">
             <a:avLst/>
           </a:prstGeom>
         </p:spPr>
       </p:pic>
-      <p:sp>
-        <p:nvSpPr>
-          <p:cNvPr id="10" name="Google Shape;233;geef53d5d55_1_206">
+      <p:pic>
+        <p:nvPicPr>
+          <p:cNvPr id="4" name="Picture 3">
             <a:extLst>
               <a:ext uri="{FF2B5EF4-FFF2-40B4-BE49-F238E27FC236}">
-                <a16:creationId xmlns:a16="http://schemas.microsoft.com/office/drawing/2014/main" id="{B39313E7-3067-4C3B-BB5A-4D583AD71873}"/>
+                <a16:creationId xmlns:a16="http://schemas.microsoft.com/office/drawing/2014/main" id="{82405617-A91B-4B03-A57D-84EE6D97D0EB}"/>
               </a:ext>
             </a:extLst>
           </p:cNvPr>
-          <p:cNvSpPr txBox="1">
-            <a:spLocks/>
-          </p:cNvSpPr>
+          <p:cNvPicPr>
+            <a:picLocks noChangeAspect="1"/>
+          </p:cNvPicPr>
           <p:nvPr/>
-        </p:nvSpPr>
+        </p:nvPicPr>
+        <p:blipFill>
+          <a:blip r:embed="rId5"/>
+          <a:stretch>
+            <a:fillRect/>
+          </a:stretch>
+        </p:blipFill>
         <p:spPr>
           <a:xfrm>
-            <a:off x="677334" y="4413379"/>
-            <a:ext cx="8596800" cy="1628009"/>
+            <a:off x="677316" y="3933759"/>
+            <a:ext cx="4252328" cy="2187130"/>
           </a:xfrm>
           <a:prstGeom prst="rect">
             <a:avLst/>
           </a:prstGeom>
-          <a:noFill/>
-          <a:ln>
-            <a:noFill/>
-          </a:ln>
         </p:spPr>
-        <p:txBody>
-          <a:bodyPr spcFirstLastPara="1" wrap="square" lIns="91425" tIns="45700" rIns="91425" bIns="45700" anchor="t" anchorCtr="0">
-            <a:normAutofit/>
-          </a:bodyPr>
-          <a:lstStyle>
-            <a:defPPr marR="0" lvl="0" algn="l" rtl="0">
-              <a:lnSpc>
-                <a:spcPct val="100000"/>
-              </a:lnSpc>
-              <a:spcBef>
-                <a:spcPts val="0"/>
-              </a:spcBef>
-              <a:spcAft>
-                <a:spcPts val="0"/>
-              </a:spcAft>
-            </a:defPPr>
-            <a:lvl1pPr marL="457200" marR="0" lvl="0" indent="-320040" algn="l" rtl="0">
-              <a:lnSpc>
-                <a:spcPct val="100000"/>
-              </a:lnSpc>
-              <a:spcBef>
-                <a:spcPts val="1000"/>
-              </a:spcBef>
-              <a:spcAft>
-                <a:spcPts val="0"/>
-              </a:spcAft>
-              <a:buClr>
-                <a:schemeClr val="accent1"/>
-              </a:buClr>
-              <a:buSzPts val="1440"/>
-              <a:buFont typeface="Noto Sans Symbols"/>
-              <a:buChar char="►"/>
-              <a:defRPr sz="1800" b="0" i="0" u="none" strike="noStrike" cap="none">
-                <a:solidFill>
-                  <a:srgbClr val="3F3F3F"/>
-                </a:solidFill>
-                <a:latin typeface="Trebuchet MS"/>
-                <a:ea typeface="Trebuchet MS"/>
-                <a:cs typeface="Trebuchet MS"/>
-                <a:sym typeface="Trebuchet MS"/>
-              </a:defRPr>
-            </a:lvl1pPr>
-            <a:lvl2pPr marL="914400" marR="0" lvl="1" indent="-320040" algn="l" rtl="0">
-              <a:lnSpc>
-                <a:spcPct val="100000"/>
-              </a:lnSpc>
-              <a:spcBef>
-                <a:spcPts val="1000"/>
-              </a:spcBef>
-              <a:spcAft>
-                <a:spcPts val="0"/>
-              </a:spcAft>
-              <a:buClr>
-                <a:schemeClr val="accent1"/>
-              </a:buClr>
-              <a:buSzPts val="1440"/>
-              <a:buFont typeface="Noto Sans Symbols"/>
-              <a:buChar char="►"/>
-              <a:defRPr sz="1600" b="0" i="0" u="none" strike="noStrike" cap="none">
-                <a:solidFill>
-                  <a:srgbClr val="3F3F3F"/>
-                </a:solidFill>
-                <a:latin typeface="Trebuchet MS"/>
-                <a:ea typeface="Trebuchet MS"/>
-                <a:cs typeface="Trebuchet MS"/>
-                <a:sym typeface="Trebuchet MS"/>
-              </a:defRPr>
-            </a:lvl2pPr>
-            <a:lvl3pPr marL="1371600" marR="0" lvl="2" indent="-320039" algn="l" rtl="0">
-              <a:lnSpc>
-                <a:spcPct val="100000"/>
-              </a:lnSpc>
-              <a:spcBef>
-                <a:spcPts val="1000"/>
-              </a:spcBef>
-              <a:spcAft>
-                <a:spcPts val="0"/>
-              </a:spcAft>
-              <a:buClr>
-                <a:schemeClr val="accent1"/>
-              </a:buClr>
-              <a:buSzPts val="1440"/>
-              <a:buFont typeface="Noto Sans Symbols"/>
-              <a:buChar char="►"/>
-              <a:defRPr sz="1400" b="0" i="0" u="none" strike="noStrike" cap="none">
-                <a:solidFill>
-                  <a:srgbClr val="3F3F3F"/>
-                </a:solidFill>
-                <a:latin typeface="Trebuchet MS"/>
-                <a:ea typeface="Trebuchet MS"/>
-                <a:cs typeface="Trebuchet MS"/>
-                <a:sym typeface="Trebuchet MS"/>
-              </a:defRPr>
-            </a:lvl3pPr>
-            <a:lvl4pPr marL="1828800" marR="0" lvl="3" indent="-320039" algn="l" rtl="0">
-              <a:lnSpc>
-                <a:spcPct val="100000"/>
-              </a:lnSpc>
-              <a:spcBef>
-                <a:spcPts val="1000"/>
-              </a:spcBef>
-              <a:spcAft>
-                <a:spcPts val="0"/>
-              </a:spcAft>
-              <a:buClr>
-                <a:schemeClr val="accent1"/>
-              </a:buClr>
-              <a:buSzPts val="1440"/>
-              <a:buFont typeface="Noto Sans Symbols"/>
-              <a:buChar char="►"/>
-              <a:defRPr sz="1200" b="0" i="0" u="none" strike="noStrike" cap="none">
-                <a:solidFill>
-                  <a:srgbClr val="3F3F3F"/>
-                </a:solidFill>
-                <a:latin typeface="Trebuchet MS"/>
-                <a:ea typeface="Trebuchet MS"/>
-                <a:cs typeface="Trebuchet MS"/>
-                <a:sym typeface="Trebuchet MS"/>
-              </a:defRPr>
-            </a:lvl4pPr>
-            <a:lvl5pPr marL="2286000" marR="0" lvl="4" indent="-320039" algn="l" rtl="0">
-              <a:lnSpc>
-                <a:spcPct val="100000"/>
-              </a:lnSpc>
-              <a:spcBef>
-                <a:spcPts val="1000"/>
-              </a:spcBef>
-              <a:spcAft>
-                <a:spcPts val="0"/>
-              </a:spcAft>
-              <a:buClr>
-                <a:schemeClr val="accent1"/>
-              </a:buClr>
-              <a:buSzPts val="1440"/>
-              <a:buFont typeface="Noto Sans Symbols"/>
-              <a:buChar char="►"/>
-              <a:defRPr sz="1200" b="0" i="0" u="none" strike="noStrike" cap="none">
-                <a:solidFill>
-                  <a:srgbClr val="3F3F3F"/>
-                </a:solidFill>
-                <a:latin typeface="Trebuchet MS"/>
-                <a:ea typeface="Trebuchet MS"/>
-                <a:cs typeface="Trebuchet MS"/>
-                <a:sym typeface="Trebuchet MS"/>
-              </a:defRPr>
-            </a:lvl5pPr>
-            <a:lvl6pPr marL="2743200" marR="0" lvl="5" indent="-320039" algn="l" rtl="0">
-              <a:lnSpc>
-                <a:spcPct val="100000"/>
-              </a:lnSpc>
-              <a:spcBef>
-                <a:spcPts val="1000"/>
-              </a:spcBef>
-              <a:spcAft>
-                <a:spcPts val="0"/>
-              </a:spcAft>
-              <a:buClr>
-                <a:schemeClr val="accent1"/>
-              </a:buClr>
-              <a:buSzPts val="1440"/>
-              <a:buFont typeface="Noto Sans Symbols"/>
-              <a:buChar char="►"/>
-              <a:defRPr sz="1200" b="0" i="0" u="none" strike="noStrike" cap="none">
-                <a:solidFill>
-                  <a:srgbClr val="3F3F3F"/>
-                </a:solidFill>
-                <a:latin typeface="Trebuchet MS"/>
-                <a:ea typeface="Trebuchet MS"/>
-                <a:cs typeface="Trebuchet MS"/>
-                <a:sym typeface="Trebuchet MS"/>
-              </a:defRPr>
-            </a:lvl6pPr>
-            <a:lvl7pPr marL="3200400" marR="0" lvl="6" indent="-320039" algn="l" rtl="0">
-              <a:lnSpc>
-                <a:spcPct val="100000"/>
-              </a:lnSpc>
-              <a:spcBef>
-                <a:spcPts val="1000"/>
-              </a:spcBef>
-              <a:spcAft>
-                <a:spcPts val="0"/>
-              </a:spcAft>
-              <a:buClr>
-                <a:schemeClr val="accent1"/>
-              </a:buClr>
-              <a:buSzPts val="1440"/>
-              <a:buFont typeface="Noto Sans Symbols"/>
-              <a:buChar char="►"/>
-              <a:defRPr sz="1200" b="0" i="0" u="none" strike="noStrike" cap="none">
-                <a:solidFill>
-                  <a:srgbClr val="3F3F3F"/>
-                </a:solidFill>
-                <a:latin typeface="Trebuchet MS"/>
-                <a:ea typeface="Trebuchet MS"/>
-                <a:cs typeface="Trebuchet MS"/>
-                <a:sym typeface="Trebuchet MS"/>
-              </a:defRPr>
-            </a:lvl7pPr>
-            <a:lvl8pPr marL="3657600" marR="0" lvl="7" indent="-320040" algn="l" rtl="0">
-              <a:lnSpc>
-                <a:spcPct val="100000"/>
-              </a:lnSpc>
-              <a:spcBef>
-                <a:spcPts val="1000"/>
-              </a:spcBef>
-              <a:spcAft>
-                <a:spcPts val="0"/>
-              </a:spcAft>
-              <a:buClr>
-                <a:schemeClr val="accent1"/>
-              </a:buClr>
-              <a:buSzPts val="1440"/>
-              <a:buFont typeface="Noto Sans Symbols"/>
-              <a:buChar char="►"/>
-              <a:defRPr sz="1200" b="0" i="0" u="none" strike="noStrike" cap="none">
-                <a:solidFill>
-                  <a:srgbClr val="3F3F3F"/>
-                </a:solidFill>
-                <a:latin typeface="Trebuchet MS"/>
-                <a:ea typeface="Trebuchet MS"/>
-                <a:cs typeface="Trebuchet MS"/>
-                <a:sym typeface="Trebuchet MS"/>
-              </a:defRPr>
-            </a:lvl8pPr>
-            <a:lvl9pPr marL="4114800" marR="0" lvl="8" indent="-320040" algn="l" rtl="0">
-              <a:lnSpc>
-                <a:spcPct val="100000"/>
-              </a:lnSpc>
-              <a:spcBef>
-                <a:spcPts val="1000"/>
-              </a:spcBef>
-              <a:spcAft>
-                <a:spcPts val="0"/>
-              </a:spcAft>
-              <a:buClr>
-                <a:schemeClr val="accent1"/>
-              </a:buClr>
-              <a:buSzPts val="1440"/>
-              <a:buFont typeface="Noto Sans Symbols"/>
-              <a:buChar char="►"/>
-              <a:defRPr sz="1200" b="0" i="0" u="none" strike="noStrike" cap="none">
-                <a:solidFill>
-                  <a:srgbClr val="3F3F3F"/>
-                </a:solidFill>
-                <a:latin typeface="Trebuchet MS"/>
-                <a:ea typeface="Trebuchet MS"/>
-                <a:cs typeface="Trebuchet MS"/>
-                <a:sym typeface="Trebuchet MS"/>
-              </a:defRPr>
-            </a:lvl9pPr>
-          </a:lstStyle>
-          <a:p>
-            <a:pPr marL="285750" indent="-285750">
-              <a:spcBef>
-                <a:spcPts val="0"/>
-              </a:spcBef>
-              <a:buFontTx/>
-              <a:buChar char="-"/>
-            </a:pPr>
-            <a:r>
-              <a:rPr lang="en-US" dirty="0">
-                <a:solidFill>
-                  <a:schemeClr val="lt1"/>
-                </a:solidFill>
-                <a:latin typeface="Times New Roman"/>
-                <a:ea typeface="Times New Roman"/>
-                <a:cs typeface="Times New Roman"/>
-                <a:sym typeface="Times New Roman"/>
-              </a:rPr>
-              <a:t>Thêm route </a:t>
-            </a:r>
-            <a:r>
-              <a:rPr lang="en-US" dirty="0" err="1">
-                <a:solidFill>
-                  <a:schemeClr val="lt1"/>
-                </a:solidFill>
-                <a:latin typeface="Times New Roman"/>
-                <a:ea typeface="Times New Roman"/>
-                <a:cs typeface="Times New Roman"/>
-                <a:sym typeface="Times New Roman"/>
-              </a:rPr>
-              <a:t>cho</a:t>
-            </a:r>
-            <a:r>
-              <a:rPr lang="en-US" dirty="0">
-                <a:solidFill>
-                  <a:schemeClr val="lt1"/>
-                </a:solidFill>
-                <a:latin typeface="Times New Roman"/>
-                <a:ea typeface="Times New Roman"/>
-                <a:cs typeface="Times New Roman"/>
-                <a:sym typeface="Times New Roman"/>
-              </a:rPr>
-              <a:t> application level</a:t>
-            </a:r>
-            <a:endParaRPr lang="vi-VN" dirty="0">
-              <a:solidFill>
-                <a:schemeClr val="lt1"/>
-              </a:solidFill>
-              <a:latin typeface="Times New Roman"/>
-              <a:ea typeface="Times New Roman"/>
-              <a:cs typeface="Times New Roman"/>
-              <a:sym typeface="Times New Roman"/>
-            </a:endParaRPr>
-          </a:p>
-        </p:txBody>
-      </p:sp>
+      </p:pic>
+      <p:pic>
+        <p:nvPicPr>
+          <p:cNvPr id="5" name="Picture 4">
+            <a:extLst>
+              <a:ext uri="{FF2B5EF4-FFF2-40B4-BE49-F238E27FC236}">
+                <a16:creationId xmlns:a16="http://schemas.microsoft.com/office/drawing/2014/main" id="{BF8FF3D6-AF11-4A6F-91F1-B8B38E92C69F}"/>
+              </a:ext>
+            </a:extLst>
+          </p:cNvPr>
+          <p:cNvPicPr>
+            <a:picLocks noChangeAspect="1"/>
+          </p:cNvPicPr>
+          <p:nvPr/>
+        </p:nvPicPr>
+        <p:blipFill>
+          <a:blip r:embed="rId6"/>
+          <a:stretch>
+            <a:fillRect/>
+          </a:stretch>
+        </p:blipFill>
+        <p:spPr>
+          <a:xfrm>
+            <a:off x="5493825" y="3932057"/>
+            <a:ext cx="4084674" cy="2149026"/>
+          </a:xfrm>
+          <a:prstGeom prst="rect">
+            <a:avLst/>
+          </a:prstGeom>
+        </p:spPr>
+      </p:pic>
     </p:spTree>
   </p:cSld>
   <p:clrMapOvr>
@@ -32368,155 +32458,6 @@
 </file>
 
 <file path=ppt/slides/slide28.xml><?xml version="1.0" encoding="utf-8"?>
-<p:sld xmlns:a="http://schemas.openxmlformats.org/drawingml/2006/main" xmlns:r="http://schemas.openxmlformats.org/officeDocument/2006/relationships" xmlns:p="http://schemas.openxmlformats.org/presentationml/2006/main">
-  <p:cSld>
-    <p:spTree>
-      <p:nvGrpSpPr>
-        <p:cNvPr id="1" name="Shape 197"/>
-        <p:cNvGrpSpPr/>
-        <p:nvPr/>
-      </p:nvGrpSpPr>
-      <p:grpSpPr>
-        <a:xfrm>
-          <a:off x="0" y="0"/>
-          <a:ext cx="0" cy="0"/>
-          <a:chOff x="0" y="0"/>
-          <a:chExt cx="0" cy="0"/>
-        </a:xfrm>
-      </p:grpSpPr>
-      <p:sp>
-        <p:nvSpPr>
-          <p:cNvPr id="199" name="Google Shape;199;geef53d5d55_1_27"/>
-          <p:cNvSpPr txBox="1"/>
-          <p:nvPr/>
-        </p:nvSpPr>
-        <p:spPr>
-          <a:xfrm>
-            <a:off x="677334" y="678873"/>
-            <a:ext cx="6096000" cy="646500"/>
-          </a:xfrm>
-          <a:prstGeom prst="rect">
-            <a:avLst/>
-          </a:prstGeom>
-          <a:noFill/>
-          <a:ln>
-            <a:noFill/>
-          </a:ln>
-        </p:spPr>
-        <p:txBody>
-          <a:bodyPr spcFirstLastPara="1" wrap="square" lIns="91425" tIns="45700" rIns="91425" bIns="45700" anchor="t" anchorCtr="0">
-            <a:spAutoFit/>
-          </a:bodyPr>
-          <a:lstStyle/>
-          <a:p>
-            <a:pPr marL="0" marR="0" lvl="0" indent="0" algn="l" rtl="0">
-              <a:lnSpc>
-                <a:spcPct val="100000"/>
-              </a:lnSpc>
-              <a:spcBef>
-                <a:spcPts val="0"/>
-              </a:spcBef>
-              <a:spcAft>
-                <a:spcPts val="0"/>
-              </a:spcAft>
-              <a:buClr>
-                <a:srgbClr val="000000"/>
-              </a:buClr>
-              <a:buSzPts val="3600"/>
-              <a:buFont typeface="Arial"/>
-              <a:buNone/>
-            </a:pPr>
-            <a:r>
-              <a:rPr lang="en-US" sz="3600" dirty="0">
-                <a:solidFill>
-                  <a:srgbClr val="93DF5F"/>
-                </a:solidFill>
-                <a:latin typeface="Times New Roman"/>
-                <a:ea typeface="Times New Roman"/>
-                <a:cs typeface="Times New Roman"/>
-                <a:sym typeface="Times New Roman"/>
-              </a:rPr>
-              <a:t>Demo route templates</a:t>
-            </a:r>
-            <a:endParaRPr sz="3600" i="0" u="none" strike="noStrike" cap="none" dirty="0">
-              <a:solidFill>
-                <a:srgbClr val="93DF5F"/>
-              </a:solidFill>
-              <a:latin typeface="Times New Roman"/>
-              <a:ea typeface="Times New Roman"/>
-              <a:cs typeface="Times New Roman"/>
-              <a:sym typeface="Times New Roman"/>
-            </a:endParaRPr>
-          </a:p>
-        </p:txBody>
-      </p:sp>
-      <p:cxnSp>
-        <p:nvCxnSpPr>
-          <p:cNvPr id="200" name="Google Shape;200;geef53d5d55_1_27"/>
-          <p:cNvCxnSpPr/>
-          <p:nvPr/>
-        </p:nvCxnSpPr>
-        <p:spPr>
-          <a:xfrm>
-            <a:off x="815879" y="1325204"/>
-            <a:ext cx="5210700" cy="0"/>
-          </a:xfrm>
-          <a:prstGeom prst="straightConnector1">
-            <a:avLst/>
-          </a:prstGeom>
-          <a:noFill/>
-          <a:ln w="25400" cap="flat" cmpd="sng">
-            <a:solidFill>
-              <a:schemeClr val="accent1"/>
-            </a:solidFill>
-            <a:prstDash val="solid"/>
-            <a:round/>
-            <a:headEnd type="none" w="sm" len="sm"/>
-            <a:tailEnd type="none" w="sm" len="sm"/>
-          </a:ln>
-        </p:spPr>
-      </p:cxnSp>
-      <p:pic>
-        <p:nvPicPr>
-          <p:cNvPr id="201" name="Google Shape;201;geef53d5d55_1_27"/>
-          <p:cNvPicPr preferRelativeResize="0"/>
-          <p:nvPr/>
-        </p:nvPicPr>
-        <p:blipFill rotWithShape="1">
-          <a:blip r:embed="rId3">
-            <a:alphaModFix/>
-          </a:blip>
-          <a:srcRect/>
-          <a:stretch/>
-        </p:blipFill>
-        <p:spPr>
-          <a:xfrm>
-            <a:off x="677316" y="6274352"/>
-            <a:ext cx="1639649" cy="413900"/>
-          </a:xfrm>
-          <a:prstGeom prst="rect">
-            <a:avLst/>
-          </a:prstGeom>
-          <a:noFill/>
-          <a:ln>
-            <a:noFill/>
-          </a:ln>
-        </p:spPr>
-      </p:pic>
-    </p:spTree>
-    <p:extLst>
-      <p:ext uri="{BB962C8B-B14F-4D97-AF65-F5344CB8AC3E}">
-        <p14:creationId xmlns:p14="http://schemas.microsoft.com/office/powerpoint/2010/main" val="3504079325"/>
-      </p:ext>
-    </p:extLst>
-  </p:cSld>
-  <p:clrMapOvr>
-    <a:masterClrMapping/>
-  </p:clrMapOvr>
-</p:sld>
-</file>
-
-<file path=ppt/slides/slide29.xml><?xml version="1.0" encoding="utf-8"?>
 <p:sld xmlns:a="http://schemas.openxmlformats.org/drawingml/2006/main" xmlns:r="http://schemas.openxmlformats.org/officeDocument/2006/relationships" xmlns:p="http://schemas.openxmlformats.org/presentationml/2006/main">
   <p:cSld>
     <p:spTree>
@@ -33070,6 +33011,204 @@
 </p:sld>
 </file>
 
+<file path=ppt/slides/slide29.xml><?xml version="1.0" encoding="utf-8"?>
+<p:sld xmlns:a="http://schemas.openxmlformats.org/drawingml/2006/main" xmlns:r="http://schemas.openxmlformats.org/officeDocument/2006/relationships" xmlns:p="http://schemas.openxmlformats.org/presentationml/2006/main">
+  <p:cSld>
+    <p:spTree>
+      <p:nvGrpSpPr>
+        <p:cNvPr id="1" name="Shape 271"/>
+        <p:cNvGrpSpPr/>
+        <p:nvPr/>
+      </p:nvGrpSpPr>
+      <p:grpSpPr>
+        <a:xfrm>
+          <a:off x="0" y="0"/>
+          <a:ext cx="0" cy="0"/>
+          <a:chOff x="0" y="0"/>
+          <a:chExt cx="0" cy="0"/>
+        </a:xfrm>
+      </p:grpSpPr>
+      <p:sp>
+        <p:nvSpPr>
+          <p:cNvPr id="273" name="Google Shape;273;geef53d5d55_1_68"/>
+          <p:cNvSpPr txBox="1"/>
+          <p:nvPr/>
+        </p:nvSpPr>
+        <p:spPr>
+          <a:xfrm>
+            <a:off x="677334" y="678873"/>
+            <a:ext cx="6096000" cy="646500"/>
+          </a:xfrm>
+          <a:prstGeom prst="rect">
+            <a:avLst/>
+          </a:prstGeom>
+          <a:noFill/>
+          <a:ln>
+            <a:noFill/>
+          </a:ln>
+        </p:spPr>
+        <p:txBody>
+          <a:bodyPr spcFirstLastPara="1" wrap="square" lIns="91425" tIns="45700" rIns="91425" bIns="45700" anchor="t" anchorCtr="0">
+            <a:spAutoFit/>
+          </a:bodyPr>
+          <a:lstStyle/>
+          <a:p>
+            <a:pPr marL="0" marR="0" lvl="0" indent="0" algn="l" rtl="0">
+              <a:lnSpc>
+                <a:spcPct val="100000"/>
+              </a:lnSpc>
+              <a:spcBef>
+                <a:spcPts val="0"/>
+              </a:spcBef>
+              <a:spcAft>
+                <a:spcPts val="0"/>
+              </a:spcAft>
+              <a:buClr>
+                <a:srgbClr val="000000"/>
+              </a:buClr>
+              <a:buSzPts val="3600"/>
+              <a:buFont typeface="Arial"/>
+              <a:buNone/>
+            </a:pPr>
+            <a:r>
+              <a:rPr lang="en-US" sz="3600" dirty="0" err="1">
+                <a:solidFill>
+                  <a:srgbClr val="93DF5F"/>
+                </a:solidFill>
+                <a:latin typeface="Times New Roman"/>
+                <a:ea typeface="Times New Roman"/>
+                <a:cs typeface="Times New Roman"/>
+                <a:sym typeface="Times New Roman"/>
+              </a:rPr>
+              <a:t>Các</a:t>
+            </a:r>
+            <a:r>
+              <a:rPr lang="en-US" sz="3600" dirty="0">
+                <a:solidFill>
+                  <a:srgbClr val="93DF5F"/>
+                </a:solidFill>
+                <a:latin typeface="Times New Roman"/>
+                <a:ea typeface="Times New Roman"/>
+                <a:cs typeface="Times New Roman"/>
+                <a:sym typeface="Times New Roman"/>
+              </a:rPr>
+              <a:t> kiểu route </a:t>
+            </a:r>
+            <a:r>
+              <a:rPr lang="en-US" sz="3600" dirty="0" err="1">
+                <a:solidFill>
+                  <a:srgbClr val="93DF5F"/>
+                </a:solidFill>
+                <a:latin typeface="Times New Roman"/>
+                <a:ea typeface="Times New Roman"/>
+                <a:cs typeface="Times New Roman"/>
+                <a:sym typeface="Times New Roman"/>
+              </a:rPr>
+              <a:t>contraints</a:t>
+            </a:r>
+            <a:endParaRPr sz="3600" i="0" u="none" strike="noStrike" cap="none" dirty="0">
+              <a:solidFill>
+                <a:srgbClr val="93DF5F"/>
+              </a:solidFill>
+              <a:latin typeface="Times New Roman"/>
+              <a:ea typeface="Times New Roman"/>
+              <a:cs typeface="Times New Roman"/>
+              <a:sym typeface="Times New Roman"/>
+            </a:endParaRPr>
+          </a:p>
+        </p:txBody>
+      </p:sp>
+      <p:cxnSp>
+        <p:nvCxnSpPr>
+          <p:cNvPr id="274" name="Google Shape;274;geef53d5d55_1_68"/>
+          <p:cNvCxnSpPr/>
+          <p:nvPr/>
+        </p:nvCxnSpPr>
+        <p:spPr>
+          <a:xfrm>
+            <a:off x="815879" y="1325204"/>
+            <a:ext cx="5210700" cy="0"/>
+          </a:xfrm>
+          <a:prstGeom prst="straightConnector1">
+            <a:avLst/>
+          </a:prstGeom>
+          <a:noFill/>
+          <a:ln w="25400" cap="flat" cmpd="sng">
+            <a:solidFill>
+              <a:schemeClr val="accent1"/>
+            </a:solidFill>
+            <a:prstDash val="solid"/>
+            <a:round/>
+            <a:headEnd type="none" w="sm" len="sm"/>
+            <a:tailEnd type="none" w="sm" len="sm"/>
+          </a:ln>
+        </p:spPr>
+      </p:cxnSp>
+      <p:pic>
+        <p:nvPicPr>
+          <p:cNvPr id="275" name="Google Shape;275;geef53d5d55_1_68"/>
+          <p:cNvPicPr preferRelativeResize="0"/>
+          <p:nvPr/>
+        </p:nvPicPr>
+        <p:blipFill rotWithShape="1">
+          <a:blip r:embed="rId3">
+            <a:alphaModFix/>
+          </a:blip>
+          <a:srcRect/>
+          <a:stretch/>
+        </p:blipFill>
+        <p:spPr>
+          <a:xfrm>
+            <a:off x="677316" y="6274352"/>
+            <a:ext cx="1639649" cy="413900"/>
+          </a:xfrm>
+          <a:prstGeom prst="rect">
+            <a:avLst/>
+          </a:prstGeom>
+          <a:noFill/>
+          <a:ln>
+            <a:noFill/>
+          </a:ln>
+        </p:spPr>
+      </p:pic>
+      <p:pic>
+        <p:nvPicPr>
+          <p:cNvPr id="3" name="Picture 2">
+            <a:extLst>
+              <a:ext uri="{FF2B5EF4-FFF2-40B4-BE49-F238E27FC236}">
+                <a16:creationId xmlns:a16="http://schemas.microsoft.com/office/drawing/2014/main" id="{36632911-D2B4-4841-B0FC-BD712DD39A2B}"/>
+              </a:ext>
+            </a:extLst>
+          </p:cNvPr>
+          <p:cNvPicPr>
+            <a:picLocks noChangeAspect="1"/>
+          </p:cNvPicPr>
+          <p:nvPr/>
+        </p:nvPicPr>
+        <p:blipFill>
+          <a:blip r:embed="rId4"/>
+          <a:stretch>
+            <a:fillRect/>
+          </a:stretch>
+        </p:blipFill>
+        <p:spPr>
+          <a:xfrm>
+            <a:off x="677316" y="1570053"/>
+            <a:ext cx="7148179" cy="3962743"/>
+          </a:xfrm>
+          <a:prstGeom prst="rect">
+            <a:avLst/>
+          </a:prstGeom>
+        </p:spPr>
+      </p:pic>
+    </p:spTree>
+  </p:cSld>
+  <p:clrMapOvr>
+    <a:masterClrMapping/>
+  </p:clrMapOvr>
+</p:sld>
+</file>
+
 <file path=ppt/slides/slide3.xml><?xml version="1.0" encoding="utf-8"?>
 <p:sld xmlns:a="http://schemas.openxmlformats.org/drawingml/2006/main" xmlns:r="http://schemas.openxmlformats.org/officeDocument/2006/relationships" xmlns:p="http://schemas.openxmlformats.org/presentationml/2006/main">
   <p:cSld>
@@ -33784,7 +33923,7 @@
                 <a:cs typeface="Times New Roman"/>
                 <a:sym typeface="Times New Roman"/>
               </a:rPr>
-              <a:t>Các</a:t>
+              <a:t>Ví</a:t>
             </a:r>
             <a:r>
               <a:rPr lang="en-US" sz="3600" dirty="0">
@@ -33796,7 +33935,7 @@
                 <a:cs typeface="Times New Roman"/>
                 <a:sym typeface="Times New Roman"/>
               </a:rPr>
-              <a:t> kiểu route </a:t>
+              <a:t> dụ Route </a:t>
             </a:r>
             <a:r>
               <a:rPr lang="en-US" sz="3600" dirty="0" err="1">
@@ -33877,10 +34016,10 @@
       </p:pic>
       <p:pic>
         <p:nvPicPr>
-          <p:cNvPr id="3" name="Picture 2">
+          <p:cNvPr id="2" name="Picture 1">
             <a:extLst>
               <a:ext uri="{FF2B5EF4-FFF2-40B4-BE49-F238E27FC236}">
-                <a16:creationId xmlns:a16="http://schemas.microsoft.com/office/drawing/2014/main" id="{36632911-D2B4-4841-B0FC-BD712DD39A2B}"/>
+                <a16:creationId xmlns:a16="http://schemas.microsoft.com/office/drawing/2014/main" id="{B7FF9DDB-BE5A-4B20-9431-D11E1959B083}"/>
               </a:ext>
             </a:extLst>
           </p:cNvPr>
@@ -33897,8 +34036,68 @@
         </p:blipFill>
         <p:spPr>
           <a:xfrm>
-            <a:off x="677316" y="1570053"/>
-            <a:ext cx="7148179" cy="3962743"/>
+            <a:off x="409839" y="1928975"/>
+            <a:ext cx="5625542" cy="1644649"/>
+          </a:xfrm>
+          <a:prstGeom prst="rect">
+            <a:avLst/>
+          </a:prstGeom>
+        </p:spPr>
+      </p:pic>
+      <p:pic>
+        <p:nvPicPr>
+          <p:cNvPr id="4" name="Picture 3">
+            <a:extLst>
+              <a:ext uri="{FF2B5EF4-FFF2-40B4-BE49-F238E27FC236}">
+                <a16:creationId xmlns:a16="http://schemas.microsoft.com/office/drawing/2014/main" id="{6B51FF20-CBF4-4068-9360-9307CFF4DC8F}"/>
+              </a:ext>
+            </a:extLst>
+          </p:cNvPr>
+          <p:cNvPicPr>
+            <a:picLocks noChangeAspect="1"/>
+          </p:cNvPicPr>
+          <p:nvPr/>
+        </p:nvPicPr>
+        <p:blipFill>
+          <a:blip r:embed="rId5"/>
+          <a:stretch>
+            <a:fillRect/>
+          </a:stretch>
+        </p:blipFill>
+        <p:spPr>
+          <a:xfrm>
+            <a:off x="6496237" y="1904699"/>
+            <a:ext cx="4648603" cy="1668925"/>
+          </a:xfrm>
+          <a:prstGeom prst="rect">
+            <a:avLst/>
+          </a:prstGeom>
+        </p:spPr>
+      </p:pic>
+      <p:pic>
+        <p:nvPicPr>
+          <p:cNvPr id="5" name="Picture 4">
+            <a:extLst>
+              <a:ext uri="{FF2B5EF4-FFF2-40B4-BE49-F238E27FC236}">
+                <a16:creationId xmlns:a16="http://schemas.microsoft.com/office/drawing/2014/main" id="{2D726B28-F073-4096-BC35-BC718B56F1E0}"/>
+              </a:ext>
+            </a:extLst>
+          </p:cNvPr>
+          <p:cNvPicPr>
+            <a:picLocks noChangeAspect="1"/>
+          </p:cNvPicPr>
+          <p:nvPr/>
+        </p:nvPicPr>
+        <p:blipFill>
+          <a:blip r:embed="rId6"/>
+          <a:stretch>
+            <a:fillRect/>
+          </a:stretch>
+        </p:blipFill>
+        <p:spPr>
+          <a:xfrm>
+            <a:off x="2957803" y="3731287"/>
+            <a:ext cx="5198463" cy="2956965"/>
           </a:xfrm>
           <a:prstGeom prst="rect">
             <a:avLst/>
@@ -33906,6 +34105,11 @@
         </p:spPr>
       </p:pic>
     </p:spTree>
+    <p:extLst>
+      <p:ext uri="{BB962C8B-B14F-4D97-AF65-F5344CB8AC3E}">
+        <p14:creationId xmlns:p14="http://schemas.microsoft.com/office/powerpoint/2010/main" val="432420262"/>
+      </p:ext>
+    </p:extLst>
   </p:cSld>
   <p:clrMapOvr>
     <a:masterClrMapping/>
@@ -34063,10 +34267,10 @@
       </p:pic>
       <p:pic>
         <p:nvPicPr>
-          <p:cNvPr id="2" name="Picture 1">
+          <p:cNvPr id="4" name="Picture 3">
             <a:extLst>
               <a:ext uri="{FF2B5EF4-FFF2-40B4-BE49-F238E27FC236}">
-                <a16:creationId xmlns:a16="http://schemas.microsoft.com/office/drawing/2014/main" id="{9FCDF16A-E0E5-4938-A0F7-BD0A9FE8F867}"/>
+                <a16:creationId xmlns:a16="http://schemas.microsoft.com/office/drawing/2014/main" id="{C63443BD-D648-49E6-9007-6DBCF8778AAA}"/>
               </a:ext>
             </a:extLst>
           </p:cNvPr>
@@ -34083,8 +34287,68 @@
         </p:blipFill>
         <p:spPr>
           <a:xfrm>
-            <a:off x="288301" y="1750839"/>
-            <a:ext cx="9320068" cy="2964437"/>
+            <a:off x="609861" y="1455249"/>
+            <a:ext cx="5921568" cy="1789599"/>
+          </a:xfrm>
+          <a:prstGeom prst="rect">
+            <a:avLst/>
+          </a:prstGeom>
+        </p:spPr>
+      </p:pic>
+      <p:pic>
+        <p:nvPicPr>
+          <p:cNvPr id="5" name="Picture 4">
+            <a:extLst>
+              <a:ext uri="{FF2B5EF4-FFF2-40B4-BE49-F238E27FC236}">
+                <a16:creationId xmlns:a16="http://schemas.microsoft.com/office/drawing/2014/main" id="{EEB369F4-BA0E-4824-A70B-C7A0E0C44A6B}"/>
+              </a:ext>
+            </a:extLst>
+          </p:cNvPr>
+          <p:cNvPicPr>
+            <a:picLocks noChangeAspect="1"/>
+          </p:cNvPicPr>
+          <p:nvPr/>
+        </p:nvPicPr>
+        <p:blipFill>
+          <a:blip r:embed="rId5"/>
+          <a:stretch>
+            <a:fillRect/>
+          </a:stretch>
+        </p:blipFill>
+        <p:spPr>
+          <a:xfrm>
+            <a:off x="581625" y="3347078"/>
+            <a:ext cx="6607113" cy="929721"/>
+          </a:xfrm>
+          <a:prstGeom prst="rect">
+            <a:avLst/>
+          </a:prstGeom>
+        </p:spPr>
+      </p:pic>
+      <p:pic>
+        <p:nvPicPr>
+          <p:cNvPr id="6" name="Picture 5">
+            <a:extLst>
+              <a:ext uri="{FF2B5EF4-FFF2-40B4-BE49-F238E27FC236}">
+                <a16:creationId xmlns:a16="http://schemas.microsoft.com/office/drawing/2014/main" id="{30123717-19E5-4026-848E-3BBBD77F5C3F}"/>
+              </a:ext>
+            </a:extLst>
+          </p:cNvPr>
+          <p:cNvPicPr>
+            <a:picLocks noChangeAspect="1"/>
+          </p:cNvPicPr>
+          <p:nvPr/>
+        </p:nvPicPr>
+        <p:blipFill>
+          <a:blip r:embed="rId6"/>
+          <a:stretch>
+            <a:fillRect/>
+          </a:stretch>
+        </p:blipFill>
+        <p:spPr>
+          <a:xfrm>
+            <a:off x="637608" y="4434937"/>
+            <a:ext cx="6686528" cy="1791293"/>
           </a:xfrm>
           <a:prstGeom prst="rect">
             <a:avLst/>
@@ -34124,7 +34388,7 @@
         </p:nvSpPr>
         <p:spPr>
           <a:xfrm>
-            <a:off x="677333" y="678873"/>
+            <a:off x="677316" y="678873"/>
             <a:ext cx="11443131" cy="646290"/>
           </a:xfrm>
           <a:prstGeom prst="rect">
@@ -34168,7 +34432,7 @@
                 <a:cs typeface="Times New Roman"/>
                 <a:sym typeface="Times New Roman"/>
               </a:rPr>
-              <a:t>Demo route constraints và custom route constraints</a:t>
+              <a:t>Demo route</a:t>
             </a:r>
             <a:endParaRPr sz="3600" i="0" u="none" strike="noStrike" cap="none" dirty="0">
               <a:solidFill>
@@ -34192,8 +34456,8 @@
         </p:nvCxnSpPr>
         <p:spPr>
           <a:xfrm flipV="1">
-            <a:off x="815879" y="1325163"/>
-            <a:ext cx="9074570" cy="41"/>
+            <a:off x="815879" y="1325204"/>
+            <a:ext cx="2244562" cy="1"/>
           </a:xfrm>
           <a:prstGeom prst="straightConnector1">
             <a:avLst/>
@@ -34237,6 +34501,147 @@
           </a:ln>
         </p:spPr>
       </p:pic>
+      <p:sp>
+        <p:nvSpPr>
+          <p:cNvPr id="6" name="Google Shape;289;geef53d5d55_1_89">
+            <a:extLst>
+              <a:ext uri="{FF2B5EF4-FFF2-40B4-BE49-F238E27FC236}">
+                <a16:creationId xmlns:a16="http://schemas.microsoft.com/office/drawing/2014/main" id="{38076734-97BE-4950-8C4B-E5374B782604}"/>
+              </a:ext>
+            </a:extLst>
+          </p:cNvPr>
+          <p:cNvSpPr txBox="1">
+            <a:spLocks noGrp="1"/>
+          </p:cNvSpPr>
+          <p:nvPr>
+            <p:ph type="body" idx="1"/>
+          </p:nvPr>
+        </p:nvSpPr>
+        <p:spPr>
+          <a:xfrm>
+            <a:off x="481382" y="1872367"/>
+            <a:ext cx="8596800" cy="2162828"/>
+          </a:xfrm>
+          <a:prstGeom prst="rect">
+            <a:avLst/>
+          </a:prstGeom>
+          <a:noFill/>
+          <a:ln>
+            <a:noFill/>
+          </a:ln>
+        </p:spPr>
+        <p:txBody>
+          <a:bodyPr spcFirstLastPara="1" wrap="square" lIns="91425" tIns="45700" rIns="91425" bIns="45700" anchor="t" anchorCtr="0">
+            <a:normAutofit/>
+          </a:bodyPr>
+          <a:lstStyle/>
+          <a:p>
+            <a:pPr marL="285750" lvl="0" indent="-285750" algn="l" rtl="0">
+              <a:spcBef>
+                <a:spcPts val="0"/>
+              </a:spcBef>
+              <a:spcAft>
+                <a:spcPts val="0"/>
+              </a:spcAft>
+              <a:buFontTx/>
+              <a:buChar char="-"/>
+            </a:pPr>
+            <a:r>
+              <a:rPr lang="en-US" dirty="0">
+                <a:solidFill>
+                  <a:schemeClr val="lt1"/>
+                </a:solidFill>
+                <a:latin typeface="Times New Roman"/>
+                <a:ea typeface="Times New Roman"/>
+                <a:cs typeface="Times New Roman"/>
+                <a:sym typeface="Times New Roman"/>
+              </a:rPr>
+              <a:t>Route and configuration route for application level</a:t>
+            </a:r>
+          </a:p>
+          <a:p>
+            <a:pPr marL="285750" lvl="0" indent="-285750" algn="l" rtl="0">
+              <a:spcBef>
+                <a:spcPts val="0"/>
+              </a:spcBef>
+              <a:spcAft>
+                <a:spcPts val="0"/>
+              </a:spcAft>
+              <a:buFontTx/>
+              <a:buChar char="-"/>
+            </a:pPr>
+            <a:r>
+              <a:rPr lang="en-US" dirty="0">
+                <a:solidFill>
+                  <a:schemeClr val="lt1"/>
+                </a:solidFill>
+                <a:latin typeface="Times New Roman"/>
+                <a:ea typeface="Times New Roman"/>
+                <a:cs typeface="Times New Roman"/>
+                <a:sym typeface="Times New Roman"/>
+              </a:rPr>
+              <a:t>Custom route</a:t>
+            </a:r>
+          </a:p>
+          <a:p>
+            <a:pPr marL="285750" lvl="0" indent="-285750" algn="l" rtl="0">
+              <a:spcBef>
+                <a:spcPts val="0"/>
+              </a:spcBef>
+              <a:spcAft>
+                <a:spcPts val="0"/>
+              </a:spcAft>
+              <a:buFontTx/>
+              <a:buChar char="-"/>
+            </a:pPr>
+            <a:r>
+              <a:rPr lang="en-US" dirty="0">
+                <a:solidFill>
+                  <a:schemeClr val="lt1"/>
+                </a:solidFill>
+                <a:latin typeface="Times New Roman"/>
+                <a:ea typeface="Times New Roman"/>
+                <a:cs typeface="Times New Roman"/>
+                <a:sym typeface="Times New Roman"/>
+              </a:rPr>
+              <a:t>Route constraint</a:t>
+            </a:r>
+          </a:p>
+          <a:p>
+            <a:pPr marL="285750" lvl="0" indent="-285750" algn="l" rtl="0">
+              <a:spcBef>
+                <a:spcPts val="0"/>
+              </a:spcBef>
+              <a:spcAft>
+                <a:spcPts val="0"/>
+              </a:spcAft>
+              <a:buFontTx/>
+              <a:buChar char="-"/>
+            </a:pPr>
+            <a:r>
+              <a:rPr lang="en-US" dirty="0">
+                <a:solidFill>
+                  <a:schemeClr val="lt1"/>
+                </a:solidFill>
+                <a:latin typeface="Times New Roman"/>
+                <a:ea typeface="Times New Roman"/>
+                <a:cs typeface="Times New Roman"/>
+                <a:sym typeface="Times New Roman"/>
+              </a:rPr>
+              <a:t>Custom route constraint</a:t>
+            </a:r>
+            <a:endParaRPr dirty="0">
+              <a:solidFill>
+                <a:schemeClr val="lt1"/>
+              </a:solidFill>
+              <a:latin typeface="Times New Roman"/>
+              <a:ea typeface="Times New Roman"/>
+              <a:cs typeface="Times New Roman"/>
+              <a:sym typeface="Times New Roman"/>
+            </a:endParaRPr>
+          </a:p>
+        </p:txBody>
+      </p:sp>
     </p:spTree>
     <p:extLst>
       <p:ext uri="{BB962C8B-B14F-4D97-AF65-F5344CB8AC3E}">
@@ -34532,7 +34937,7 @@
                 <a:cs typeface="Times New Roman"/>
                 <a:sym typeface="Times New Roman"/>
               </a:rPr>
-              <a:t> thành phần trong page.</a:t>
+              <a:t> thành phần trong 1 page.</a:t>
             </a:r>
             <a:endParaRPr dirty="0">
               <a:solidFill>

--- a/Razor pages.pptx
+++ b/Razor pages.pptx
@@ -287,7 +287,7 @@
       <p15:sldGuideLst xmlns:p15="http://schemas.microsoft.com/office/powerpoint/2012/main"/>
     </p:ext>
     <p:ext uri="http://customooxmlschemas.google.com/">
-      <go:slidesCustomData xmlns="" xmlns:mc="http://schemas.openxmlformats.org/markup-compatibility/2006" xmlns:mv="urn:schemas-microsoft-com:mac:vml" xmlns:c="http://schemas.openxmlformats.org/drawingml/2006/chart" xmlns:dgm="http://schemas.openxmlformats.org/drawingml/2006/diagram" xmlns:o="urn:schemas-microsoft-com:office:office" xmlns:v="urn:schemas-microsoft-com:vml" xmlns:pvml="urn:schemas-microsoft-com:office:powerpoint" xmlns:com="http://schemas.openxmlformats.org/drawingml/2006/compatibility" xmlns:p14="http://schemas.microsoft.com/office/powerpoint/2010/main" xmlns:p15="http://schemas.microsoft.com/office/powerpoint/2012/main" xmlns:ahyp="http://schemas.microsoft.com/office/drawing/2018/hyperlinkcolor" xmlns:go="http://customooxmlschemas.google.com/" r:id="rId46" roundtripDataSignature="AMtx7mjVEwqA5jePl45nlKRjSNtdNd4Yxw=="/>
+      <go:slidesCustomData xmlns:go="http://customooxmlschemas.google.com/" xmlns:ahyp="http://schemas.microsoft.com/office/drawing/2018/hyperlinkcolor" xmlns:p15="http://schemas.microsoft.com/office/powerpoint/2012/main" xmlns:p14="http://schemas.microsoft.com/office/powerpoint/2010/main" xmlns:com="http://schemas.openxmlformats.org/drawingml/2006/compatibility" xmlns:pvml="urn:schemas-microsoft-com:office:powerpoint" xmlns:v="urn:schemas-microsoft-com:vml" xmlns:o="urn:schemas-microsoft-com:office:office" xmlns:dgm="http://schemas.openxmlformats.org/drawingml/2006/diagram" xmlns:c="http://schemas.openxmlformats.org/drawingml/2006/chart" xmlns:mv="urn:schemas-microsoft-com:mac:vml" xmlns:mc="http://schemas.openxmlformats.org/markup-compatibility/2006" xmlns="" r:id="rId46" roundtripDataSignature="AMtx7mjVEwqA5jePl45nlKRjSNtdNd4Yxw=="/>
     </p:ext>
   </p:extLst>
 </p:presentation>
@@ -34769,7 +34769,79 @@
                 <a:cs typeface="Times New Roman"/>
                 <a:sym typeface="Times New Roman"/>
               </a:rPr>
-              <a:t> page.</a:t>
+              <a:t> page, </a:t>
+            </a:r>
+            <a:r>
+              <a:rPr lang="en-US" dirty="0" err="1">
+                <a:solidFill>
+                  <a:schemeClr val="lt1"/>
+                </a:solidFill>
+                <a:latin typeface="Times New Roman"/>
+                <a:ea typeface="Times New Roman"/>
+                <a:cs typeface="Times New Roman"/>
+                <a:sym typeface="Times New Roman"/>
+              </a:rPr>
+              <a:t>giúp</a:t>
+            </a:r>
+            <a:r>
+              <a:rPr lang="en-US" dirty="0">
+                <a:solidFill>
+                  <a:schemeClr val="lt1"/>
+                </a:solidFill>
+                <a:latin typeface="Times New Roman"/>
+                <a:ea typeface="Times New Roman"/>
+                <a:cs typeface="Times New Roman"/>
+                <a:sym typeface="Times New Roman"/>
+              </a:rPr>
+              <a:t> </a:t>
+            </a:r>
+            <a:r>
+              <a:rPr lang="en-US" dirty="0" err="1">
+                <a:solidFill>
+                  <a:schemeClr val="lt1"/>
+                </a:solidFill>
+                <a:latin typeface="Times New Roman"/>
+                <a:ea typeface="Times New Roman"/>
+                <a:cs typeface="Times New Roman"/>
+                <a:sym typeface="Times New Roman"/>
+              </a:rPr>
+              <a:t>truyền</a:t>
+            </a:r>
+            <a:r>
+              <a:rPr lang="en-US" dirty="0">
+                <a:solidFill>
+                  <a:schemeClr val="lt1"/>
+                </a:solidFill>
+                <a:latin typeface="Times New Roman"/>
+                <a:ea typeface="Times New Roman"/>
+                <a:cs typeface="Times New Roman"/>
+                <a:sym typeface="Times New Roman"/>
+              </a:rPr>
+              <a:t> </a:t>
+            </a:r>
+            <a:r>
+              <a:rPr lang="en-US" dirty="0" err="1">
+                <a:solidFill>
+                  <a:schemeClr val="lt1"/>
+                </a:solidFill>
+                <a:latin typeface="Times New Roman"/>
+                <a:ea typeface="Times New Roman"/>
+                <a:cs typeface="Times New Roman"/>
+                <a:sym typeface="Times New Roman"/>
+              </a:rPr>
+              <a:t>tham</a:t>
+            </a:r>
+            <a:r>
+              <a:rPr lang="en-US" dirty="0">
+                <a:solidFill>
+                  <a:schemeClr val="lt1"/>
+                </a:solidFill>
+                <a:latin typeface="Times New Roman"/>
+                <a:ea typeface="Times New Roman"/>
+                <a:cs typeface="Times New Roman"/>
+                <a:sym typeface="Times New Roman"/>
+              </a:rPr>
+              <a:t> số qua partial view</a:t>
             </a:r>
           </a:p>
           <a:p>
@@ -35092,38 +35164,8 @@
         </p:blipFill>
         <p:spPr>
           <a:xfrm>
-            <a:off x="677316" y="1557635"/>
+            <a:off x="815879" y="1429083"/>
             <a:ext cx="7730954" cy="2088551"/>
-          </a:xfrm>
-          <a:prstGeom prst="rect">
-            <a:avLst/>
-          </a:prstGeom>
-        </p:spPr>
-      </p:pic>
-      <p:pic>
-        <p:nvPicPr>
-          <p:cNvPr id="3" name="Picture 2">
-            <a:extLst>
-              <a:ext uri="{FF2B5EF4-FFF2-40B4-BE49-F238E27FC236}">
-                <a16:creationId xmlns:a16="http://schemas.microsoft.com/office/drawing/2014/main" id="{EB05828C-8721-47B1-9A66-8BF7ED4EB2CE}"/>
-              </a:ext>
-            </a:extLst>
-          </p:cNvPr>
-          <p:cNvPicPr>
-            <a:picLocks noChangeAspect="1"/>
-          </p:cNvPicPr>
-          <p:nvPr/>
-        </p:nvPicPr>
-        <p:blipFill>
-          <a:blip r:embed="rId5"/>
-          <a:stretch>
-            <a:fillRect/>
-          </a:stretch>
-        </p:blipFill>
-        <p:spPr>
-          <a:xfrm>
-            <a:off x="3246042" y="4600078"/>
-            <a:ext cx="2605472" cy="2088174"/>
           </a:xfrm>
           <a:prstGeom prst="rect">
             <a:avLst/>
@@ -35496,6 +35538,156 @@
           </a:ln>
         </p:spPr>
       </p:pic>
+      <p:pic>
+        <p:nvPicPr>
+          <p:cNvPr id="3" name="Picture 2">
+            <a:extLst>
+              <a:ext uri="{FF2B5EF4-FFF2-40B4-BE49-F238E27FC236}">
+                <a16:creationId xmlns:a16="http://schemas.microsoft.com/office/drawing/2014/main" id="{6354BA74-F09D-4FEA-BF77-8B24472E1C57}"/>
+              </a:ext>
+            </a:extLst>
+          </p:cNvPr>
+          <p:cNvPicPr>
+            <a:picLocks noChangeAspect="1"/>
+          </p:cNvPicPr>
+          <p:nvPr/>
+        </p:nvPicPr>
+        <p:blipFill>
+          <a:blip r:embed="rId4"/>
+          <a:stretch>
+            <a:fillRect/>
+          </a:stretch>
+        </p:blipFill>
+        <p:spPr>
+          <a:xfrm>
+            <a:off x="677316" y="1451627"/>
+            <a:ext cx="4846740" cy="3208298"/>
+          </a:xfrm>
+          <a:prstGeom prst="rect">
+            <a:avLst/>
+          </a:prstGeom>
+        </p:spPr>
+      </p:pic>
+      <p:pic>
+        <p:nvPicPr>
+          <p:cNvPr id="4" name="Picture 3">
+            <a:extLst>
+              <a:ext uri="{FF2B5EF4-FFF2-40B4-BE49-F238E27FC236}">
+                <a16:creationId xmlns:a16="http://schemas.microsoft.com/office/drawing/2014/main" id="{20206DA8-06B8-4493-B373-5130544881D9}"/>
+              </a:ext>
+            </a:extLst>
+          </p:cNvPr>
+          <p:cNvPicPr>
+            <a:picLocks noChangeAspect="1"/>
+          </p:cNvPicPr>
+          <p:nvPr/>
+        </p:nvPicPr>
+        <p:blipFill>
+          <a:blip r:embed="rId5"/>
+          <a:stretch>
+            <a:fillRect/>
+          </a:stretch>
+        </p:blipFill>
+        <p:spPr>
+          <a:xfrm>
+            <a:off x="5809467" y="4244695"/>
+            <a:ext cx="6096001" cy="594412"/>
+          </a:xfrm>
+          <a:prstGeom prst="rect">
+            <a:avLst/>
+          </a:prstGeom>
+        </p:spPr>
+      </p:pic>
+      <p:pic>
+        <p:nvPicPr>
+          <p:cNvPr id="5" name="Picture 4">
+            <a:extLst>
+              <a:ext uri="{FF2B5EF4-FFF2-40B4-BE49-F238E27FC236}">
+                <a16:creationId xmlns:a16="http://schemas.microsoft.com/office/drawing/2014/main" id="{43B3323C-5DCE-4517-B4A6-14AFFECB764A}"/>
+              </a:ext>
+            </a:extLst>
+          </p:cNvPr>
+          <p:cNvPicPr>
+            <a:picLocks noChangeAspect="1"/>
+          </p:cNvPicPr>
+          <p:nvPr/>
+        </p:nvPicPr>
+        <p:blipFill>
+          <a:blip r:embed="rId6"/>
+          <a:stretch>
+            <a:fillRect/>
+          </a:stretch>
+        </p:blipFill>
+        <p:spPr>
+          <a:xfrm>
+            <a:off x="5809467" y="1451627"/>
+            <a:ext cx="5685013" cy="518205"/>
+          </a:xfrm>
+          <a:prstGeom prst="rect">
+            <a:avLst/>
+          </a:prstGeom>
+        </p:spPr>
+      </p:pic>
+      <p:pic>
+        <p:nvPicPr>
+          <p:cNvPr id="6" name="Picture 5">
+            <a:extLst>
+              <a:ext uri="{FF2B5EF4-FFF2-40B4-BE49-F238E27FC236}">
+                <a16:creationId xmlns:a16="http://schemas.microsoft.com/office/drawing/2014/main" id="{1D082520-7CD9-4E35-BF3E-FC564E11C6CB}"/>
+              </a:ext>
+            </a:extLst>
+          </p:cNvPr>
+          <p:cNvPicPr>
+            <a:picLocks noChangeAspect="1"/>
+          </p:cNvPicPr>
+          <p:nvPr/>
+        </p:nvPicPr>
+        <p:blipFill>
+          <a:blip r:embed="rId7"/>
+          <a:stretch>
+            <a:fillRect/>
+          </a:stretch>
+        </p:blipFill>
+        <p:spPr>
+          <a:xfrm>
+            <a:off x="6057006" y="2096086"/>
+            <a:ext cx="5189934" cy="2022355"/>
+          </a:xfrm>
+          <a:prstGeom prst="rect">
+            <a:avLst/>
+          </a:prstGeom>
+        </p:spPr>
+      </p:pic>
+      <p:pic>
+        <p:nvPicPr>
+          <p:cNvPr id="7" name="Picture 6">
+            <a:extLst>
+              <a:ext uri="{FF2B5EF4-FFF2-40B4-BE49-F238E27FC236}">
+                <a16:creationId xmlns:a16="http://schemas.microsoft.com/office/drawing/2014/main" id="{47BC21AB-0242-4896-ACB7-60B54D6787E9}"/>
+              </a:ext>
+            </a:extLst>
+          </p:cNvPr>
+          <p:cNvPicPr>
+            <a:picLocks noChangeAspect="1"/>
+          </p:cNvPicPr>
+          <p:nvPr/>
+        </p:nvPicPr>
+        <p:blipFill>
+          <a:blip r:embed="rId8"/>
+          <a:stretch>
+            <a:fillRect/>
+          </a:stretch>
+        </p:blipFill>
+        <p:spPr>
+          <a:xfrm>
+            <a:off x="6876662" y="4965361"/>
+            <a:ext cx="4045760" cy="1641556"/>
+          </a:xfrm>
+          <a:prstGeom prst="rect">
+            <a:avLst/>
+          </a:prstGeom>
+        </p:spPr>
+      </p:pic>
     </p:spTree>
   </p:cSld>
   <p:clrMapOvr>
@@ -35559,7 +35751,7 @@
               </a:spcAft>
               <a:buNone/>
             </a:pPr>
-            <a:endParaRPr>
+            <a:endParaRPr dirty="0">
               <a:solidFill>
                 <a:schemeClr val="lt1"/>
               </a:solidFill>
@@ -35582,7 +35774,7 @@
               </a:spcAft>
               <a:buNone/>
             </a:pPr>
-            <a:endParaRPr sz="1150">
+            <a:endParaRPr sz="1150" dirty="0">
               <a:solidFill>
                 <a:srgbClr val="D69D85"/>
               </a:solidFill>
@@ -35605,7 +35797,7 @@
               </a:spcAft>
               <a:buNone/>
             </a:pPr>
-            <a:endParaRPr>
+            <a:endParaRPr dirty="0">
               <a:solidFill>
                 <a:schemeClr val="lt1"/>
               </a:solidFill>
@@ -35736,66 +35928,6 @@
           </a:ln>
         </p:spPr>
       </p:pic>
-      <p:pic>
-        <p:nvPicPr>
-          <p:cNvPr id="2" name="Picture 1">
-            <a:extLst>
-              <a:ext uri="{FF2B5EF4-FFF2-40B4-BE49-F238E27FC236}">
-                <a16:creationId xmlns:a16="http://schemas.microsoft.com/office/drawing/2014/main" id="{E0BF357A-33A6-47FB-844F-8C9BE5D85386}"/>
-              </a:ext>
-            </a:extLst>
-          </p:cNvPr>
-          <p:cNvPicPr>
-            <a:picLocks noChangeAspect="1"/>
-          </p:cNvPicPr>
-          <p:nvPr/>
-        </p:nvPicPr>
-        <p:blipFill>
-          <a:blip r:embed="rId4"/>
-          <a:stretch>
-            <a:fillRect/>
-          </a:stretch>
-        </p:blipFill>
-        <p:spPr>
-          <a:xfrm>
-            <a:off x="815879" y="2747541"/>
-            <a:ext cx="6171990" cy="3410274"/>
-          </a:xfrm>
-          <a:prstGeom prst="rect">
-            <a:avLst/>
-          </a:prstGeom>
-        </p:spPr>
-      </p:pic>
-      <p:pic>
-        <p:nvPicPr>
-          <p:cNvPr id="3" name="Picture 2">
-            <a:extLst>
-              <a:ext uri="{FF2B5EF4-FFF2-40B4-BE49-F238E27FC236}">
-                <a16:creationId xmlns:a16="http://schemas.microsoft.com/office/drawing/2014/main" id="{ED125770-3D2C-4C5D-8C4C-D020D26F9772}"/>
-              </a:ext>
-            </a:extLst>
-          </p:cNvPr>
-          <p:cNvPicPr>
-            <a:picLocks noChangeAspect="1"/>
-          </p:cNvPicPr>
-          <p:nvPr/>
-        </p:nvPicPr>
-        <p:blipFill>
-          <a:blip r:embed="rId5"/>
-          <a:stretch>
-            <a:fillRect/>
-          </a:stretch>
-        </p:blipFill>
-        <p:spPr>
-          <a:xfrm>
-            <a:off x="7354357" y="1190265"/>
-            <a:ext cx="4313294" cy="4328535"/>
-          </a:xfrm>
-          <a:prstGeom prst="rect">
-            <a:avLst/>
-          </a:prstGeom>
-        </p:spPr>
-      </p:pic>
       <p:sp>
         <p:nvSpPr>
           <p:cNvPr id="10" name="Google Shape;289;geef53d5d55_1_89">
@@ -35813,7 +35945,7 @@
         <p:spPr>
           <a:xfrm>
             <a:off x="388076" y="1666127"/>
-            <a:ext cx="8596800" cy="2162828"/>
+            <a:ext cx="8596800" cy="848339"/>
           </a:xfrm>
           <a:prstGeom prst="rect">
             <a:avLst/>
@@ -36130,6 +36262,96 @@
           </a:p>
         </p:txBody>
       </p:sp>
+      <p:pic>
+        <p:nvPicPr>
+          <p:cNvPr id="4" name="Picture 3">
+            <a:extLst>
+              <a:ext uri="{FF2B5EF4-FFF2-40B4-BE49-F238E27FC236}">
+                <a16:creationId xmlns:a16="http://schemas.microsoft.com/office/drawing/2014/main" id="{48130021-E297-45E3-9EA9-2BBEBBD87F34}"/>
+              </a:ext>
+            </a:extLst>
+          </p:cNvPr>
+          <p:cNvPicPr>
+            <a:picLocks noChangeAspect="1"/>
+          </p:cNvPicPr>
+          <p:nvPr/>
+        </p:nvPicPr>
+        <p:blipFill>
+          <a:blip r:embed="rId4"/>
+          <a:stretch>
+            <a:fillRect/>
+          </a:stretch>
+        </p:blipFill>
+        <p:spPr>
+          <a:xfrm>
+            <a:off x="516906" y="2090296"/>
+            <a:ext cx="6173143" cy="2400667"/>
+          </a:xfrm>
+          <a:prstGeom prst="rect">
+            <a:avLst/>
+          </a:prstGeom>
+        </p:spPr>
+      </p:pic>
+      <p:pic>
+        <p:nvPicPr>
+          <p:cNvPr id="5" name="Picture 4">
+            <a:extLst>
+              <a:ext uri="{FF2B5EF4-FFF2-40B4-BE49-F238E27FC236}">
+                <a16:creationId xmlns:a16="http://schemas.microsoft.com/office/drawing/2014/main" id="{536C74EC-D6BC-47D7-AE1A-FE36D06B1FCD}"/>
+              </a:ext>
+            </a:extLst>
+          </p:cNvPr>
+          <p:cNvPicPr>
+            <a:picLocks noChangeAspect="1"/>
+          </p:cNvPicPr>
+          <p:nvPr/>
+        </p:nvPicPr>
+        <p:blipFill>
+          <a:blip r:embed="rId5"/>
+          <a:stretch>
+            <a:fillRect/>
+          </a:stretch>
+        </p:blipFill>
+        <p:spPr>
+          <a:xfrm>
+            <a:off x="1212980" y="4687792"/>
+            <a:ext cx="5241725" cy="1354063"/>
+          </a:xfrm>
+          <a:prstGeom prst="rect">
+            <a:avLst/>
+          </a:prstGeom>
+        </p:spPr>
+      </p:pic>
+      <p:pic>
+        <p:nvPicPr>
+          <p:cNvPr id="6" name="Picture 5">
+            <a:extLst>
+              <a:ext uri="{FF2B5EF4-FFF2-40B4-BE49-F238E27FC236}">
+                <a16:creationId xmlns:a16="http://schemas.microsoft.com/office/drawing/2014/main" id="{74314F1C-A892-4278-90C1-51C03C6D1528}"/>
+              </a:ext>
+            </a:extLst>
+          </p:cNvPr>
+          <p:cNvPicPr>
+            <a:picLocks noChangeAspect="1"/>
+          </p:cNvPicPr>
+          <p:nvPr/>
+        </p:nvPicPr>
+        <p:blipFill>
+          <a:blip r:embed="rId6"/>
+          <a:stretch>
+            <a:fillRect/>
+          </a:stretch>
+        </p:blipFill>
+        <p:spPr>
+          <a:xfrm>
+            <a:off x="6690049" y="4760483"/>
+            <a:ext cx="5325294" cy="1168839"/>
+          </a:xfrm>
+          <a:prstGeom prst="rect">
+            <a:avLst/>
+          </a:prstGeom>
+        </p:spPr>
+      </p:pic>
     </p:spTree>
   </p:cSld>
   <p:clrMapOvr>
@@ -36322,6 +36544,36 @@
           <a:ln>
             <a:noFill/>
           </a:ln>
+        </p:spPr>
+      </p:pic>
+      <p:pic>
+        <p:nvPicPr>
+          <p:cNvPr id="2" name="Picture 1">
+            <a:extLst>
+              <a:ext uri="{FF2B5EF4-FFF2-40B4-BE49-F238E27FC236}">
+                <a16:creationId xmlns:a16="http://schemas.microsoft.com/office/drawing/2014/main" id="{A766A6DA-EC85-422D-81AD-CD42D8676D7D}"/>
+              </a:ext>
+            </a:extLst>
+          </p:cNvPr>
+          <p:cNvPicPr>
+            <a:picLocks noChangeAspect="1"/>
+          </p:cNvPicPr>
+          <p:nvPr/>
+        </p:nvPicPr>
+        <p:blipFill>
+          <a:blip r:embed="rId4"/>
+          <a:stretch>
+            <a:fillRect/>
+          </a:stretch>
+        </p:blipFill>
+        <p:spPr>
+          <a:xfrm>
+            <a:off x="677316" y="1643983"/>
+            <a:ext cx="8245151" cy="4311507"/>
+          </a:xfrm>
+          <a:prstGeom prst="rect">
+            <a:avLst/>
+          </a:prstGeom>
         </p:spPr>
       </p:pic>
     </p:spTree>

--- a/Razor pages.pptx
+++ b/Razor pages.pptx
@@ -287,7 +287,7 @@
       <p15:sldGuideLst xmlns:p15="http://schemas.microsoft.com/office/powerpoint/2012/main"/>
     </p:ext>
     <p:ext uri="http://customooxmlschemas.google.com/">
-      <go:slidesCustomData xmlns:go="http://customooxmlschemas.google.com/" xmlns:ahyp="http://schemas.microsoft.com/office/drawing/2018/hyperlinkcolor" xmlns:p15="http://schemas.microsoft.com/office/powerpoint/2012/main" xmlns:p14="http://schemas.microsoft.com/office/powerpoint/2010/main" xmlns:com="http://schemas.openxmlformats.org/drawingml/2006/compatibility" xmlns:pvml="urn:schemas-microsoft-com:office:powerpoint" xmlns:v="urn:schemas-microsoft-com:vml" xmlns:o="urn:schemas-microsoft-com:office:office" xmlns:dgm="http://schemas.openxmlformats.org/drawingml/2006/diagram" xmlns:c="http://schemas.openxmlformats.org/drawingml/2006/chart" xmlns:mv="urn:schemas-microsoft-com:mac:vml" xmlns:mc="http://schemas.openxmlformats.org/markup-compatibility/2006" xmlns="" r:id="rId46" roundtripDataSignature="AMtx7mjVEwqA5jePl45nlKRjSNtdNd4Yxw=="/>
+      <go:slidesCustomData xmlns="" xmlns:mc="http://schemas.openxmlformats.org/markup-compatibility/2006" xmlns:mv="urn:schemas-microsoft-com:mac:vml" xmlns:c="http://schemas.openxmlformats.org/drawingml/2006/chart" xmlns:dgm="http://schemas.openxmlformats.org/drawingml/2006/diagram" xmlns:o="urn:schemas-microsoft-com:office:office" xmlns:v="urn:schemas-microsoft-com:vml" xmlns:pvml="urn:schemas-microsoft-com:office:powerpoint" xmlns:com="http://schemas.openxmlformats.org/drawingml/2006/compatibility" xmlns:p14="http://schemas.microsoft.com/office/powerpoint/2010/main" xmlns:p15="http://schemas.microsoft.com/office/powerpoint/2012/main" xmlns:ahyp="http://schemas.microsoft.com/office/drawing/2018/hyperlinkcolor" xmlns:go="http://customooxmlschemas.google.com/" r:id="rId46" roundtripDataSignature="AMtx7mjVEwqA5jePl45nlKRjSNtdNd4Yxw=="/>
     </p:ext>
   </p:extLst>
 </p:presentation>
@@ -36725,66 +36725,6 @@
           </a:ln>
         </p:spPr>
       </p:pic>
-      <p:pic>
-        <p:nvPicPr>
-          <p:cNvPr id="4" name="Picture 3">
-            <a:extLst>
-              <a:ext uri="{FF2B5EF4-FFF2-40B4-BE49-F238E27FC236}">
-                <a16:creationId xmlns:a16="http://schemas.microsoft.com/office/drawing/2014/main" id="{4349322F-CAA6-452F-9C22-EEB961D36BF1}"/>
-              </a:ext>
-            </a:extLst>
-          </p:cNvPr>
-          <p:cNvPicPr>
-            <a:picLocks noChangeAspect="1"/>
-          </p:cNvPicPr>
-          <p:nvPr/>
-        </p:nvPicPr>
-        <p:blipFill>
-          <a:blip r:embed="rId4"/>
-          <a:stretch>
-            <a:fillRect/>
-          </a:stretch>
-        </p:blipFill>
-        <p:spPr>
-          <a:xfrm>
-            <a:off x="7887290" y="2710106"/>
-            <a:ext cx="2773652" cy="2188550"/>
-          </a:xfrm>
-          <a:prstGeom prst="rect">
-            <a:avLst/>
-          </a:prstGeom>
-        </p:spPr>
-      </p:pic>
-      <p:pic>
-        <p:nvPicPr>
-          <p:cNvPr id="5" name="Picture 4">
-            <a:extLst>
-              <a:ext uri="{FF2B5EF4-FFF2-40B4-BE49-F238E27FC236}">
-                <a16:creationId xmlns:a16="http://schemas.microsoft.com/office/drawing/2014/main" id="{BFA9F407-B826-4F25-A6B1-08B85CBE3BDC}"/>
-              </a:ext>
-            </a:extLst>
-          </p:cNvPr>
-          <p:cNvPicPr>
-            <a:picLocks noChangeAspect="1"/>
-          </p:cNvPicPr>
-          <p:nvPr/>
-        </p:nvPicPr>
-        <p:blipFill>
-          <a:blip r:embed="rId5"/>
-          <a:stretch>
-            <a:fillRect/>
-          </a:stretch>
-        </p:blipFill>
-        <p:spPr>
-          <a:xfrm>
-            <a:off x="677316" y="2932778"/>
-            <a:ext cx="6939950" cy="1840306"/>
-          </a:xfrm>
-          <a:prstGeom prst="rect">
-            <a:avLst/>
-          </a:prstGeom>
-        </p:spPr>
-      </p:pic>
       <p:sp>
         <p:nvSpPr>
           <p:cNvPr id="10" name="Google Shape;289;geef53d5d55_1_89">
@@ -37232,6 +37172,66 @@
           </a:p>
         </p:txBody>
       </p:sp>
+      <p:pic>
+        <p:nvPicPr>
+          <p:cNvPr id="3" name="Picture 2">
+            <a:extLst>
+              <a:ext uri="{FF2B5EF4-FFF2-40B4-BE49-F238E27FC236}">
+                <a16:creationId xmlns:a16="http://schemas.microsoft.com/office/drawing/2014/main" id="{9DBA3418-C970-49B3-8EF6-47717D19DA53}"/>
+              </a:ext>
+            </a:extLst>
+          </p:cNvPr>
+          <p:cNvPicPr>
+            <a:picLocks noChangeAspect="1"/>
+          </p:cNvPicPr>
+          <p:nvPr/>
+        </p:nvPicPr>
+        <p:blipFill>
+          <a:blip r:embed="rId4"/>
+          <a:stretch>
+            <a:fillRect/>
+          </a:stretch>
+        </p:blipFill>
+        <p:spPr>
+          <a:xfrm>
+            <a:off x="7399176" y="2887686"/>
+            <a:ext cx="4305490" cy="2709887"/>
+          </a:xfrm>
+          <a:prstGeom prst="rect">
+            <a:avLst/>
+          </a:prstGeom>
+        </p:spPr>
+      </p:pic>
+      <p:pic>
+        <p:nvPicPr>
+          <p:cNvPr id="6" name="Picture 5">
+            <a:extLst>
+              <a:ext uri="{FF2B5EF4-FFF2-40B4-BE49-F238E27FC236}">
+                <a16:creationId xmlns:a16="http://schemas.microsoft.com/office/drawing/2014/main" id="{B922AFB0-3D0C-47C2-9697-CF78FB3C173E}"/>
+              </a:ext>
+            </a:extLst>
+          </p:cNvPr>
+          <p:cNvPicPr>
+            <a:picLocks noChangeAspect="1"/>
+          </p:cNvPicPr>
+          <p:nvPr/>
+        </p:nvPicPr>
+        <p:blipFill>
+          <a:blip r:embed="rId5"/>
+          <a:stretch>
+            <a:fillRect/>
+          </a:stretch>
+        </p:blipFill>
+        <p:spPr>
+          <a:xfrm>
+            <a:off x="317636" y="2981409"/>
+            <a:ext cx="7003387" cy="2522439"/>
+          </a:xfrm>
+          <a:prstGeom prst="rect">
+            <a:avLst/>
+          </a:prstGeom>
+        </p:spPr>
+      </p:pic>
     </p:spTree>
   </p:cSld>
   <p:clrMapOvr>
@@ -37494,8 +37494,38 @@
         </p:blipFill>
         <p:spPr>
           <a:xfrm>
-            <a:off x="436162" y="1791540"/>
-            <a:ext cx="8184589" cy="3497883"/>
+            <a:off x="1497140" y="1459104"/>
+            <a:ext cx="5012916" cy="2142391"/>
+          </a:xfrm>
+          <a:prstGeom prst="rect">
+            <a:avLst/>
+          </a:prstGeom>
+        </p:spPr>
+      </p:pic>
+      <p:pic>
+        <p:nvPicPr>
+          <p:cNvPr id="2" name="Picture 1">
+            <a:extLst>
+              <a:ext uri="{FF2B5EF4-FFF2-40B4-BE49-F238E27FC236}">
+                <a16:creationId xmlns:a16="http://schemas.microsoft.com/office/drawing/2014/main" id="{9CEC0EE6-D217-441B-96B9-324C514F7AC1}"/>
+              </a:ext>
+            </a:extLst>
+          </p:cNvPr>
+          <p:cNvPicPr>
+            <a:picLocks noChangeAspect="1"/>
+          </p:cNvPicPr>
+          <p:nvPr/>
+        </p:nvPicPr>
+        <p:blipFill>
+          <a:blip r:embed="rId5"/>
+          <a:stretch>
+            <a:fillRect/>
+          </a:stretch>
+        </p:blipFill>
+        <p:spPr>
+          <a:xfrm>
+            <a:off x="2917875" y="3834570"/>
+            <a:ext cx="7627394" cy="2915863"/>
           </a:xfrm>
           <a:prstGeom prst="rect">
             <a:avLst/>
@@ -37956,7 +37986,7 @@
               </a:spcAft>
               <a:buNone/>
             </a:pPr>
-            <a:endParaRPr>
+            <a:endParaRPr dirty="0">
               <a:solidFill>
                 <a:schemeClr val="lt1"/>
               </a:solidFill>
@@ -37979,7 +38009,7 @@
               </a:spcAft>
               <a:buNone/>
             </a:pPr>
-            <a:endParaRPr sz="1150">
+            <a:endParaRPr sz="1150" dirty="0">
               <a:solidFill>
                 <a:srgbClr val="D69D85"/>
               </a:solidFill>
@@ -38002,7 +38032,7 @@
               </a:spcAft>
               <a:buNone/>
             </a:pPr>
-            <a:endParaRPr>
+            <a:endParaRPr dirty="0">
               <a:solidFill>
                 <a:schemeClr val="lt1"/>
               </a:solidFill>
@@ -38107,13 +38137,15 @@
       <p:cxnSp>
         <p:nvCxnSpPr>
           <p:cNvPr id="348" name="Google Shape;348;geef53d5d55_1_159"/>
-          <p:cNvCxnSpPr/>
+          <p:cNvCxnSpPr>
+            <a:cxnSpLocks/>
+          </p:cNvCxnSpPr>
           <p:nvPr/>
         </p:nvCxnSpPr>
         <p:spPr>
           <a:xfrm>
-            <a:off x="358679" y="942649"/>
-            <a:ext cx="5210700" cy="0"/>
+            <a:off x="233271" y="961310"/>
+            <a:ext cx="7455153" cy="0"/>
           </a:xfrm>
           <a:prstGeom prst="straightConnector1">
             <a:avLst/>
@@ -38155,6 +38187,36 @@
           <a:ln>
             <a:noFill/>
           </a:ln>
+        </p:spPr>
+      </p:pic>
+      <p:pic>
+        <p:nvPicPr>
+          <p:cNvPr id="3" name="Picture 2">
+            <a:extLst>
+              <a:ext uri="{FF2B5EF4-FFF2-40B4-BE49-F238E27FC236}">
+                <a16:creationId xmlns:a16="http://schemas.microsoft.com/office/drawing/2014/main" id="{2992E9E9-EE5F-430D-A3AF-9F86020509CC}"/>
+              </a:ext>
+            </a:extLst>
+          </p:cNvPr>
+          <p:cNvPicPr>
+            <a:picLocks noChangeAspect="1"/>
+          </p:cNvPicPr>
+          <p:nvPr/>
+        </p:nvPicPr>
+        <p:blipFill>
+          <a:blip r:embed="rId4"/>
+          <a:stretch>
+            <a:fillRect/>
+          </a:stretch>
+        </p:blipFill>
+        <p:spPr>
+          <a:xfrm>
+            <a:off x="677316" y="1110346"/>
+            <a:ext cx="9374155" cy="4921836"/>
+          </a:xfrm>
+          <a:prstGeom prst="rect">
+            <a:avLst/>
+          </a:prstGeom>
         </p:spPr>
       </p:pic>
     </p:spTree>

--- a/Razor pages.pptx
+++ b/Razor pages.pptx
@@ -5,51 +5,52 @@
     <p:sldMasterId id="2147483648" r:id="rId1"/>
   </p:sldMasterIdLst>
   <p:notesMasterIdLst>
-    <p:notesMasterId r:id="rId44"/>
+    <p:notesMasterId r:id="rId45"/>
   </p:notesMasterIdLst>
   <p:sldIdLst>
     <p:sldId id="256" r:id="rId2"/>
     <p:sldId id="309" r:id="rId3"/>
     <p:sldId id="257" r:id="rId4"/>
-    <p:sldId id="258" r:id="rId5"/>
-    <p:sldId id="259" r:id="rId6"/>
-    <p:sldId id="260" r:id="rId7"/>
-    <p:sldId id="293" r:id="rId8"/>
-    <p:sldId id="262" r:id="rId9"/>
-    <p:sldId id="261" r:id="rId10"/>
-    <p:sldId id="300" r:id="rId11"/>
-    <p:sldId id="294" r:id="rId12"/>
-    <p:sldId id="263" r:id="rId13"/>
-    <p:sldId id="302" r:id="rId14"/>
-    <p:sldId id="295" r:id="rId15"/>
-    <p:sldId id="297" r:id="rId16"/>
-    <p:sldId id="296" r:id="rId17"/>
-    <p:sldId id="298" r:id="rId18"/>
-    <p:sldId id="310" r:id="rId19"/>
-    <p:sldId id="303" r:id="rId20"/>
-    <p:sldId id="311" r:id="rId21"/>
-    <p:sldId id="304" r:id="rId22"/>
-    <p:sldId id="299" r:id="rId23"/>
-    <p:sldId id="266" r:id="rId24"/>
-    <p:sldId id="305" r:id="rId25"/>
-    <p:sldId id="268" r:id="rId26"/>
-    <p:sldId id="267" r:id="rId27"/>
-    <p:sldId id="269" r:id="rId28"/>
-    <p:sldId id="270" r:id="rId29"/>
-    <p:sldId id="271" r:id="rId30"/>
-    <p:sldId id="312" r:id="rId31"/>
-    <p:sldId id="272" r:id="rId32"/>
-    <p:sldId id="307" r:id="rId33"/>
-    <p:sldId id="273" r:id="rId34"/>
-    <p:sldId id="274" r:id="rId35"/>
-    <p:sldId id="275" r:id="rId36"/>
-    <p:sldId id="276" r:id="rId37"/>
-    <p:sldId id="308" r:id="rId38"/>
-    <p:sldId id="277" r:id="rId39"/>
-    <p:sldId id="278" r:id="rId40"/>
-    <p:sldId id="279" r:id="rId41"/>
-    <p:sldId id="291" r:id="rId42"/>
-    <p:sldId id="292" r:id="rId43"/>
+    <p:sldId id="313" r:id="rId5"/>
+    <p:sldId id="258" r:id="rId6"/>
+    <p:sldId id="259" r:id="rId7"/>
+    <p:sldId id="262" r:id="rId8"/>
+    <p:sldId id="261" r:id="rId9"/>
+    <p:sldId id="300" r:id="rId10"/>
+    <p:sldId id="314" r:id="rId11"/>
+    <p:sldId id="315" r:id="rId12"/>
+    <p:sldId id="294" r:id="rId13"/>
+    <p:sldId id="260" r:id="rId14"/>
+    <p:sldId id="302" r:id="rId15"/>
+    <p:sldId id="295" r:id="rId16"/>
+    <p:sldId id="297" r:id="rId17"/>
+    <p:sldId id="296" r:id="rId18"/>
+    <p:sldId id="298" r:id="rId19"/>
+    <p:sldId id="310" r:id="rId20"/>
+    <p:sldId id="303" r:id="rId21"/>
+    <p:sldId id="311" r:id="rId22"/>
+    <p:sldId id="304" r:id="rId23"/>
+    <p:sldId id="299" r:id="rId24"/>
+    <p:sldId id="266" r:id="rId25"/>
+    <p:sldId id="305" r:id="rId26"/>
+    <p:sldId id="268" r:id="rId27"/>
+    <p:sldId id="267" r:id="rId28"/>
+    <p:sldId id="269" r:id="rId29"/>
+    <p:sldId id="270" r:id="rId30"/>
+    <p:sldId id="271" r:id="rId31"/>
+    <p:sldId id="312" r:id="rId32"/>
+    <p:sldId id="272" r:id="rId33"/>
+    <p:sldId id="307" r:id="rId34"/>
+    <p:sldId id="273" r:id="rId35"/>
+    <p:sldId id="274" r:id="rId36"/>
+    <p:sldId id="275" r:id="rId37"/>
+    <p:sldId id="276" r:id="rId38"/>
+    <p:sldId id="308" r:id="rId39"/>
+    <p:sldId id="277" r:id="rId40"/>
+    <p:sldId id="278" r:id="rId41"/>
+    <p:sldId id="279" r:id="rId42"/>
+    <p:sldId id="291" r:id="rId43"/>
+    <p:sldId id="292" r:id="rId44"/>
   </p:sldIdLst>
   <p:sldSz cx="12192000" cy="6858000"/>
   <p:notesSz cx="6858000" cy="9144000"/>
@@ -287,7 +288,7 @@
       <p15:sldGuideLst xmlns:p15="http://schemas.microsoft.com/office/powerpoint/2012/main"/>
     </p:ext>
     <p:ext uri="http://customooxmlschemas.google.com/">
-      <go:slidesCustomData xmlns="" xmlns:mc="http://schemas.openxmlformats.org/markup-compatibility/2006" xmlns:mv="urn:schemas-microsoft-com:mac:vml" xmlns:c="http://schemas.openxmlformats.org/drawingml/2006/chart" xmlns:dgm="http://schemas.openxmlformats.org/drawingml/2006/diagram" xmlns:o="urn:schemas-microsoft-com:office:office" xmlns:v="urn:schemas-microsoft-com:vml" xmlns:pvml="urn:schemas-microsoft-com:office:powerpoint" xmlns:com="http://schemas.openxmlformats.org/drawingml/2006/compatibility" xmlns:p14="http://schemas.microsoft.com/office/powerpoint/2010/main" xmlns:p15="http://schemas.microsoft.com/office/powerpoint/2012/main" xmlns:ahyp="http://schemas.microsoft.com/office/drawing/2018/hyperlinkcolor" xmlns:go="http://customooxmlschemas.google.com/" r:id="rId46" roundtripDataSignature="AMtx7mjVEwqA5jePl45nlKRjSNtdNd4Yxw=="/>
+      <go:slidesCustomData xmlns:go="http://customooxmlschemas.google.com/" xmlns:ahyp="http://schemas.microsoft.com/office/drawing/2018/hyperlinkcolor" xmlns:p15="http://schemas.microsoft.com/office/powerpoint/2012/main" xmlns:p14="http://schemas.microsoft.com/office/powerpoint/2010/main" xmlns:com="http://schemas.openxmlformats.org/drawingml/2006/compatibility" xmlns:pvml="urn:schemas-microsoft-com:office:powerpoint" xmlns:v="urn:schemas-microsoft-com:vml" xmlns:o="urn:schemas-microsoft-com:office:office" xmlns:dgm="http://schemas.openxmlformats.org/drawingml/2006/diagram" xmlns:c="http://schemas.openxmlformats.org/drawingml/2006/chart" xmlns:mv="urn:schemas-microsoft-com:mac:vml" xmlns:mc="http://schemas.openxmlformats.org/markup-compatibility/2006" xmlns="" r:id="rId47" roundtripDataSignature="AMtx7mjVEwqA5jePl45nlKRjSNtdNd4Yxw=="/>
     </p:ext>
   </p:extLst>
 </p:presentation>
@@ -1108,7 +1109,7 @@
     </p:spTree>
     <p:extLst>
       <p:ext uri="{BB962C8B-B14F-4D97-AF65-F5344CB8AC3E}">
-        <p14:creationId xmlns:p14="http://schemas.microsoft.com/office/powerpoint/2010/main" val="3055811460"/>
+        <p14:creationId xmlns:p14="http://schemas.microsoft.com/office/powerpoint/2010/main" val="4049531882"/>
       </p:ext>
     </p:extLst>
   </p:cSld>
@@ -1119,6 +1120,133 @@
 </file>
 
 <file path=ppt/notesSlides/notesSlide11.xml><?xml version="1.0" encoding="utf-8"?>
+<p:notes xmlns:a="http://schemas.openxmlformats.org/drawingml/2006/main" xmlns:r="http://schemas.openxmlformats.org/officeDocument/2006/relationships" xmlns:p="http://schemas.openxmlformats.org/presentationml/2006/main" showMasterSp="0" showMasterPhAnim="0">
+  <p:cSld>
+    <p:spTree>
+      <p:nvGrpSpPr>
+        <p:cNvPr id="1" name="Shape 178"/>
+        <p:cNvGrpSpPr/>
+        <p:nvPr/>
+      </p:nvGrpSpPr>
+      <p:grpSpPr>
+        <a:xfrm>
+          <a:off x="0" y="0"/>
+          <a:ext cx="0" cy="0"/>
+          <a:chOff x="0" y="0"/>
+          <a:chExt cx="0" cy="0"/>
+        </a:xfrm>
+      </p:grpSpPr>
+      <p:sp>
+        <p:nvSpPr>
+          <p:cNvPr id="179" name="Google Shape;179;geea522d09e_0_8:notes"/>
+          <p:cNvSpPr txBox="1">
+            <a:spLocks noGrp="1"/>
+          </p:cNvSpPr>
+          <p:nvPr>
+            <p:ph type="body" idx="1"/>
+          </p:nvPr>
+        </p:nvSpPr>
+        <p:spPr>
+          <a:xfrm>
+            <a:off x="685800" y="4343400"/>
+            <a:ext cx="5486400" cy="4114800"/>
+          </a:xfrm>
+          <a:prstGeom prst="rect">
+            <a:avLst/>
+          </a:prstGeom>
+          <a:noFill/>
+          <a:ln>
+            <a:noFill/>
+          </a:ln>
+        </p:spPr>
+        <p:txBody>
+          <a:bodyPr spcFirstLastPara="1" wrap="square" lIns="91425" tIns="91425" rIns="91425" bIns="91425" anchor="t" anchorCtr="0">
+            <a:noAutofit/>
+          </a:bodyPr>
+          <a:lstStyle/>
+          <a:p>
+            <a:pPr marL="0" lvl="0" indent="0" algn="l" rtl="0">
+              <a:lnSpc>
+                <a:spcPct val="100000"/>
+              </a:lnSpc>
+              <a:spcBef>
+                <a:spcPts val="0"/>
+              </a:spcBef>
+              <a:spcAft>
+                <a:spcPts val="0"/>
+              </a:spcAft>
+              <a:buSzPts val="1100"/>
+              <a:buNone/>
+            </a:pPr>
+            <a:endParaRPr/>
+          </a:p>
+        </p:txBody>
+      </p:sp>
+      <p:sp>
+        <p:nvSpPr>
+          <p:cNvPr id="180" name="Google Shape;180;geea522d09e_0_8:notes"/>
+          <p:cNvSpPr>
+            <a:spLocks noGrp="1" noRot="1" noChangeAspect="1"/>
+          </p:cNvSpPr>
+          <p:nvPr>
+            <p:ph type="sldImg" idx="2"/>
+          </p:nvPr>
+        </p:nvSpPr>
+        <p:spPr>
+          <a:xfrm>
+            <a:off x="381000" y="685800"/>
+            <a:ext cx="6096000" cy="3429000"/>
+          </a:xfrm>
+          <a:custGeom>
+            <a:avLst/>
+            <a:gdLst/>
+            <a:ahLst/>
+            <a:cxnLst/>
+            <a:rect l="l" t="t" r="r" b="b"/>
+            <a:pathLst>
+              <a:path w="120000" h="120000" extrusionOk="0">
+                <a:moveTo>
+                  <a:pt x="0" y="0"/>
+                </a:moveTo>
+                <a:lnTo>
+                  <a:pt x="120000" y="0"/>
+                </a:lnTo>
+                <a:lnTo>
+                  <a:pt x="120000" y="120000"/>
+                </a:lnTo>
+                <a:lnTo>
+                  <a:pt x="0" y="120000"/>
+                </a:lnTo>
+                <a:close/>
+              </a:path>
+            </a:pathLst>
+          </a:custGeom>
+          <a:noFill/>
+          <a:ln w="9525" cap="flat" cmpd="sng">
+            <a:solidFill>
+              <a:srgbClr val="000000"/>
+            </a:solidFill>
+            <a:prstDash val="solid"/>
+            <a:round/>
+            <a:headEnd type="none" w="sm" len="sm"/>
+            <a:tailEnd type="none" w="sm" len="sm"/>
+          </a:ln>
+        </p:spPr>
+      </p:sp>
+    </p:spTree>
+    <p:extLst>
+      <p:ext uri="{BB962C8B-B14F-4D97-AF65-F5344CB8AC3E}">
+        <p14:creationId xmlns:p14="http://schemas.microsoft.com/office/powerpoint/2010/main" val="3461087130"/>
+      </p:ext>
+    </p:extLst>
+  </p:cSld>
+  <p:clrMapOvr>
+    <a:masterClrMapping/>
+  </p:clrMapOvr>
+</p:notes>
+</file>
+
+<file path=ppt/notesSlides/notesSlide12.xml><?xml version="1.0" encoding="utf-8"?>
 <p:notes xmlns:a="http://schemas.openxmlformats.org/drawingml/2006/main" xmlns:r="http://schemas.openxmlformats.org/officeDocument/2006/relationships" xmlns:p="http://schemas.openxmlformats.org/presentationml/2006/main" showMasterSp="0" showMasterPhAnim="0">
   <p:cSld>
     <p:spTree>
@@ -1245,12 +1373,12 @@
 </p:notes>
 </file>
 
-<file path=ppt/notesSlides/notesSlide12.xml><?xml version="1.0" encoding="utf-8"?>
+<file path=ppt/notesSlides/notesSlide13.xml><?xml version="1.0" encoding="utf-8"?>
 <p:notes xmlns:a="http://schemas.openxmlformats.org/drawingml/2006/main" xmlns:r="http://schemas.openxmlformats.org/officeDocument/2006/relationships" xmlns:p="http://schemas.openxmlformats.org/presentationml/2006/main" showMasterSp="0" showMasterPhAnim="0">
   <p:cSld>
     <p:spTree>
       <p:nvGrpSpPr>
-        <p:cNvPr id="1" name="Shape 194"/>
+        <p:cNvPr id="1" name="Shape 170"/>
         <p:cNvGrpSpPr/>
         <p:nvPr/>
       </p:nvGrpSpPr>
@@ -1264,7 +1392,7 @@
       </p:grpSpPr>
       <p:sp>
         <p:nvSpPr>
-          <p:cNvPr id="195" name="Google Shape;195;geef53d5d55_1_27:notes"/>
+          <p:cNvPr id="171" name="Google Shape;171;geef53d5d55_1_17:notes"/>
           <p:cNvSpPr txBox="1">
             <a:spLocks noGrp="1"/>
           </p:cNvSpPr>
@@ -1310,7 +1438,7 @@
       </p:sp>
       <p:sp>
         <p:nvSpPr>
-          <p:cNvPr id="196" name="Google Shape;196;geef53d5d55_1_27:notes"/>
+          <p:cNvPr id="172" name="Google Shape;172;geef53d5d55_1_17:notes"/>
           <p:cNvSpPr>
             <a:spLocks noGrp="1" noRot="1" noChangeAspect="1"/>
           </p:cNvSpPr>
@@ -1367,7 +1495,7 @@
 </p:notes>
 </file>
 
-<file path=ppt/notesSlides/notesSlide13.xml><?xml version="1.0" encoding="utf-8"?>
+<file path=ppt/notesSlides/notesSlide14.xml><?xml version="1.0" encoding="utf-8"?>
 <p:notes xmlns:a="http://schemas.openxmlformats.org/drawingml/2006/main" xmlns:r="http://schemas.openxmlformats.org/officeDocument/2006/relationships" xmlns:p="http://schemas.openxmlformats.org/presentationml/2006/main" showMasterSp="0" showMasterPhAnim="0">
   <p:cSld>
     <p:spTree>
@@ -1494,7 +1622,7 @@
 </p:notes>
 </file>
 
-<file path=ppt/notesSlides/notesSlide14.xml><?xml version="1.0" encoding="utf-8"?>
+<file path=ppt/notesSlides/notesSlide15.xml><?xml version="1.0" encoding="utf-8"?>
 <p:notes xmlns:a="http://schemas.openxmlformats.org/drawingml/2006/main" xmlns:r="http://schemas.openxmlformats.org/officeDocument/2006/relationships" xmlns:p="http://schemas.openxmlformats.org/presentationml/2006/main" showMasterSp="0" showMasterPhAnim="0">
   <p:cSld>
     <p:spTree>
@@ -1621,7 +1749,7 @@
 </p:notes>
 </file>
 
-<file path=ppt/notesSlides/notesSlide15.xml><?xml version="1.0" encoding="utf-8"?>
+<file path=ppt/notesSlides/notesSlide16.xml><?xml version="1.0" encoding="utf-8"?>
 <p:notes xmlns:a="http://schemas.openxmlformats.org/drawingml/2006/main" xmlns:r="http://schemas.openxmlformats.org/officeDocument/2006/relationships" xmlns:p="http://schemas.openxmlformats.org/presentationml/2006/main" showMasterSp="0" showMasterPhAnim="0">
   <p:cSld>
     <p:spTree>
@@ -1748,7 +1876,7 @@
 </p:notes>
 </file>
 
-<file path=ppt/notesSlides/notesSlide16.xml><?xml version="1.0" encoding="utf-8"?>
+<file path=ppt/notesSlides/notesSlide17.xml><?xml version="1.0" encoding="utf-8"?>
 <p:notes xmlns:a="http://schemas.openxmlformats.org/drawingml/2006/main" xmlns:r="http://schemas.openxmlformats.org/officeDocument/2006/relationships" xmlns:p="http://schemas.openxmlformats.org/presentationml/2006/main" showMasterSp="0" showMasterPhAnim="0">
   <p:cSld>
     <p:spTree>
@@ -1875,7 +2003,7 @@
 </p:notes>
 </file>
 
-<file path=ppt/notesSlides/notesSlide17.xml><?xml version="1.0" encoding="utf-8"?>
+<file path=ppt/notesSlides/notesSlide18.xml><?xml version="1.0" encoding="utf-8"?>
 <p:notes xmlns:a="http://schemas.openxmlformats.org/drawingml/2006/main" xmlns:r="http://schemas.openxmlformats.org/officeDocument/2006/relationships" xmlns:p="http://schemas.openxmlformats.org/presentationml/2006/main" showMasterSp="0" showMasterPhAnim="0">
   <p:cSld>
     <p:spTree>
@@ -2002,7 +2130,7 @@
 </p:notes>
 </file>
 
-<file path=ppt/notesSlides/notesSlide18.xml><?xml version="1.0" encoding="utf-8"?>
+<file path=ppt/notesSlides/notesSlide19.xml><?xml version="1.0" encoding="utf-8"?>
 <p:notes xmlns:a="http://schemas.openxmlformats.org/drawingml/2006/main" xmlns:r="http://schemas.openxmlformats.org/officeDocument/2006/relationships" xmlns:p="http://schemas.openxmlformats.org/presentationml/2006/main" showMasterSp="0" showMasterPhAnim="0">
   <p:cSld>
     <p:spTree>
@@ -2120,133 +2248,6 @@
     <p:extLst>
       <p:ext uri="{BB962C8B-B14F-4D97-AF65-F5344CB8AC3E}">
         <p14:creationId xmlns:p14="http://schemas.microsoft.com/office/powerpoint/2010/main" val="337806771"/>
-      </p:ext>
-    </p:extLst>
-  </p:cSld>
-  <p:clrMapOvr>
-    <a:masterClrMapping/>
-  </p:clrMapOvr>
-</p:notes>
-</file>
-
-<file path=ppt/notesSlides/notesSlide19.xml><?xml version="1.0" encoding="utf-8"?>
-<p:notes xmlns:a="http://schemas.openxmlformats.org/drawingml/2006/main" xmlns:r="http://schemas.openxmlformats.org/officeDocument/2006/relationships" xmlns:p="http://schemas.openxmlformats.org/presentationml/2006/main" showMasterSp="0" showMasterPhAnim="0">
-  <p:cSld>
-    <p:spTree>
-      <p:nvGrpSpPr>
-        <p:cNvPr id="1" name="Shape 194"/>
-        <p:cNvGrpSpPr/>
-        <p:nvPr/>
-      </p:nvGrpSpPr>
-      <p:grpSpPr>
-        <a:xfrm>
-          <a:off x="0" y="0"/>
-          <a:ext cx="0" cy="0"/>
-          <a:chOff x="0" y="0"/>
-          <a:chExt cx="0" cy="0"/>
-        </a:xfrm>
-      </p:grpSpPr>
-      <p:sp>
-        <p:nvSpPr>
-          <p:cNvPr id="195" name="Google Shape;195;geef53d5d55_1_27:notes"/>
-          <p:cNvSpPr txBox="1">
-            <a:spLocks noGrp="1"/>
-          </p:cNvSpPr>
-          <p:nvPr>
-            <p:ph type="body" idx="1"/>
-          </p:nvPr>
-        </p:nvSpPr>
-        <p:spPr>
-          <a:xfrm>
-            <a:off x="685800" y="4343400"/>
-            <a:ext cx="5486400" cy="4114800"/>
-          </a:xfrm>
-          <a:prstGeom prst="rect">
-            <a:avLst/>
-          </a:prstGeom>
-          <a:noFill/>
-          <a:ln>
-            <a:noFill/>
-          </a:ln>
-        </p:spPr>
-        <p:txBody>
-          <a:bodyPr spcFirstLastPara="1" wrap="square" lIns="91425" tIns="91425" rIns="91425" bIns="91425" anchor="t" anchorCtr="0">
-            <a:noAutofit/>
-          </a:bodyPr>
-          <a:lstStyle/>
-          <a:p>
-            <a:pPr marL="0" lvl="0" indent="0" algn="l" rtl="0">
-              <a:lnSpc>
-                <a:spcPct val="100000"/>
-              </a:lnSpc>
-              <a:spcBef>
-                <a:spcPts val="0"/>
-              </a:spcBef>
-              <a:spcAft>
-                <a:spcPts val="0"/>
-              </a:spcAft>
-              <a:buSzPts val="1100"/>
-              <a:buNone/>
-            </a:pPr>
-            <a:endParaRPr/>
-          </a:p>
-        </p:txBody>
-      </p:sp>
-      <p:sp>
-        <p:nvSpPr>
-          <p:cNvPr id="196" name="Google Shape;196;geef53d5d55_1_27:notes"/>
-          <p:cNvSpPr>
-            <a:spLocks noGrp="1" noRot="1" noChangeAspect="1"/>
-          </p:cNvSpPr>
-          <p:nvPr>
-            <p:ph type="sldImg" idx="2"/>
-          </p:nvPr>
-        </p:nvSpPr>
-        <p:spPr>
-          <a:xfrm>
-            <a:off x="381000" y="685800"/>
-            <a:ext cx="6096000" cy="3429000"/>
-          </a:xfrm>
-          <a:custGeom>
-            <a:avLst/>
-            <a:gdLst/>
-            <a:ahLst/>
-            <a:cxnLst/>
-            <a:rect l="l" t="t" r="r" b="b"/>
-            <a:pathLst>
-              <a:path w="120000" h="120000" extrusionOk="0">
-                <a:moveTo>
-                  <a:pt x="0" y="0"/>
-                </a:moveTo>
-                <a:lnTo>
-                  <a:pt x="120000" y="0"/>
-                </a:lnTo>
-                <a:lnTo>
-                  <a:pt x="120000" y="120000"/>
-                </a:lnTo>
-                <a:lnTo>
-                  <a:pt x="0" y="120000"/>
-                </a:lnTo>
-                <a:close/>
-              </a:path>
-            </a:pathLst>
-          </a:custGeom>
-          <a:noFill/>
-          <a:ln w="9525" cap="flat" cmpd="sng">
-            <a:solidFill>
-              <a:srgbClr val="000000"/>
-            </a:solidFill>
-            <a:prstDash val="solid"/>
-            <a:round/>
-            <a:headEnd type="none" w="sm" len="sm"/>
-            <a:tailEnd type="none" w="sm" len="sm"/>
-          </a:ln>
-        </p:spPr>
-      </p:sp>
-    </p:spTree>
-    <p:extLst>
-      <p:ext uri="{BB962C8B-B14F-4D97-AF65-F5344CB8AC3E}">
-        <p14:creationId xmlns:p14="http://schemas.microsoft.com/office/powerpoint/2010/main" val="3533517441"/>
       </p:ext>
     </p:extLst>
   </p:cSld>
@@ -2500,6 +2501,133 @@
     </p:spTree>
     <p:extLst>
       <p:ext uri="{BB962C8B-B14F-4D97-AF65-F5344CB8AC3E}">
+        <p14:creationId xmlns:p14="http://schemas.microsoft.com/office/powerpoint/2010/main" val="3533517441"/>
+      </p:ext>
+    </p:extLst>
+  </p:cSld>
+  <p:clrMapOvr>
+    <a:masterClrMapping/>
+  </p:clrMapOvr>
+</p:notes>
+</file>
+
+<file path=ppt/notesSlides/notesSlide21.xml><?xml version="1.0" encoding="utf-8"?>
+<p:notes xmlns:a="http://schemas.openxmlformats.org/drawingml/2006/main" xmlns:r="http://schemas.openxmlformats.org/officeDocument/2006/relationships" xmlns:p="http://schemas.openxmlformats.org/presentationml/2006/main" showMasterSp="0" showMasterPhAnim="0">
+  <p:cSld>
+    <p:spTree>
+      <p:nvGrpSpPr>
+        <p:cNvPr id="1" name="Shape 194"/>
+        <p:cNvGrpSpPr/>
+        <p:nvPr/>
+      </p:nvGrpSpPr>
+      <p:grpSpPr>
+        <a:xfrm>
+          <a:off x="0" y="0"/>
+          <a:ext cx="0" cy="0"/>
+          <a:chOff x="0" y="0"/>
+          <a:chExt cx="0" cy="0"/>
+        </a:xfrm>
+      </p:grpSpPr>
+      <p:sp>
+        <p:nvSpPr>
+          <p:cNvPr id="195" name="Google Shape;195;geef53d5d55_1_27:notes"/>
+          <p:cNvSpPr txBox="1">
+            <a:spLocks noGrp="1"/>
+          </p:cNvSpPr>
+          <p:nvPr>
+            <p:ph type="body" idx="1"/>
+          </p:nvPr>
+        </p:nvSpPr>
+        <p:spPr>
+          <a:xfrm>
+            <a:off x="685800" y="4343400"/>
+            <a:ext cx="5486400" cy="4114800"/>
+          </a:xfrm>
+          <a:prstGeom prst="rect">
+            <a:avLst/>
+          </a:prstGeom>
+          <a:noFill/>
+          <a:ln>
+            <a:noFill/>
+          </a:ln>
+        </p:spPr>
+        <p:txBody>
+          <a:bodyPr spcFirstLastPara="1" wrap="square" lIns="91425" tIns="91425" rIns="91425" bIns="91425" anchor="t" anchorCtr="0">
+            <a:noAutofit/>
+          </a:bodyPr>
+          <a:lstStyle/>
+          <a:p>
+            <a:pPr marL="0" lvl="0" indent="0" algn="l" rtl="0">
+              <a:lnSpc>
+                <a:spcPct val="100000"/>
+              </a:lnSpc>
+              <a:spcBef>
+                <a:spcPts val="0"/>
+              </a:spcBef>
+              <a:spcAft>
+                <a:spcPts val="0"/>
+              </a:spcAft>
+              <a:buSzPts val="1100"/>
+              <a:buNone/>
+            </a:pPr>
+            <a:endParaRPr/>
+          </a:p>
+        </p:txBody>
+      </p:sp>
+      <p:sp>
+        <p:nvSpPr>
+          <p:cNvPr id="196" name="Google Shape;196;geef53d5d55_1_27:notes"/>
+          <p:cNvSpPr>
+            <a:spLocks noGrp="1" noRot="1" noChangeAspect="1"/>
+          </p:cNvSpPr>
+          <p:nvPr>
+            <p:ph type="sldImg" idx="2"/>
+          </p:nvPr>
+        </p:nvSpPr>
+        <p:spPr>
+          <a:xfrm>
+            <a:off x="381000" y="685800"/>
+            <a:ext cx="6096000" cy="3429000"/>
+          </a:xfrm>
+          <a:custGeom>
+            <a:avLst/>
+            <a:gdLst/>
+            <a:ahLst/>
+            <a:cxnLst/>
+            <a:rect l="l" t="t" r="r" b="b"/>
+            <a:pathLst>
+              <a:path w="120000" h="120000" extrusionOk="0">
+                <a:moveTo>
+                  <a:pt x="0" y="0"/>
+                </a:moveTo>
+                <a:lnTo>
+                  <a:pt x="120000" y="0"/>
+                </a:lnTo>
+                <a:lnTo>
+                  <a:pt x="120000" y="120000"/>
+                </a:lnTo>
+                <a:lnTo>
+                  <a:pt x="0" y="120000"/>
+                </a:lnTo>
+                <a:close/>
+              </a:path>
+            </a:pathLst>
+          </a:custGeom>
+          <a:noFill/>
+          <a:ln w="9525" cap="flat" cmpd="sng">
+            <a:solidFill>
+              <a:srgbClr val="000000"/>
+            </a:solidFill>
+            <a:prstDash val="solid"/>
+            <a:round/>
+            <a:headEnd type="none" w="sm" len="sm"/>
+            <a:tailEnd type="none" w="sm" len="sm"/>
+          </a:ln>
+        </p:spPr>
+      </p:sp>
+    </p:spTree>
+    <p:extLst>
+      <p:ext uri="{BB962C8B-B14F-4D97-AF65-F5344CB8AC3E}">
         <p14:creationId xmlns:p14="http://schemas.microsoft.com/office/powerpoint/2010/main" val="2043700341"/>
       </p:ext>
     </p:extLst>
@@ -2510,7 +2638,7 @@
 </p:notes>
 </file>
 
-<file path=ppt/notesSlides/notesSlide21.xml><?xml version="1.0" encoding="utf-8"?>
+<file path=ppt/notesSlides/notesSlide22.xml><?xml version="1.0" encoding="utf-8"?>
 <p:notes xmlns:a="http://schemas.openxmlformats.org/drawingml/2006/main" xmlns:r="http://schemas.openxmlformats.org/officeDocument/2006/relationships" xmlns:p="http://schemas.openxmlformats.org/presentationml/2006/main" showMasterSp="0" showMasterPhAnim="0">
   <p:cSld>
     <p:spTree>
@@ -2637,7 +2765,7 @@
 </p:notes>
 </file>
 
-<file path=ppt/notesSlides/notesSlide22.xml><?xml version="1.0" encoding="utf-8"?>
+<file path=ppt/notesSlides/notesSlide23.xml><?xml version="1.0" encoding="utf-8"?>
 <p:notes xmlns:a="http://schemas.openxmlformats.org/drawingml/2006/main" xmlns:r="http://schemas.openxmlformats.org/officeDocument/2006/relationships" xmlns:p="http://schemas.openxmlformats.org/presentationml/2006/main" showMasterSp="0" showMasterPhAnim="0">
   <p:cSld>
     <p:spTree>
@@ -2764,7 +2892,7 @@
 </p:notes>
 </file>
 
-<file path=ppt/notesSlides/notesSlide23.xml><?xml version="1.0" encoding="utf-8"?>
+<file path=ppt/notesSlides/notesSlide24.xml><?xml version="1.0" encoding="utf-8"?>
 <p:notes xmlns:a="http://schemas.openxmlformats.org/drawingml/2006/main" xmlns:r="http://schemas.openxmlformats.org/officeDocument/2006/relationships" xmlns:p="http://schemas.openxmlformats.org/presentationml/2006/main" showMasterSp="0" showMasterPhAnim="0">
   <p:cSld>
     <p:spTree>
@@ -2886,7 +3014,7 @@
 </p:notes>
 </file>
 
-<file path=ppt/notesSlides/notesSlide24.xml><?xml version="1.0" encoding="utf-8"?>
+<file path=ppt/notesSlides/notesSlide25.xml><?xml version="1.0" encoding="utf-8"?>
 <p:notes xmlns:a="http://schemas.openxmlformats.org/drawingml/2006/main" xmlns:r="http://schemas.openxmlformats.org/officeDocument/2006/relationships" xmlns:p="http://schemas.openxmlformats.org/presentationml/2006/main" showMasterSp="0" showMasterPhAnim="0">
   <p:cSld>
     <p:spTree>
@@ -3013,7 +3141,7 @@
 </p:notes>
 </file>
 
-<file path=ppt/notesSlides/notesSlide25.xml><?xml version="1.0" encoding="utf-8"?>
+<file path=ppt/notesSlides/notesSlide26.xml><?xml version="1.0" encoding="utf-8"?>
 <p:notes xmlns:a="http://schemas.openxmlformats.org/drawingml/2006/main" xmlns:r="http://schemas.openxmlformats.org/officeDocument/2006/relationships" xmlns:p="http://schemas.openxmlformats.org/presentationml/2006/main" showMasterSp="0" showMasterPhAnim="0">
   <p:cSld>
     <p:spTree>
@@ -3135,7 +3263,7 @@
 </p:notes>
 </file>
 
-<file path=ppt/notesSlides/notesSlide26.xml><?xml version="1.0" encoding="utf-8"?>
+<file path=ppt/notesSlides/notesSlide27.xml><?xml version="1.0" encoding="utf-8"?>
 <p:notes xmlns:a="http://schemas.openxmlformats.org/drawingml/2006/main" xmlns:r="http://schemas.openxmlformats.org/officeDocument/2006/relationships" xmlns:p="http://schemas.openxmlformats.org/presentationml/2006/main" showMasterSp="0" showMasterPhAnim="0">
   <p:cSld>
     <p:spTree>
@@ -3257,7 +3385,7 @@
 </p:notes>
 </file>
 
-<file path=ppt/notesSlides/notesSlide27.xml><?xml version="1.0" encoding="utf-8"?>
+<file path=ppt/notesSlides/notesSlide28.xml><?xml version="1.0" encoding="utf-8"?>
 <p:notes xmlns:a="http://schemas.openxmlformats.org/drawingml/2006/main" xmlns:r="http://schemas.openxmlformats.org/officeDocument/2006/relationships" xmlns:p="http://schemas.openxmlformats.org/presentationml/2006/main" showMasterSp="0" showMasterPhAnim="0">
   <p:cSld>
     <p:spTree>
@@ -3379,7 +3507,7 @@
 </p:notes>
 </file>
 
-<file path=ppt/notesSlides/notesSlide28.xml><?xml version="1.0" encoding="utf-8"?>
+<file path=ppt/notesSlides/notesSlide29.xml><?xml version="1.0" encoding="utf-8"?>
 <p:notes xmlns:a="http://schemas.openxmlformats.org/drawingml/2006/main" xmlns:r="http://schemas.openxmlformats.org/officeDocument/2006/relationships" xmlns:p="http://schemas.openxmlformats.org/presentationml/2006/main" showMasterSp="0" showMasterPhAnim="0">
   <p:cSld>
     <p:spTree>
@@ -3445,128 +3573,6 @@
       <p:sp>
         <p:nvSpPr>
           <p:cNvPr id="262" name="Google Shape;262;geef53d5d55_1_229:notes"/>
-          <p:cNvSpPr>
-            <a:spLocks noGrp="1" noRot="1" noChangeAspect="1"/>
-          </p:cNvSpPr>
-          <p:nvPr>
-            <p:ph type="sldImg" idx="2"/>
-          </p:nvPr>
-        </p:nvSpPr>
-        <p:spPr>
-          <a:xfrm>
-            <a:off x="381000" y="685800"/>
-            <a:ext cx="6096000" cy="3429000"/>
-          </a:xfrm>
-          <a:custGeom>
-            <a:avLst/>
-            <a:gdLst/>
-            <a:ahLst/>
-            <a:cxnLst/>
-            <a:rect l="l" t="t" r="r" b="b"/>
-            <a:pathLst>
-              <a:path w="120000" h="120000" extrusionOk="0">
-                <a:moveTo>
-                  <a:pt x="0" y="0"/>
-                </a:moveTo>
-                <a:lnTo>
-                  <a:pt x="120000" y="0"/>
-                </a:lnTo>
-                <a:lnTo>
-                  <a:pt x="120000" y="120000"/>
-                </a:lnTo>
-                <a:lnTo>
-                  <a:pt x="0" y="120000"/>
-                </a:lnTo>
-                <a:close/>
-              </a:path>
-            </a:pathLst>
-          </a:custGeom>
-          <a:noFill/>
-          <a:ln w="9525" cap="flat" cmpd="sng">
-            <a:solidFill>
-              <a:srgbClr val="000000"/>
-            </a:solidFill>
-            <a:prstDash val="solid"/>
-            <a:round/>
-            <a:headEnd type="none" w="sm" len="sm"/>
-            <a:tailEnd type="none" w="sm" len="sm"/>
-          </a:ln>
-        </p:spPr>
-      </p:sp>
-    </p:spTree>
-  </p:cSld>
-  <p:clrMapOvr>
-    <a:masterClrMapping/>
-  </p:clrMapOvr>
-</p:notes>
-</file>
-
-<file path=ppt/notesSlides/notesSlide29.xml><?xml version="1.0" encoding="utf-8"?>
-<p:notes xmlns:a="http://schemas.openxmlformats.org/drawingml/2006/main" xmlns:r="http://schemas.openxmlformats.org/officeDocument/2006/relationships" xmlns:p="http://schemas.openxmlformats.org/presentationml/2006/main" showMasterSp="0" showMasterPhAnim="0">
-  <p:cSld>
-    <p:spTree>
-      <p:nvGrpSpPr>
-        <p:cNvPr id="1" name="Shape 268"/>
-        <p:cNvGrpSpPr/>
-        <p:nvPr/>
-      </p:nvGrpSpPr>
-      <p:grpSpPr>
-        <a:xfrm>
-          <a:off x="0" y="0"/>
-          <a:ext cx="0" cy="0"/>
-          <a:chOff x="0" y="0"/>
-          <a:chExt cx="0" cy="0"/>
-        </a:xfrm>
-      </p:grpSpPr>
-      <p:sp>
-        <p:nvSpPr>
-          <p:cNvPr id="269" name="Google Shape;269;geef53d5d55_1_68:notes"/>
-          <p:cNvSpPr txBox="1">
-            <a:spLocks noGrp="1"/>
-          </p:cNvSpPr>
-          <p:nvPr>
-            <p:ph type="body" idx="1"/>
-          </p:nvPr>
-        </p:nvSpPr>
-        <p:spPr>
-          <a:xfrm>
-            <a:off x="685800" y="4343400"/>
-            <a:ext cx="5486400" cy="4114800"/>
-          </a:xfrm>
-          <a:prstGeom prst="rect">
-            <a:avLst/>
-          </a:prstGeom>
-          <a:noFill/>
-          <a:ln>
-            <a:noFill/>
-          </a:ln>
-        </p:spPr>
-        <p:txBody>
-          <a:bodyPr spcFirstLastPara="1" wrap="square" lIns="91425" tIns="91425" rIns="91425" bIns="91425" anchor="t" anchorCtr="0">
-            <a:noAutofit/>
-          </a:bodyPr>
-          <a:lstStyle/>
-          <a:p>
-            <a:pPr marL="0" lvl="0" indent="0" algn="l" rtl="0">
-              <a:lnSpc>
-                <a:spcPct val="100000"/>
-              </a:lnSpc>
-              <a:spcBef>
-                <a:spcPts val="0"/>
-              </a:spcBef>
-              <a:spcAft>
-                <a:spcPts val="0"/>
-              </a:spcAft>
-              <a:buSzPts val="1100"/>
-              <a:buNone/>
-            </a:pPr>
-            <a:endParaRPr/>
-          </a:p>
-        </p:txBody>
-      </p:sp>
-      <p:sp>
-        <p:nvSpPr>
-          <p:cNvPr id="270" name="Google Shape;270;geef53d5d55_1_68:notes"/>
           <p:cNvSpPr>
             <a:spLocks noGrp="1" noRot="1" noChangeAspect="1"/>
           </p:cNvSpPr>
@@ -3860,6 +3866,128 @@
         </p:spPr>
       </p:sp>
     </p:spTree>
+  </p:cSld>
+  <p:clrMapOvr>
+    <a:masterClrMapping/>
+  </p:clrMapOvr>
+</p:notes>
+</file>
+
+<file path=ppt/notesSlides/notesSlide31.xml><?xml version="1.0" encoding="utf-8"?>
+<p:notes xmlns:a="http://schemas.openxmlformats.org/drawingml/2006/main" xmlns:r="http://schemas.openxmlformats.org/officeDocument/2006/relationships" xmlns:p="http://schemas.openxmlformats.org/presentationml/2006/main" showMasterSp="0" showMasterPhAnim="0">
+  <p:cSld>
+    <p:spTree>
+      <p:nvGrpSpPr>
+        <p:cNvPr id="1" name="Shape 268"/>
+        <p:cNvGrpSpPr/>
+        <p:nvPr/>
+      </p:nvGrpSpPr>
+      <p:grpSpPr>
+        <a:xfrm>
+          <a:off x="0" y="0"/>
+          <a:ext cx="0" cy="0"/>
+          <a:chOff x="0" y="0"/>
+          <a:chExt cx="0" cy="0"/>
+        </a:xfrm>
+      </p:grpSpPr>
+      <p:sp>
+        <p:nvSpPr>
+          <p:cNvPr id="269" name="Google Shape;269;geef53d5d55_1_68:notes"/>
+          <p:cNvSpPr txBox="1">
+            <a:spLocks noGrp="1"/>
+          </p:cNvSpPr>
+          <p:nvPr>
+            <p:ph type="body" idx="1"/>
+          </p:nvPr>
+        </p:nvSpPr>
+        <p:spPr>
+          <a:xfrm>
+            <a:off x="685800" y="4343400"/>
+            <a:ext cx="5486400" cy="4114800"/>
+          </a:xfrm>
+          <a:prstGeom prst="rect">
+            <a:avLst/>
+          </a:prstGeom>
+          <a:noFill/>
+          <a:ln>
+            <a:noFill/>
+          </a:ln>
+        </p:spPr>
+        <p:txBody>
+          <a:bodyPr spcFirstLastPara="1" wrap="square" lIns="91425" tIns="91425" rIns="91425" bIns="91425" anchor="t" anchorCtr="0">
+            <a:noAutofit/>
+          </a:bodyPr>
+          <a:lstStyle/>
+          <a:p>
+            <a:pPr marL="0" lvl="0" indent="0" algn="l" rtl="0">
+              <a:lnSpc>
+                <a:spcPct val="100000"/>
+              </a:lnSpc>
+              <a:spcBef>
+                <a:spcPts val="0"/>
+              </a:spcBef>
+              <a:spcAft>
+                <a:spcPts val="0"/>
+              </a:spcAft>
+              <a:buSzPts val="1100"/>
+              <a:buNone/>
+            </a:pPr>
+            <a:endParaRPr/>
+          </a:p>
+        </p:txBody>
+      </p:sp>
+      <p:sp>
+        <p:nvSpPr>
+          <p:cNvPr id="270" name="Google Shape;270;geef53d5d55_1_68:notes"/>
+          <p:cNvSpPr>
+            <a:spLocks noGrp="1" noRot="1" noChangeAspect="1"/>
+          </p:cNvSpPr>
+          <p:nvPr>
+            <p:ph type="sldImg" idx="2"/>
+          </p:nvPr>
+        </p:nvSpPr>
+        <p:spPr>
+          <a:xfrm>
+            <a:off x="381000" y="685800"/>
+            <a:ext cx="6096000" cy="3429000"/>
+          </a:xfrm>
+          <a:custGeom>
+            <a:avLst/>
+            <a:gdLst/>
+            <a:ahLst/>
+            <a:cxnLst/>
+            <a:rect l="l" t="t" r="r" b="b"/>
+            <a:pathLst>
+              <a:path w="120000" h="120000" extrusionOk="0">
+                <a:moveTo>
+                  <a:pt x="0" y="0"/>
+                </a:moveTo>
+                <a:lnTo>
+                  <a:pt x="120000" y="0"/>
+                </a:lnTo>
+                <a:lnTo>
+                  <a:pt x="120000" y="120000"/>
+                </a:lnTo>
+                <a:lnTo>
+                  <a:pt x="0" y="120000"/>
+                </a:lnTo>
+                <a:close/>
+              </a:path>
+            </a:pathLst>
+          </a:custGeom>
+          <a:noFill/>
+          <a:ln w="9525" cap="flat" cmpd="sng">
+            <a:solidFill>
+              <a:srgbClr val="000000"/>
+            </a:solidFill>
+            <a:prstDash val="solid"/>
+            <a:round/>
+            <a:headEnd type="none" w="sm" len="sm"/>
+            <a:tailEnd type="none" w="sm" len="sm"/>
+          </a:ln>
+        </p:spPr>
+      </p:sp>
+    </p:spTree>
     <p:extLst>
       <p:ext uri="{BB962C8B-B14F-4D97-AF65-F5344CB8AC3E}">
         <p14:creationId xmlns:p14="http://schemas.microsoft.com/office/powerpoint/2010/main" val="2627219284"/>
@@ -3872,7 +4000,7 @@
 </p:notes>
 </file>
 
-<file path=ppt/notesSlides/notesSlide31.xml><?xml version="1.0" encoding="utf-8"?>
+<file path=ppt/notesSlides/notesSlide32.xml><?xml version="1.0" encoding="utf-8"?>
 <p:notes xmlns:a="http://schemas.openxmlformats.org/drawingml/2006/main" xmlns:r="http://schemas.openxmlformats.org/officeDocument/2006/relationships" xmlns:p="http://schemas.openxmlformats.org/presentationml/2006/main" showMasterSp="0" showMasterPhAnim="0">
   <p:cSld>
     <p:spTree>
@@ -3994,7 +4122,7 @@
 </p:notes>
 </file>
 
-<file path=ppt/notesSlides/notesSlide32.xml><?xml version="1.0" encoding="utf-8"?>
+<file path=ppt/notesSlides/notesSlide33.xml><?xml version="1.0" encoding="utf-8"?>
 <p:notes xmlns:a="http://schemas.openxmlformats.org/drawingml/2006/main" xmlns:r="http://schemas.openxmlformats.org/officeDocument/2006/relationships" xmlns:p="http://schemas.openxmlformats.org/presentationml/2006/main" showMasterSp="0" showMasterPhAnim="0">
   <p:cSld>
     <p:spTree>
@@ -4121,7 +4249,7 @@
 </p:notes>
 </file>
 
-<file path=ppt/notesSlides/notesSlide33.xml><?xml version="1.0" encoding="utf-8"?>
+<file path=ppt/notesSlides/notesSlide34.xml><?xml version="1.0" encoding="utf-8"?>
 <p:notes xmlns:a="http://schemas.openxmlformats.org/drawingml/2006/main" xmlns:r="http://schemas.openxmlformats.org/officeDocument/2006/relationships" xmlns:p="http://schemas.openxmlformats.org/presentationml/2006/main" showMasterSp="0" showMasterPhAnim="0">
   <p:cSld>
     <p:spTree>
@@ -4243,7 +4371,7 @@
 </p:notes>
 </file>
 
-<file path=ppt/notesSlides/notesSlide34.xml><?xml version="1.0" encoding="utf-8"?>
+<file path=ppt/notesSlides/notesSlide35.xml><?xml version="1.0" encoding="utf-8"?>
 <p:notes xmlns:a="http://schemas.openxmlformats.org/drawingml/2006/main" xmlns:r="http://schemas.openxmlformats.org/officeDocument/2006/relationships" xmlns:p="http://schemas.openxmlformats.org/presentationml/2006/main" showMasterSp="0" showMasterPhAnim="0">
   <p:cSld>
     <p:spTree>
@@ -4365,7 +4493,7 @@
 </p:notes>
 </file>
 
-<file path=ppt/notesSlides/notesSlide35.xml><?xml version="1.0" encoding="utf-8"?>
+<file path=ppt/notesSlides/notesSlide36.xml><?xml version="1.0" encoding="utf-8"?>
 <p:notes xmlns:a="http://schemas.openxmlformats.org/drawingml/2006/main" xmlns:r="http://schemas.openxmlformats.org/officeDocument/2006/relationships" xmlns:p="http://schemas.openxmlformats.org/presentationml/2006/main" showMasterSp="0" showMasterPhAnim="0">
   <p:cSld>
     <p:spTree>
@@ -4487,7 +4615,7 @@
 </p:notes>
 </file>
 
-<file path=ppt/notesSlides/notesSlide36.xml><?xml version="1.0" encoding="utf-8"?>
+<file path=ppt/notesSlides/notesSlide37.xml><?xml version="1.0" encoding="utf-8"?>
 <p:notes xmlns:a="http://schemas.openxmlformats.org/drawingml/2006/main" xmlns:r="http://schemas.openxmlformats.org/officeDocument/2006/relationships" xmlns:p="http://schemas.openxmlformats.org/presentationml/2006/main" showMasterSp="0" showMasterPhAnim="0">
   <p:cSld>
     <p:spTree>
@@ -4609,7 +4737,7 @@
 </p:notes>
 </file>
 
-<file path=ppt/notesSlides/notesSlide37.xml><?xml version="1.0" encoding="utf-8"?>
+<file path=ppt/notesSlides/notesSlide38.xml><?xml version="1.0" encoding="utf-8"?>
 <p:notes xmlns:a="http://schemas.openxmlformats.org/drawingml/2006/main" xmlns:r="http://schemas.openxmlformats.org/officeDocument/2006/relationships" xmlns:p="http://schemas.openxmlformats.org/presentationml/2006/main" showMasterSp="0" showMasterPhAnim="0">
   <p:cSld>
     <p:spTree>
@@ -4736,7 +4864,7 @@
 </p:notes>
 </file>
 
-<file path=ppt/notesSlides/notesSlide38.xml><?xml version="1.0" encoding="utf-8"?>
+<file path=ppt/notesSlides/notesSlide39.xml><?xml version="1.0" encoding="utf-8"?>
 <p:notes xmlns:a="http://schemas.openxmlformats.org/drawingml/2006/main" xmlns:r="http://schemas.openxmlformats.org/officeDocument/2006/relationships" xmlns:p="http://schemas.openxmlformats.org/presentationml/2006/main" showMasterSp="0" showMasterPhAnim="0">
   <p:cSld>
     <p:spTree>
@@ -4858,7 +4986,134 @@
 </p:notes>
 </file>
 
-<file path=ppt/notesSlides/notesSlide39.xml><?xml version="1.0" encoding="utf-8"?>
+<file path=ppt/notesSlides/notesSlide4.xml><?xml version="1.0" encoding="utf-8"?>
+<p:notes xmlns:a="http://schemas.openxmlformats.org/drawingml/2006/main" xmlns:r="http://schemas.openxmlformats.org/officeDocument/2006/relationships" xmlns:p="http://schemas.openxmlformats.org/presentationml/2006/main" showMasterSp="0" showMasterPhAnim="0">
+  <p:cSld>
+    <p:spTree>
+      <p:nvGrpSpPr>
+        <p:cNvPr id="1" name="Shape 146"/>
+        <p:cNvGrpSpPr/>
+        <p:nvPr/>
+      </p:nvGrpSpPr>
+      <p:grpSpPr>
+        <a:xfrm>
+          <a:off x="0" y="0"/>
+          <a:ext cx="0" cy="0"/>
+          <a:chOff x="0" y="0"/>
+          <a:chExt cx="0" cy="0"/>
+        </a:xfrm>
+      </p:grpSpPr>
+      <p:sp>
+        <p:nvSpPr>
+          <p:cNvPr id="147" name="Google Shape;147;geea522d09e_0_15:notes"/>
+          <p:cNvSpPr txBox="1">
+            <a:spLocks noGrp="1"/>
+          </p:cNvSpPr>
+          <p:nvPr>
+            <p:ph type="body" idx="1"/>
+          </p:nvPr>
+        </p:nvSpPr>
+        <p:spPr>
+          <a:xfrm>
+            <a:off x="685800" y="4343400"/>
+            <a:ext cx="5486400" cy="4114800"/>
+          </a:xfrm>
+          <a:prstGeom prst="rect">
+            <a:avLst/>
+          </a:prstGeom>
+          <a:noFill/>
+          <a:ln>
+            <a:noFill/>
+          </a:ln>
+        </p:spPr>
+        <p:txBody>
+          <a:bodyPr spcFirstLastPara="1" wrap="square" lIns="91425" tIns="91425" rIns="91425" bIns="91425" anchor="t" anchorCtr="0">
+            <a:noAutofit/>
+          </a:bodyPr>
+          <a:lstStyle/>
+          <a:p>
+            <a:pPr marL="0" lvl="0" indent="0" algn="l" rtl="0">
+              <a:lnSpc>
+                <a:spcPct val="100000"/>
+              </a:lnSpc>
+              <a:spcBef>
+                <a:spcPts val="0"/>
+              </a:spcBef>
+              <a:spcAft>
+                <a:spcPts val="0"/>
+              </a:spcAft>
+              <a:buSzPts val="1100"/>
+              <a:buNone/>
+            </a:pPr>
+            <a:endParaRPr/>
+          </a:p>
+        </p:txBody>
+      </p:sp>
+      <p:sp>
+        <p:nvSpPr>
+          <p:cNvPr id="148" name="Google Shape;148;geea522d09e_0_15:notes"/>
+          <p:cNvSpPr>
+            <a:spLocks noGrp="1" noRot="1" noChangeAspect="1"/>
+          </p:cNvSpPr>
+          <p:nvPr>
+            <p:ph type="sldImg" idx="2"/>
+          </p:nvPr>
+        </p:nvSpPr>
+        <p:spPr>
+          <a:xfrm>
+            <a:off x="381000" y="685800"/>
+            <a:ext cx="6096000" cy="3429000"/>
+          </a:xfrm>
+          <a:custGeom>
+            <a:avLst/>
+            <a:gdLst/>
+            <a:ahLst/>
+            <a:cxnLst/>
+            <a:rect l="l" t="t" r="r" b="b"/>
+            <a:pathLst>
+              <a:path w="120000" h="120000" extrusionOk="0">
+                <a:moveTo>
+                  <a:pt x="0" y="0"/>
+                </a:moveTo>
+                <a:lnTo>
+                  <a:pt x="120000" y="0"/>
+                </a:lnTo>
+                <a:lnTo>
+                  <a:pt x="120000" y="120000"/>
+                </a:lnTo>
+                <a:lnTo>
+                  <a:pt x="0" y="120000"/>
+                </a:lnTo>
+                <a:close/>
+              </a:path>
+            </a:pathLst>
+          </a:custGeom>
+          <a:noFill/>
+          <a:ln w="9525" cap="flat" cmpd="sng">
+            <a:solidFill>
+              <a:srgbClr val="000000"/>
+            </a:solidFill>
+            <a:prstDash val="solid"/>
+            <a:round/>
+            <a:headEnd type="none" w="sm" len="sm"/>
+            <a:tailEnd type="none" w="sm" len="sm"/>
+          </a:ln>
+        </p:spPr>
+      </p:sp>
+    </p:spTree>
+    <p:extLst>
+      <p:ext uri="{BB962C8B-B14F-4D97-AF65-F5344CB8AC3E}">
+        <p14:creationId xmlns:p14="http://schemas.microsoft.com/office/powerpoint/2010/main" val="3695226834"/>
+      </p:ext>
+    </p:extLst>
+  </p:cSld>
+  <p:clrMapOvr>
+    <a:masterClrMapping/>
+  </p:clrMapOvr>
+</p:notes>
+</file>
+
+<file path=ppt/notesSlides/notesSlide40.xml><?xml version="1.0" encoding="utf-8"?>
 <p:notes xmlns:a="http://schemas.openxmlformats.org/drawingml/2006/main" xmlns:r="http://schemas.openxmlformats.org/officeDocument/2006/relationships" xmlns:p="http://schemas.openxmlformats.org/presentationml/2006/main" showMasterSp="0" showMasterPhAnim="0">
   <p:cSld>
     <p:spTree>
@@ -4980,129 +5235,7 @@
 </p:notes>
 </file>
 
-<file path=ppt/notesSlides/notesSlide4.xml><?xml version="1.0" encoding="utf-8"?>
-<p:notes xmlns:a="http://schemas.openxmlformats.org/drawingml/2006/main" xmlns:r="http://schemas.openxmlformats.org/officeDocument/2006/relationships" xmlns:p="http://schemas.openxmlformats.org/presentationml/2006/main" showMasterSp="0" showMasterPhAnim="0">
-  <p:cSld>
-    <p:spTree>
-      <p:nvGrpSpPr>
-        <p:cNvPr id="1" name="Shape 154"/>
-        <p:cNvGrpSpPr/>
-        <p:nvPr/>
-      </p:nvGrpSpPr>
-      <p:grpSpPr>
-        <a:xfrm>
-          <a:off x="0" y="0"/>
-          <a:ext cx="0" cy="0"/>
-          <a:chOff x="0" y="0"/>
-          <a:chExt cx="0" cy="0"/>
-        </a:xfrm>
-      </p:grpSpPr>
-      <p:sp>
-        <p:nvSpPr>
-          <p:cNvPr id="155" name="Google Shape;155;geef53d5d55_1_1:notes"/>
-          <p:cNvSpPr txBox="1">
-            <a:spLocks noGrp="1"/>
-          </p:cNvSpPr>
-          <p:nvPr>
-            <p:ph type="body" idx="1"/>
-          </p:nvPr>
-        </p:nvSpPr>
-        <p:spPr>
-          <a:xfrm>
-            <a:off x="685800" y="4343400"/>
-            <a:ext cx="5486400" cy="4114800"/>
-          </a:xfrm>
-          <a:prstGeom prst="rect">
-            <a:avLst/>
-          </a:prstGeom>
-          <a:noFill/>
-          <a:ln>
-            <a:noFill/>
-          </a:ln>
-        </p:spPr>
-        <p:txBody>
-          <a:bodyPr spcFirstLastPara="1" wrap="square" lIns="91425" tIns="91425" rIns="91425" bIns="91425" anchor="t" anchorCtr="0">
-            <a:noAutofit/>
-          </a:bodyPr>
-          <a:lstStyle/>
-          <a:p>
-            <a:pPr marL="0" lvl="0" indent="0" algn="l" rtl="0">
-              <a:lnSpc>
-                <a:spcPct val="100000"/>
-              </a:lnSpc>
-              <a:spcBef>
-                <a:spcPts val="0"/>
-              </a:spcBef>
-              <a:spcAft>
-                <a:spcPts val="0"/>
-              </a:spcAft>
-              <a:buSzPts val="1100"/>
-              <a:buNone/>
-            </a:pPr>
-            <a:endParaRPr/>
-          </a:p>
-        </p:txBody>
-      </p:sp>
-      <p:sp>
-        <p:nvSpPr>
-          <p:cNvPr id="156" name="Google Shape;156;geef53d5d55_1_1:notes"/>
-          <p:cNvSpPr>
-            <a:spLocks noGrp="1" noRot="1" noChangeAspect="1"/>
-          </p:cNvSpPr>
-          <p:nvPr>
-            <p:ph type="sldImg" idx="2"/>
-          </p:nvPr>
-        </p:nvSpPr>
-        <p:spPr>
-          <a:xfrm>
-            <a:off x="381000" y="685800"/>
-            <a:ext cx="6096000" cy="3429000"/>
-          </a:xfrm>
-          <a:custGeom>
-            <a:avLst/>
-            <a:gdLst/>
-            <a:ahLst/>
-            <a:cxnLst/>
-            <a:rect l="l" t="t" r="r" b="b"/>
-            <a:pathLst>
-              <a:path w="120000" h="120000" extrusionOk="0">
-                <a:moveTo>
-                  <a:pt x="0" y="0"/>
-                </a:moveTo>
-                <a:lnTo>
-                  <a:pt x="120000" y="0"/>
-                </a:lnTo>
-                <a:lnTo>
-                  <a:pt x="120000" y="120000"/>
-                </a:lnTo>
-                <a:lnTo>
-                  <a:pt x="0" y="120000"/>
-                </a:lnTo>
-                <a:close/>
-              </a:path>
-            </a:pathLst>
-          </a:custGeom>
-          <a:noFill/>
-          <a:ln w="9525" cap="flat" cmpd="sng">
-            <a:solidFill>
-              <a:srgbClr val="000000"/>
-            </a:solidFill>
-            <a:prstDash val="solid"/>
-            <a:round/>
-            <a:headEnd type="none" w="sm" len="sm"/>
-            <a:tailEnd type="none" w="sm" len="sm"/>
-          </a:ln>
-        </p:spPr>
-      </p:sp>
-    </p:spTree>
-  </p:cSld>
-  <p:clrMapOvr>
-    <a:masterClrMapping/>
-  </p:clrMapOvr>
-</p:notes>
-</file>
-
-<file path=ppt/notesSlides/notesSlide40.xml><?xml version="1.0" encoding="utf-8"?>
+<file path=ppt/notesSlides/notesSlide41.xml><?xml version="1.0" encoding="utf-8"?>
 <p:notes xmlns:a="http://schemas.openxmlformats.org/drawingml/2006/main" xmlns:r="http://schemas.openxmlformats.org/officeDocument/2006/relationships" xmlns:p="http://schemas.openxmlformats.org/presentationml/2006/main" showMasterSp="0" showMasterPhAnim="0">
   <p:cSld>
     <p:spTree>
@@ -5224,7 +5357,7 @@
 </p:notes>
 </file>
 
-<file path=ppt/notesSlides/notesSlide41.xml><?xml version="1.0" encoding="utf-8"?>
+<file path=ppt/notesSlides/notesSlide42.xml><?xml version="1.0" encoding="utf-8"?>
 <p:notes xmlns:a="http://schemas.openxmlformats.org/drawingml/2006/main" xmlns:r="http://schemas.openxmlformats.org/officeDocument/2006/relationships" xmlns:p="http://schemas.openxmlformats.org/presentationml/2006/main" showMasterSp="0" showMasterPhAnim="0">
   <p:cSld>
     <p:spTree>
@@ -5346,7 +5479,7 @@
 </p:notes>
 </file>
 
-<file path=ppt/notesSlides/notesSlide42.xml><?xml version="1.0" encoding="utf-8"?>
+<file path=ppt/notesSlides/notesSlide43.xml><?xml version="1.0" encoding="utf-8"?>
 <p:notes xmlns:a="http://schemas.openxmlformats.org/drawingml/2006/main" xmlns:r="http://schemas.openxmlformats.org/officeDocument/2006/relationships" xmlns:p="http://schemas.openxmlformats.org/presentationml/2006/main" showMasterSp="0" showMasterPhAnim="0">
   <p:cSld>
     <p:spTree>
@@ -5473,6 +5606,128 @@
   <p:cSld>
     <p:spTree>
       <p:nvGrpSpPr>
+        <p:cNvPr id="1" name="Shape 154"/>
+        <p:cNvGrpSpPr/>
+        <p:nvPr/>
+      </p:nvGrpSpPr>
+      <p:grpSpPr>
+        <a:xfrm>
+          <a:off x="0" y="0"/>
+          <a:ext cx="0" cy="0"/>
+          <a:chOff x="0" y="0"/>
+          <a:chExt cx="0" cy="0"/>
+        </a:xfrm>
+      </p:grpSpPr>
+      <p:sp>
+        <p:nvSpPr>
+          <p:cNvPr id="155" name="Google Shape;155;geef53d5d55_1_1:notes"/>
+          <p:cNvSpPr txBox="1">
+            <a:spLocks noGrp="1"/>
+          </p:cNvSpPr>
+          <p:nvPr>
+            <p:ph type="body" idx="1"/>
+          </p:nvPr>
+        </p:nvSpPr>
+        <p:spPr>
+          <a:xfrm>
+            <a:off x="685800" y="4343400"/>
+            <a:ext cx="5486400" cy="4114800"/>
+          </a:xfrm>
+          <a:prstGeom prst="rect">
+            <a:avLst/>
+          </a:prstGeom>
+          <a:noFill/>
+          <a:ln>
+            <a:noFill/>
+          </a:ln>
+        </p:spPr>
+        <p:txBody>
+          <a:bodyPr spcFirstLastPara="1" wrap="square" lIns="91425" tIns="91425" rIns="91425" bIns="91425" anchor="t" anchorCtr="0">
+            <a:noAutofit/>
+          </a:bodyPr>
+          <a:lstStyle/>
+          <a:p>
+            <a:pPr marL="0" lvl="0" indent="0" algn="l" rtl="0">
+              <a:lnSpc>
+                <a:spcPct val="100000"/>
+              </a:lnSpc>
+              <a:spcBef>
+                <a:spcPts val="0"/>
+              </a:spcBef>
+              <a:spcAft>
+                <a:spcPts val="0"/>
+              </a:spcAft>
+              <a:buSzPts val="1100"/>
+              <a:buNone/>
+            </a:pPr>
+            <a:endParaRPr/>
+          </a:p>
+        </p:txBody>
+      </p:sp>
+      <p:sp>
+        <p:nvSpPr>
+          <p:cNvPr id="156" name="Google Shape;156;geef53d5d55_1_1:notes"/>
+          <p:cNvSpPr>
+            <a:spLocks noGrp="1" noRot="1" noChangeAspect="1"/>
+          </p:cNvSpPr>
+          <p:nvPr>
+            <p:ph type="sldImg" idx="2"/>
+          </p:nvPr>
+        </p:nvSpPr>
+        <p:spPr>
+          <a:xfrm>
+            <a:off x="381000" y="685800"/>
+            <a:ext cx="6096000" cy="3429000"/>
+          </a:xfrm>
+          <a:custGeom>
+            <a:avLst/>
+            <a:gdLst/>
+            <a:ahLst/>
+            <a:cxnLst/>
+            <a:rect l="l" t="t" r="r" b="b"/>
+            <a:pathLst>
+              <a:path w="120000" h="120000" extrusionOk="0">
+                <a:moveTo>
+                  <a:pt x="0" y="0"/>
+                </a:moveTo>
+                <a:lnTo>
+                  <a:pt x="120000" y="0"/>
+                </a:lnTo>
+                <a:lnTo>
+                  <a:pt x="120000" y="120000"/>
+                </a:lnTo>
+                <a:lnTo>
+                  <a:pt x="0" y="120000"/>
+                </a:lnTo>
+                <a:close/>
+              </a:path>
+            </a:pathLst>
+          </a:custGeom>
+          <a:noFill/>
+          <a:ln w="9525" cap="flat" cmpd="sng">
+            <a:solidFill>
+              <a:srgbClr val="000000"/>
+            </a:solidFill>
+            <a:prstDash val="solid"/>
+            <a:round/>
+            <a:headEnd type="none" w="sm" len="sm"/>
+            <a:tailEnd type="none" w="sm" len="sm"/>
+          </a:ln>
+        </p:spPr>
+      </p:sp>
+    </p:spTree>
+  </p:cSld>
+  <p:clrMapOvr>
+    <a:masterClrMapping/>
+  </p:clrMapOvr>
+</p:notes>
+</file>
+
+<file path=ppt/notesSlides/notesSlide6.xml><?xml version="1.0" encoding="utf-8"?>
+<p:notes xmlns:a="http://schemas.openxmlformats.org/drawingml/2006/main" xmlns:r="http://schemas.openxmlformats.org/officeDocument/2006/relationships" xmlns:p="http://schemas.openxmlformats.org/presentationml/2006/main" showMasterSp="0" showMasterPhAnim="0">
+  <p:cSld>
+    <p:spTree>
+      <p:nvGrpSpPr>
         <p:cNvPr id="1" name="Shape 162"/>
         <p:cNvGrpSpPr/>
         <p:nvPr/>
@@ -5590,12 +5845,12 @@
 </p:notes>
 </file>
 
-<file path=ppt/notesSlides/notesSlide6.xml><?xml version="1.0" encoding="utf-8"?>
+<file path=ppt/notesSlides/notesSlide7.xml><?xml version="1.0" encoding="utf-8"?>
 <p:notes xmlns:a="http://schemas.openxmlformats.org/drawingml/2006/main" xmlns:r="http://schemas.openxmlformats.org/officeDocument/2006/relationships" xmlns:p="http://schemas.openxmlformats.org/presentationml/2006/main" showMasterSp="0" showMasterPhAnim="0">
   <p:cSld>
     <p:spTree>
       <p:nvGrpSpPr>
-        <p:cNvPr id="1" name="Shape 170"/>
+        <p:cNvPr id="1" name="Shape 186"/>
         <p:cNvGrpSpPr/>
         <p:nvPr/>
       </p:nvGrpSpPr>
@@ -5609,7 +5864,7 @@
       </p:grpSpPr>
       <p:sp>
         <p:nvSpPr>
-          <p:cNvPr id="171" name="Google Shape;171;geef53d5d55_1_17:notes"/>
+          <p:cNvPr id="187" name="Google Shape;187;geef53d5d55_1_10:notes"/>
           <p:cNvSpPr txBox="1">
             <a:spLocks noGrp="1"/>
           </p:cNvSpPr>
@@ -5655,7 +5910,7 @@
       </p:sp>
       <p:sp>
         <p:nvSpPr>
-          <p:cNvPr id="172" name="Google Shape;172;geef53d5d55_1_17:notes"/>
+          <p:cNvPr id="188" name="Google Shape;188;geef53d5d55_1_10:notes"/>
           <p:cNvSpPr>
             <a:spLocks noGrp="1" noRot="1" noChangeAspect="1"/>
           </p:cNvSpPr>
@@ -5712,7 +5967,7 @@
 </p:notes>
 </file>
 
-<file path=ppt/notesSlides/notesSlide7.xml><?xml version="1.0" encoding="utf-8"?>
+<file path=ppt/notesSlides/notesSlide8.xml><?xml version="1.0" encoding="utf-8"?>
 <p:notes xmlns:a="http://schemas.openxmlformats.org/drawingml/2006/main" xmlns:r="http://schemas.openxmlformats.org/officeDocument/2006/relationships" xmlns:p="http://schemas.openxmlformats.org/presentationml/2006/main" showMasterSp="0" showMasterPhAnim="0">
   <p:cSld>
     <p:spTree>
@@ -5778,133 +6033,6 @@
       <p:sp>
         <p:nvSpPr>
           <p:cNvPr id="180" name="Google Shape;180;geea522d09e_0_8:notes"/>
-          <p:cNvSpPr>
-            <a:spLocks noGrp="1" noRot="1" noChangeAspect="1"/>
-          </p:cNvSpPr>
-          <p:nvPr>
-            <p:ph type="sldImg" idx="2"/>
-          </p:nvPr>
-        </p:nvSpPr>
-        <p:spPr>
-          <a:xfrm>
-            <a:off x="381000" y="685800"/>
-            <a:ext cx="6096000" cy="3429000"/>
-          </a:xfrm>
-          <a:custGeom>
-            <a:avLst/>
-            <a:gdLst/>
-            <a:ahLst/>
-            <a:cxnLst/>
-            <a:rect l="l" t="t" r="r" b="b"/>
-            <a:pathLst>
-              <a:path w="120000" h="120000" extrusionOk="0">
-                <a:moveTo>
-                  <a:pt x="0" y="0"/>
-                </a:moveTo>
-                <a:lnTo>
-                  <a:pt x="120000" y="0"/>
-                </a:lnTo>
-                <a:lnTo>
-                  <a:pt x="120000" y="120000"/>
-                </a:lnTo>
-                <a:lnTo>
-                  <a:pt x="0" y="120000"/>
-                </a:lnTo>
-                <a:close/>
-              </a:path>
-            </a:pathLst>
-          </a:custGeom>
-          <a:noFill/>
-          <a:ln w="9525" cap="flat" cmpd="sng">
-            <a:solidFill>
-              <a:srgbClr val="000000"/>
-            </a:solidFill>
-            <a:prstDash val="solid"/>
-            <a:round/>
-            <a:headEnd type="none" w="sm" len="sm"/>
-            <a:tailEnd type="none" w="sm" len="sm"/>
-          </a:ln>
-        </p:spPr>
-      </p:sp>
-    </p:spTree>
-    <p:extLst>
-      <p:ext uri="{BB962C8B-B14F-4D97-AF65-F5344CB8AC3E}">
-        <p14:creationId xmlns:p14="http://schemas.microsoft.com/office/powerpoint/2010/main" val="4206897068"/>
-      </p:ext>
-    </p:extLst>
-  </p:cSld>
-  <p:clrMapOvr>
-    <a:masterClrMapping/>
-  </p:clrMapOvr>
-</p:notes>
-</file>
-
-<file path=ppt/notesSlides/notesSlide8.xml><?xml version="1.0" encoding="utf-8"?>
-<p:notes xmlns:a="http://schemas.openxmlformats.org/drawingml/2006/main" xmlns:r="http://schemas.openxmlformats.org/officeDocument/2006/relationships" xmlns:p="http://schemas.openxmlformats.org/presentationml/2006/main" showMasterSp="0" showMasterPhAnim="0">
-  <p:cSld>
-    <p:spTree>
-      <p:nvGrpSpPr>
-        <p:cNvPr id="1" name="Shape 186"/>
-        <p:cNvGrpSpPr/>
-        <p:nvPr/>
-      </p:nvGrpSpPr>
-      <p:grpSpPr>
-        <a:xfrm>
-          <a:off x="0" y="0"/>
-          <a:ext cx="0" cy="0"/>
-          <a:chOff x="0" y="0"/>
-          <a:chExt cx="0" cy="0"/>
-        </a:xfrm>
-      </p:grpSpPr>
-      <p:sp>
-        <p:nvSpPr>
-          <p:cNvPr id="187" name="Google Shape;187;geef53d5d55_1_10:notes"/>
-          <p:cNvSpPr txBox="1">
-            <a:spLocks noGrp="1"/>
-          </p:cNvSpPr>
-          <p:nvPr>
-            <p:ph type="body" idx="1"/>
-          </p:nvPr>
-        </p:nvSpPr>
-        <p:spPr>
-          <a:xfrm>
-            <a:off x="685800" y="4343400"/>
-            <a:ext cx="5486400" cy="4114800"/>
-          </a:xfrm>
-          <a:prstGeom prst="rect">
-            <a:avLst/>
-          </a:prstGeom>
-          <a:noFill/>
-          <a:ln>
-            <a:noFill/>
-          </a:ln>
-        </p:spPr>
-        <p:txBody>
-          <a:bodyPr spcFirstLastPara="1" wrap="square" lIns="91425" tIns="91425" rIns="91425" bIns="91425" anchor="t" anchorCtr="0">
-            <a:noAutofit/>
-          </a:bodyPr>
-          <a:lstStyle/>
-          <a:p>
-            <a:pPr marL="0" lvl="0" indent="0" algn="l" rtl="0">
-              <a:lnSpc>
-                <a:spcPct val="100000"/>
-              </a:lnSpc>
-              <a:spcBef>
-                <a:spcPts val="0"/>
-              </a:spcBef>
-              <a:spcAft>
-                <a:spcPts val="0"/>
-              </a:spcAft>
-              <a:buSzPts val="1100"/>
-              <a:buNone/>
-            </a:pPr>
-            <a:endParaRPr/>
-          </a:p>
-        </p:txBody>
-      </p:sp>
-      <p:sp>
-        <p:nvSpPr>
-          <p:cNvPr id="188" name="Google Shape;188;geef53d5d55_1_10:notes"/>
           <p:cNvSpPr>
             <a:spLocks noGrp="1" noRot="1" noChangeAspect="1"/>
           </p:cNvSpPr>
@@ -6076,6 +6204,11 @@
         </p:spPr>
       </p:sp>
     </p:spTree>
+    <p:extLst>
+      <p:ext uri="{BB962C8B-B14F-4D97-AF65-F5344CB8AC3E}">
+        <p14:creationId xmlns:p14="http://schemas.microsoft.com/office/powerpoint/2010/main" val="3055811460"/>
+      </p:ext>
+    </p:extLst>
   </p:cSld>
   <p:clrMapOvr>
     <a:masterClrMapping/>
@@ -25897,31 +26030,7 @@
                 <a:cs typeface="Times New Roman"/>
                 <a:sym typeface="Times New Roman"/>
               </a:rPr>
-              <a:t>Page model </a:t>
-            </a:r>
-            <a:r>
-              <a:rPr lang="en-US" sz="3600" dirty="0">
-                <a:solidFill>
-                  <a:srgbClr val="93DF5F"/>
-                </a:solidFill>
-                <a:latin typeface="Times New Roman"/>
-                <a:ea typeface="Times New Roman"/>
-                <a:cs typeface="Times New Roman"/>
-                <a:sym typeface="Times New Roman"/>
-              </a:rPr>
-              <a:t>r</a:t>
-            </a:r>
-            <a:r>
-              <a:rPr lang="en-US" sz="3600" i="0" u="none" strike="noStrike" cap="none" dirty="0">
-                <a:solidFill>
-                  <a:srgbClr val="93DF5F"/>
-                </a:solidFill>
-                <a:latin typeface="Times New Roman"/>
-                <a:ea typeface="Times New Roman"/>
-                <a:cs typeface="Times New Roman"/>
-                <a:sym typeface="Times New Roman"/>
-              </a:rPr>
-              <a:t>equest convention</a:t>
+              <a:t>Model binding</a:t>
             </a:r>
             <a:endParaRPr sz="3600" i="0" u="none" strike="noStrike" cap="none" dirty="0">
               <a:solidFill>
@@ -25946,7 +26055,7 @@
         <p:spPr>
           <a:xfrm>
             <a:off x="815879" y="1325204"/>
-            <a:ext cx="8458237" cy="0"/>
+            <a:ext cx="2739084" cy="0"/>
           </a:xfrm>
           <a:prstGeom prst="straightConnector1">
             <a:avLst/>
@@ -25990,12 +26099,298 @@
           </a:ln>
         </p:spPr>
       </p:pic>
+      <p:sp>
+        <p:nvSpPr>
+          <p:cNvPr id="8" name="Google Shape;182;geea522d09e_0_8">
+            <a:extLst>
+              <a:ext uri="{FF2B5EF4-FFF2-40B4-BE49-F238E27FC236}">
+                <a16:creationId xmlns:a16="http://schemas.microsoft.com/office/drawing/2014/main" id="{FFFFEC2A-1FD8-43E3-90CD-F668488C5B34}"/>
+              </a:ext>
+            </a:extLst>
+          </p:cNvPr>
+          <p:cNvSpPr txBox="1">
+            <a:spLocks noGrp="1"/>
+          </p:cNvSpPr>
+          <p:nvPr>
+            <p:ph type="body" idx="1"/>
+          </p:nvPr>
+        </p:nvSpPr>
+        <p:spPr>
+          <a:xfrm>
+            <a:off x="677316" y="1592249"/>
+            <a:ext cx="8596800" cy="929251"/>
+          </a:xfrm>
+          <a:prstGeom prst="rect">
+            <a:avLst/>
+          </a:prstGeom>
+          <a:noFill/>
+          <a:ln>
+            <a:noFill/>
+          </a:ln>
+        </p:spPr>
+        <p:txBody>
+          <a:bodyPr spcFirstLastPara="1" wrap="square" lIns="91425" tIns="45700" rIns="91425" bIns="45700" anchor="t" anchorCtr="0">
+            <a:normAutofit/>
+          </a:bodyPr>
+          <a:lstStyle/>
+          <a:p>
+            <a:pPr marL="377191" lvl="0" indent="-285750">
+              <a:spcBef>
+                <a:spcPts val="0"/>
+              </a:spcBef>
+              <a:buFontTx/>
+              <a:buChar char="-"/>
+            </a:pPr>
+            <a:r>
+              <a:rPr lang="en-US" dirty="0" err="1">
+                <a:solidFill>
+                  <a:schemeClr val="lt1"/>
+                </a:solidFill>
+                <a:latin typeface="Times New Roman"/>
+                <a:cs typeface="Times New Roman"/>
+                <a:sym typeface="Times New Roman"/>
+              </a:rPr>
+              <a:t>Quá</a:t>
+            </a:r>
+            <a:r>
+              <a:rPr lang="en-US" dirty="0">
+                <a:solidFill>
+                  <a:schemeClr val="lt1"/>
+                </a:solidFill>
+                <a:latin typeface="Times New Roman"/>
+                <a:cs typeface="Times New Roman"/>
+                <a:sym typeface="Times New Roman"/>
+              </a:rPr>
+              <a:t> trình map </a:t>
+            </a:r>
+            <a:r>
+              <a:rPr lang="en-US" dirty="0" err="1">
+                <a:solidFill>
+                  <a:schemeClr val="lt1"/>
+                </a:solidFill>
+                <a:latin typeface="Times New Roman"/>
+                <a:cs typeface="Times New Roman"/>
+                <a:sym typeface="Times New Roman"/>
+              </a:rPr>
+              <a:t>giữa</a:t>
+            </a:r>
+            <a:r>
+              <a:rPr lang="en-US" dirty="0">
+                <a:solidFill>
+                  <a:schemeClr val="lt1"/>
+                </a:solidFill>
+                <a:latin typeface="Times New Roman"/>
+                <a:cs typeface="Times New Roman"/>
+                <a:sym typeface="Times New Roman"/>
+              </a:rPr>
+              <a:t> data của </a:t>
+            </a:r>
+            <a:r>
+              <a:rPr lang="en-US" dirty="0" err="1">
+                <a:solidFill>
+                  <a:schemeClr val="lt1"/>
+                </a:solidFill>
+                <a:latin typeface="Times New Roman"/>
+                <a:cs typeface="Times New Roman"/>
+                <a:sym typeface="Times New Roman"/>
+              </a:rPr>
+              <a:t>các</a:t>
+            </a:r>
+            <a:r>
+              <a:rPr lang="en-US" dirty="0">
+                <a:solidFill>
+                  <a:schemeClr val="lt1"/>
+                </a:solidFill>
+                <a:latin typeface="Times New Roman"/>
+                <a:cs typeface="Times New Roman"/>
+                <a:sym typeface="Times New Roman"/>
+              </a:rPr>
+              <a:t> incoming request  </a:t>
+            </a:r>
+            <a:r>
+              <a:rPr lang="en-US" dirty="0" err="1">
+                <a:solidFill>
+                  <a:schemeClr val="lt1"/>
+                </a:solidFill>
+                <a:latin typeface="Times New Roman"/>
+                <a:cs typeface="Times New Roman"/>
+                <a:sym typeface="Times New Roman"/>
+              </a:rPr>
+              <a:t>với</a:t>
+            </a:r>
+            <a:r>
+              <a:rPr lang="en-US" dirty="0">
+                <a:solidFill>
+                  <a:schemeClr val="lt1"/>
+                </a:solidFill>
+                <a:latin typeface="Times New Roman"/>
+                <a:cs typeface="Times New Roman"/>
+                <a:sym typeface="Times New Roman"/>
+              </a:rPr>
+              <a:t> </a:t>
+            </a:r>
+            <a:r>
+              <a:rPr lang="en-US" dirty="0" err="1">
+                <a:solidFill>
+                  <a:schemeClr val="lt1"/>
+                </a:solidFill>
+                <a:latin typeface="Times New Roman"/>
+                <a:cs typeface="Times New Roman"/>
+                <a:sym typeface="Times New Roman"/>
+              </a:rPr>
+              <a:t>c#</a:t>
+            </a:r>
+            <a:r>
+              <a:rPr lang="en-US" dirty="0">
+                <a:solidFill>
+                  <a:schemeClr val="lt1"/>
+                </a:solidFill>
+                <a:latin typeface="Times New Roman"/>
+                <a:cs typeface="Times New Roman"/>
+                <a:sym typeface="Times New Roman"/>
+              </a:rPr>
+              <a:t> object.</a:t>
+            </a:r>
+          </a:p>
+          <a:p>
+            <a:pPr marL="377191" lvl="0" indent="-285750">
+              <a:spcBef>
+                <a:spcPts val="0"/>
+              </a:spcBef>
+              <a:buFontTx/>
+              <a:buChar char="-"/>
+            </a:pPr>
+            <a:r>
+              <a:rPr lang="en-US" dirty="0" err="1">
+                <a:solidFill>
+                  <a:schemeClr val="lt1"/>
+                </a:solidFill>
+                <a:latin typeface="Times New Roman"/>
+                <a:cs typeface="Times New Roman"/>
+                <a:sym typeface="Times New Roman"/>
+              </a:rPr>
+              <a:t>Các</a:t>
+            </a:r>
+            <a:r>
+              <a:rPr lang="en-US" dirty="0">
+                <a:solidFill>
+                  <a:schemeClr val="lt1"/>
+                </a:solidFill>
+                <a:latin typeface="Times New Roman"/>
+                <a:cs typeface="Times New Roman"/>
+                <a:sym typeface="Times New Roman"/>
+              </a:rPr>
+              <a:t> </a:t>
+            </a:r>
+            <a:r>
+              <a:rPr lang="en-US" dirty="0" err="1">
+                <a:solidFill>
+                  <a:schemeClr val="lt1"/>
+                </a:solidFill>
+                <a:latin typeface="Times New Roman"/>
+                <a:cs typeface="Times New Roman"/>
+                <a:sym typeface="Times New Roman"/>
+              </a:rPr>
+              <a:t>dữ</a:t>
+            </a:r>
+            <a:r>
+              <a:rPr lang="en-US" dirty="0">
+                <a:solidFill>
+                  <a:schemeClr val="lt1"/>
+                </a:solidFill>
+                <a:latin typeface="Times New Roman"/>
+                <a:cs typeface="Times New Roman"/>
+                <a:sym typeface="Times New Roman"/>
+              </a:rPr>
+              <a:t> </a:t>
+            </a:r>
+            <a:r>
+              <a:rPr lang="en-US" dirty="0" err="1">
+                <a:solidFill>
+                  <a:schemeClr val="lt1"/>
+                </a:solidFill>
+                <a:latin typeface="Times New Roman"/>
+                <a:cs typeface="Times New Roman"/>
+                <a:sym typeface="Times New Roman"/>
+              </a:rPr>
+              <a:t>liệu</a:t>
+            </a:r>
+            <a:r>
+              <a:rPr lang="en-US" dirty="0">
+                <a:solidFill>
+                  <a:schemeClr val="lt1"/>
+                </a:solidFill>
+                <a:latin typeface="Times New Roman"/>
+                <a:cs typeface="Times New Roman"/>
+                <a:sym typeface="Times New Roman"/>
+              </a:rPr>
+              <a:t> gửi đến từ </a:t>
+            </a:r>
+            <a:r>
+              <a:rPr lang="en-US" dirty="0" err="1">
+                <a:solidFill>
+                  <a:schemeClr val="lt1"/>
+                </a:solidFill>
+                <a:latin typeface="Times New Roman"/>
+                <a:cs typeface="Times New Roman"/>
+                <a:sym typeface="Times New Roman"/>
+              </a:rPr>
+              <a:t>url</a:t>
+            </a:r>
+            <a:r>
+              <a:rPr lang="en-US" dirty="0">
+                <a:solidFill>
+                  <a:schemeClr val="lt1"/>
+                </a:solidFill>
+                <a:latin typeface="Times New Roman"/>
+                <a:cs typeface="Times New Roman"/>
+                <a:sym typeface="Times New Roman"/>
+              </a:rPr>
+              <a:t>, route param, body request, form request, header…</a:t>
+            </a:r>
+          </a:p>
+          <a:p>
+            <a:pPr marL="377191" lvl="0" indent="-285750">
+              <a:spcBef>
+                <a:spcPts val="0"/>
+              </a:spcBef>
+              <a:buFontTx/>
+              <a:buChar char="-"/>
+            </a:pPr>
+            <a:endParaRPr lang="en-US" dirty="0">
+              <a:solidFill>
+                <a:schemeClr val="lt1"/>
+              </a:solidFill>
+              <a:latin typeface="Times New Roman"/>
+              <a:cs typeface="Times New Roman"/>
+              <a:sym typeface="Times New Roman"/>
+            </a:endParaRPr>
+          </a:p>
+          <a:p>
+            <a:pPr marL="377191" lvl="0" indent="-285750">
+              <a:spcBef>
+                <a:spcPts val="0"/>
+              </a:spcBef>
+              <a:buFontTx/>
+              <a:buChar char="-"/>
+            </a:pPr>
+            <a:endParaRPr dirty="0">
+              <a:solidFill>
+                <a:schemeClr val="lt1"/>
+              </a:solidFill>
+              <a:latin typeface="Times New Roman"/>
+              <a:cs typeface="Times New Roman"/>
+              <a:sym typeface="Times New Roman"/>
+            </a:endParaRPr>
+          </a:p>
+        </p:txBody>
+      </p:sp>
       <p:pic>
         <p:nvPicPr>
-          <p:cNvPr id="5" name="Picture 4">
+          <p:cNvPr id="4" name="Picture 3">
             <a:extLst>
               <a:ext uri="{FF2B5EF4-FFF2-40B4-BE49-F238E27FC236}">
-                <a16:creationId xmlns:a16="http://schemas.microsoft.com/office/drawing/2014/main" id="{5C365D7E-671D-4038-B228-42D5D5FB1416}"/>
+                <a16:creationId xmlns:a16="http://schemas.microsoft.com/office/drawing/2014/main" id="{F18005A8-5FA3-487B-8DF7-63901C3EE194}"/>
               </a:ext>
             </a:extLst>
           </p:cNvPr>
@@ -26012,38 +26407,8 @@
         </p:blipFill>
         <p:spPr>
           <a:xfrm>
-            <a:off x="738585" y="2152742"/>
-            <a:ext cx="5357415" cy="2279298"/>
-          </a:xfrm>
-          <a:prstGeom prst="rect">
-            <a:avLst/>
-          </a:prstGeom>
-        </p:spPr>
-      </p:pic>
-      <p:pic>
-        <p:nvPicPr>
-          <p:cNvPr id="2" name="Picture 1">
-            <a:extLst>
-              <a:ext uri="{FF2B5EF4-FFF2-40B4-BE49-F238E27FC236}">
-                <a16:creationId xmlns:a16="http://schemas.microsoft.com/office/drawing/2014/main" id="{A7751C2A-1A60-4287-8537-3F762D6D9A01}"/>
-              </a:ext>
-            </a:extLst>
-          </p:cNvPr>
-          <p:cNvPicPr>
-            <a:picLocks noChangeAspect="1"/>
-          </p:cNvPicPr>
-          <p:nvPr/>
-        </p:nvPicPr>
-        <p:blipFill>
-          <a:blip r:embed="rId5"/>
-          <a:stretch>
-            <a:fillRect/>
-          </a:stretch>
-        </p:blipFill>
-        <p:spPr>
-          <a:xfrm>
-            <a:off x="6549285" y="1537272"/>
-            <a:ext cx="4206605" cy="4138019"/>
+            <a:off x="1011823" y="2381541"/>
+            <a:ext cx="5966977" cy="3391194"/>
           </a:xfrm>
           <a:prstGeom prst="rect">
             <a:avLst/>
@@ -26053,7 +26418,7 @@
     </p:spTree>
     <p:extLst>
       <p:ext uri="{BB962C8B-B14F-4D97-AF65-F5344CB8AC3E}">
-        <p14:creationId xmlns:p14="http://schemas.microsoft.com/office/powerpoint/2010/main" val="3571954195"/>
+        <p14:creationId xmlns:p14="http://schemas.microsoft.com/office/powerpoint/2010/main" val="1973480873"/>
       </p:ext>
     </p:extLst>
   </p:cSld>
@@ -26064,6 +26429,157 @@
 </file>
 
 <file path=ppt/slides/slide11.xml><?xml version="1.0" encoding="utf-8"?>
+<p:sld xmlns:a="http://schemas.openxmlformats.org/drawingml/2006/main" xmlns:r="http://schemas.openxmlformats.org/officeDocument/2006/relationships" xmlns:p="http://schemas.openxmlformats.org/presentationml/2006/main">
+  <p:cSld>
+    <p:spTree>
+      <p:nvGrpSpPr>
+        <p:cNvPr id="1" name="Shape 181"/>
+        <p:cNvGrpSpPr/>
+        <p:nvPr/>
+      </p:nvGrpSpPr>
+      <p:grpSpPr>
+        <a:xfrm>
+          <a:off x="0" y="0"/>
+          <a:ext cx="0" cy="0"/>
+          <a:chOff x="0" y="0"/>
+          <a:chExt cx="0" cy="0"/>
+        </a:xfrm>
+      </p:grpSpPr>
+      <p:sp>
+        <p:nvSpPr>
+          <p:cNvPr id="183" name="Google Shape;183;geea522d09e_0_8"/>
+          <p:cNvSpPr txBox="1"/>
+          <p:nvPr/>
+        </p:nvSpPr>
+        <p:spPr>
+          <a:xfrm>
+            <a:off x="677333" y="678873"/>
+            <a:ext cx="10426095" cy="646290"/>
+          </a:xfrm>
+          <a:prstGeom prst="rect">
+            <a:avLst/>
+          </a:prstGeom>
+          <a:noFill/>
+          <a:ln>
+            <a:noFill/>
+          </a:ln>
+        </p:spPr>
+        <p:txBody>
+          <a:bodyPr spcFirstLastPara="1" wrap="square" lIns="91425" tIns="45700" rIns="91425" bIns="45700" anchor="t" anchorCtr="0">
+            <a:spAutoFit/>
+          </a:bodyPr>
+          <a:lstStyle/>
+          <a:p>
+            <a:pPr marL="0" marR="0" lvl="0" indent="0" algn="l" rtl="0">
+              <a:lnSpc>
+                <a:spcPct val="100000"/>
+              </a:lnSpc>
+              <a:spcBef>
+                <a:spcPts val="0"/>
+              </a:spcBef>
+              <a:spcAft>
+                <a:spcPts val="0"/>
+              </a:spcAft>
+              <a:buClr>
+                <a:srgbClr val="000000"/>
+              </a:buClr>
+              <a:buSzPts val="3600"/>
+              <a:buFont typeface="Arial"/>
+              <a:buNone/>
+            </a:pPr>
+            <a:r>
+              <a:rPr lang="en-US" sz="3600" i="0" u="none" strike="noStrike" cap="none" dirty="0">
+                <a:solidFill>
+                  <a:srgbClr val="93DF5F"/>
+                </a:solidFill>
+                <a:latin typeface="Times New Roman"/>
+                <a:ea typeface="Times New Roman"/>
+                <a:cs typeface="Times New Roman"/>
+                <a:sym typeface="Times New Roman"/>
+              </a:rPr>
+              <a:t>Model binding</a:t>
+            </a:r>
+            <a:endParaRPr sz="3600" i="0" u="none" strike="noStrike" cap="none" dirty="0">
+              <a:solidFill>
+                <a:srgbClr val="93DF5F"/>
+              </a:solidFill>
+              <a:latin typeface="Times New Roman"/>
+              <a:ea typeface="Times New Roman"/>
+              <a:cs typeface="Times New Roman"/>
+              <a:sym typeface="Times New Roman"/>
+            </a:endParaRPr>
+          </a:p>
+        </p:txBody>
+      </p:sp>
+      <p:cxnSp>
+        <p:nvCxnSpPr>
+          <p:cNvPr id="184" name="Google Shape;184;geea522d09e_0_8"/>
+          <p:cNvCxnSpPr>
+            <a:cxnSpLocks/>
+          </p:cNvCxnSpPr>
+          <p:nvPr/>
+        </p:nvCxnSpPr>
+        <p:spPr>
+          <a:xfrm>
+            <a:off x="815879" y="1325204"/>
+            <a:ext cx="2739084" cy="0"/>
+          </a:xfrm>
+          <a:prstGeom prst="straightConnector1">
+            <a:avLst/>
+          </a:prstGeom>
+          <a:noFill/>
+          <a:ln w="25400" cap="flat" cmpd="sng">
+            <a:solidFill>
+              <a:schemeClr val="accent1"/>
+            </a:solidFill>
+            <a:prstDash val="solid"/>
+            <a:round/>
+            <a:headEnd type="none" w="sm" len="sm"/>
+            <a:tailEnd type="none" w="sm" len="sm"/>
+          </a:ln>
+        </p:spPr>
+      </p:cxnSp>
+      <p:pic>
+        <p:nvPicPr>
+          <p:cNvPr id="185" name="Google Shape;185;geea522d09e_0_8"/>
+          <p:cNvPicPr preferRelativeResize="0"/>
+          <p:nvPr/>
+        </p:nvPicPr>
+        <p:blipFill rotWithShape="1">
+          <a:blip r:embed="rId3">
+            <a:alphaModFix/>
+          </a:blip>
+          <a:srcRect/>
+          <a:stretch/>
+        </p:blipFill>
+        <p:spPr>
+          <a:xfrm>
+            <a:off x="677316" y="6274352"/>
+            <a:ext cx="1639649" cy="413900"/>
+          </a:xfrm>
+          <a:prstGeom prst="rect">
+            <a:avLst/>
+          </a:prstGeom>
+          <a:noFill/>
+          <a:ln>
+            <a:noFill/>
+          </a:ln>
+        </p:spPr>
+      </p:pic>
+    </p:spTree>
+    <p:extLst>
+      <p:ext uri="{BB962C8B-B14F-4D97-AF65-F5344CB8AC3E}">
+        <p14:creationId xmlns:p14="http://schemas.microsoft.com/office/powerpoint/2010/main" val="1323962794"/>
+      </p:ext>
+    </p:extLst>
+  </p:cSld>
+  <p:clrMapOvr>
+    <a:masterClrMapping/>
+  </p:clrMapOvr>
+</p:sld>
+</file>
+
+<file path=ppt/slides/slide12.xml><?xml version="1.0" encoding="utf-8"?>
 <p:sld xmlns:a="http://schemas.openxmlformats.org/drawingml/2006/main" xmlns:r="http://schemas.openxmlformats.org/officeDocument/2006/relationships" xmlns:p="http://schemas.openxmlformats.org/presentationml/2006/main">
   <p:cSld>
     <p:spTree>
@@ -26242,12 +26758,12 @@
 </p:sld>
 </file>
 
-<file path=ppt/slides/slide12.xml><?xml version="1.0" encoding="utf-8"?>
+<file path=ppt/slides/slide13.xml><?xml version="1.0" encoding="utf-8"?>
 <p:sld xmlns:a="http://schemas.openxmlformats.org/drawingml/2006/main" xmlns:r="http://schemas.openxmlformats.org/officeDocument/2006/relationships" xmlns:p="http://schemas.openxmlformats.org/presentationml/2006/main">
   <p:cSld>
     <p:spTree>
       <p:nvGrpSpPr>
-        <p:cNvPr id="1" name="Shape 197"/>
+        <p:cNvPr id="1" name="Shape 173"/>
         <p:cNvGrpSpPr/>
         <p:nvPr/>
       </p:nvGrpSpPr>
@@ -26261,7 +26777,7 @@
       </p:grpSpPr>
       <p:sp>
         <p:nvSpPr>
-          <p:cNvPr id="198" name="Google Shape;198;geef53d5d55_1_27"/>
+          <p:cNvPr id="174" name="Google Shape;174;geef53d5d55_1_17"/>
           <p:cNvSpPr txBox="1">
             <a:spLocks noGrp="1"/>
           </p:cNvSpPr>
@@ -26271,8 +26787,8 @@
         </p:nvSpPr>
         <p:spPr>
           <a:xfrm>
-            <a:off x="677334" y="2160589"/>
-            <a:ext cx="8596800" cy="1478350"/>
+            <a:off x="677334" y="1474237"/>
+            <a:ext cx="8596800" cy="4567152"/>
           </a:xfrm>
           <a:prstGeom prst="rect">
             <a:avLst/>
@@ -26288,20 +26804,36 @@
           </a:bodyPr>
           <a:lstStyle/>
           <a:p>
-            <a:pPr marL="285750" lvl="0" indent="-285750" algn="l" rtl="0">
-              <a:lnSpc>
-                <a:spcPct val="100000"/>
-              </a:lnSpc>
-              <a:spcBef>
-                <a:spcPts val="0"/>
-              </a:spcBef>
-              <a:spcAft>
-                <a:spcPts val="0"/>
-              </a:spcAft>
-              <a:buFontTx/>
-              <a:buChar char="-"/>
+            <a:pPr marL="457200" lvl="0" indent="-320040" algn="l" rtl="0">
+              <a:lnSpc>
+                <a:spcPct val="100000"/>
+              </a:lnSpc>
+              <a:spcBef>
+                <a:spcPts val="0"/>
+              </a:spcBef>
+              <a:spcAft>
+                <a:spcPts val="0"/>
+              </a:spcAft>
+              <a:buClr>
+                <a:schemeClr val="lt1"/>
+              </a:buClr>
+              <a:buSzPts val="1440"/>
+              <a:buFont typeface="Times New Roman"/>
+              <a:buChar char="►"/>
             </a:pPr>
             <a:r>
+              <a:rPr lang="en-US" dirty="0">
+                <a:solidFill>
+                  <a:schemeClr val="lt1"/>
+                </a:solidFill>
+                <a:latin typeface="Times New Roman"/>
+                <a:ea typeface="Times New Roman"/>
+                <a:cs typeface="Times New Roman"/>
+                <a:sym typeface="Times New Roman"/>
+              </a:rPr>
+              <a:t>Thay </a:t>
+            </a:r>
+            <a:r>
               <a:rPr lang="en-US" dirty="0" err="1">
                 <a:solidFill>
                   <a:schemeClr val="lt1"/>
@@ -26311,7 +26843,7 @@
                 <a:cs typeface="Times New Roman"/>
                 <a:sym typeface="Times New Roman"/>
               </a:rPr>
-              <a:t>Là</a:t>
+              <a:t>thế</a:t>
             </a:r>
             <a:r>
               <a:rPr lang="en-US" dirty="0">
@@ -26335,7 +26867,7 @@
                 <a:cs typeface="Times New Roman"/>
                 <a:sym typeface="Times New Roman"/>
               </a:rPr>
-              <a:t>một</a:t>
+              <a:t>các</a:t>
             </a:r>
             <a:r>
               <a:rPr lang="en-US" dirty="0">
@@ -26347,140 +26879,488 @@
                 <a:cs typeface="Times New Roman"/>
                 <a:sym typeface="Times New Roman"/>
               </a:rPr>
-              <a:t> tính năng của </a:t>
-            </a:r>
-            <a:r>
-              <a:rPr lang="en-US" dirty="0" err="1">
-                <a:solidFill>
-                  <a:schemeClr val="lt1"/>
-                </a:solidFill>
-                <a:latin typeface="Times New Roman"/>
-                <a:ea typeface="Times New Roman"/>
-                <a:cs typeface="Times New Roman"/>
-                <a:sym typeface="Times New Roman"/>
-              </a:rPr>
-              <a:t>.net</a:t>
-            </a:r>
-            <a:r>
-              <a:rPr lang="en-US" dirty="0">
-                <a:solidFill>
-                  <a:schemeClr val="lt1"/>
-                </a:solidFill>
-                <a:latin typeface="Times New Roman"/>
-                <a:ea typeface="Times New Roman"/>
-                <a:cs typeface="Times New Roman"/>
-                <a:sym typeface="Times New Roman"/>
-              </a:rPr>
-              <a:t> core </a:t>
-            </a:r>
-            <a:r>
-              <a:rPr lang="en-US" dirty="0" err="1">
-                <a:solidFill>
-                  <a:schemeClr val="lt1"/>
-                </a:solidFill>
-                <a:latin typeface="Times New Roman"/>
-                <a:ea typeface="Times New Roman"/>
-                <a:cs typeface="Times New Roman"/>
-                <a:sym typeface="Times New Roman"/>
-              </a:rPr>
-              <a:t>giúp</a:t>
-            </a:r>
-            <a:r>
-              <a:rPr lang="en-US" dirty="0">
-                <a:solidFill>
-                  <a:schemeClr val="lt1"/>
-                </a:solidFill>
-                <a:latin typeface="Times New Roman"/>
-                <a:ea typeface="Times New Roman"/>
-                <a:cs typeface="Times New Roman"/>
-                <a:sym typeface="Times New Roman"/>
-              </a:rPr>
-              <a:t> thêm code </a:t>
-            </a:r>
-            <a:r>
-              <a:rPr lang="en-US" dirty="0" err="1">
-                <a:solidFill>
-                  <a:schemeClr val="lt1"/>
-                </a:solidFill>
-                <a:latin typeface="Times New Roman"/>
-                <a:ea typeface="Times New Roman"/>
-                <a:cs typeface="Times New Roman"/>
-                <a:sym typeface="Times New Roman"/>
-              </a:rPr>
-              <a:t>phía</a:t>
-            </a:r>
-            <a:r>
-              <a:rPr lang="en-US" dirty="0">
-                <a:solidFill>
-                  <a:schemeClr val="lt1"/>
-                </a:solidFill>
-                <a:latin typeface="Times New Roman"/>
-                <a:ea typeface="Times New Roman"/>
-                <a:cs typeface="Times New Roman"/>
-                <a:sym typeface="Times New Roman"/>
-              </a:rPr>
-              <a:t> server side </a:t>
-            </a:r>
-            <a:r>
-              <a:rPr lang="en-US" dirty="0" err="1">
-                <a:solidFill>
-                  <a:schemeClr val="lt1"/>
-                </a:solidFill>
-                <a:latin typeface="Times New Roman"/>
-                <a:ea typeface="Times New Roman"/>
-                <a:cs typeface="Times New Roman"/>
-                <a:sym typeface="Times New Roman"/>
-              </a:rPr>
-              <a:t>vào</a:t>
-            </a:r>
-            <a:r>
-              <a:rPr lang="en-US" dirty="0">
-                <a:solidFill>
-                  <a:schemeClr val="lt1"/>
-                </a:solidFill>
-                <a:latin typeface="Times New Roman"/>
-                <a:ea typeface="Times New Roman"/>
-                <a:cs typeface="Times New Roman"/>
-                <a:sym typeface="Times New Roman"/>
-              </a:rPr>
-              <a:t> html dễ </a:t>
-            </a:r>
-            <a:r>
-              <a:rPr lang="en-US" dirty="0" err="1">
-                <a:solidFill>
-                  <a:schemeClr val="lt1"/>
-                </a:solidFill>
-                <a:latin typeface="Times New Roman"/>
-                <a:ea typeface="Times New Roman"/>
-                <a:cs typeface="Times New Roman"/>
-                <a:sym typeface="Times New Roman"/>
-              </a:rPr>
-              <a:t>dàng</a:t>
-            </a:r>
-            <a:r>
-              <a:rPr lang="en-US" dirty="0">
-                <a:solidFill>
-                  <a:schemeClr val="lt1"/>
-                </a:solidFill>
-                <a:latin typeface="Times New Roman"/>
-                <a:ea typeface="Times New Roman"/>
-                <a:cs typeface="Times New Roman"/>
-                <a:sym typeface="Times New Roman"/>
-              </a:rPr>
-              <a:t>.</a:t>
-            </a:r>
+              <a:t> HTML element</a:t>
+            </a:r>
+            <a:endParaRPr dirty="0">
+              <a:solidFill>
+                <a:schemeClr val="lt1"/>
+              </a:solidFill>
+              <a:latin typeface="Times New Roman"/>
+              <a:ea typeface="Times New Roman"/>
+              <a:cs typeface="Times New Roman"/>
+              <a:sym typeface="Times New Roman"/>
+            </a:endParaRPr>
           </a:p>
           <a:p>
-            <a:pPr marL="285750" lvl="0" indent="-285750" algn="l" rtl="0">
-              <a:lnSpc>
-                <a:spcPct val="100000"/>
-              </a:lnSpc>
-              <a:spcBef>
-                <a:spcPts val="0"/>
-              </a:spcBef>
-              <a:spcAft>
-                <a:spcPts val="0"/>
-              </a:spcAft>
+            <a:pPr marL="457200" lvl="0" indent="-320040" algn="l" rtl="0">
+              <a:lnSpc>
+                <a:spcPct val="100000"/>
+              </a:lnSpc>
+              <a:spcBef>
+                <a:spcPts val="0"/>
+              </a:spcBef>
+              <a:spcAft>
+                <a:spcPts val="0"/>
+              </a:spcAft>
+              <a:buClr>
+                <a:schemeClr val="lt1"/>
+              </a:buClr>
+              <a:buSzPts val="1440"/>
+              <a:buFont typeface="Times New Roman"/>
+              <a:buChar char="►"/>
+            </a:pPr>
+            <a:r>
+              <a:rPr lang="en-US" dirty="0">
+                <a:solidFill>
+                  <a:schemeClr val="lt1"/>
+                </a:solidFill>
+                <a:latin typeface="Times New Roman"/>
+                <a:ea typeface="Times New Roman"/>
+                <a:cs typeface="Times New Roman"/>
+                <a:sym typeface="Times New Roman"/>
+              </a:rPr>
+              <a:t>Dễ </a:t>
+            </a:r>
+            <a:r>
+              <a:rPr lang="en-US" dirty="0" err="1">
+                <a:solidFill>
+                  <a:schemeClr val="lt1"/>
+                </a:solidFill>
+                <a:latin typeface="Times New Roman"/>
+                <a:ea typeface="Times New Roman"/>
+                <a:cs typeface="Times New Roman"/>
+                <a:sym typeface="Times New Roman"/>
+              </a:rPr>
+              <a:t>dàng</a:t>
+            </a:r>
+            <a:r>
+              <a:rPr lang="en-US" dirty="0">
+                <a:solidFill>
+                  <a:schemeClr val="lt1"/>
+                </a:solidFill>
+                <a:latin typeface="Times New Roman"/>
+                <a:ea typeface="Times New Roman"/>
+                <a:cs typeface="Times New Roman"/>
+                <a:sym typeface="Times New Roman"/>
+              </a:rPr>
+              <a:t> </a:t>
+            </a:r>
+            <a:r>
+              <a:rPr lang="en-US" dirty="0" err="1">
+                <a:solidFill>
+                  <a:schemeClr val="lt1"/>
+                </a:solidFill>
+                <a:latin typeface="Times New Roman"/>
+                <a:ea typeface="Times New Roman"/>
+                <a:cs typeface="Times New Roman"/>
+                <a:sym typeface="Times New Roman"/>
+              </a:rPr>
+              <a:t>làm</a:t>
+            </a:r>
+            <a:r>
+              <a:rPr lang="en-US" dirty="0">
+                <a:solidFill>
+                  <a:schemeClr val="lt1"/>
+                </a:solidFill>
+                <a:latin typeface="Times New Roman"/>
+                <a:ea typeface="Times New Roman"/>
+                <a:cs typeface="Times New Roman"/>
+                <a:sym typeface="Times New Roman"/>
+              </a:rPr>
+              <a:t> </a:t>
+            </a:r>
+            <a:r>
+              <a:rPr lang="en-US" dirty="0" err="1">
+                <a:solidFill>
+                  <a:schemeClr val="lt1"/>
+                </a:solidFill>
+                <a:latin typeface="Times New Roman"/>
+                <a:ea typeface="Times New Roman"/>
+                <a:cs typeface="Times New Roman"/>
+                <a:sym typeface="Times New Roman"/>
+              </a:rPr>
+              <a:t>việc</a:t>
+            </a:r>
+            <a:r>
+              <a:rPr lang="en-US" dirty="0">
+                <a:solidFill>
+                  <a:schemeClr val="lt1"/>
+                </a:solidFill>
+                <a:latin typeface="Times New Roman"/>
+                <a:ea typeface="Times New Roman"/>
+                <a:cs typeface="Times New Roman"/>
+                <a:sym typeface="Times New Roman"/>
+              </a:rPr>
+              <a:t> </a:t>
+            </a:r>
+            <a:r>
+              <a:rPr lang="en-US" dirty="0" err="1">
+                <a:solidFill>
+                  <a:schemeClr val="lt1"/>
+                </a:solidFill>
+                <a:latin typeface="Times New Roman"/>
+                <a:ea typeface="Times New Roman"/>
+                <a:cs typeface="Times New Roman"/>
+                <a:sym typeface="Times New Roman"/>
+              </a:rPr>
+              <a:t>với</a:t>
+            </a:r>
+            <a:r>
+              <a:rPr lang="en-US" dirty="0">
+                <a:solidFill>
+                  <a:schemeClr val="lt1"/>
+                </a:solidFill>
+                <a:latin typeface="Times New Roman"/>
+                <a:ea typeface="Times New Roman"/>
+                <a:cs typeface="Times New Roman"/>
+                <a:sym typeface="Times New Roman"/>
+              </a:rPr>
+              <a:t> application context và data</a:t>
+            </a:r>
+          </a:p>
+          <a:p>
+            <a:pPr marL="457200" lvl="0" indent="-320040" algn="l" rtl="0">
+              <a:lnSpc>
+                <a:spcPct val="100000"/>
+              </a:lnSpc>
+              <a:spcBef>
+                <a:spcPts val="0"/>
+              </a:spcBef>
+              <a:spcAft>
+                <a:spcPts val="0"/>
+              </a:spcAft>
+              <a:buClr>
+                <a:schemeClr val="lt1"/>
+              </a:buClr>
+              <a:buSzPts val="1440"/>
+              <a:buFont typeface="Times New Roman"/>
+              <a:buChar char="►"/>
+            </a:pPr>
+            <a:r>
+              <a:rPr lang="en-US" dirty="0">
+                <a:solidFill>
+                  <a:schemeClr val="lt1"/>
+                </a:solidFill>
+                <a:latin typeface="Times New Roman"/>
+                <a:ea typeface="Times New Roman"/>
+                <a:cs typeface="Times New Roman"/>
+                <a:sym typeface="Times New Roman"/>
+              </a:rPr>
+              <a:t>So </a:t>
+            </a:r>
+            <a:r>
+              <a:rPr lang="en-US" dirty="0" err="1">
+                <a:solidFill>
+                  <a:schemeClr val="lt1"/>
+                </a:solidFill>
+                <a:latin typeface="Times New Roman"/>
+                <a:ea typeface="Times New Roman"/>
+                <a:cs typeface="Times New Roman"/>
+                <a:sym typeface="Times New Roman"/>
+              </a:rPr>
+              <a:t>với</a:t>
+            </a:r>
+            <a:r>
+              <a:rPr lang="en-US" dirty="0">
+                <a:solidFill>
+                  <a:schemeClr val="lt1"/>
+                </a:solidFill>
+                <a:latin typeface="Times New Roman"/>
+                <a:ea typeface="Times New Roman"/>
+                <a:cs typeface="Times New Roman"/>
+                <a:sym typeface="Times New Roman"/>
+              </a:rPr>
+              <a:t> HTML helper </a:t>
+            </a:r>
+            <a:r>
+              <a:rPr lang="en-US" dirty="0" err="1">
+                <a:solidFill>
+                  <a:schemeClr val="lt1"/>
+                </a:solidFill>
+                <a:latin typeface="Times New Roman"/>
+                <a:ea typeface="Times New Roman"/>
+                <a:cs typeface="Times New Roman"/>
+                <a:sym typeface="Times New Roman"/>
+              </a:rPr>
+              <a:t>thì</a:t>
+            </a:r>
+            <a:r>
+              <a:rPr lang="en-US" dirty="0">
+                <a:solidFill>
+                  <a:schemeClr val="lt1"/>
+                </a:solidFill>
+                <a:latin typeface="Times New Roman"/>
+                <a:ea typeface="Times New Roman"/>
+                <a:cs typeface="Times New Roman"/>
+                <a:sym typeface="Times New Roman"/>
+              </a:rPr>
+              <a:t> tag helper </a:t>
+            </a:r>
+            <a:r>
+              <a:rPr lang="en-US" dirty="0" err="1">
+                <a:solidFill>
+                  <a:schemeClr val="lt1"/>
+                </a:solidFill>
+                <a:latin typeface="Times New Roman"/>
+                <a:ea typeface="Times New Roman"/>
+                <a:cs typeface="Times New Roman"/>
+                <a:sym typeface="Times New Roman"/>
+              </a:rPr>
+              <a:t>linh</a:t>
+            </a:r>
+            <a:r>
+              <a:rPr lang="en-US" dirty="0">
+                <a:solidFill>
+                  <a:schemeClr val="lt1"/>
+                </a:solidFill>
+                <a:latin typeface="Times New Roman"/>
+                <a:ea typeface="Times New Roman"/>
+                <a:cs typeface="Times New Roman"/>
+                <a:sym typeface="Times New Roman"/>
+              </a:rPr>
+              <a:t> </a:t>
+            </a:r>
+            <a:r>
+              <a:rPr lang="en-US" dirty="0" err="1">
+                <a:solidFill>
+                  <a:schemeClr val="lt1"/>
+                </a:solidFill>
+                <a:latin typeface="Times New Roman"/>
+                <a:ea typeface="Times New Roman"/>
+                <a:cs typeface="Times New Roman"/>
+                <a:sym typeface="Times New Roman"/>
+              </a:rPr>
+              <a:t>hoạt</a:t>
+            </a:r>
+            <a:r>
+              <a:rPr lang="en-US" dirty="0">
+                <a:solidFill>
+                  <a:schemeClr val="lt1"/>
+                </a:solidFill>
+                <a:latin typeface="Times New Roman"/>
+                <a:ea typeface="Times New Roman"/>
+                <a:cs typeface="Times New Roman"/>
+                <a:sym typeface="Times New Roman"/>
+              </a:rPr>
+              <a:t> và dễ đọc h</a:t>
+            </a:r>
+            <a:r>
+              <a:rPr lang="vi-VN" dirty="0">
+                <a:solidFill>
+                  <a:schemeClr val="lt1"/>
+                </a:solidFill>
+                <a:latin typeface="Times New Roman"/>
+                <a:ea typeface="Times New Roman"/>
+                <a:cs typeface="Times New Roman"/>
+                <a:sym typeface="Times New Roman"/>
+              </a:rPr>
+              <a:t>ơ</a:t>
+            </a:r>
+            <a:r>
+              <a:rPr lang="en-US" dirty="0">
+                <a:solidFill>
+                  <a:schemeClr val="lt1"/>
+                </a:solidFill>
+                <a:latin typeface="Times New Roman"/>
+                <a:ea typeface="Times New Roman"/>
+                <a:cs typeface="Times New Roman"/>
+                <a:sym typeface="Times New Roman"/>
+              </a:rPr>
+              <a:t>n</a:t>
+            </a:r>
+          </a:p>
+          <a:p>
+            <a:pPr marL="457200" lvl="0" indent="-320040" algn="l" rtl="0">
+              <a:lnSpc>
+                <a:spcPct val="100000"/>
+              </a:lnSpc>
+              <a:spcBef>
+                <a:spcPts val="0"/>
+              </a:spcBef>
+              <a:spcAft>
+                <a:spcPts val="0"/>
+              </a:spcAft>
+              <a:buClr>
+                <a:schemeClr val="lt1"/>
+              </a:buClr>
+              <a:buSzPts val="1440"/>
+              <a:buFont typeface="Times New Roman"/>
+              <a:buChar char="►"/>
+            </a:pPr>
+            <a:r>
+              <a:rPr lang="en-US" dirty="0" err="1">
+                <a:solidFill>
+                  <a:schemeClr val="lt1"/>
+                </a:solidFill>
+                <a:latin typeface="Times New Roman"/>
+                <a:ea typeface="Times New Roman"/>
+                <a:cs typeface="Times New Roman"/>
+                <a:sym typeface="Times New Roman"/>
+              </a:rPr>
+              <a:t>Là</a:t>
+            </a:r>
+            <a:r>
+              <a:rPr lang="en-US" dirty="0">
+                <a:solidFill>
+                  <a:schemeClr val="lt1"/>
+                </a:solidFill>
+                <a:latin typeface="Times New Roman"/>
+                <a:ea typeface="Times New Roman"/>
+                <a:cs typeface="Times New Roman"/>
+                <a:sym typeface="Times New Roman"/>
+              </a:rPr>
+              <a:t> </a:t>
+            </a:r>
+            <a:r>
+              <a:rPr lang="en-US" dirty="0" err="1">
+                <a:solidFill>
+                  <a:schemeClr val="lt1"/>
+                </a:solidFill>
+                <a:latin typeface="Times New Roman"/>
+                <a:ea typeface="Times New Roman"/>
+                <a:cs typeface="Times New Roman"/>
+                <a:sym typeface="Times New Roman"/>
+              </a:rPr>
+              <a:t>một</a:t>
+            </a:r>
+            <a:r>
+              <a:rPr lang="en-US" dirty="0">
+                <a:solidFill>
+                  <a:schemeClr val="lt1"/>
+                </a:solidFill>
+                <a:latin typeface="Times New Roman"/>
+                <a:ea typeface="Times New Roman"/>
+                <a:cs typeface="Times New Roman"/>
+                <a:sym typeface="Times New Roman"/>
+              </a:rPr>
+              <a:t> tính năng của </a:t>
+            </a:r>
+            <a:r>
+              <a:rPr lang="en-US" dirty="0" err="1">
+                <a:solidFill>
+                  <a:schemeClr val="lt1"/>
+                </a:solidFill>
+                <a:latin typeface="Times New Roman"/>
+                <a:ea typeface="Times New Roman"/>
+                <a:cs typeface="Times New Roman"/>
+                <a:sym typeface="Times New Roman"/>
+              </a:rPr>
+              <a:t>.net</a:t>
+            </a:r>
+            <a:r>
+              <a:rPr lang="en-US" dirty="0">
+                <a:solidFill>
+                  <a:schemeClr val="lt1"/>
+                </a:solidFill>
+                <a:latin typeface="Times New Roman"/>
+                <a:ea typeface="Times New Roman"/>
+                <a:cs typeface="Times New Roman"/>
+                <a:sym typeface="Times New Roman"/>
+              </a:rPr>
+              <a:t> core </a:t>
+            </a:r>
+            <a:r>
+              <a:rPr lang="en-US" dirty="0" err="1">
+                <a:solidFill>
+                  <a:schemeClr val="lt1"/>
+                </a:solidFill>
+                <a:latin typeface="Times New Roman"/>
+                <a:ea typeface="Times New Roman"/>
+                <a:cs typeface="Times New Roman"/>
+                <a:sym typeface="Times New Roman"/>
+              </a:rPr>
+              <a:t>giúp</a:t>
+            </a:r>
+            <a:r>
+              <a:rPr lang="en-US" dirty="0">
+                <a:solidFill>
+                  <a:schemeClr val="lt1"/>
+                </a:solidFill>
+                <a:latin typeface="Times New Roman"/>
+                <a:ea typeface="Times New Roman"/>
+                <a:cs typeface="Times New Roman"/>
+                <a:sym typeface="Times New Roman"/>
+              </a:rPr>
+              <a:t> thêm code </a:t>
+            </a:r>
+            <a:r>
+              <a:rPr lang="en-US" dirty="0" err="1">
+                <a:solidFill>
+                  <a:schemeClr val="lt1"/>
+                </a:solidFill>
+                <a:latin typeface="Times New Roman"/>
+                <a:ea typeface="Times New Roman"/>
+                <a:cs typeface="Times New Roman"/>
+                <a:sym typeface="Times New Roman"/>
+              </a:rPr>
+              <a:t>phía</a:t>
+            </a:r>
+            <a:r>
+              <a:rPr lang="en-US" dirty="0">
+                <a:solidFill>
+                  <a:schemeClr val="lt1"/>
+                </a:solidFill>
+                <a:latin typeface="Times New Roman"/>
+                <a:ea typeface="Times New Roman"/>
+                <a:cs typeface="Times New Roman"/>
+                <a:sym typeface="Times New Roman"/>
+              </a:rPr>
+              <a:t> server side </a:t>
+            </a:r>
+            <a:r>
+              <a:rPr lang="en-US" dirty="0" err="1">
+                <a:solidFill>
+                  <a:schemeClr val="lt1"/>
+                </a:solidFill>
+                <a:latin typeface="Times New Roman"/>
+                <a:ea typeface="Times New Roman"/>
+                <a:cs typeface="Times New Roman"/>
+                <a:sym typeface="Times New Roman"/>
+              </a:rPr>
+              <a:t>vào</a:t>
+            </a:r>
+            <a:r>
+              <a:rPr lang="en-US" dirty="0">
+                <a:solidFill>
+                  <a:schemeClr val="lt1"/>
+                </a:solidFill>
+                <a:latin typeface="Times New Roman"/>
+                <a:ea typeface="Times New Roman"/>
+                <a:cs typeface="Times New Roman"/>
+                <a:sym typeface="Times New Roman"/>
+              </a:rPr>
+              <a:t> html dễ </a:t>
+            </a:r>
+            <a:r>
+              <a:rPr lang="en-US" dirty="0" err="1">
+                <a:solidFill>
+                  <a:schemeClr val="lt1"/>
+                </a:solidFill>
+                <a:latin typeface="Times New Roman"/>
+                <a:ea typeface="Times New Roman"/>
+                <a:cs typeface="Times New Roman"/>
+                <a:sym typeface="Times New Roman"/>
+              </a:rPr>
+              <a:t>dàng</a:t>
+            </a:r>
+            <a:r>
+              <a:rPr lang="en-US" dirty="0">
+                <a:solidFill>
+                  <a:schemeClr val="lt1"/>
+                </a:solidFill>
+                <a:latin typeface="Times New Roman"/>
+                <a:ea typeface="Times New Roman"/>
+                <a:cs typeface="Times New Roman"/>
+                <a:sym typeface="Times New Roman"/>
+              </a:rPr>
+              <a:t>.</a:t>
+            </a:r>
+          </a:p>
+          <a:p>
+            <a:pPr marL="285750" lvl="0" indent="-285750">
+              <a:spcBef>
+                <a:spcPts val="0"/>
+              </a:spcBef>
               <a:buFontTx/>
               <a:buChar char="-"/>
             </a:pPr>
@@ -26495,19 +27375,53 @@
             </a:endParaRPr>
           </a:p>
           <a:p>
-            <a:pPr marL="285750" lvl="0" indent="-285750" algn="l" rtl="0">
-              <a:lnSpc>
-                <a:spcPct val="100000"/>
-              </a:lnSpc>
-              <a:spcBef>
-                <a:spcPts val="0"/>
-              </a:spcBef>
-              <a:spcAft>
-                <a:spcPts val="0"/>
-              </a:spcAft>
+            <a:pPr marL="285750" lvl="0" indent="-285750">
+              <a:spcBef>
+                <a:spcPts val="0"/>
+              </a:spcBef>
               <a:buFontTx/>
               <a:buChar char="-"/>
             </a:pPr>
+            <a:endParaRPr lang="en-US" dirty="0">
+              <a:solidFill>
+                <a:schemeClr val="lt1"/>
+              </a:solidFill>
+              <a:latin typeface="Times New Roman"/>
+              <a:ea typeface="Times New Roman"/>
+              <a:cs typeface="Times New Roman"/>
+              <a:sym typeface="Times New Roman"/>
+            </a:endParaRPr>
+          </a:p>
+          <a:p>
+            <a:pPr marL="457200" lvl="0" indent="-320040" algn="l" rtl="0">
+              <a:lnSpc>
+                <a:spcPct val="100000"/>
+              </a:lnSpc>
+              <a:spcBef>
+                <a:spcPts val="0"/>
+              </a:spcBef>
+              <a:spcAft>
+                <a:spcPts val="0"/>
+              </a:spcAft>
+              <a:buClr>
+                <a:schemeClr val="lt1"/>
+              </a:buClr>
+              <a:buSzPts val="1440"/>
+              <a:buFont typeface="Times New Roman"/>
+              <a:buChar char="►"/>
+            </a:pPr>
+            <a:r>
+              <a:rPr lang="en-US" dirty="0">
+                <a:solidFill>
+                  <a:schemeClr val="lt1"/>
+                </a:solidFill>
+                <a:latin typeface="Times New Roman"/>
+                <a:ea typeface="Times New Roman"/>
+                <a:cs typeface="Times New Roman"/>
+                <a:sym typeface="Times New Roman"/>
+              </a:rPr>
+              <a:t> </a:t>
+            </a:r>
             <a:endParaRPr dirty="0">
               <a:solidFill>
                 <a:schemeClr val="lt1"/>
@@ -26522,7 +27436,7 @@
       </p:sp>
       <p:sp>
         <p:nvSpPr>
-          <p:cNvPr id="199" name="Google Shape;199;geef53d5d55_1_27"/>
+          <p:cNvPr id="175" name="Google Shape;175;geef53d5d55_1_17"/>
           <p:cNvSpPr txBox="1"/>
           <p:nvPr/>
         </p:nvSpPr>
@@ -26563,6 +27477,18 @@
               <a:buNone/>
             </a:pPr>
             <a:r>
+              <a:rPr lang="en-US" sz="3600" dirty="0" err="1">
+                <a:solidFill>
+                  <a:srgbClr val="93DF5F"/>
+                </a:solidFill>
+                <a:latin typeface="Times New Roman"/>
+                <a:ea typeface="Times New Roman"/>
+                <a:cs typeface="Times New Roman"/>
+                <a:sym typeface="Times New Roman"/>
+              </a:rPr>
+              <a:t>Giới</a:t>
+            </a:r>
+            <a:r>
               <a:rPr lang="en-US" sz="3600" dirty="0">
                 <a:solidFill>
                   <a:srgbClr val="93DF5F"/>
@@ -26572,7 +27498,31 @@
                 <a:cs typeface="Times New Roman"/>
                 <a:sym typeface="Times New Roman"/>
               </a:rPr>
-              <a:t>Tag Helpers</a:t>
+              <a:t> </a:t>
+            </a:r>
+            <a:r>
+              <a:rPr lang="en-US" sz="3600" dirty="0" err="1">
+                <a:solidFill>
+                  <a:srgbClr val="93DF5F"/>
+                </a:solidFill>
+                <a:latin typeface="Times New Roman"/>
+                <a:ea typeface="Times New Roman"/>
+                <a:cs typeface="Times New Roman"/>
+                <a:sym typeface="Times New Roman"/>
+              </a:rPr>
+              <a:t>thiệu</a:t>
+            </a:r>
+            <a:r>
+              <a:rPr lang="en-US" sz="3600" dirty="0">
+                <a:solidFill>
+                  <a:srgbClr val="93DF5F"/>
+                </a:solidFill>
+                <a:latin typeface="Times New Roman"/>
+                <a:ea typeface="Times New Roman"/>
+                <a:cs typeface="Times New Roman"/>
+                <a:sym typeface="Times New Roman"/>
+              </a:rPr>
+              <a:t> Tag helpers</a:t>
             </a:r>
             <a:endParaRPr sz="3600" i="0" u="none" strike="noStrike" cap="none" dirty="0">
               <a:solidFill>
@@ -26588,7 +27538,7 @@
       </p:sp>
       <p:cxnSp>
         <p:nvCxnSpPr>
-          <p:cNvPr id="200" name="Google Shape;200;geef53d5d55_1_27"/>
+          <p:cNvPr id="176" name="Google Shape;176;geef53d5d55_1_17"/>
           <p:cNvCxnSpPr/>
           <p:nvPr/>
         </p:nvCxnSpPr>
@@ -26614,7 +27564,7 @@
       </p:cxnSp>
       <p:pic>
         <p:nvPicPr>
-          <p:cNvPr id="201" name="Google Shape;201;geef53d5d55_1_27"/>
+          <p:cNvPr id="177" name="Google Shape;177;geef53d5d55_1_17"/>
           <p:cNvPicPr preferRelativeResize="0"/>
           <p:nvPr/>
         </p:nvPicPr>
@@ -26639,6 +27589,66 @@
           </a:ln>
         </p:spPr>
       </p:pic>
+      <p:pic>
+        <p:nvPicPr>
+          <p:cNvPr id="4" name="Picture 3">
+            <a:extLst>
+              <a:ext uri="{FF2B5EF4-FFF2-40B4-BE49-F238E27FC236}">
+                <a16:creationId xmlns:a16="http://schemas.microsoft.com/office/drawing/2014/main" id="{18957980-34B4-4A50-9DF1-787CD0170D06}"/>
+              </a:ext>
+            </a:extLst>
+          </p:cNvPr>
+          <p:cNvPicPr>
+            <a:picLocks noChangeAspect="1"/>
+          </p:cNvPicPr>
+          <p:nvPr/>
+        </p:nvPicPr>
+        <p:blipFill>
+          <a:blip r:embed="rId4"/>
+          <a:stretch>
+            <a:fillRect/>
+          </a:stretch>
+        </p:blipFill>
+        <p:spPr>
+          <a:xfrm>
+            <a:off x="293365" y="3176964"/>
+            <a:ext cx="4767234" cy="1586205"/>
+          </a:xfrm>
+          <a:prstGeom prst="rect">
+            <a:avLst/>
+          </a:prstGeom>
+        </p:spPr>
+      </p:pic>
+      <p:pic>
+        <p:nvPicPr>
+          <p:cNvPr id="5" name="Picture 4">
+            <a:extLst>
+              <a:ext uri="{FF2B5EF4-FFF2-40B4-BE49-F238E27FC236}">
+                <a16:creationId xmlns:a16="http://schemas.microsoft.com/office/drawing/2014/main" id="{8DC4E599-353C-43E3-A019-C4CED42B0420}"/>
+              </a:ext>
+            </a:extLst>
+          </p:cNvPr>
+          <p:cNvPicPr>
+            <a:picLocks noChangeAspect="1"/>
+          </p:cNvPicPr>
+          <p:nvPr/>
+        </p:nvPicPr>
+        <p:blipFill>
+          <a:blip r:embed="rId5"/>
+          <a:stretch>
+            <a:fillRect/>
+          </a:stretch>
+        </p:blipFill>
+        <p:spPr>
+          <a:xfrm>
+            <a:off x="5415729" y="3429000"/>
+            <a:ext cx="4793855" cy="1082134"/>
+          </a:xfrm>
+          <a:prstGeom prst="rect">
+            <a:avLst/>
+          </a:prstGeom>
+        </p:spPr>
+      </p:pic>
     </p:spTree>
   </p:cSld>
   <p:clrMapOvr>
@@ -26647,7 +27657,7 @@
 </p:sld>
 </file>
 
-<file path=ppt/slides/slide13.xml><?xml version="1.0" encoding="utf-8"?>
+<file path=ppt/slides/slide14.xml><?xml version="1.0" encoding="utf-8"?>
 <p:sld xmlns:a="http://schemas.openxmlformats.org/drawingml/2006/main" xmlns:r="http://schemas.openxmlformats.org/officeDocument/2006/relationships" xmlns:p="http://schemas.openxmlformats.org/presentationml/2006/main">
   <p:cSld>
     <p:spTree>
@@ -27200,7 +28210,7 @@
 </p:sld>
 </file>
 
-<file path=ppt/slides/slide14.xml><?xml version="1.0" encoding="utf-8"?>
+<file path=ppt/slides/slide15.xml><?xml version="1.0" encoding="utf-8"?>
 <p:sld xmlns:a="http://schemas.openxmlformats.org/drawingml/2006/main" xmlns:r="http://schemas.openxmlformats.org/officeDocument/2006/relationships" xmlns:p="http://schemas.openxmlformats.org/presentationml/2006/main">
   <p:cSld>
     <p:spTree>
@@ -27739,7 +28749,7 @@
 </p:sld>
 </file>
 
-<file path=ppt/slides/slide15.xml><?xml version="1.0" encoding="utf-8"?>
+<file path=ppt/slides/slide16.xml><?xml version="1.0" encoding="utf-8"?>
 <p:sld xmlns:a="http://schemas.openxmlformats.org/drawingml/2006/main" xmlns:r="http://schemas.openxmlformats.org/officeDocument/2006/relationships" xmlns:p="http://schemas.openxmlformats.org/presentationml/2006/main">
   <p:cSld>
     <p:spTree>
@@ -28448,7 +29458,7 @@
 </p:sld>
 </file>
 
-<file path=ppt/slides/slide16.xml><?xml version="1.0" encoding="utf-8"?>
+<file path=ppt/slides/slide17.xml><?xml version="1.0" encoding="utf-8"?>
 <p:sld xmlns:a="http://schemas.openxmlformats.org/drawingml/2006/main" xmlns:r="http://schemas.openxmlformats.org/officeDocument/2006/relationships" xmlns:p="http://schemas.openxmlformats.org/presentationml/2006/main">
   <p:cSld>
     <p:spTree>
@@ -28627,7 +29637,7 @@
 </p:sld>
 </file>
 
-<file path=ppt/slides/slide17.xml><?xml version="1.0" encoding="utf-8"?>
+<file path=ppt/slides/slide18.xml><?xml version="1.0" encoding="utf-8"?>
 <p:sld xmlns:a="http://schemas.openxmlformats.org/drawingml/2006/main" xmlns:r="http://schemas.openxmlformats.org/officeDocument/2006/relationships" xmlns:p="http://schemas.openxmlformats.org/presentationml/2006/main">
   <p:cSld>
     <p:spTree>
@@ -28806,7 +29816,7 @@
 </p:sld>
 </file>
 
-<file path=ppt/slides/slide18.xml><?xml version="1.0" encoding="utf-8"?>
+<file path=ppt/slides/slide19.xml><?xml version="1.0" encoding="utf-8"?>
 <p:sld xmlns:a="http://schemas.openxmlformats.org/drawingml/2006/main" xmlns:r="http://schemas.openxmlformats.org/officeDocument/2006/relationships" xmlns:p="http://schemas.openxmlformats.org/presentationml/2006/main">
   <p:cSld>
     <p:spTree>
@@ -29291,7 +30301,309 @@
 </p:sld>
 </file>
 
-<file path=ppt/slides/slide19.xml><?xml version="1.0" encoding="utf-8"?>
+<file path=ppt/slides/slide2.xml><?xml version="1.0" encoding="utf-8"?>
+<p:sld xmlns:a="http://schemas.openxmlformats.org/drawingml/2006/main" xmlns:r="http://schemas.openxmlformats.org/officeDocument/2006/relationships" xmlns:p="http://schemas.openxmlformats.org/presentationml/2006/main">
+  <p:cSld>
+    <p:spTree>
+      <p:nvGrpSpPr>
+        <p:cNvPr id="1" name="Shape 149"/>
+        <p:cNvGrpSpPr/>
+        <p:nvPr/>
+      </p:nvGrpSpPr>
+      <p:grpSpPr>
+        <a:xfrm>
+          <a:off x="0" y="0"/>
+          <a:ext cx="0" cy="0"/>
+          <a:chOff x="0" y="0"/>
+          <a:chExt cx="0" cy="0"/>
+        </a:xfrm>
+      </p:grpSpPr>
+      <p:sp>
+        <p:nvSpPr>
+          <p:cNvPr id="150" name="Google Shape;150;geea522d09e_0_15"/>
+          <p:cNvSpPr txBox="1">
+            <a:spLocks noGrp="1"/>
+          </p:cNvSpPr>
+          <p:nvPr>
+            <p:ph type="body" idx="1"/>
+          </p:nvPr>
+        </p:nvSpPr>
+        <p:spPr>
+          <a:xfrm>
+            <a:off x="815879" y="2375022"/>
+            <a:ext cx="8596800" cy="2308944"/>
+          </a:xfrm>
+          <a:prstGeom prst="rect">
+            <a:avLst/>
+          </a:prstGeom>
+          <a:noFill/>
+          <a:ln>
+            <a:noFill/>
+          </a:ln>
+        </p:spPr>
+        <p:txBody>
+          <a:bodyPr spcFirstLastPara="1" wrap="square" lIns="91425" tIns="45700" rIns="91425" bIns="45700" anchor="t" anchorCtr="0">
+            <a:normAutofit/>
+          </a:bodyPr>
+          <a:lstStyle/>
+          <a:p>
+            <a:pPr lvl="0">
+              <a:spcBef>
+                <a:spcPts val="0"/>
+              </a:spcBef>
+              <a:buClr>
+                <a:schemeClr val="lt1"/>
+              </a:buClr>
+              <a:buFontTx/>
+              <a:buChar char="-"/>
+            </a:pPr>
+            <a:r>
+              <a:rPr lang="en-US" dirty="0">
+                <a:solidFill>
+                  <a:schemeClr val="lt1"/>
+                </a:solidFill>
+                <a:latin typeface="Times New Roman"/>
+                <a:ea typeface="Times New Roman"/>
+                <a:cs typeface="Times New Roman"/>
+                <a:sym typeface="Times New Roman"/>
+                <a:hlinkClick r:id="rId3"/>
+              </a:rPr>
+              <a:t>https://app.pluralsight.com/library/courses/razor-pages-aspdotnet-core-getting-started/table-of-contents</a:t>
+            </a:r>
+            <a:endParaRPr lang="en-US" dirty="0">
+              <a:solidFill>
+                <a:schemeClr val="lt1"/>
+              </a:solidFill>
+              <a:latin typeface="Times New Roman"/>
+              <a:ea typeface="Times New Roman"/>
+              <a:cs typeface="Times New Roman"/>
+              <a:sym typeface="Times New Roman"/>
+            </a:endParaRPr>
+          </a:p>
+          <a:p>
+            <a:pPr lvl="0">
+              <a:spcBef>
+                <a:spcPts val="0"/>
+              </a:spcBef>
+              <a:buClr>
+                <a:schemeClr val="lt1"/>
+              </a:buClr>
+              <a:buFontTx/>
+              <a:buChar char="-"/>
+            </a:pPr>
+            <a:r>
+              <a:rPr lang="en-US" dirty="0">
+                <a:solidFill>
+                  <a:schemeClr val="lt1"/>
+                </a:solidFill>
+                <a:latin typeface="Times New Roman"/>
+                <a:ea typeface="Times New Roman"/>
+                <a:cs typeface="Times New Roman"/>
+                <a:sym typeface="Times New Roman"/>
+                <a:hlinkClick r:id="rId4"/>
+              </a:rPr>
+              <a:t>https://docs.microsoft.com/en-us/aspnet/core/razor-pages/?view=aspnetcore-5.0&amp;tabs=visual-studio</a:t>
+            </a:r>
+            <a:endParaRPr lang="en-US" dirty="0">
+              <a:solidFill>
+                <a:schemeClr val="lt1"/>
+              </a:solidFill>
+              <a:latin typeface="Times New Roman"/>
+              <a:ea typeface="Times New Roman"/>
+              <a:cs typeface="Times New Roman"/>
+              <a:sym typeface="Times New Roman"/>
+            </a:endParaRPr>
+          </a:p>
+          <a:p>
+            <a:pPr lvl="0">
+              <a:spcBef>
+                <a:spcPts val="0"/>
+              </a:spcBef>
+              <a:buClr>
+                <a:schemeClr val="lt1"/>
+              </a:buClr>
+              <a:buFontTx/>
+              <a:buChar char="-"/>
+            </a:pPr>
+            <a:r>
+              <a:rPr lang="en-US" dirty="0">
+                <a:solidFill>
+                  <a:schemeClr val="lt1"/>
+                </a:solidFill>
+                <a:latin typeface="Times New Roman"/>
+                <a:ea typeface="Times New Roman"/>
+                <a:cs typeface="Times New Roman"/>
+                <a:sym typeface="Times New Roman"/>
+                <a:hlinkClick r:id="rId5"/>
+              </a:rPr>
+              <a:t>https://www.tutorialsteacher.com/mvc/razor-syntax</a:t>
+            </a:r>
+            <a:endParaRPr lang="en-US" dirty="0">
+              <a:solidFill>
+                <a:schemeClr val="lt1"/>
+              </a:solidFill>
+              <a:latin typeface="Times New Roman"/>
+              <a:ea typeface="Times New Roman"/>
+              <a:cs typeface="Times New Roman"/>
+              <a:sym typeface="Times New Roman"/>
+            </a:endParaRPr>
+          </a:p>
+          <a:p>
+            <a:pPr lvl="0">
+              <a:spcBef>
+                <a:spcPts val="0"/>
+              </a:spcBef>
+              <a:buClr>
+                <a:schemeClr val="lt1"/>
+              </a:buClr>
+              <a:buFontTx/>
+              <a:buChar char="-"/>
+            </a:pPr>
+            <a:endParaRPr lang="en-US" dirty="0">
+              <a:solidFill>
+                <a:schemeClr val="lt1"/>
+              </a:solidFill>
+              <a:latin typeface="Times New Roman"/>
+              <a:ea typeface="Times New Roman"/>
+              <a:cs typeface="Times New Roman"/>
+              <a:sym typeface="Times New Roman"/>
+            </a:endParaRPr>
+          </a:p>
+        </p:txBody>
+      </p:sp>
+      <p:sp>
+        <p:nvSpPr>
+          <p:cNvPr id="151" name="Google Shape;151;geea522d09e_0_15"/>
+          <p:cNvSpPr txBox="1"/>
+          <p:nvPr/>
+        </p:nvSpPr>
+        <p:spPr>
+          <a:xfrm>
+            <a:off x="677316" y="723305"/>
+            <a:ext cx="10985931" cy="646290"/>
+          </a:xfrm>
+          <a:prstGeom prst="rect">
+            <a:avLst/>
+          </a:prstGeom>
+          <a:noFill/>
+          <a:ln>
+            <a:noFill/>
+          </a:ln>
+        </p:spPr>
+        <p:txBody>
+          <a:bodyPr spcFirstLastPara="1" wrap="square" lIns="91425" tIns="45700" rIns="91425" bIns="45700" anchor="t" anchorCtr="0">
+            <a:spAutoFit/>
+          </a:bodyPr>
+          <a:lstStyle/>
+          <a:p>
+            <a:pPr marL="0" marR="0" lvl="0" indent="0" algn="l" rtl="0">
+              <a:lnSpc>
+                <a:spcPct val="100000"/>
+              </a:lnSpc>
+              <a:spcBef>
+                <a:spcPts val="0"/>
+              </a:spcBef>
+              <a:spcAft>
+                <a:spcPts val="0"/>
+              </a:spcAft>
+              <a:buClr>
+                <a:srgbClr val="000000"/>
+              </a:buClr>
+              <a:buSzPts val="3600"/>
+              <a:buFont typeface="Arial"/>
+              <a:buNone/>
+            </a:pPr>
+            <a:r>
+              <a:rPr lang="en-US" sz="3600" dirty="0">
+                <a:solidFill>
+                  <a:srgbClr val="93DF5F"/>
+                </a:solidFill>
+                <a:latin typeface="Times New Roman"/>
+                <a:ea typeface="Times New Roman"/>
+                <a:cs typeface="Times New Roman"/>
+                <a:sym typeface="Times New Roman"/>
+              </a:rPr>
+              <a:t>References</a:t>
+            </a:r>
+            <a:endParaRPr sz="3600" i="0" u="none" strike="noStrike" cap="none" dirty="0">
+              <a:solidFill>
+                <a:srgbClr val="93DF5F"/>
+              </a:solidFill>
+              <a:latin typeface="Times New Roman"/>
+              <a:ea typeface="Times New Roman"/>
+              <a:cs typeface="Times New Roman"/>
+              <a:sym typeface="Times New Roman"/>
+            </a:endParaRPr>
+          </a:p>
+        </p:txBody>
+      </p:sp>
+      <p:cxnSp>
+        <p:nvCxnSpPr>
+          <p:cNvPr id="152" name="Google Shape;152;geea522d09e_0_15"/>
+          <p:cNvCxnSpPr/>
+          <p:nvPr/>
+        </p:nvCxnSpPr>
+        <p:spPr>
+          <a:xfrm>
+            <a:off x="815879" y="1325204"/>
+            <a:ext cx="5210700" cy="0"/>
+          </a:xfrm>
+          <a:prstGeom prst="straightConnector1">
+            <a:avLst/>
+          </a:prstGeom>
+          <a:noFill/>
+          <a:ln w="25400" cap="flat" cmpd="sng">
+            <a:solidFill>
+              <a:schemeClr val="accent1"/>
+            </a:solidFill>
+            <a:prstDash val="solid"/>
+            <a:round/>
+            <a:headEnd type="none" w="sm" len="sm"/>
+            <a:tailEnd type="none" w="sm" len="sm"/>
+          </a:ln>
+        </p:spPr>
+      </p:cxnSp>
+      <p:pic>
+        <p:nvPicPr>
+          <p:cNvPr id="153" name="Google Shape;153;geea522d09e_0_15"/>
+          <p:cNvPicPr preferRelativeResize="0"/>
+          <p:nvPr/>
+        </p:nvPicPr>
+        <p:blipFill rotWithShape="1">
+          <a:blip r:embed="rId6">
+            <a:alphaModFix/>
+          </a:blip>
+          <a:srcRect/>
+          <a:stretch/>
+        </p:blipFill>
+        <p:spPr>
+          <a:xfrm>
+            <a:off x="677316" y="6274352"/>
+            <a:ext cx="1639649" cy="413900"/>
+          </a:xfrm>
+          <a:prstGeom prst="rect">
+            <a:avLst/>
+          </a:prstGeom>
+          <a:noFill/>
+          <a:ln>
+            <a:noFill/>
+          </a:ln>
+        </p:spPr>
+      </p:pic>
+    </p:spTree>
+    <p:extLst>
+      <p:ext uri="{BB962C8B-B14F-4D97-AF65-F5344CB8AC3E}">
+        <p14:creationId xmlns:p14="http://schemas.microsoft.com/office/powerpoint/2010/main" val="1702912188"/>
+      </p:ext>
+    </p:extLst>
+  </p:cSld>
+  <p:clrMapOvr>
+    <a:masterClrMapping/>
+  </p:clrMapOvr>
+</p:sld>
+</file>
+
+<file path=ppt/slides/slide20.xml><?xml version="1.0" encoding="utf-8"?>
 <p:sld xmlns:a="http://schemas.openxmlformats.org/drawingml/2006/main" xmlns:r="http://schemas.openxmlformats.org/officeDocument/2006/relationships" xmlns:p="http://schemas.openxmlformats.org/presentationml/2006/main">
   <p:cSld>
     <p:spTree>
@@ -29472,309 +30784,7 @@
 </p:sld>
 </file>
 
-<file path=ppt/slides/slide2.xml><?xml version="1.0" encoding="utf-8"?>
-<p:sld xmlns:a="http://schemas.openxmlformats.org/drawingml/2006/main" xmlns:r="http://schemas.openxmlformats.org/officeDocument/2006/relationships" xmlns:p="http://schemas.openxmlformats.org/presentationml/2006/main">
-  <p:cSld>
-    <p:spTree>
-      <p:nvGrpSpPr>
-        <p:cNvPr id="1" name="Shape 149"/>
-        <p:cNvGrpSpPr/>
-        <p:nvPr/>
-      </p:nvGrpSpPr>
-      <p:grpSpPr>
-        <a:xfrm>
-          <a:off x="0" y="0"/>
-          <a:ext cx="0" cy="0"/>
-          <a:chOff x="0" y="0"/>
-          <a:chExt cx="0" cy="0"/>
-        </a:xfrm>
-      </p:grpSpPr>
-      <p:sp>
-        <p:nvSpPr>
-          <p:cNvPr id="150" name="Google Shape;150;geea522d09e_0_15"/>
-          <p:cNvSpPr txBox="1">
-            <a:spLocks noGrp="1"/>
-          </p:cNvSpPr>
-          <p:nvPr>
-            <p:ph type="body" idx="1"/>
-          </p:nvPr>
-        </p:nvSpPr>
-        <p:spPr>
-          <a:xfrm>
-            <a:off x="815879" y="2375022"/>
-            <a:ext cx="8596800" cy="2308944"/>
-          </a:xfrm>
-          <a:prstGeom prst="rect">
-            <a:avLst/>
-          </a:prstGeom>
-          <a:noFill/>
-          <a:ln>
-            <a:noFill/>
-          </a:ln>
-        </p:spPr>
-        <p:txBody>
-          <a:bodyPr spcFirstLastPara="1" wrap="square" lIns="91425" tIns="45700" rIns="91425" bIns="45700" anchor="t" anchorCtr="0">
-            <a:normAutofit/>
-          </a:bodyPr>
-          <a:lstStyle/>
-          <a:p>
-            <a:pPr lvl="0">
-              <a:spcBef>
-                <a:spcPts val="0"/>
-              </a:spcBef>
-              <a:buClr>
-                <a:schemeClr val="lt1"/>
-              </a:buClr>
-              <a:buFontTx/>
-              <a:buChar char="-"/>
-            </a:pPr>
-            <a:r>
-              <a:rPr lang="en-US" dirty="0">
-                <a:solidFill>
-                  <a:schemeClr val="lt1"/>
-                </a:solidFill>
-                <a:latin typeface="Times New Roman"/>
-                <a:ea typeface="Times New Roman"/>
-                <a:cs typeface="Times New Roman"/>
-                <a:sym typeface="Times New Roman"/>
-                <a:hlinkClick r:id="rId3"/>
-              </a:rPr>
-              <a:t>https://app.pluralsight.com/library/courses/razor-pages-aspdotnet-core-getting-started/table-of-contents</a:t>
-            </a:r>
-            <a:endParaRPr lang="en-US" dirty="0">
-              <a:solidFill>
-                <a:schemeClr val="lt1"/>
-              </a:solidFill>
-              <a:latin typeface="Times New Roman"/>
-              <a:ea typeface="Times New Roman"/>
-              <a:cs typeface="Times New Roman"/>
-              <a:sym typeface="Times New Roman"/>
-            </a:endParaRPr>
-          </a:p>
-          <a:p>
-            <a:pPr lvl="0">
-              <a:spcBef>
-                <a:spcPts val="0"/>
-              </a:spcBef>
-              <a:buClr>
-                <a:schemeClr val="lt1"/>
-              </a:buClr>
-              <a:buFontTx/>
-              <a:buChar char="-"/>
-            </a:pPr>
-            <a:r>
-              <a:rPr lang="en-US" dirty="0">
-                <a:solidFill>
-                  <a:schemeClr val="lt1"/>
-                </a:solidFill>
-                <a:latin typeface="Times New Roman"/>
-                <a:ea typeface="Times New Roman"/>
-                <a:cs typeface="Times New Roman"/>
-                <a:sym typeface="Times New Roman"/>
-                <a:hlinkClick r:id="rId4"/>
-              </a:rPr>
-              <a:t>https://docs.microsoft.com/en-us/aspnet/core/razor-pages/?view=aspnetcore-5.0&amp;tabs=visual-studio</a:t>
-            </a:r>
-            <a:endParaRPr lang="en-US" dirty="0">
-              <a:solidFill>
-                <a:schemeClr val="lt1"/>
-              </a:solidFill>
-              <a:latin typeface="Times New Roman"/>
-              <a:ea typeface="Times New Roman"/>
-              <a:cs typeface="Times New Roman"/>
-              <a:sym typeface="Times New Roman"/>
-            </a:endParaRPr>
-          </a:p>
-          <a:p>
-            <a:pPr lvl="0">
-              <a:spcBef>
-                <a:spcPts val="0"/>
-              </a:spcBef>
-              <a:buClr>
-                <a:schemeClr val="lt1"/>
-              </a:buClr>
-              <a:buFontTx/>
-              <a:buChar char="-"/>
-            </a:pPr>
-            <a:r>
-              <a:rPr lang="en-US" dirty="0">
-                <a:solidFill>
-                  <a:schemeClr val="lt1"/>
-                </a:solidFill>
-                <a:latin typeface="Times New Roman"/>
-                <a:ea typeface="Times New Roman"/>
-                <a:cs typeface="Times New Roman"/>
-                <a:sym typeface="Times New Roman"/>
-                <a:hlinkClick r:id="rId5"/>
-              </a:rPr>
-              <a:t>https://www.tutorialsteacher.com/mvc/razor-syntax</a:t>
-            </a:r>
-            <a:endParaRPr lang="en-US" dirty="0">
-              <a:solidFill>
-                <a:schemeClr val="lt1"/>
-              </a:solidFill>
-              <a:latin typeface="Times New Roman"/>
-              <a:ea typeface="Times New Roman"/>
-              <a:cs typeface="Times New Roman"/>
-              <a:sym typeface="Times New Roman"/>
-            </a:endParaRPr>
-          </a:p>
-          <a:p>
-            <a:pPr lvl="0">
-              <a:spcBef>
-                <a:spcPts val="0"/>
-              </a:spcBef>
-              <a:buClr>
-                <a:schemeClr val="lt1"/>
-              </a:buClr>
-              <a:buFontTx/>
-              <a:buChar char="-"/>
-            </a:pPr>
-            <a:endParaRPr lang="en-US" dirty="0">
-              <a:solidFill>
-                <a:schemeClr val="lt1"/>
-              </a:solidFill>
-              <a:latin typeface="Times New Roman"/>
-              <a:ea typeface="Times New Roman"/>
-              <a:cs typeface="Times New Roman"/>
-              <a:sym typeface="Times New Roman"/>
-            </a:endParaRPr>
-          </a:p>
-        </p:txBody>
-      </p:sp>
-      <p:sp>
-        <p:nvSpPr>
-          <p:cNvPr id="151" name="Google Shape;151;geea522d09e_0_15"/>
-          <p:cNvSpPr txBox="1"/>
-          <p:nvPr/>
-        </p:nvSpPr>
-        <p:spPr>
-          <a:xfrm>
-            <a:off x="677316" y="723305"/>
-            <a:ext cx="10985931" cy="646290"/>
-          </a:xfrm>
-          <a:prstGeom prst="rect">
-            <a:avLst/>
-          </a:prstGeom>
-          <a:noFill/>
-          <a:ln>
-            <a:noFill/>
-          </a:ln>
-        </p:spPr>
-        <p:txBody>
-          <a:bodyPr spcFirstLastPara="1" wrap="square" lIns="91425" tIns="45700" rIns="91425" bIns="45700" anchor="t" anchorCtr="0">
-            <a:spAutoFit/>
-          </a:bodyPr>
-          <a:lstStyle/>
-          <a:p>
-            <a:pPr marL="0" marR="0" lvl="0" indent="0" algn="l" rtl="0">
-              <a:lnSpc>
-                <a:spcPct val="100000"/>
-              </a:lnSpc>
-              <a:spcBef>
-                <a:spcPts val="0"/>
-              </a:spcBef>
-              <a:spcAft>
-                <a:spcPts val="0"/>
-              </a:spcAft>
-              <a:buClr>
-                <a:srgbClr val="000000"/>
-              </a:buClr>
-              <a:buSzPts val="3600"/>
-              <a:buFont typeface="Arial"/>
-              <a:buNone/>
-            </a:pPr>
-            <a:r>
-              <a:rPr lang="en-US" sz="3600" dirty="0">
-                <a:solidFill>
-                  <a:srgbClr val="93DF5F"/>
-                </a:solidFill>
-                <a:latin typeface="Times New Roman"/>
-                <a:ea typeface="Times New Roman"/>
-                <a:cs typeface="Times New Roman"/>
-                <a:sym typeface="Times New Roman"/>
-              </a:rPr>
-              <a:t>References</a:t>
-            </a:r>
-            <a:endParaRPr sz="3600" i="0" u="none" strike="noStrike" cap="none" dirty="0">
-              <a:solidFill>
-                <a:srgbClr val="93DF5F"/>
-              </a:solidFill>
-              <a:latin typeface="Times New Roman"/>
-              <a:ea typeface="Times New Roman"/>
-              <a:cs typeface="Times New Roman"/>
-              <a:sym typeface="Times New Roman"/>
-            </a:endParaRPr>
-          </a:p>
-        </p:txBody>
-      </p:sp>
-      <p:cxnSp>
-        <p:nvCxnSpPr>
-          <p:cNvPr id="152" name="Google Shape;152;geea522d09e_0_15"/>
-          <p:cNvCxnSpPr/>
-          <p:nvPr/>
-        </p:nvCxnSpPr>
-        <p:spPr>
-          <a:xfrm>
-            <a:off x="815879" y="1325204"/>
-            <a:ext cx="5210700" cy="0"/>
-          </a:xfrm>
-          <a:prstGeom prst="straightConnector1">
-            <a:avLst/>
-          </a:prstGeom>
-          <a:noFill/>
-          <a:ln w="25400" cap="flat" cmpd="sng">
-            <a:solidFill>
-              <a:schemeClr val="accent1"/>
-            </a:solidFill>
-            <a:prstDash val="solid"/>
-            <a:round/>
-            <a:headEnd type="none" w="sm" len="sm"/>
-            <a:tailEnd type="none" w="sm" len="sm"/>
-          </a:ln>
-        </p:spPr>
-      </p:cxnSp>
-      <p:pic>
-        <p:nvPicPr>
-          <p:cNvPr id="153" name="Google Shape;153;geea522d09e_0_15"/>
-          <p:cNvPicPr preferRelativeResize="0"/>
-          <p:nvPr/>
-        </p:nvPicPr>
-        <p:blipFill rotWithShape="1">
-          <a:blip r:embed="rId6">
-            <a:alphaModFix/>
-          </a:blip>
-          <a:srcRect/>
-          <a:stretch/>
-        </p:blipFill>
-        <p:spPr>
-          <a:xfrm>
-            <a:off x="677316" y="6274352"/>
-            <a:ext cx="1639649" cy="413900"/>
-          </a:xfrm>
-          <a:prstGeom prst="rect">
-            <a:avLst/>
-          </a:prstGeom>
-          <a:noFill/>
-          <a:ln>
-            <a:noFill/>
-          </a:ln>
-        </p:spPr>
-      </p:pic>
-    </p:spTree>
-    <p:extLst>
-      <p:ext uri="{BB962C8B-B14F-4D97-AF65-F5344CB8AC3E}">
-        <p14:creationId xmlns:p14="http://schemas.microsoft.com/office/powerpoint/2010/main" val="1702912188"/>
-      </p:ext>
-    </p:extLst>
-  </p:cSld>
-  <p:clrMapOvr>
-    <a:masterClrMapping/>
-  </p:clrMapOvr>
-</p:sld>
-</file>
-
-<file path=ppt/slides/slide20.xml><?xml version="1.0" encoding="utf-8"?>
+<file path=ppt/slides/slide21.xml><?xml version="1.0" encoding="utf-8"?>
 <p:sld xmlns:a="http://schemas.openxmlformats.org/drawingml/2006/main" xmlns:r="http://schemas.openxmlformats.org/officeDocument/2006/relationships" xmlns:p="http://schemas.openxmlformats.org/presentationml/2006/main">
   <p:cSld>
     <p:spTree>
@@ -30045,7 +31055,7 @@
 </p:sld>
 </file>
 
-<file path=ppt/slides/slide21.xml><?xml version="1.0" encoding="utf-8"?>
+<file path=ppt/slides/slide22.xml><?xml version="1.0" encoding="utf-8"?>
 <p:sld xmlns:a="http://schemas.openxmlformats.org/drawingml/2006/main" xmlns:r="http://schemas.openxmlformats.org/officeDocument/2006/relationships" xmlns:p="http://schemas.openxmlformats.org/presentationml/2006/main">
   <p:cSld>
     <p:spTree>
@@ -30370,7 +31380,7 @@
 </p:sld>
 </file>
 
-<file path=ppt/slides/slide22.xml><?xml version="1.0" encoding="utf-8"?>
+<file path=ppt/slides/slide23.xml><?xml version="1.0" encoding="utf-8"?>
 <p:sld xmlns:a="http://schemas.openxmlformats.org/drawingml/2006/main" xmlns:r="http://schemas.openxmlformats.org/officeDocument/2006/relationships" xmlns:p="http://schemas.openxmlformats.org/presentationml/2006/main">
   <p:cSld>
     <p:spTree>
@@ -30855,7 +31865,7 @@
 </p:sld>
 </file>
 
-<file path=ppt/slides/slide23.xml><?xml version="1.0" encoding="utf-8"?>
+<file path=ppt/slides/slide24.xml><?xml version="1.0" encoding="utf-8"?>
 <p:sld xmlns:a="http://schemas.openxmlformats.org/drawingml/2006/main" xmlns:r="http://schemas.openxmlformats.org/officeDocument/2006/relationships" xmlns:p="http://schemas.openxmlformats.org/presentationml/2006/main">
   <p:cSld>
     <p:spTree>
@@ -31029,7 +32039,7 @@
 </p:sld>
 </file>
 
-<file path=ppt/slides/slide24.xml><?xml version="1.0" encoding="utf-8"?>
+<file path=ppt/slides/slide25.xml><?xml version="1.0" encoding="utf-8"?>
 <p:sld xmlns:a="http://schemas.openxmlformats.org/drawingml/2006/main" xmlns:r="http://schemas.openxmlformats.org/officeDocument/2006/relationships" xmlns:p="http://schemas.openxmlformats.org/presentationml/2006/main">
   <p:cSld>
     <p:spTree>
@@ -31208,7 +32218,7 @@
 </p:sld>
 </file>
 
-<file path=ppt/slides/slide25.xml><?xml version="1.0" encoding="utf-8"?>
+<file path=ppt/slides/slide26.xml><?xml version="1.0" encoding="utf-8"?>
 <p:sld xmlns:a="http://schemas.openxmlformats.org/drawingml/2006/main" xmlns:r="http://schemas.openxmlformats.org/officeDocument/2006/relationships" xmlns:p="http://schemas.openxmlformats.org/presentationml/2006/main">
   <p:cSld>
     <p:spTree>
@@ -31382,7 +32392,7 @@
 </p:sld>
 </file>
 
-<file path=ppt/slides/slide26.xml><?xml version="1.0" encoding="utf-8"?>
+<file path=ppt/slides/slide27.xml><?xml version="1.0" encoding="utf-8"?>
 <p:sld xmlns:a="http://schemas.openxmlformats.org/drawingml/2006/main" xmlns:r="http://schemas.openxmlformats.org/officeDocument/2006/relationships" xmlns:p="http://schemas.openxmlformats.org/presentationml/2006/main">
   <p:cSld>
     <p:spTree>
@@ -31793,7 +32803,7 @@
 </p:sld>
 </file>
 
-<file path=ppt/slides/slide27.xml><?xml version="1.0" encoding="utf-8"?>
+<file path=ppt/slides/slide28.xml><?xml version="1.0" encoding="utf-8"?>
 <p:sld xmlns:a="http://schemas.openxmlformats.org/drawingml/2006/main" xmlns:r="http://schemas.openxmlformats.org/officeDocument/2006/relationships" xmlns:p="http://schemas.openxmlformats.org/presentationml/2006/main">
   <p:cSld>
     <p:spTree>
@@ -32457,7 +33467,7 @@
 </p:sld>
 </file>
 
-<file path=ppt/slides/slide28.xml><?xml version="1.0" encoding="utf-8"?>
+<file path=ppt/slides/slide29.xml><?xml version="1.0" encoding="utf-8"?>
 <p:sld xmlns:a="http://schemas.openxmlformats.org/drawingml/2006/main" xmlns:r="http://schemas.openxmlformats.org/officeDocument/2006/relationships" xmlns:p="http://schemas.openxmlformats.org/presentationml/2006/main">
   <p:cSld>
     <p:spTree>
@@ -33011,7 +34021,1129 @@
 </p:sld>
 </file>
 
-<file path=ppt/slides/slide29.xml><?xml version="1.0" encoding="utf-8"?>
+<file path=ppt/slides/slide3.xml><?xml version="1.0" encoding="utf-8"?>
+<p:sld xmlns:a="http://schemas.openxmlformats.org/drawingml/2006/main" xmlns:r="http://schemas.openxmlformats.org/officeDocument/2006/relationships" xmlns:p="http://schemas.openxmlformats.org/presentationml/2006/main">
+  <p:cSld>
+    <p:spTree>
+      <p:nvGrpSpPr>
+        <p:cNvPr id="1" name="Shape 149"/>
+        <p:cNvGrpSpPr/>
+        <p:nvPr/>
+      </p:nvGrpSpPr>
+      <p:grpSpPr>
+        <a:xfrm>
+          <a:off x="0" y="0"/>
+          <a:ext cx="0" cy="0"/>
+          <a:chOff x="0" y="0"/>
+          <a:chExt cx="0" cy="0"/>
+        </a:xfrm>
+      </p:grpSpPr>
+      <p:sp>
+        <p:nvSpPr>
+          <p:cNvPr id="150" name="Google Shape;150;geea522d09e_0_15"/>
+          <p:cNvSpPr txBox="1">
+            <a:spLocks noGrp="1"/>
+          </p:cNvSpPr>
+          <p:nvPr>
+            <p:ph type="body" idx="1"/>
+          </p:nvPr>
+        </p:nvSpPr>
+        <p:spPr>
+          <a:xfrm>
+            <a:off x="677316" y="1647234"/>
+            <a:ext cx="8596800" cy="1982370"/>
+          </a:xfrm>
+          <a:prstGeom prst="rect">
+            <a:avLst/>
+          </a:prstGeom>
+          <a:noFill/>
+          <a:ln>
+            <a:noFill/>
+          </a:ln>
+        </p:spPr>
+        <p:txBody>
+          <a:bodyPr spcFirstLastPara="1" wrap="square" lIns="91425" tIns="45700" rIns="91425" bIns="45700" anchor="t" anchorCtr="0">
+            <a:normAutofit/>
+          </a:bodyPr>
+          <a:lstStyle/>
+          <a:p>
+            <a:pPr marL="137160" lvl="0" indent="0">
+              <a:spcBef>
+                <a:spcPts val="0"/>
+              </a:spcBef>
+              <a:buClr>
+                <a:schemeClr val="lt1"/>
+              </a:buClr>
+              <a:buNone/>
+            </a:pPr>
+            <a:r>
+              <a:rPr lang="en-US" dirty="0">
+                <a:solidFill>
+                  <a:schemeClr val="lt1"/>
+                </a:solidFill>
+                <a:latin typeface="Times New Roman"/>
+                <a:ea typeface="Times New Roman"/>
+                <a:cs typeface="Times New Roman"/>
+                <a:sym typeface="Times New Roman"/>
+              </a:rPr>
+              <a:t>Razor page </a:t>
+            </a:r>
+            <a:r>
+              <a:rPr lang="en-US" dirty="0" err="1">
+                <a:solidFill>
+                  <a:schemeClr val="lt1"/>
+                </a:solidFill>
+                <a:latin typeface="Times New Roman"/>
+                <a:ea typeface="Times New Roman"/>
+                <a:cs typeface="Times New Roman"/>
+                <a:sym typeface="Times New Roman"/>
+              </a:rPr>
+              <a:t>là</a:t>
+            </a:r>
+            <a:r>
+              <a:rPr lang="en-US" dirty="0">
+                <a:solidFill>
+                  <a:schemeClr val="lt1"/>
+                </a:solidFill>
+                <a:latin typeface="Times New Roman"/>
+                <a:ea typeface="Times New Roman"/>
+                <a:cs typeface="Times New Roman"/>
+                <a:sym typeface="Times New Roman"/>
+              </a:rPr>
+              <a:t> </a:t>
+            </a:r>
+            <a:r>
+              <a:rPr lang="en-US" dirty="0" err="1">
+                <a:solidFill>
+                  <a:schemeClr val="lt1"/>
+                </a:solidFill>
+                <a:latin typeface="Times New Roman"/>
+                <a:ea typeface="Times New Roman"/>
+                <a:cs typeface="Times New Roman"/>
+                <a:sym typeface="Times New Roman"/>
+              </a:rPr>
+              <a:t>một</a:t>
+            </a:r>
+            <a:r>
+              <a:rPr lang="en-US" dirty="0">
+                <a:solidFill>
+                  <a:schemeClr val="lt1"/>
+                </a:solidFill>
+                <a:latin typeface="Times New Roman"/>
+                <a:ea typeface="Times New Roman"/>
+                <a:cs typeface="Times New Roman"/>
+                <a:sym typeface="Times New Roman"/>
+              </a:rPr>
+              <a:t> tính năng </a:t>
+            </a:r>
+            <a:r>
+              <a:rPr lang="en-US" dirty="0" err="1">
+                <a:solidFill>
+                  <a:schemeClr val="lt1"/>
+                </a:solidFill>
+                <a:latin typeface="Times New Roman"/>
+                <a:ea typeface="Times New Roman"/>
+                <a:cs typeface="Times New Roman"/>
+                <a:sym typeface="Times New Roman"/>
+              </a:rPr>
+              <a:t>mới</a:t>
+            </a:r>
+            <a:r>
+              <a:rPr lang="en-US" dirty="0">
+                <a:solidFill>
+                  <a:schemeClr val="lt1"/>
+                </a:solidFill>
+                <a:latin typeface="Times New Roman"/>
+                <a:ea typeface="Times New Roman"/>
+                <a:cs typeface="Times New Roman"/>
+                <a:sym typeface="Times New Roman"/>
+              </a:rPr>
+              <a:t> đ</a:t>
+            </a:r>
+            <a:r>
+              <a:rPr lang="vi-VN" dirty="0">
+                <a:solidFill>
+                  <a:schemeClr val="lt1"/>
+                </a:solidFill>
+                <a:latin typeface="Times New Roman"/>
+                <a:ea typeface="Times New Roman"/>
+                <a:cs typeface="Times New Roman"/>
+                <a:sym typeface="Times New Roman"/>
+              </a:rPr>
+              <a:t>ư</a:t>
+            </a:r>
+            <a:r>
+              <a:rPr lang="en-US" dirty="0" err="1">
+                <a:solidFill>
+                  <a:schemeClr val="lt1"/>
+                </a:solidFill>
+                <a:latin typeface="Times New Roman"/>
+                <a:ea typeface="Times New Roman"/>
+                <a:cs typeface="Times New Roman"/>
+                <a:sym typeface="Times New Roman"/>
+              </a:rPr>
+              <a:t>ợc</a:t>
+            </a:r>
+            <a:r>
+              <a:rPr lang="en-US" dirty="0">
+                <a:solidFill>
+                  <a:schemeClr val="lt1"/>
+                </a:solidFill>
+                <a:latin typeface="Times New Roman"/>
+                <a:ea typeface="Times New Roman"/>
+                <a:cs typeface="Times New Roman"/>
+                <a:sym typeface="Times New Roman"/>
+              </a:rPr>
+              <a:t> </a:t>
+            </a:r>
+            <a:r>
+              <a:rPr lang="en-US" dirty="0" err="1">
+                <a:solidFill>
+                  <a:schemeClr val="lt1"/>
+                </a:solidFill>
+                <a:latin typeface="Times New Roman"/>
+                <a:ea typeface="Times New Roman"/>
+                <a:cs typeface="Times New Roman"/>
+                <a:sym typeface="Times New Roman"/>
+              </a:rPr>
+              <a:t>giới</a:t>
+            </a:r>
+            <a:r>
+              <a:rPr lang="en-US" dirty="0">
+                <a:solidFill>
+                  <a:schemeClr val="lt1"/>
+                </a:solidFill>
+                <a:latin typeface="Times New Roman"/>
+                <a:ea typeface="Times New Roman"/>
+                <a:cs typeface="Times New Roman"/>
+                <a:sym typeface="Times New Roman"/>
+              </a:rPr>
+              <a:t> </a:t>
+            </a:r>
+            <a:r>
+              <a:rPr lang="en-US" dirty="0" err="1">
+                <a:solidFill>
+                  <a:schemeClr val="lt1"/>
+                </a:solidFill>
+                <a:latin typeface="Times New Roman"/>
+                <a:ea typeface="Times New Roman"/>
+                <a:cs typeface="Times New Roman"/>
+                <a:sym typeface="Times New Roman"/>
+              </a:rPr>
+              <a:t>thiệu</a:t>
+            </a:r>
+            <a:r>
+              <a:rPr lang="en-US" dirty="0">
+                <a:solidFill>
+                  <a:schemeClr val="lt1"/>
+                </a:solidFill>
+                <a:latin typeface="Times New Roman"/>
+                <a:ea typeface="Times New Roman"/>
+                <a:cs typeface="Times New Roman"/>
+                <a:sym typeface="Times New Roman"/>
+              </a:rPr>
+              <a:t> trong </a:t>
+            </a:r>
+            <a:r>
+              <a:rPr lang="en-US" dirty="0" err="1">
+                <a:solidFill>
+                  <a:schemeClr val="lt1"/>
+                </a:solidFill>
+                <a:latin typeface="Times New Roman"/>
+                <a:ea typeface="Times New Roman"/>
+                <a:cs typeface="Times New Roman"/>
+                <a:sym typeface="Times New Roman"/>
+              </a:rPr>
+              <a:t>.net</a:t>
+            </a:r>
+            <a:r>
+              <a:rPr lang="en-US" dirty="0">
+                <a:solidFill>
+                  <a:schemeClr val="lt1"/>
+                </a:solidFill>
+                <a:latin typeface="Times New Roman"/>
+                <a:ea typeface="Times New Roman"/>
+                <a:cs typeface="Times New Roman"/>
+                <a:sym typeface="Times New Roman"/>
+              </a:rPr>
+              <a:t> core 2.0. </a:t>
+            </a:r>
+          </a:p>
+          <a:p>
+            <a:pPr marL="137160" lvl="0" indent="0">
+              <a:spcBef>
+                <a:spcPts val="0"/>
+              </a:spcBef>
+              <a:buClr>
+                <a:schemeClr val="lt1"/>
+              </a:buClr>
+              <a:buNone/>
+            </a:pPr>
+            <a:r>
+              <a:rPr lang="en-US" dirty="0" err="1">
+                <a:solidFill>
+                  <a:schemeClr val="lt1"/>
+                </a:solidFill>
+                <a:latin typeface="Times New Roman"/>
+                <a:ea typeface="Times New Roman"/>
+                <a:cs typeface="Times New Roman"/>
+                <a:sym typeface="Times New Roman"/>
+              </a:rPr>
+              <a:t>Tuân</a:t>
+            </a:r>
+            <a:r>
+              <a:rPr lang="en-US" dirty="0">
+                <a:solidFill>
+                  <a:schemeClr val="lt1"/>
+                </a:solidFill>
+                <a:latin typeface="Times New Roman"/>
+                <a:ea typeface="Times New Roman"/>
+                <a:cs typeface="Times New Roman"/>
+                <a:sym typeface="Times New Roman"/>
+              </a:rPr>
+              <a:t> </a:t>
+            </a:r>
+            <a:r>
+              <a:rPr lang="en-US" dirty="0" err="1">
+                <a:solidFill>
+                  <a:schemeClr val="lt1"/>
+                </a:solidFill>
+                <a:latin typeface="Times New Roman"/>
+                <a:ea typeface="Times New Roman"/>
+                <a:cs typeface="Times New Roman"/>
+                <a:sym typeface="Times New Roman"/>
+              </a:rPr>
+              <a:t>theo</a:t>
+            </a:r>
+            <a:r>
+              <a:rPr lang="en-US" dirty="0">
+                <a:solidFill>
+                  <a:schemeClr val="lt1"/>
+                </a:solidFill>
+                <a:latin typeface="Times New Roman"/>
+                <a:ea typeface="Times New Roman"/>
+                <a:cs typeface="Times New Roman"/>
+                <a:sym typeface="Times New Roman"/>
+              </a:rPr>
+              <a:t> </a:t>
+            </a:r>
+            <a:r>
+              <a:rPr lang="en-US" dirty="0" err="1">
+                <a:solidFill>
+                  <a:schemeClr val="lt1"/>
+                </a:solidFill>
+                <a:latin typeface="Times New Roman"/>
+                <a:ea typeface="Times New Roman"/>
+                <a:cs typeface="Times New Roman"/>
+                <a:sym typeface="Times New Roman"/>
+              </a:rPr>
+              <a:t>mô</a:t>
+            </a:r>
+            <a:r>
+              <a:rPr lang="en-US" dirty="0">
+                <a:solidFill>
+                  <a:schemeClr val="lt1"/>
+                </a:solidFill>
+                <a:latin typeface="Times New Roman"/>
+                <a:ea typeface="Times New Roman"/>
+                <a:cs typeface="Times New Roman"/>
+                <a:sym typeface="Times New Roman"/>
+              </a:rPr>
+              <a:t> hình </a:t>
+            </a:r>
+            <a:r>
+              <a:rPr lang="en-US" dirty="0" err="1">
+                <a:solidFill>
+                  <a:schemeClr val="lt1"/>
+                </a:solidFill>
+                <a:latin typeface="Times New Roman"/>
+                <a:ea typeface="Times New Roman"/>
+                <a:cs typeface="Times New Roman"/>
+                <a:sym typeface="Times New Roman"/>
+              </a:rPr>
+              <a:t>phát</a:t>
+            </a:r>
+            <a:r>
+              <a:rPr lang="en-US" dirty="0">
+                <a:solidFill>
+                  <a:schemeClr val="lt1"/>
+                </a:solidFill>
+                <a:latin typeface="Times New Roman"/>
+                <a:ea typeface="Times New Roman"/>
+                <a:cs typeface="Times New Roman"/>
+                <a:sym typeface="Times New Roman"/>
+              </a:rPr>
+              <a:t> </a:t>
+            </a:r>
+            <a:r>
+              <a:rPr lang="en-US" dirty="0" err="1">
+                <a:solidFill>
+                  <a:schemeClr val="lt1"/>
+                </a:solidFill>
+                <a:latin typeface="Times New Roman"/>
+                <a:ea typeface="Times New Roman"/>
+                <a:cs typeface="Times New Roman"/>
+                <a:sym typeface="Times New Roman"/>
+              </a:rPr>
+              <a:t>triển</a:t>
+            </a:r>
+            <a:r>
+              <a:rPr lang="en-US" dirty="0">
+                <a:solidFill>
+                  <a:schemeClr val="lt1"/>
+                </a:solidFill>
+                <a:latin typeface="Times New Roman"/>
+                <a:ea typeface="Times New Roman"/>
+                <a:cs typeface="Times New Roman"/>
+                <a:sym typeface="Times New Roman"/>
+              </a:rPr>
+              <a:t> </a:t>
+            </a:r>
+            <a:r>
+              <a:rPr lang="en-US" dirty="0" err="1">
+                <a:solidFill>
+                  <a:schemeClr val="lt1"/>
+                </a:solidFill>
+                <a:latin typeface="Times New Roman"/>
+                <a:ea typeface="Times New Roman"/>
+                <a:cs typeface="Times New Roman"/>
+                <a:sym typeface="Times New Roman"/>
+              </a:rPr>
+              <a:t>tập</a:t>
+            </a:r>
+            <a:r>
+              <a:rPr lang="en-US" dirty="0">
+                <a:solidFill>
+                  <a:schemeClr val="lt1"/>
+                </a:solidFill>
+                <a:latin typeface="Times New Roman"/>
+                <a:ea typeface="Times New Roman"/>
+                <a:cs typeface="Times New Roman"/>
+                <a:sym typeface="Times New Roman"/>
+              </a:rPr>
+              <a:t> trung </a:t>
+            </a:r>
+            <a:r>
+              <a:rPr lang="en-US" dirty="0" err="1">
+                <a:solidFill>
+                  <a:schemeClr val="lt1"/>
+                </a:solidFill>
+                <a:latin typeface="Times New Roman"/>
+                <a:ea typeface="Times New Roman"/>
+                <a:cs typeface="Times New Roman"/>
+                <a:sym typeface="Times New Roman"/>
+              </a:rPr>
+              <a:t>nh</a:t>
+            </a:r>
+            <a:r>
+              <a:rPr lang="vi-VN" dirty="0">
+                <a:solidFill>
+                  <a:schemeClr val="lt1"/>
+                </a:solidFill>
+                <a:latin typeface="Times New Roman"/>
+                <a:ea typeface="Times New Roman"/>
+                <a:cs typeface="Times New Roman"/>
+                <a:sym typeface="Times New Roman"/>
+              </a:rPr>
+              <a:t>ư</a:t>
+            </a:r>
+            <a:r>
+              <a:rPr lang="en-US" dirty="0">
+                <a:solidFill>
+                  <a:schemeClr val="lt1"/>
+                </a:solidFill>
+                <a:latin typeface="Times New Roman"/>
+                <a:ea typeface="Times New Roman"/>
+                <a:cs typeface="Times New Roman"/>
+                <a:sym typeface="Times New Roman"/>
+              </a:rPr>
+              <a:t> asp.net web form </a:t>
+            </a:r>
+            <a:r>
+              <a:rPr lang="en-US" dirty="0" err="1">
+                <a:solidFill>
+                  <a:schemeClr val="lt1"/>
+                </a:solidFill>
+                <a:latin typeface="Times New Roman"/>
+                <a:ea typeface="Times New Roman"/>
+                <a:cs typeface="Times New Roman"/>
+                <a:sym typeface="Times New Roman"/>
+              </a:rPr>
+              <a:t>sử</a:t>
+            </a:r>
+            <a:r>
+              <a:rPr lang="en-US" dirty="0">
+                <a:solidFill>
+                  <a:schemeClr val="lt1"/>
+                </a:solidFill>
+                <a:latin typeface="Times New Roman"/>
+                <a:ea typeface="Times New Roman"/>
+                <a:cs typeface="Times New Roman"/>
+                <a:sym typeface="Times New Roman"/>
+              </a:rPr>
+              <a:t> </a:t>
+            </a:r>
+            <a:r>
+              <a:rPr lang="en-US" dirty="0" err="1">
+                <a:solidFill>
+                  <a:schemeClr val="lt1"/>
+                </a:solidFill>
+                <a:latin typeface="Times New Roman"/>
+                <a:ea typeface="Times New Roman"/>
+                <a:cs typeface="Times New Roman"/>
+                <a:sym typeface="Times New Roman"/>
+              </a:rPr>
+              <a:t>dụng</a:t>
+            </a:r>
+            <a:r>
+              <a:rPr lang="en-US" dirty="0">
+                <a:solidFill>
+                  <a:schemeClr val="lt1"/>
+                </a:solidFill>
+                <a:latin typeface="Times New Roman"/>
+                <a:ea typeface="Times New Roman"/>
+                <a:cs typeface="Times New Roman"/>
+                <a:sym typeface="Times New Roman"/>
+              </a:rPr>
+              <a:t> kỹ </a:t>
+            </a:r>
+            <a:r>
+              <a:rPr lang="en-US" dirty="0" err="1">
+                <a:solidFill>
+                  <a:schemeClr val="lt1"/>
+                </a:solidFill>
+                <a:latin typeface="Times New Roman"/>
+                <a:ea typeface="Times New Roman"/>
+                <a:cs typeface="Times New Roman"/>
+                <a:sym typeface="Times New Roman"/>
+              </a:rPr>
+              <a:t>thuật</a:t>
+            </a:r>
+            <a:r>
+              <a:rPr lang="en-US" dirty="0">
+                <a:solidFill>
+                  <a:schemeClr val="lt1"/>
+                </a:solidFill>
+                <a:latin typeface="Times New Roman"/>
+                <a:ea typeface="Times New Roman"/>
+                <a:cs typeface="Times New Roman"/>
+                <a:sym typeface="Times New Roman"/>
+              </a:rPr>
+              <a:t> code-behind.</a:t>
+            </a:r>
+            <a:br>
+              <a:rPr lang="en-US" dirty="0">
+                <a:solidFill>
+                  <a:schemeClr val="lt1"/>
+                </a:solidFill>
+                <a:latin typeface="Times New Roman"/>
+                <a:ea typeface="Times New Roman"/>
+                <a:cs typeface="Times New Roman"/>
+                <a:sym typeface="Times New Roman"/>
+              </a:rPr>
+            </a:br>
+            <a:r>
+              <a:rPr lang="en-US" dirty="0">
+                <a:solidFill>
+                  <a:schemeClr val="lt1"/>
+                </a:solidFill>
+                <a:latin typeface="Times New Roman"/>
+                <a:ea typeface="Times New Roman"/>
+                <a:cs typeface="Times New Roman"/>
+                <a:sym typeface="Times New Roman"/>
+              </a:rPr>
+              <a:t>Bao </a:t>
+            </a:r>
+            <a:r>
+              <a:rPr lang="en-US" dirty="0" err="1">
+                <a:solidFill>
+                  <a:schemeClr val="lt1"/>
+                </a:solidFill>
+                <a:latin typeface="Times New Roman"/>
+                <a:ea typeface="Times New Roman"/>
+                <a:cs typeface="Times New Roman"/>
+                <a:sym typeface="Times New Roman"/>
+              </a:rPr>
+              <a:t>gồm</a:t>
+            </a:r>
+            <a:r>
+              <a:rPr lang="en-US" dirty="0">
+                <a:solidFill>
+                  <a:schemeClr val="lt1"/>
+                </a:solidFill>
+                <a:latin typeface="Times New Roman"/>
+                <a:ea typeface="Times New Roman"/>
+                <a:cs typeface="Times New Roman"/>
+                <a:sym typeface="Times New Roman"/>
+              </a:rPr>
+              <a:t> 2 file .</a:t>
+            </a:r>
+            <a:r>
+              <a:rPr lang="en-US" dirty="0" err="1">
+                <a:solidFill>
+                  <a:schemeClr val="lt1"/>
+                </a:solidFill>
+                <a:latin typeface="Times New Roman"/>
+                <a:ea typeface="Times New Roman"/>
+                <a:cs typeface="Times New Roman"/>
+                <a:sym typeface="Times New Roman"/>
+              </a:rPr>
+              <a:t>cshml</a:t>
+            </a:r>
+            <a:r>
+              <a:rPr lang="en-US" dirty="0">
+                <a:solidFill>
+                  <a:schemeClr val="lt1"/>
+                </a:solidFill>
+                <a:latin typeface="Times New Roman"/>
+                <a:ea typeface="Times New Roman"/>
+                <a:cs typeface="Times New Roman"/>
+                <a:sym typeface="Times New Roman"/>
+              </a:rPr>
+              <a:t>(giao diện) và .</a:t>
+            </a:r>
+            <a:r>
+              <a:rPr lang="en-US" dirty="0" err="1">
+                <a:solidFill>
+                  <a:schemeClr val="lt1"/>
+                </a:solidFill>
+                <a:latin typeface="Times New Roman"/>
+                <a:ea typeface="Times New Roman"/>
+                <a:cs typeface="Times New Roman"/>
+                <a:sym typeface="Times New Roman"/>
+              </a:rPr>
+              <a:t>cshtml.cs</a:t>
+            </a:r>
+            <a:r>
+              <a:rPr lang="en-US" dirty="0">
+                <a:solidFill>
+                  <a:schemeClr val="lt1"/>
+                </a:solidFill>
+                <a:latin typeface="Times New Roman"/>
+                <a:ea typeface="Times New Roman"/>
+                <a:cs typeface="Times New Roman"/>
+                <a:sym typeface="Times New Roman"/>
+              </a:rPr>
+              <a:t>(logic) nhưng </a:t>
+            </a:r>
+            <a:r>
+              <a:rPr lang="en-US" dirty="0" err="1">
+                <a:solidFill>
+                  <a:schemeClr val="lt1"/>
+                </a:solidFill>
+                <a:latin typeface="Times New Roman"/>
+                <a:ea typeface="Times New Roman"/>
+                <a:cs typeface="Times New Roman"/>
+                <a:sym typeface="Times New Roman"/>
+              </a:rPr>
+              <a:t>thuộc</a:t>
+            </a:r>
+            <a:r>
+              <a:rPr lang="en-US" dirty="0">
+                <a:solidFill>
+                  <a:schemeClr val="lt1"/>
+                </a:solidFill>
+                <a:latin typeface="Times New Roman"/>
+                <a:ea typeface="Times New Roman"/>
+                <a:cs typeface="Times New Roman"/>
+                <a:sym typeface="Times New Roman"/>
+              </a:rPr>
+              <a:t> </a:t>
+            </a:r>
+            <a:r>
+              <a:rPr lang="en-US" dirty="0" err="1">
+                <a:solidFill>
+                  <a:schemeClr val="lt1"/>
+                </a:solidFill>
+                <a:latin typeface="Times New Roman"/>
+                <a:ea typeface="Times New Roman"/>
+                <a:cs typeface="Times New Roman"/>
+                <a:sym typeface="Times New Roman"/>
+              </a:rPr>
+              <a:t>cùng</a:t>
+            </a:r>
+            <a:r>
+              <a:rPr lang="en-US" dirty="0">
+                <a:solidFill>
+                  <a:schemeClr val="lt1"/>
+                </a:solidFill>
+                <a:latin typeface="Times New Roman"/>
+                <a:ea typeface="Times New Roman"/>
+                <a:cs typeface="Times New Roman"/>
+                <a:sym typeface="Times New Roman"/>
+              </a:rPr>
+              <a:t> 1 page.</a:t>
+            </a:r>
+          </a:p>
+          <a:p>
+            <a:pPr marL="137160" indent="0">
+              <a:spcBef>
+                <a:spcPts val="0"/>
+              </a:spcBef>
+              <a:buClr>
+                <a:schemeClr val="lt1"/>
+              </a:buClr>
+              <a:buNone/>
+            </a:pPr>
+            <a:r>
+              <a:rPr lang="en-US" dirty="0">
+                <a:solidFill>
+                  <a:schemeClr val="lt1"/>
+                </a:solidFill>
+                <a:latin typeface="Times New Roman"/>
+                <a:cs typeface="Times New Roman"/>
+              </a:rPr>
+              <a:t>Note: Razor </a:t>
+            </a:r>
+            <a:r>
+              <a:rPr lang="en-US" dirty="0" err="1">
+                <a:solidFill>
+                  <a:schemeClr val="lt1"/>
+                </a:solidFill>
+                <a:latin typeface="Times New Roman"/>
+                <a:cs typeface="Times New Roman"/>
+              </a:rPr>
+              <a:t>là</a:t>
+            </a:r>
+            <a:r>
+              <a:rPr lang="en-US" dirty="0">
+                <a:solidFill>
+                  <a:schemeClr val="lt1"/>
+                </a:solidFill>
+                <a:latin typeface="Times New Roman"/>
+                <a:cs typeface="Times New Roman"/>
+              </a:rPr>
+              <a:t> </a:t>
+            </a:r>
+            <a:r>
+              <a:rPr lang="en-US" dirty="0" err="1">
+                <a:solidFill>
+                  <a:schemeClr val="lt1"/>
+                </a:solidFill>
+                <a:latin typeface="Times New Roman"/>
+                <a:cs typeface="Times New Roman"/>
+              </a:rPr>
+              <a:t>cú</a:t>
+            </a:r>
+            <a:r>
+              <a:rPr lang="en-US" dirty="0">
+                <a:solidFill>
+                  <a:schemeClr val="lt1"/>
+                </a:solidFill>
+                <a:latin typeface="Times New Roman"/>
+                <a:cs typeface="Times New Roman"/>
+              </a:rPr>
+              <a:t> </a:t>
+            </a:r>
+            <a:r>
+              <a:rPr lang="en-US" dirty="0" err="1">
+                <a:solidFill>
+                  <a:schemeClr val="lt1"/>
+                </a:solidFill>
+                <a:latin typeface="Times New Roman"/>
+                <a:cs typeface="Times New Roman"/>
+              </a:rPr>
+              <a:t>pháp</a:t>
+            </a:r>
+            <a:r>
+              <a:rPr lang="en-US" dirty="0">
+                <a:solidFill>
+                  <a:schemeClr val="lt1"/>
+                </a:solidFill>
+                <a:latin typeface="Times New Roman"/>
+                <a:cs typeface="Times New Roman"/>
+              </a:rPr>
+              <a:t> </a:t>
+            </a:r>
+            <a:r>
+              <a:rPr lang="en-US" dirty="0" err="1">
+                <a:solidFill>
+                  <a:schemeClr val="lt1"/>
+                </a:solidFill>
+                <a:latin typeface="Times New Roman"/>
+                <a:cs typeface="Times New Roman"/>
+              </a:rPr>
+              <a:t>kết</a:t>
+            </a:r>
+            <a:r>
+              <a:rPr lang="en-US" dirty="0">
+                <a:solidFill>
+                  <a:schemeClr val="lt1"/>
+                </a:solidFill>
+                <a:latin typeface="Times New Roman"/>
+                <a:cs typeface="Times New Roman"/>
+              </a:rPr>
+              <a:t> </a:t>
+            </a:r>
+            <a:r>
+              <a:rPr lang="en-US" dirty="0" err="1">
+                <a:solidFill>
+                  <a:schemeClr val="lt1"/>
+                </a:solidFill>
+                <a:latin typeface="Times New Roman"/>
+                <a:cs typeface="Times New Roman"/>
+              </a:rPr>
+              <a:t>hợp</a:t>
+            </a:r>
+            <a:r>
+              <a:rPr lang="en-US" dirty="0">
+                <a:solidFill>
+                  <a:schemeClr val="lt1"/>
+                </a:solidFill>
+                <a:latin typeface="Times New Roman"/>
+                <a:cs typeface="Times New Roman"/>
+              </a:rPr>
+              <a:t> </a:t>
+            </a:r>
+            <a:r>
+              <a:rPr lang="en-US" dirty="0" err="1">
+                <a:solidFill>
+                  <a:schemeClr val="lt1"/>
+                </a:solidFill>
+                <a:latin typeface="Times New Roman"/>
+                <a:cs typeface="Times New Roman"/>
+              </a:rPr>
+              <a:t>c#</a:t>
+            </a:r>
+            <a:r>
+              <a:rPr lang="en-US" dirty="0">
+                <a:solidFill>
+                  <a:schemeClr val="lt1"/>
+                </a:solidFill>
+                <a:latin typeface="Times New Roman"/>
+                <a:cs typeface="Times New Roman"/>
+              </a:rPr>
+              <a:t> và HTML </a:t>
+            </a:r>
+            <a:r>
+              <a:rPr lang="en-US" dirty="0" err="1">
+                <a:solidFill>
+                  <a:schemeClr val="lt1"/>
+                </a:solidFill>
+                <a:latin typeface="Times New Roman"/>
+                <a:cs typeface="Times New Roman"/>
+              </a:rPr>
+              <a:t>để</a:t>
+            </a:r>
+            <a:r>
+              <a:rPr lang="en-US" dirty="0">
+                <a:solidFill>
+                  <a:schemeClr val="lt1"/>
+                </a:solidFill>
+                <a:latin typeface="Times New Roman"/>
+                <a:cs typeface="Times New Roman"/>
+              </a:rPr>
+              <a:t> </a:t>
+            </a:r>
+            <a:r>
+              <a:rPr lang="en-US" dirty="0" err="1">
+                <a:solidFill>
+                  <a:schemeClr val="lt1"/>
+                </a:solidFill>
+                <a:latin typeface="Times New Roman"/>
+                <a:cs typeface="Times New Roman"/>
+              </a:rPr>
+              <a:t>sinh</a:t>
+            </a:r>
+            <a:r>
+              <a:rPr lang="en-US" dirty="0">
+                <a:solidFill>
+                  <a:schemeClr val="lt1"/>
+                </a:solidFill>
+                <a:latin typeface="Times New Roman"/>
+                <a:cs typeface="Times New Roman"/>
+              </a:rPr>
+              <a:t> ra HTML </a:t>
+            </a:r>
+            <a:r>
+              <a:rPr lang="en-US" dirty="0" err="1">
+                <a:solidFill>
+                  <a:schemeClr val="lt1"/>
+                </a:solidFill>
+                <a:latin typeface="Times New Roman"/>
+                <a:cs typeface="Times New Roman"/>
+              </a:rPr>
+              <a:t>động</a:t>
+            </a:r>
+            <a:r>
+              <a:rPr lang="en-US" dirty="0">
+                <a:solidFill>
+                  <a:schemeClr val="lt1"/>
+                </a:solidFill>
+                <a:latin typeface="Times New Roman"/>
+                <a:cs typeface="Times New Roman"/>
+              </a:rPr>
+              <a:t>. (</a:t>
+            </a:r>
+            <a:r>
+              <a:rPr lang="en-US" dirty="0" err="1">
+                <a:solidFill>
+                  <a:schemeClr val="lt1"/>
+                </a:solidFill>
+                <a:latin typeface="Times New Roman"/>
+                <a:cs typeface="Times New Roman"/>
+              </a:rPr>
+              <a:t>khác</a:t>
+            </a:r>
+            <a:r>
+              <a:rPr lang="en-US" dirty="0">
+                <a:solidFill>
+                  <a:schemeClr val="lt1"/>
+                </a:solidFill>
+                <a:latin typeface="Times New Roman"/>
+                <a:cs typeface="Times New Roman"/>
+              </a:rPr>
+              <a:t> </a:t>
+            </a:r>
+            <a:r>
+              <a:rPr lang="en-US" dirty="0" err="1">
+                <a:solidFill>
+                  <a:schemeClr val="lt1"/>
+                </a:solidFill>
+                <a:latin typeface="Times New Roman"/>
+                <a:cs typeface="Times New Roman"/>
+              </a:rPr>
+              <a:t>với</a:t>
+            </a:r>
+            <a:r>
+              <a:rPr lang="en-US" dirty="0">
+                <a:solidFill>
+                  <a:schemeClr val="lt1"/>
+                </a:solidFill>
+                <a:latin typeface="Times New Roman"/>
+                <a:cs typeface="Times New Roman"/>
+              </a:rPr>
+              <a:t> razor page)</a:t>
+            </a:r>
+          </a:p>
+          <a:p>
+            <a:pPr marL="137160" lvl="0" indent="0">
+              <a:spcBef>
+                <a:spcPts val="0"/>
+              </a:spcBef>
+              <a:buClr>
+                <a:schemeClr val="lt1"/>
+              </a:buClr>
+              <a:buNone/>
+            </a:pPr>
+            <a:endParaRPr lang="en-US" dirty="0">
+              <a:solidFill>
+                <a:schemeClr val="lt1"/>
+              </a:solidFill>
+              <a:latin typeface="Times New Roman"/>
+              <a:ea typeface="Times New Roman"/>
+              <a:cs typeface="Times New Roman"/>
+              <a:sym typeface="Times New Roman"/>
+            </a:endParaRPr>
+          </a:p>
+        </p:txBody>
+      </p:sp>
+      <p:sp>
+        <p:nvSpPr>
+          <p:cNvPr id="151" name="Google Shape;151;geea522d09e_0_15"/>
+          <p:cNvSpPr txBox="1"/>
+          <p:nvPr/>
+        </p:nvSpPr>
+        <p:spPr>
+          <a:xfrm>
+            <a:off x="677333" y="678873"/>
+            <a:ext cx="10985931" cy="646290"/>
+          </a:xfrm>
+          <a:prstGeom prst="rect">
+            <a:avLst/>
+          </a:prstGeom>
+          <a:noFill/>
+          <a:ln>
+            <a:noFill/>
+          </a:ln>
+        </p:spPr>
+        <p:txBody>
+          <a:bodyPr spcFirstLastPara="1" wrap="square" lIns="91425" tIns="45700" rIns="91425" bIns="45700" anchor="t" anchorCtr="0">
+            <a:spAutoFit/>
+          </a:bodyPr>
+          <a:lstStyle/>
+          <a:p>
+            <a:pPr marL="0" marR="0" lvl="0" indent="0" algn="l" rtl="0">
+              <a:lnSpc>
+                <a:spcPct val="100000"/>
+              </a:lnSpc>
+              <a:spcBef>
+                <a:spcPts val="0"/>
+              </a:spcBef>
+              <a:spcAft>
+                <a:spcPts val="0"/>
+              </a:spcAft>
+              <a:buClr>
+                <a:srgbClr val="000000"/>
+              </a:buClr>
+              <a:buSzPts val="3600"/>
+              <a:buFont typeface="Arial"/>
+              <a:buNone/>
+            </a:pPr>
+            <a:r>
+              <a:rPr lang="en-US" sz="3600" i="0" u="none" strike="noStrike" cap="none" dirty="0">
+                <a:solidFill>
+                  <a:srgbClr val="93DF5F"/>
+                </a:solidFill>
+                <a:latin typeface="Times New Roman"/>
+                <a:ea typeface="Times New Roman"/>
+                <a:cs typeface="Times New Roman"/>
+                <a:sym typeface="Times New Roman"/>
+              </a:rPr>
+              <a:t>Razor Page </a:t>
+            </a:r>
+            <a:r>
+              <a:rPr lang="en-US" sz="3600" i="0" u="none" strike="noStrike" cap="none" dirty="0" err="1">
+                <a:solidFill>
+                  <a:srgbClr val="93DF5F"/>
+                </a:solidFill>
+                <a:latin typeface="Times New Roman"/>
+                <a:ea typeface="Times New Roman"/>
+                <a:cs typeface="Times New Roman"/>
+                <a:sym typeface="Times New Roman"/>
+              </a:rPr>
+              <a:t>là</a:t>
+            </a:r>
+            <a:r>
+              <a:rPr lang="en-US" sz="3600" i="0" u="none" strike="noStrike" cap="none" dirty="0">
+                <a:solidFill>
+                  <a:srgbClr val="93DF5F"/>
+                </a:solidFill>
+                <a:latin typeface="Times New Roman"/>
+                <a:ea typeface="Times New Roman"/>
+                <a:cs typeface="Times New Roman"/>
+                <a:sym typeface="Times New Roman"/>
+              </a:rPr>
+              <a:t> </a:t>
+            </a:r>
+            <a:r>
+              <a:rPr lang="en-US" sz="3600" i="0" u="none" strike="noStrike" cap="none" dirty="0" err="1">
+                <a:solidFill>
+                  <a:srgbClr val="93DF5F"/>
+                </a:solidFill>
+                <a:latin typeface="Times New Roman"/>
+                <a:ea typeface="Times New Roman"/>
+                <a:cs typeface="Times New Roman"/>
+                <a:sym typeface="Times New Roman"/>
+              </a:rPr>
+              <a:t>gì</a:t>
+            </a:r>
+            <a:r>
+              <a:rPr lang="en-US" sz="3600" i="0" u="none" strike="noStrike" cap="none" dirty="0">
+                <a:solidFill>
+                  <a:srgbClr val="93DF5F"/>
+                </a:solidFill>
+                <a:latin typeface="Times New Roman"/>
+                <a:ea typeface="Times New Roman"/>
+                <a:cs typeface="Times New Roman"/>
+                <a:sym typeface="Times New Roman"/>
+              </a:rPr>
+              <a:t>?</a:t>
+            </a:r>
+            <a:endParaRPr sz="3600" i="0" u="none" strike="noStrike" cap="none" dirty="0">
+              <a:solidFill>
+                <a:srgbClr val="93DF5F"/>
+              </a:solidFill>
+              <a:latin typeface="Times New Roman"/>
+              <a:ea typeface="Times New Roman"/>
+              <a:cs typeface="Times New Roman"/>
+              <a:sym typeface="Times New Roman"/>
+            </a:endParaRPr>
+          </a:p>
+        </p:txBody>
+      </p:sp>
+      <p:cxnSp>
+        <p:nvCxnSpPr>
+          <p:cNvPr id="152" name="Google Shape;152;geea522d09e_0_15"/>
+          <p:cNvCxnSpPr/>
+          <p:nvPr/>
+        </p:nvCxnSpPr>
+        <p:spPr>
+          <a:xfrm>
+            <a:off x="815879" y="1325204"/>
+            <a:ext cx="5210700" cy="0"/>
+          </a:xfrm>
+          <a:prstGeom prst="straightConnector1">
+            <a:avLst/>
+          </a:prstGeom>
+          <a:noFill/>
+          <a:ln w="25400" cap="flat" cmpd="sng">
+            <a:solidFill>
+              <a:schemeClr val="accent1"/>
+            </a:solidFill>
+            <a:prstDash val="solid"/>
+            <a:round/>
+            <a:headEnd type="none" w="sm" len="sm"/>
+            <a:tailEnd type="none" w="sm" len="sm"/>
+          </a:ln>
+        </p:spPr>
+      </p:cxnSp>
+      <p:pic>
+        <p:nvPicPr>
+          <p:cNvPr id="153" name="Google Shape;153;geea522d09e_0_15"/>
+          <p:cNvPicPr preferRelativeResize="0"/>
+          <p:nvPr/>
+        </p:nvPicPr>
+        <p:blipFill rotWithShape="1">
+          <a:blip r:embed="rId3">
+            <a:alphaModFix/>
+          </a:blip>
+          <a:srcRect/>
+          <a:stretch/>
+        </p:blipFill>
+        <p:spPr>
+          <a:xfrm>
+            <a:off x="677316" y="6274352"/>
+            <a:ext cx="1639649" cy="413900"/>
+          </a:xfrm>
+          <a:prstGeom prst="rect">
+            <a:avLst/>
+          </a:prstGeom>
+          <a:noFill/>
+          <a:ln>
+            <a:noFill/>
+          </a:ln>
+        </p:spPr>
+      </p:pic>
+      <p:pic>
+        <p:nvPicPr>
+          <p:cNvPr id="6" name="Picture 5">
+            <a:extLst>
+              <a:ext uri="{FF2B5EF4-FFF2-40B4-BE49-F238E27FC236}">
+                <a16:creationId xmlns:a16="http://schemas.microsoft.com/office/drawing/2014/main" id="{C2980999-80D2-48EB-A99F-F7B15C163522}"/>
+              </a:ext>
+            </a:extLst>
+          </p:cNvPr>
+          <p:cNvPicPr>
+            <a:picLocks noChangeAspect="1"/>
+          </p:cNvPicPr>
+          <p:nvPr/>
+        </p:nvPicPr>
+        <p:blipFill>
+          <a:blip r:embed="rId4"/>
+          <a:stretch>
+            <a:fillRect/>
+          </a:stretch>
+        </p:blipFill>
+        <p:spPr>
+          <a:xfrm>
+            <a:off x="2761914" y="3429000"/>
+            <a:ext cx="4427604" cy="2690093"/>
+          </a:xfrm>
+          <a:prstGeom prst="rect">
+            <a:avLst/>
+          </a:prstGeom>
+        </p:spPr>
+      </p:pic>
+    </p:spTree>
+  </p:cSld>
+  <p:clrMapOvr>
+    <a:masterClrMapping/>
+  </p:clrMapOvr>
+</p:sld>
+</file>
+
+<file path=ppt/slides/slide30.xml><?xml version="1.0" encoding="utf-8"?>
 <p:sld xmlns:a="http://schemas.openxmlformats.org/drawingml/2006/main" xmlns:r="http://schemas.openxmlformats.org/officeDocument/2006/relationships" xmlns:p="http://schemas.openxmlformats.org/presentationml/2006/main">
   <p:cSld>
     <p:spTree>
@@ -33209,652 +35341,7 @@
 </p:sld>
 </file>
 
-<file path=ppt/slides/slide3.xml><?xml version="1.0" encoding="utf-8"?>
-<p:sld xmlns:a="http://schemas.openxmlformats.org/drawingml/2006/main" xmlns:r="http://schemas.openxmlformats.org/officeDocument/2006/relationships" xmlns:p="http://schemas.openxmlformats.org/presentationml/2006/main">
-  <p:cSld>
-    <p:spTree>
-      <p:nvGrpSpPr>
-        <p:cNvPr id="1" name="Shape 149"/>
-        <p:cNvGrpSpPr/>
-        <p:nvPr/>
-      </p:nvGrpSpPr>
-      <p:grpSpPr>
-        <a:xfrm>
-          <a:off x="0" y="0"/>
-          <a:ext cx="0" cy="0"/>
-          <a:chOff x="0" y="0"/>
-          <a:chExt cx="0" cy="0"/>
-        </a:xfrm>
-      </p:grpSpPr>
-      <p:sp>
-        <p:nvSpPr>
-          <p:cNvPr id="150" name="Google Shape;150;geea522d09e_0_15"/>
-          <p:cNvSpPr txBox="1">
-            <a:spLocks noGrp="1"/>
-          </p:cNvSpPr>
-          <p:nvPr>
-            <p:ph type="body" idx="1"/>
-          </p:nvPr>
-        </p:nvSpPr>
-        <p:spPr>
-          <a:xfrm>
-            <a:off x="815879" y="2375022"/>
-            <a:ext cx="8596800" cy="2308944"/>
-          </a:xfrm>
-          <a:prstGeom prst="rect">
-            <a:avLst/>
-          </a:prstGeom>
-          <a:noFill/>
-          <a:ln>
-            <a:noFill/>
-          </a:ln>
-        </p:spPr>
-        <p:txBody>
-          <a:bodyPr spcFirstLastPara="1" wrap="square" lIns="91425" tIns="45700" rIns="91425" bIns="45700" anchor="t" anchorCtr="0">
-            <a:normAutofit/>
-          </a:bodyPr>
-          <a:lstStyle/>
-          <a:p>
-            <a:pPr marL="137160" lvl="0" indent="0">
-              <a:spcBef>
-                <a:spcPts val="0"/>
-              </a:spcBef>
-              <a:buClr>
-                <a:schemeClr val="lt1"/>
-              </a:buClr>
-              <a:buNone/>
-            </a:pPr>
-            <a:r>
-              <a:rPr lang="en-US" dirty="0">
-                <a:solidFill>
-                  <a:schemeClr val="lt1"/>
-                </a:solidFill>
-                <a:latin typeface="Times New Roman"/>
-                <a:ea typeface="Times New Roman"/>
-                <a:cs typeface="Times New Roman"/>
-                <a:sym typeface="Times New Roman"/>
-              </a:rPr>
-              <a:t>Razor: </a:t>
-            </a:r>
-            <a:r>
-              <a:rPr lang="en-US" dirty="0" err="1">
-                <a:solidFill>
-                  <a:schemeClr val="lt1"/>
-                </a:solidFill>
-                <a:latin typeface="Times New Roman"/>
-                <a:ea typeface="Times New Roman"/>
-                <a:cs typeface="Times New Roman"/>
-                <a:sym typeface="Times New Roman"/>
-              </a:rPr>
-              <a:t>Là</a:t>
-            </a:r>
-            <a:r>
-              <a:rPr lang="en-US" dirty="0">
-                <a:solidFill>
-                  <a:schemeClr val="lt1"/>
-                </a:solidFill>
-                <a:latin typeface="Times New Roman"/>
-                <a:ea typeface="Times New Roman"/>
-                <a:cs typeface="Times New Roman"/>
-                <a:sym typeface="Times New Roman"/>
-              </a:rPr>
-              <a:t>  </a:t>
-            </a:r>
-            <a:r>
-              <a:rPr lang="en-US" dirty="0" err="1">
-                <a:solidFill>
-                  <a:schemeClr val="lt1"/>
-                </a:solidFill>
-                <a:latin typeface="Times New Roman"/>
-                <a:ea typeface="Times New Roman"/>
-                <a:cs typeface="Times New Roman"/>
-                <a:sym typeface="Times New Roman"/>
-              </a:rPr>
-              <a:t>cú</a:t>
-            </a:r>
-            <a:r>
-              <a:rPr lang="en-US" dirty="0">
-                <a:solidFill>
-                  <a:schemeClr val="lt1"/>
-                </a:solidFill>
-                <a:latin typeface="Times New Roman"/>
-                <a:ea typeface="Times New Roman"/>
-                <a:cs typeface="Times New Roman"/>
-                <a:sym typeface="Times New Roman"/>
-              </a:rPr>
-              <a:t> </a:t>
-            </a:r>
-            <a:r>
-              <a:rPr lang="en-US" dirty="0" err="1">
-                <a:solidFill>
-                  <a:schemeClr val="lt1"/>
-                </a:solidFill>
-                <a:latin typeface="Times New Roman"/>
-                <a:ea typeface="Times New Roman"/>
-                <a:cs typeface="Times New Roman"/>
-                <a:sym typeface="Times New Roman"/>
-              </a:rPr>
-              <a:t>pháp</a:t>
-            </a:r>
-            <a:r>
-              <a:rPr lang="en-US" dirty="0">
-                <a:solidFill>
-                  <a:schemeClr val="lt1"/>
-                </a:solidFill>
-                <a:latin typeface="Times New Roman"/>
-                <a:ea typeface="Times New Roman"/>
-                <a:cs typeface="Times New Roman"/>
-                <a:sym typeface="Times New Roman"/>
-              </a:rPr>
-              <a:t> </a:t>
-            </a:r>
-            <a:r>
-              <a:rPr lang="en-US" dirty="0" err="1">
-                <a:solidFill>
-                  <a:schemeClr val="lt1"/>
-                </a:solidFill>
-                <a:latin typeface="Times New Roman"/>
-                <a:ea typeface="Times New Roman"/>
-                <a:cs typeface="Times New Roman"/>
-                <a:sym typeface="Times New Roman"/>
-              </a:rPr>
-              <a:t>cho</a:t>
-            </a:r>
-            <a:r>
-              <a:rPr lang="en-US" dirty="0">
-                <a:solidFill>
-                  <a:schemeClr val="lt1"/>
-                </a:solidFill>
-                <a:latin typeface="Times New Roman"/>
-                <a:ea typeface="Times New Roman"/>
-                <a:cs typeface="Times New Roman"/>
-                <a:sym typeface="Times New Roman"/>
-              </a:rPr>
-              <a:t> </a:t>
-            </a:r>
-            <a:r>
-              <a:rPr lang="en-US" dirty="0" err="1">
-                <a:solidFill>
-                  <a:schemeClr val="lt1"/>
-                </a:solidFill>
-                <a:latin typeface="Times New Roman"/>
-                <a:ea typeface="Times New Roman"/>
-                <a:cs typeface="Times New Roman"/>
-                <a:sym typeface="Times New Roman"/>
-              </a:rPr>
-              <a:t>phép</a:t>
-            </a:r>
-            <a:r>
-              <a:rPr lang="en-US" dirty="0">
-                <a:solidFill>
-                  <a:schemeClr val="lt1"/>
-                </a:solidFill>
-                <a:latin typeface="Times New Roman"/>
-                <a:ea typeface="Times New Roman"/>
-                <a:cs typeface="Times New Roman"/>
-                <a:sym typeface="Times New Roman"/>
-              </a:rPr>
-              <a:t> nhúng code server side (c#, vb.net) </a:t>
-            </a:r>
-            <a:r>
-              <a:rPr lang="en-US" dirty="0" err="1">
-                <a:solidFill>
-                  <a:schemeClr val="lt1"/>
-                </a:solidFill>
-                <a:latin typeface="Times New Roman"/>
-                <a:ea typeface="Times New Roman"/>
-                <a:cs typeface="Times New Roman"/>
-                <a:sym typeface="Times New Roman"/>
-              </a:rPr>
-              <a:t>vào</a:t>
-            </a:r>
-            <a:r>
-              <a:rPr lang="en-US" dirty="0">
-                <a:solidFill>
-                  <a:schemeClr val="lt1"/>
-                </a:solidFill>
-                <a:latin typeface="Times New Roman"/>
-                <a:ea typeface="Times New Roman"/>
-                <a:cs typeface="Times New Roman"/>
-                <a:sym typeface="Times New Roman"/>
-              </a:rPr>
-              <a:t> trong file html.</a:t>
-            </a:r>
-          </a:p>
-          <a:p>
-            <a:pPr lvl="0">
-              <a:spcBef>
-                <a:spcPts val="0"/>
-              </a:spcBef>
-              <a:buClr>
-                <a:schemeClr val="lt1"/>
-              </a:buClr>
-              <a:buFont typeface="Times New Roman"/>
-              <a:buChar char="►"/>
-            </a:pPr>
-            <a:endParaRPr lang="en-US" dirty="0">
-              <a:solidFill>
-                <a:schemeClr val="lt1"/>
-              </a:solidFill>
-              <a:latin typeface="Times New Roman"/>
-              <a:ea typeface="Times New Roman"/>
-              <a:cs typeface="Times New Roman"/>
-              <a:sym typeface="Times New Roman"/>
-            </a:endParaRPr>
-          </a:p>
-          <a:p>
-            <a:pPr marL="137160" lvl="0" indent="0">
-              <a:spcBef>
-                <a:spcPts val="0"/>
-              </a:spcBef>
-              <a:buClr>
-                <a:schemeClr val="lt1"/>
-              </a:buClr>
-              <a:buNone/>
-            </a:pPr>
-            <a:r>
-              <a:rPr lang="en-US" dirty="0">
-                <a:solidFill>
-                  <a:schemeClr val="lt1"/>
-                </a:solidFill>
-                <a:latin typeface="Times New Roman"/>
-                <a:ea typeface="Times New Roman"/>
-                <a:cs typeface="Times New Roman"/>
-                <a:sym typeface="Times New Roman"/>
-              </a:rPr>
-              <a:t>Razor pages dùng </a:t>
-            </a:r>
-            <a:r>
-              <a:rPr lang="en-US" dirty="0" err="1">
-                <a:solidFill>
-                  <a:schemeClr val="lt1"/>
-                </a:solidFill>
-                <a:latin typeface="Times New Roman"/>
-                <a:ea typeface="Times New Roman"/>
-                <a:cs typeface="Times New Roman"/>
-                <a:sym typeface="Times New Roman"/>
-              </a:rPr>
-              <a:t>để</a:t>
-            </a:r>
-            <a:r>
-              <a:rPr lang="en-US" dirty="0">
-                <a:solidFill>
-                  <a:schemeClr val="lt1"/>
-                </a:solidFill>
-                <a:latin typeface="Times New Roman"/>
-                <a:ea typeface="Times New Roman"/>
-                <a:cs typeface="Times New Roman"/>
-                <a:sym typeface="Times New Roman"/>
-              </a:rPr>
-              <a:t> </a:t>
-            </a:r>
-            <a:r>
-              <a:rPr lang="en-US" dirty="0" err="1">
-                <a:solidFill>
-                  <a:schemeClr val="lt1"/>
-                </a:solidFill>
-                <a:latin typeface="Times New Roman"/>
-                <a:ea typeface="Times New Roman"/>
-                <a:cs typeface="Times New Roman"/>
-                <a:sym typeface="Times New Roman"/>
-              </a:rPr>
-              <a:t>làm</a:t>
-            </a:r>
-            <a:r>
-              <a:rPr lang="en-US" dirty="0">
-                <a:solidFill>
-                  <a:schemeClr val="lt1"/>
-                </a:solidFill>
-                <a:latin typeface="Times New Roman"/>
-                <a:ea typeface="Times New Roman"/>
-                <a:cs typeface="Times New Roman"/>
-                <a:sym typeface="Times New Roman"/>
-              </a:rPr>
-              <a:t> </a:t>
-            </a:r>
-            <a:r>
-              <a:rPr lang="en-US" dirty="0" err="1">
-                <a:solidFill>
-                  <a:schemeClr val="lt1"/>
-                </a:solidFill>
-                <a:latin typeface="Times New Roman"/>
-                <a:ea typeface="Times New Roman"/>
-                <a:cs typeface="Times New Roman"/>
-                <a:sym typeface="Times New Roman"/>
-              </a:rPr>
-              <a:t>gì</a:t>
-            </a:r>
-            <a:r>
-              <a:rPr lang="en-US" dirty="0">
-                <a:solidFill>
-                  <a:schemeClr val="lt1"/>
-                </a:solidFill>
-                <a:latin typeface="Times New Roman"/>
-                <a:ea typeface="Times New Roman"/>
-                <a:cs typeface="Times New Roman"/>
-                <a:sym typeface="Times New Roman"/>
-              </a:rPr>
-              <a:t>:</a:t>
-            </a:r>
-          </a:p>
-          <a:p>
-            <a:pPr lvl="0">
-              <a:spcBef>
-                <a:spcPts val="0"/>
-              </a:spcBef>
-              <a:buClr>
-                <a:schemeClr val="lt1"/>
-              </a:buClr>
-              <a:buFont typeface="Times New Roman"/>
-              <a:buChar char="►"/>
-            </a:pPr>
-            <a:r>
-              <a:rPr lang="en-US" dirty="0">
-                <a:solidFill>
-                  <a:schemeClr val="lt1"/>
-                </a:solidFill>
-                <a:latin typeface="Times New Roman"/>
-                <a:ea typeface="Times New Roman"/>
-                <a:cs typeface="Times New Roman"/>
-                <a:sym typeface="Times New Roman"/>
-              </a:rPr>
-              <a:t> Xây dựng layouts và </a:t>
-            </a:r>
-            <a:r>
-              <a:rPr lang="en-US" dirty="0" err="1">
-                <a:solidFill>
-                  <a:schemeClr val="lt1"/>
-                </a:solidFill>
-                <a:latin typeface="Times New Roman"/>
-                <a:ea typeface="Times New Roman"/>
-                <a:cs typeface="Times New Roman"/>
-                <a:sym typeface="Times New Roman"/>
-              </a:rPr>
-              <a:t>cấu</a:t>
-            </a:r>
-            <a:r>
-              <a:rPr lang="en-US" dirty="0">
-                <a:solidFill>
-                  <a:schemeClr val="lt1"/>
-                </a:solidFill>
-                <a:latin typeface="Times New Roman"/>
-                <a:ea typeface="Times New Roman"/>
-                <a:cs typeface="Times New Roman"/>
-                <a:sym typeface="Times New Roman"/>
-              </a:rPr>
-              <a:t> </a:t>
-            </a:r>
-            <a:r>
-              <a:rPr lang="en-US" dirty="0" err="1">
-                <a:solidFill>
-                  <a:schemeClr val="lt1"/>
-                </a:solidFill>
-                <a:latin typeface="Times New Roman"/>
-                <a:ea typeface="Times New Roman"/>
-                <a:cs typeface="Times New Roman"/>
-                <a:sym typeface="Times New Roman"/>
-              </a:rPr>
-              <a:t>trúc</a:t>
-            </a:r>
-            <a:r>
-              <a:rPr lang="en-US" dirty="0">
-                <a:solidFill>
-                  <a:schemeClr val="lt1"/>
-                </a:solidFill>
-                <a:latin typeface="Times New Roman"/>
-                <a:ea typeface="Times New Roman"/>
-                <a:cs typeface="Times New Roman"/>
-                <a:sym typeface="Times New Roman"/>
-              </a:rPr>
-              <a:t> page</a:t>
-            </a:r>
-          </a:p>
-          <a:p>
-            <a:pPr lvl="0">
-              <a:spcBef>
-                <a:spcPts val="0"/>
-              </a:spcBef>
-              <a:buClr>
-                <a:schemeClr val="lt1"/>
-              </a:buClr>
-              <a:buFont typeface="Times New Roman"/>
-              <a:buChar char="►"/>
-            </a:pPr>
-            <a:r>
-              <a:rPr lang="en-US" dirty="0">
-                <a:solidFill>
-                  <a:schemeClr val="lt1"/>
-                </a:solidFill>
-                <a:latin typeface="Times New Roman"/>
-                <a:ea typeface="Times New Roman"/>
-                <a:cs typeface="Times New Roman"/>
-                <a:sym typeface="Times New Roman"/>
-              </a:rPr>
-              <a:t> Render và </a:t>
-            </a:r>
-            <a:r>
-              <a:rPr lang="en-US" dirty="0" err="1">
-                <a:solidFill>
-                  <a:schemeClr val="lt1"/>
-                </a:solidFill>
-                <a:latin typeface="Times New Roman"/>
-                <a:ea typeface="Times New Roman"/>
-                <a:cs typeface="Times New Roman"/>
-                <a:sym typeface="Times New Roman"/>
-              </a:rPr>
-              <a:t>xử</a:t>
-            </a:r>
-            <a:r>
-              <a:rPr lang="en-US" dirty="0">
-                <a:solidFill>
-                  <a:schemeClr val="lt1"/>
-                </a:solidFill>
-                <a:latin typeface="Times New Roman"/>
-                <a:ea typeface="Times New Roman"/>
-                <a:cs typeface="Times New Roman"/>
-                <a:sym typeface="Times New Roman"/>
-              </a:rPr>
-              <a:t> lý logic của data trên page</a:t>
-            </a:r>
-          </a:p>
-          <a:p>
-            <a:pPr marL="137160" lvl="0" indent="0">
-              <a:spcBef>
-                <a:spcPts val="0"/>
-              </a:spcBef>
-              <a:buClr>
-                <a:schemeClr val="lt1"/>
-              </a:buClr>
-              <a:buNone/>
-            </a:pPr>
-            <a:endParaRPr lang="en-US" dirty="0">
-              <a:solidFill>
-                <a:schemeClr val="lt1"/>
-              </a:solidFill>
-              <a:latin typeface="Times New Roman"/>
-              <a:ea typeface="Times New Roman"/>
-              <a:cs typeface="Times New Roman"/>
-              <a:sym typeface="Times New Roman"/>
-            </a:endParaRPr>
-          </a:p>
-        </p:txBody>
-      </p:sp>
-      <p:sp>
-        <p:nvSpPr>
-          <p:cNvPr id="151" name="Google Shape;151;geea522d09e_0_15"/>
-          <p:cNvSpPr txBox="1"/>
-          <p:nvPr/>
-        </p:nvSpPr>
-        <p:spPr>
-          <a:xfrm>
-            <a:off x="677333" y="678873"/>
-            <a:ext cx="10985931" cy="646290"/>
-          </a:xfrm>
-          <a:prstGeom prst="rect">
-            <a:avLst/>
-          </a:prstGeom>
-          <a:noFill/>
-          <a:ln>
-            <a:noFill/>
-          </a:ln>
-        </p:spPr>
-        <p:txBody>
-          <a:bodyPr spcFirstLastPara="1" wrap="square" lIns="91425" tIns="45700" rIns="91425" bIns="45700" anchor="t" anchorCtr="0">
-            <a:spAutoFit/>
-          </a:bodyPr>
-          <a:lstStyle/>
-          <a:p>
-            <a:pPr marL="0" marR="0" lvl="0" indent="0" algn="l" rtl="0">
-              <a:lnSpc>
-                <a:spcPct val="100000"/>
-              </a:lnSpc>
-              <a:spcBef>
-                <a:spcPts val="0"/>
-              </a:spcBef>
-              <a:spcAft>
-                <a:spcPts val="0"/>
-              </a:spcAft>
-              <a:buClr>
-                <a:srgbClr val="000000"/>
-              </a:buClr>
-              <a:buSzPts val="3600"/>
-              <a:buFont typeface="Arial"/>
-              <a:buNone/>
-            </a:pPr>
-            <a:r>
-              <a:rPr lang="en-US" sz="3600" i="0" u="none" strike="noStrike" cap="none" dirty="0">
-                <a:solidFill>
-                  <a:srgbClr val="93DF5F"/>
-                </a:solidFill>
-                <a:latin typeface="Times New Roman"/>
-                <a:ea typeface="Times New Roman"/>
-                <a:cs typeface="Times New Roman"/>
-                <a:sym typeface="Times New Roman"/>
-              </a:rPr>
-              <a:t>Razor Page </a:t>
-            </a:r>
-            <a:r>
-              <a:rPr lang="en-US" sz="3600" i="0" u="none" strike="noStrike" cap="none" dirty="0" err="1">
-                <a:solidFill>
-                  <a:srgbClr val="93DF5F"/>
-                </a:solidFill>
-                <a:latin typeface="Times New Roman"/>
-                <a:ea typeface="Times New Roman"/>
-                <a:cs typeface="Times New Roman"/>
-                <a:sym typeface="Times New Roman"/>
-              </a:rPr>
-              <a:t>là</a:t>
-            </a:r>
-            <a:r>
-              <a:rPr lang="en-US" sz="3600" i="0" u="none" strike="noStrike" cap="none" dirty="0">
-                <a:solidFill>
-                  <a:srgbClr val="93DF5F"/>
-                </a:solidFill>
-                <a:latin typeface="Times New Roman"/>
-                <a:ea typeface="Times New Roman"/>
-                <a:cs typeface="Times New Roman"/>
-                <a:sym typeface="Times New Roman"/>
-              </a:rPr>
-              <a:t> </a:t>
-            </a:r>
-            <a:r>
-              <a:rPr lang="en-US" sz="3600" i="0" u="none" strike="noStrike" cap="none" dirty="0" err="1">
-                <a:solidFill>
-                  <a:srgbClr val="93DF5F"/>
-                </a:solidFill>
-                <a:latin typeface="Times New Roman"/>
-                <a:ea typeface="Times New Roman"/>
-                <a:cs typeface="Times New Roman"/>
-                <a:sym typeface="Times New Roman"/>
-              </a:rPr>
-              <a:t>gì</a:t>
-            </a:r>
-            <a:r>
-              <a:rPr lang="en-US" sz="3600" i="0" u="none" strike="noStrike" cap="none" dirty="0">
-                <a:solidFill>
-                  <a:srgbClr val="93DF5F"/>
-                </a:solidFill>
-                <a:latin typeface="Times New Roman"/>
-                <a:ea typeface="Times New Roman"/>
-                <a:cs typeface="Times New Roman"/>
-                <a:sym typeface="Times New Roman"/>
-              </a:rPr>
-              <a:t>?</a:t>
-            </a:r>
-            <a:endParaRPr sz="3600" i="0" u="none" strike="noStrike" cap="none" dirty="0">
-              <a:solidFill>
-                <a:srgbClr val="93DF5F"/>
-              </a:solidFill>
-              <a:latin typeface="Times New Roman"/>
-              <a:ea typeface="Times New Roman"/>
-              <a:cs typeface="Times New Roman"/>
-              <a:sym typeface="Times New Roman"/>
-            </a:endParaRPr>
-          </a:p>
-        </p:txBody>
-      </p:sp>
-      <p:cxnSp>
-        <p:nvCxnSpPr>
-          <p:cNvPr id="152" name="Google Shape;152;geea522d09e_0_15"/>
-          <p:cNvCxnSpPr/>
-          <p:nvPr/>
-        </p:nvCxnSpPr>
-        <p:spPr>
-          <a:xfrm>
-            <a:off x="815879" y="1325204"/>
-            <a:ext cx="5210700" cy="0"/>
-          </a:xfrm>
-          <a:prstGeom prst="straightConnector1">
-            <a:avLst/>
-          </a:prstGeom>
-          <a:noFill/>
-          <a:ln w="25400" cap="flat" cmpd="sng">
-            <a:solidFill>
-              <a:schemeClr val="accent1"/>
-            </a:solidFill>
-            <a:prstDash val="solid"/>
-            <a:round/>
-            <a:headEnd type="none" w="sm" len="sm"/>
-            <a:tailEnd type="none" w="sm" len="sm"/>
-          </a:ln>
-        </p:spPr>
-      </p:cxnSp>
-      <p:pic>
-        <p:nvPicPr>
-          <p:cNvPr id="153" name="Google Shape;153;geea522d09e_0_15"/>
-          <p:cNvPicPr preferRelativeResize="0"/>
-          <p:nvPr/>
-        </p:nvPicPr>
-        <p:blipFill rotWithShape="1">
-          <a:blip r:embed="rId3">
-            <a:alphaModFix/>
-          </a:blip>
-          <a:srcRect/>
-          <a:stretch/>
-        </p:blipFill>
-        <p:spPr>
-          <a:xfrm>
-            <a:off x="677316" y="6274352"/>
-            <a:ext cx="1639649" cy="413900"/>
-          </a:xfrm>
-          <a:prstGeom prst="rect">
-            <a:avLst/>
-          </a:prstGeom>
-          <a:noFill/>
-          <a:ln>
-            <a:noFill/>
-          </a:ln>
-        </p:spPr>
-      </p:pic>
-    </p:spTree>
-  </p:cSld>
-  <p:clrMapOvr>
-    <a:masterClrMapping/>
-  </p:clrMapOvr>
-</p:sld>
-</file>
-
-<file path=ppt/slides/slide30.xml><?xml version="1.0" encoding="utf-8"?>
+<file path=ppt/slides/slide31.xml><?xml version="1.0" encoding="utf-8"?>
 <p:sld xmlns:a="http://schemas.openxmlformats.org/drawingml/2006/main" xmlns:r="http://schemas.openxmlformats.org/officeDocument/2006/relationships" xmlns:p="http://schemas.openxmlformats.org/presentationml/2006/main">
   <p:cSld>
     <p:spTree>
@@ -34117,7 +35604,7 @@
 </p:sld>
 </file>
 
-<file path=ppt/slides/slide31.xml><?xml version="1.0" encoding="utf-8"?>
+<file path=ppt/slides/slide32.xml><?xml version="1.0" encoding="utf-8"?>
 <p:sld xmlns:a="http://schemas.openxmlformats.org/drawingml/2006/main" xmlns:r="http://schemas.openxmlformats.org/officeDocument/2006/relationships" xmlns:p="http://schemas.openxmlformats.org/presentationml/2006/main">
   <p:cSld>
     <p:spTree>
@@ -34363,7 +35850,7 @@
 </p:sld>
 </file>
 
-<file path=ppt/slides/slide32.xml><?xml version="1.0" encoding="utf-8"?>
+<file path=ppt/slides/slide33.xml><?xml version="1.0" encoding="utf-8"?>
 <p:sld xmlns:a="http://schemas.openxmlformats.org/drawingml/2006/main" xmlns:r="http://schemas.openxmlformats.org/officeDocument/2006/relationships" xmlns:p="http://schemas.openxmlformats.org/presentationml/2006/main">
   <p:cSld>
     <p:spTree>
@@ -34655,7 +36142,7 @@
 </p:sld>
 </file>
 
-<file path=ppt/slides/slide33.xml><?xml version="1.0" encoding="utf-8"?>
+<file path=ppt/slides/slide34.xml><?xml version="1.0" encoding="utf-8"?>
 <p:sld xmlns:a="http://schemas.openxmlformats.org/drawingml/2006/main" xmlns:r="http://schemas.openxmlformats.org/officeDocument/2006/relationships" xmlns:p="http://schemas.openxmlformats.org/presentationml/2006/main">
   <p:cSld>
     <p:spTree>
@@ -35180,7 +36667,7 @@
 </p:sld>
 </file>
 
-<file path=ppt/slides/slide34.xml><?xml version="1.0" encoding="utf-8"?>
+<file path=ppt/slides/slide35.xml><?xml version="1.0" encoding="utf-8"?>
 <p:sld xmlns:a="http://schemas.openxmlformats.org/drawingml/2006/main" xmlns:r="http://schemas.openxmlformats.org/officeDocument/2006/relationships" xmlns:p="http://schemas.openxmlformats.org/presentationml/2006/main">
   <p:cSld>
     <p:spTree>
@@ -35354,7 +36841,7 @@
 </p:sld>
 </file>
 
-<file path=ppt/slides/slide35.xml><?xml version="1.0" encoding="utf-8"?>
+<file path=ppt/slides/slide36.xml><?xml version="1.0" encoding="utf-8"?>
 <p:sld xmlns:a="http://schemas.openxmlformats.org/drawingml/2006/main" xmlns:r="http://schemas.openxmlformats.org/officeDocument/2006/relationships" xmlns:p="http://schemas.openxmlformats.org/presentationml/2006/main">
   <p:cSld>
     <p:spTree>
@@ -35696,7 +37183,7 @@
 </p:sld>
 </file>
 
-<file path=ppt/slides/slide36.xml><?xml version="1.0" encoding="utf-8"?>
+<file path=ppt/slides/slide37.xml><?xml version="1.0" encoding="utf-8"?>
 <p:sld xmlns:a="http://schemas.openxmlformats.org/drawingml/2006/main" xmlns:r="http://schemas.openxmlformats.org/officeDocument/2006/relationships" xmlns:p="http://schemas.openxmlformats.org/presentationml/2006/main">
   <p:cSld>
     <p:spTree>
@@ -36360,7 +37847,7 @@
 </p:sld>
 </file>
 
-<file path=ppt/slides/slide37.xml><?xml version="1.0" encoding="utf-8"?>
+<file path=ppt/slides/slide38.xml><?xml version="1.0" encoding="utf-8"?>
 <p:sld xmlns:a="http://schemas.openxmlformats.org/drawingml/2006/main" xmlns:r="http://schemas.openxmlformats.org/officeDocument/2006/relationships" xmlns:p="http://schemas.openxmlformats.org/presentationml/2006/main">
   <p:cSld>
     <p:spTree>
@@ -36589,7 +38076,7 @@
 </p:sld>
 </file>
 
-<file path=ppt/slides/slide38.xml><?xml version="1.0" encoding="utf-8"?>
+<file path=ppt/slides/slide39.xml><?xml version="1.0" encoding="utf-8"?>
 <p:sld xmlns:a="http://schemas.openxmlformats.org/drawingml/2006/main" xmlns:r="http://schemas.openxmlformats.org/officeDocument/2006/relationships" xmlns:p="http://schemas.openxmlformats.org/presentationml/2006/main">
   <p:cSld>
     <p:spTree>
@@ -37240,7 +38727,792 @@
 </p:sld>
 </file>
 
-<file path=ppt/slides/slide39.xml><?xml version="1.0" encoding="utf-8"?>
+<file path=ppt/slides/slide4.xml><?xml version="1.0" encoding="utf-8"?>
+<p:sld xmlns:a="http://schemas.openxmlformats.org/drawingml/2006/main" xmlns:r="http://schemas.openxmlformats.org/officeDocument/2006/relationships" xmlns:p="http://schemas.openxmlformats.org/presentationml/2006/main">
+  <p:cSld>
+    <p:spTree>
+      <p:nvGrpSpPr>
+        <p:cNvPr id="1" name="Shape 149"/>
+        <p:cNvGrpSpPr/>
+        <p:nvPr/>
+      </p:nvGrpSpPr>
+      <p:grpSpPr>
+        <a:xfrm>
+          <a:off x="0" y="0"/>
+          <a:ext cx="0" cy="0"/>
+          <a:chOff x="0" y="0"/>
+          <a:chExt cx="0" cy="0"/>
+        </a:xfrm>
+      </p:grpSpPr>
+      <p:sp>
+        <p:nvSpPr>
+          <p:cNvPr id="151" name="Google Shape;151;geea522d09e_0_15"/>
+          <p:cNvSpPr txBox="1"/>
+          <p:nvPr/>
+        </p:nvSpPr>
+        <p:spPr>
+          <a:xfrm>
+            <a:off x="691659" y="169748"/>
+            <a:ext cx="10985931" cy="646290"/>
+          </a:xfrm>
+          <a:prstGeom prst="rect">
+            <a:avLst/>
+          </a:prstGeom>
+          <a:noFill/>
+          <a:ln>
+            <a:noFill/>
+          </a:ln>
+        </p:spPr>
+        <p:txBody>
+          <a:bodyPr spcFirstLastPara="1" wrap="square" lIns="91425" tIns="45700" rIns="91425" bIns="45700" anchor="t" anchorCtr="0">
+            <a:spAutoFit/>
+          </a:bodyPr>
+          <a:lstStyle/>
+          <a:p>
+            <a:pPr marL="0" marR="0" lvl="0" indent="0" algn="l" rtl="0">
+              <a:lnSpc>
+                <a:spcPct val="100000"/>
+              </a:lnSpc>
+              <a:spcBef>
+                <a:spcPts val="0"/>
+              </a:spcBef>
+              <a:spcAft>
+                <a:spcPts val="0"/>
+              </a:spcAft>
+              <a:buClr>
+                <a:srgbClr val="000000"/>
+              </a:buClr>
+              <a:buSzPts val="3600"/>
+              <a:buFont typeface="Arial"/>
+              <a:buNone/>
+            </a:pPr>
+            <a:r>
+              <a:rPr lang="en-US" sz="3600" i="0" u="none" strike="noStrike" cap="none" dirty="0">
+                <a:solidFill>
+                  <a:srgbClr val="93DF5F"/>
+                </a:solidFill>
+                <a:latin typeface="Times New Roman"/>
+                <a:ea typeface="Times New Roman"/>
+                <a:cs typeface="Times New Roman"/>
+                <a:sym typeface="Times New Roman"/>
+              </a:rPr>
+              <a:t>So </a:t>
+            </a:r>
+            <a:r>
+              <a:rPr lang="en-US" sz="3600" i="0" u="none" strike="noStrike" cap="none" dirty="0" err="1">
+                <a:solidFill>
+                  <a:srgbClr val="93DF5F"/>
+                </a:solidFill>
+                <a:latin typeface="Times New Roman"/>
+                <a:ea typeface="Times New Roman"/>
+                <a:cs typeface="Times New Roman"/>
+                <a:sym typeface="Times New Roman"/>
+              </a:rPr>
+              <a:t>sánh</a:t>
+            </a:r>
+            <a:r>
+              <a:rPr lang="en-US" sz="3600" i="0" u="none" strike="noStrike" cap="none" dirty="0">
+                <a:solidFill>
+                  <a:srgbClr val="93DF5F"/>
+                </a:solidFill>
+                <a:latin typeface="Times New Roman"/>
+                <a:ea typeface="Times New Roman"/>
+                <a:cs typeface="Times New Roman"/>
+                <a:sym typeface="Times New Roman"/>
+              </a:rPr>
+              <a:t> Razor page vs MVC</a:t>
+            </a:r>
+            <a:endParaRPr sz="3600" i="0" u="none" strike="noStrike" cap="none" dirty="0">
+              <a:solidFill>
+                <a:srgbClr val="93DF5F"/>
+              </a:solidFill>
+              <a:latin typeface="Times New Roman"/>
+              <a:ea typeface="Times New Roman"/>
+              <a:cs typeface="Times New Roman"/>
+              <a:sym typeface="Times New Roman"/>
+            </a:endParaRPr>
+          </a:p>
+        </p:txBody>
+      </p:sp>
+      <p:cxnSp>
+        <p:nvCxnSpPr>
+          <p:cNvPr id="152" name="Google Shape;152;geea522d09e_0_15"/>
+          <p:cNvCxnSpPr/>
+          <p:nvPr/>
+        </p:nvCxnSpPr>
+        <p:spPr>
+          <a:xfrm>
+            <a:off x="806549" y="801908"/>
+            <a:ext cx="5210700" cy="0"/>
+          </a:xfrm>
+          <a:prstGeom prst="straightConnector1">
+            <a:avLst/>
+          </a:prstGeom>
+          <a:noFill/>
+          <a:ln w="25400" cap="flat" cmpd="sng">
+            <a:solidFill>
+              <a:schemeClr val="accent1"/>
+            </a:solidFill>
+            <a:prstDash val="solid"/>
+            <a:round/>
+            <a:headEnd type="none" w="sm" len="sm"/>
+            <a:tailEnd type="none" w="sm" len="sm"/>
+          </a:ln>
+        </p:spPr>
+      </p:cxnSp>
+      <p:pic>
+        <p:nvPicPr>
+          <p:cNvPr id="153" name="Google Shape;153;geea522d09e_0_15"/>
+          <p:cNvPicPr preferRelativeResize="0"/>
+          <p:nvPr/>
+        </p:nvPicPr>
+        <p:blipFill rotWithShape="1">
+          <a:blip r:embed="rId3">
+            <a:alphaModFix/>
+          </a:blip>
+          <a:srcRect/>
+          <a:stretch/>
+        </p:blipFill>
+        <p:spPr>
+          <a:xfrm>
+            <a:off x="677316" y="6274352"/>
+            <a:ext cx="1639649" cy="413900"/>
+          </a:xfrm>
+          <a:prstGeom prst="rect">
+            <a:avLst/>
+          </a:prstGeom>
+          <a:noFill/>
+          <a:ln>
+            <a:noFill/>
+          </a:ln>
+        </p:spPr>
+      </p:pic>
+      <p:pic>
+        <p:nvPicPr>
+          <p:cNvPr id="1026" name="Picture 2" descr="Compare MVC vs Razor Page Files">
+            <a:extLst>
+              <a:ext uri="{FF2B5EF4-FFF2-40B4-BE49-F238E27FC236}">
+                <a16:creationId xmlns:a16="http://schemas.microsoft.com/office/drawing/2014/main" id="{8EA86AF8-2930-4D51-92D4-CDE96FA3CDA2}"/>
+              </a:ext>
+            </a:extLst>
+          </p:cNvPr>
+          <p:cNvPicPr>
+            <a:picLocks noChangeAspect="1" noChangeArrowheads="1"/>
+          </p:cNvPicPr>
+          <p:nvPr/>
+        </p:nvPicPr>
+        <p:blipFill>
+          <a:blip r:embed="rId4">
+            <a:extLst>
+              <a:ext uri="{28A0092B-C50C-407E-A947-70E740481C1C}">
+                <a14:useLocalDpi xmlns:a14="http://schemas.microsoft.com/office/drawing/2010/main" val="0"/>
+              </a:ext>
+            </a:extLst>
+          </a:blip>
+          <a:srcRect/>
+          <a:stretch>
+            <a:fillRect/>
+          </a:stretch>
+        </p:blipFill>
+        <p:spPr bwMode="auto">
+          <a:xfrm>
+            <a:off x="7124453" y="0"/>
+            <a:ext cx="4668027" cy="4261597"/>
+          </a:xfrm>
+          <a:prstGeom prst="rect">
+            <a:avLst/>
+          </a:prstGeom>
+          <a:noFill/>
+          <a:extLst>
+            <a:ext uri="{909E8E84-426E-40DD-AFC4-6F175D3DCCD1}">
+              <a14:hiddenFill xmlns:a14="http://schemas.microsoft.com/office/drawing/2010/main">
+                <a:solidFill>
+                  <a:srgbClr val="FFFFFF"/>
+                </a:solidFill>
+              </a14:hiddenFill>
+            </a:ext>
+          </a:extLst>
+        </p:spPr>
+      </p:pic>
+      <p:sp>
+        <p:nvSpPr>
+          <p:cNvPr id="15" name="Google Shape;150;geea522d09e_0_15">
+            <a:extLst>
+              <a:ext uri="{FF2B5EF4-FFF2-40B4-BE49-F238E27FC236}">
+                <a16:creationId xmlns:a16="http://schemas.microsoft.com/office/drawing/2014/main" id="{E83723C8-CCD0-43EF-BB03-94652B524C7D}"/>
+              </a:ext>
+            </a:extLst>
+          </p:cNvPr>
+          <p:cNvSpPr txBox="1">
+            <a:spLocks noGrp="1"/>
+          </p:cNvSpPr>
+          <p:nvPr>
+            <p:ph type="body" idx="1"/>
+          </p:nvPr>
+        </p:nvSpPr>
+        <p:spPr>
+          <a:xfrm>
+            <a:off x="601974" y="1002018"/>
+            <a:ext cx="6367296" cy="1030652"/>
+          </a:xfrm>
+          <a:prstGeom prst="rect">
+            <a:avLst/>
+          </a:prstGeom>
+          <a:noFill/>
+          <a:ln>
+            <a:noFill/>
+          </a:ln>
+        </p:spPr>
+        <p:txBody>
+          <a:bodyPr spcFirstLastPara="1" wrap="square" lIns="91425" tIns="45700" rIns="91425" bIns="45700" anchor="t" anchorCtr="0">
+            <a:normAutofit/>
+          </a:bodyPr>
+          <a:lstStyle/>
+          <a:p>
+            <a:pPr>
+              <a:spcBef>
+                <a:spcPts val="0"/>
+              </a:spcBef>
+              <a:buClr>
+                <a:schemeClr val="lt1"/>
+              </a:buClr>
+              <a:buFontTx/>
+              <a:buChar char="-"/>
+            </a:pPr>
+            <a:r>
+              <a:rPr lang="en-US" dirty="0">
+                <a:solidFill>
+                  <a:schemeClr val="lt1"/>
+                </a:solidFill>
+                <a:latin typeface="Times New Roman"/>
+                <a:cs typeface="Times New Roman"/>
+              </a:rPr>
+              <a:t>Razor View Engine </a:t>
+            </a:r>
+            <a:r>
+              <a:rPr lang="en-US" dirty="0" err="1">
+                <a:solidFill>
+                  <a:schemeClr val="lt1"/>
+                </a:solidFill>
+                <a:latin typeface="Times New Roman"/>
+                <a:cs typeface="Times New Roman"/>
+              </a:rPr>
+              <a:t>là</a:t>
+            </a:r>
+            <a:r>
+              <a:rPr lang="en-US" dirty="0">
+                <a:solidFill>
+                  <a:schemeClr val="lt1"/>
+                </a:solidFill>
+                <a:latin typeface="Times New Roman"/>
+                <a:cs typeface="Times New Roman"/>
+              </a:rPr>
+              <a:t> View Engine </a:t>
+            </a:r>
+            <a:r>
+              <a:rPr lang="en-US" dirty="0" err="1">
+                <a:solidFill>
+                  <a:schemeClr val="lt1"/>
+                </a:solidFill>
+                <a:latin typeface="Times New Roman"/>
+                <a:cs typeface="Times New Roman"/>
+              </a:rPr>
+              <a:t>mặc</a:t>
+            </a:r>
+            <a:r>
+              <a:rPr lang="en-US" dirty="0">
+                <a:solidFill>
+                  <a:schemeClr val="lt1"/>
+                </a:solidFill>
+                <a:latin typeface="Times New Roman"/>
+                <a:cs typeface="Times New Roman"/>
+              </a:rPr>
+              <a:t> </a:t>
+            </a:r>
+            <a:r>
+              <a:rPr lang="en-US" dirty="0" err="1">
+                <a:solidFill>
+                  <a:schemeClr val="lt1"/>
+                </a:solidFill>
+                <a:latin typeface="Times New Roman"/>
+                <a:cs typeface="Times New Roman"/>
+              </a:rPr>
+              <a:t>định</a:t>
+            </a:r>
+            <a:r>
+              <a:rPr lang="en-US" dirty="0">
+                <a:solidFill>
+                  <a:schemeClr val="lt1"/>
+                </a:solidFill>
+                <a:latin typeface="Times New Roman"/>
+                <a:cs typeface="Times New Roman"/>
+              </a:rPr>
+              <a:t> của ASP.NET Core. Nó </a:t>
+            </a:r>
+            <a:r>
+              <a:rPr lang="en-US" dirty="0" err="1">
+                <a:solidFill>
+                  <a:schemeClr val="lt1"/>
+                </a:solidFill>
+                <a:latin typeface="Times New Roman"/>
+                <a:cs typeface="Times New Roman"/>
+              </a:rPr>
+              <a:t>lấy</a:t>
+            </a:r>
+            <a:r>
+              <a:rPr lang="en-US" dirty="0">
+                <a:solidFill>
+                  <a:schemeClr val="lt1"/>
+                </a:solidFill>
+                <a:latin typeface="Times New Roman"/>
+                <a:cs typeface="Times New Roman"/>
+              </a:rPr>
+              <a:t> </a:t>
+            </a:r>
+            <a:r>
+              <a:rPr lang="en-US" dirty="0" err="1">
+                <a:solidFill>
+                  <a:schemeClr val="lt1"/>
+                </a:solidFill>
+                <a:latin typeface="Times New Roman"/>
+                <a:cs typeface="Times New Roman"/>
+              </a:rPr>
+              <a:t>mã</a:t>
+            </a:r>
+            <a:r>
+              <a:rPr lang="en-US" dirty="0">
+                <a:solidFill>
+                  <a:schemeClr val="lt1"/>
+                </a:solidFill>
+                <a:latin typeface="Times New Roman"/>
+                <a:cs typeface="Times New Roman"/>
+              </a:rPr>
+              <a:t> Razor trong file View và chuyển sang HTML response. </a:t>
+            </a:r>
+            <a:endParaRPr lang="en-US" dirty="0">
+              <a:solidFill>
+                <a:schemeClr val="lt1"/>
+              </a:solidFill>
+              <a:latin typeface="Times New Roman"/>
+              <a:cs typeface="Times New Roman"/>
+              <a:sym typeface="Times New Roman"/>
+            </a:endParaRPr>
+          </a:p>
+        </p:txBody>
+      </p:sp>
+      <p:pic>
+        <p:nvPicPr>
+          <p:cNvPr id="9" name="Picture 8">
+            <a:extLst>
+              <a:ext uri="{FF2B5EF4-FFF2-40B4-BE49-F238E27FC236}">
+                <a16:creationId xmlns:a16="http://schemas.microsoft.com/office/drawing/2014/main" id="{71608320-427E-4A55-B321-2085B320FF31}"/>
+              </a:ext>
+            </a:extLst>
+          </p:cNvPr>
+          <p:cNvPicPr>
+            <a:picLocks noChangeAspect="1"/>
+          </p:cNvPicPr>
+          <p:nvPr/>
+        </p:nvPicPr>
+        <p:blipFill>
+          <a:blip r:embed="rId5"/>
+          <a:stretch>
+            <a:fillRect/>
+          </a:stretch>
+        </p:blipFill>
+        <p:spPr>
+          <a:xfrm>
+            <a:off x="1058476" y="1939493"/>
+            <a:ext cx="5454292" cy="2106725"/>
+          </a:xfrm>
+          <a:prstGeom prst="rect">
+            <a:avLst/>
+          </a:prstGeom>
+        </p:spPr>
+      </p:pic>
+      <p:graphicFrame>
+        <p:nvGraphicFramePr>
+          <p:cNvPr id="11" name="Table 10">
+            <a:extLst>
+              <a:ext uri="{FF2B5EF4-FFF2-40B4-BE49-F238E27FC236}">
+                <a16:creationId xmlns:a16="http://schemas.microsoft.com/office/drawing/2014/main" id="{481A23AD-E104-42BA-98E6-6C82D770A54B}"/>
+              </a:ext>
+            </a:extLst>
+          </p:cNvPr>
+          <p:cNvGraphicFramePr>
+            <a:graphicFrameLocks noGrp="1"/>
+          </p:cNvGraphicFramePr>
+          <p:nvPr>
+            <p:extLst>
+              <p:ext uri="{D42A27DB-BD31-4B8C-83A1-F6EECF244321}">
+                <p14:modId xmlns:p14="http://schemas.microsoft.com/office/powerpoint/2010/main" val="2899162541"/>
+              </p:ext>
+            </p:extLst>
+          </p:nvPr>
+        </p:nvGraphicFramePr>
+        <p:xfrm>
+          <a:off x="590037" y="4363855"/>
+          <a:ext cx="7082630" cy="1592860"/>
+        </p:xfrm>
+        <a:graphic>
+          <a:graphicData uri="http://schemas.openxmlformats.org/drawingml/2006/table">
+            <a:tbl>
+              <a:tblPr firstRow="1" bandRow="1">
+                <a:tableStyleId>{00A15C55-8517-42AA-B614-E9B94910E393}</a:tableStyleId>
+              </a:tblPr>
+              <a:tblGrid>
+                <a:gridCol w="3541315">
+                  <a:extLst>
+                    <a:ext uri="{9D8B030D-6E8A-4147-A177-3AD203B41FA5}">
+                      <a16:colId xmlns:a16="http://schemas.microsoft.com/office/drawing/2014/main" val="1581139009"/>
+                    </a:ext>
+                  </a:extLst>
+                </a:gridCol>
+                <a:gridCol w="3541315">
+                  <a:extLst>
+                    <a:ext uri="{9D8B030D-6E8A-4147-A177-3AD203B41FA5}">
+                      <a16:colId xmlns:a16="http://schemas.microsoft.com/office/drawing/2014/main" val="1663294144"/>
+                    </a:ext>
+                  </a:extLst>
+                </a:gridCol>
+              </a:tblGrid>
+              <a:tr h="323145">
+                <a:tc>
+                  <a:txBody>
+                    <a:bodyPr/>
+                    <a:lstStyle/>
+                    <a:p>
+                      <a:pPr algn="ctr">
+                        <a:lnSpc>
+                          <a:spcPct val="200000"/>
+                        </a:lnSpc>
+                      </a:pPr>
+                      <a:r>
+                        <a:rPr lang="en-US" sz="1400" dirty="0"/>
+                        <a:t>Razor Page</a:t>
+                      </a:r>
+                    </a:p>
+                  </a:txBody>
+                  <a:tcPr marL="79680" marR="79680" marT="39840" marB="39840"/>
+                </a:tc>
+                <a:tc>
+                  <a:txBody>
+                    <a:bodyPr/>
+                    <a:lstStyle/>
+                    <a:p>
+                      <a:pPr algn="ctr">
+                        <a:lnSpc>
+                          <a:spcPct val="200000"/>
+                        </a:lnSpc>
+                      </a:pPr>
+                      <a:r>
+                        <a:rPr lang="en-US" sz="1400" dirty="0"/>
+                        <a:t>MVC</a:t>
+                      </a:r>
+                    </a:p>
+                  </a:txBody>
+                  <a:tcPr marL="79680" marR="79680" marT="39840" marB="39840"/>
+                </a:tc>
+                <a:extLst>
+                  <a:ext uri="{0D108BD9-81ED-4DB2-BD59-A6C34878D82A}">
+                    <a16:rowId xmlns:a16="http://schemas.microsoft.com/office/drawing/2014/main" val="3255329197"/>
+                  </a:ext>
+                </a:extLst>
+              </a:tr>
+              <a:tr h="323145">
+                <a:tc>
+                  <a:txBody>
+                    <a:bodyPr/>
+                    <a:lstStyle/>
+                    <a:p>
+                      <a:r>
+                        <a:rPr lang="en-US" sz="1400" dirty="0" err="1"/>
+                        <a:t>Tập</a:t>
+                      </a:r>
+                      <a:r>
+                        <a:rPr lang="en-US" sz="1400" dirty="0"/>
+                        <a:t> trung </a:t>
+                      </a:r>
+                      <a:r>
+                        <a:rPr lang="en-US" sz="1400" dirty="0" err="1"/>
+                        <a:t>vào</a:t>
+                      </a:r>
+                      <a:r>
+                        <a:rPr lang="en-US" sz="1400" dirty="0"/>
+                        <a:t> page</a:t>
+                      </a:r>
+                    </a:p>
+                  </a:txBody>
+                  <a:tcPr marL="79680" marR="79680" marT="39840" marB="39840"/>
+                </a:tc>
+                <a:tc>
+                  <a:txBody>
+                    <a:bodyPr/>
+                    <a:lstStyle/>
+                    <a:p>
+                      <a:r>
+                        <a:rPr lang="en-US" sz="1400" dirty="0" err="1"/>
+                        <a:t>Tập</a:t>
+                      </a:r>
+                      <a:r>
+                        <a:rPr lang="en-US" sz="1400" dirty="0"/>
+                        <a:t> trung </a:t>
+                      </a:r>
+                      <a:r>
+                        <a:rPr lang="en-US" sz="1400" dirty="0" err="1"/>
+                        <a:t>vào</a:t>
+                      </a:r>
+                      <a:r>
+                        <a:rPr lang="en-US" sz="1400" dirty="0"/>
+                        <a:t> action(controller)</a:t>
+                      </a:r>
+                    </a:p>
+                  </a:txBody>
+                  <a:tcPr marL="79680" marR="79680" marT="39840" marB="39840"/>
+                </a:tc>
+                <a:extLst>
+                  <a:ext uri="{0D108BD9-81ED-4DB2-BD59-A6C34878D82A}">
+                    <a16:rowId xmlns:a16="http://schemas.microsoft.com/office/drawing/2014/main" val="1741027969"/>
+                  </a:ext>
+                </a:extLst>
+              </a:tr>
+              <a:tr h="323145">
+                <a:tc>
+                  <a:txBody>
+                    <a:bodyPr/>
+                    <a:lstStyle/>
+                    <a:p>
+                      <a:r>
+                        <a:rPr lang="en-US" sz="1400" dirty="0"/>
+                        <a:t>Đ</a:t>
+                      </a:r>
+                      <a:r>
+                        <a:rPr lang="vi-VN" sz="1400" dirty="0"/>
+                        <a:t>ơ</a:t>
+                      </a:r>
+                      <a:r>
+                        <a:rPr lang="en-US" sz="1400" dirty="0"/>
+                        <a:t>n giản và dễ tiếp </a:t>
+                      </a:r>
+                      <a:r>
+                        <a:rPr lang="en-US" sz="1400" dirty="0" err="1"/>
+                        <a:t>cận</a:t>
+                      </a:r>
+                      <a:endParaRPr lang="en-US" sz="1400" dirty="0"/>
+                    </a:p>
+                  </a:txBody>
+                  <a:tcPr marL="79680" marR="79680" marT="39840" marB="39840"/>
+                </a:tc>
+                <a:tc>
+                  <a:txBody>
+                    <a:bodyPr/>
+                    <a:lstStyle/>
+                    <a:p>
+                      <a:r>
+                        <a:rPr lang="en-US" sz="1400" dirty="0" err="1"/>
+                        <a:t>Phức</a:t>
+                      </a:r>
+                      <a:r>
+                        <a:rPr lang="en-US" sz="1400" dirty="0"/>
+                        <a:t> </a:t>
+                      </a:r>
+                      <a:r>
+                        <a:rPr lang="en-US" sz="1400" dirty="0" err="1"/>
+                        <a:t>tạp</a:t>
+                      </a:r>
+                      <a:r>
+                        <a:rPr lang="en-US" sz="1400" dirty="0"/>
+                        <a:t> h</a:t>
+                      </a:r>
+                      <a:r>
+                        <a:rPr lang="vi-VN" sz="1400" dirty="0"/>
+                        <a:t>ơ</a:t>
+                      </a:r>
+                      <a:r>
+                        <a:rPr lang="en-US" sz="1400" dirty="0"/>
+                        <a:t>n</a:t>
+                      </a:r>
+                    </a:p>
+                  </a:txBody>
+                  <a:tcPr marL="79680" marR="79680" marT="39840" marB="39840"/>
+                </a:tc>
+                <a:extLst>
+                  <a:ext uri="{0D108BD9-81ED-4DB2-BD59-A6C34878D82A}">
+                    <a16:rowId xmlns:a16="http://schemas.microsoft.com/office/drawing/2014/main" val="1232435069"/>
+                  </a:ext>
+                </a:extLst>
+              </a:tr>
+              <a:tr h="144705">
+                <a:tc>
+                  <a:txBody>
+                    <a:bodyPr/>
+                    <a:lstStyle/>
+                    <a:p>
+                      <a:r>
+                        <a:rPr lang="en-US" sz="1400" dirty="0" err="1"/>
+                        <a:t>Phù</a:t>
+                      </a:r>
+                      <a:r>
+                        <a:rPr lang="en-US" sz="1400" dirty="0"/>
+                        <a:t> </a:t>
+                      </a:r>
+                      <a:r>
+                        <a:rPr lang="en-US" sz="1400" dirty="0" err="1"/>
+                        <a:t>hợp</a:t>
+                      </a:r>
+                      <a:r>
+                        <a:rPr lang="en-US" sz="1400" dirty="0"/>
+                        <a:t> </a:t>
+                      </a:r>
+                      <a:r>
+                        <a:rPr lang="en-US" sz="1400" dirty="0" err="1"/>
+                        <a:t>với</a:t>
+                      </a:r>
+                      <a:r>
+                        <a:rPr lang="en-US" sz="1400" dirty="0"/>
+                        <a:t> </a:t>
+                      </a:r>
+                      <a:r>
+                        <a:rPr lang="en-US" sz="1400" dirty="0" err="1"/>
+                        <a:t>ứng</a:t>
+                      </a:r>
+                      <a:r>
+                        <a:rPr lang="en-US" sz="1400" dirty="0"/>
+                        <a:t> </a:t>
+                      </a:r>
+                      <a:r>
+                        <a:rPr lang="en-US" sz="1400" dirty="0" err="1"/>
+                        <a:t>dụng</a:t>
+                      </a:r>
+                      <a:r>
+                        <a:rPr lang="en-US" sz="1400" dirty="0"/>
+                        <a:t> nhỏ</a:t>
+                      </a:r>
+                    </a:p>
+                  </a:txBody>
+                  <a:tcPr marL="79680" marR="79680" marT="39840" marB="39840"/>
+                </a:tc>
+                <a:tc>
+                  <a:txBody>
+                    <a:bodyPr/>
+                    <a:lstStyle/>
+                    <a:p>
+                      <a:r>
+                        <a:rPr lang="en-US" sz="1400" dirty="0" err="1"/>
+                        <a:t>Phù</a:t>
+                      </a:r>
+                      <a:r>
+                        <a:rPr lang="en-US" sz="1400" dirty="0"/>
+                        <a:t> </a:t>
+                      </a:r>
+                      <a:r>
+                        <a:rPr lang="en-US" sz="1400" dirty="0" err="1"/>
+                        <a:t>hợp</a:t>
+                      </a:r>
+                      <a:r>
+                        <a:rPr lang="en-US" sz="1400" dirty="0"/>
+                        <a:t> </a:t>
+                      </a:r>
+                      <a:r>
+                        <a:rPr lang="en-US" sz="1400" dirty="0" err="1"/>
+                        <a:t>với</a:t>
+                      </a:r>
+                      <a:r>
+                        <a:rPr lang="en-US" sz="1400" dirty="0"/>
+                        <a:t> </a:t>
+                      </a:r>
+                      <a:r>
+                        <a:rPr lang="en-US" sz="1400" dirty="0" err="1"/>
+                        <a:t>ứng</a:t>
+                      </a:r>
+                      <a:r>
+                        <a:rPr lang="en-US" sz="1400" dirty="0"/>
+                        <a:t> </a:t>
+                      </a:r>
+                      <a:r>
+                        <a:rPr lang="en-US" sz="1400" dirty="0" err="1"/>
+                        <a:t>dụng</a:t>
+                      </a:r>
+                      <a:r>
+                        <a:rPr lang="en-US" sz="1400" dirty="0"/>
+                        <a:t> </a:t>
+                      </a:r>
+                      <a:r>
+                        <a:rPr lang="en-US" sz="1400" dirty="0" err="1"/>
+                        <a:t>lớn</a:t>
+                      </a:r>
+                      <a:r>
+                        <a:rPr lang="en-US" sz="1400" dirty="0"/>
+                        <a:t>, dễ </a:t>
+                      </a:r>
+                      <a:r>
+                        <a:rPr lang="en-US" sz="1400" dirty="0" err="1"/>
+                        <a:t>tích</a:t>
+                      </a:r>
+                      <a:r>
+                        <a:rPr lang="en-US" sz="1400" dirty="0"/>
+                        <a:t> </a:t>
+                      </a:r>
+                      <a:r>
+                        <a:rPr lang="en-US" sz="1400" dirty="0" err="1"/>
+                        <a:t>hợp</a:t>
+                      </a:r>
+                      <a:r>
+                        <a:rPr lang="en-US" sz="1400" dirty="0"/>
+                        <a:t> </a:t>
+                      </a:r>
+                      <a:r>
+                        <a:rPr lang="en-US" sz="1400" dirty="0" err="1"/>
+                        <a:t>nhiều</a:t>
+                      </a:r>
+                      <a:r>
+                        <a:rPr lang="en-US" sz="1400" dirty="0"/>
+                        <a:t> service </a:t>
+                      </a:r>
+                      <a:r>
+                        <a:rPr lang="en-US" sz="1400" dirty="0" err="1"/>
+                        <a:t>hỗ</a:t>
+                      </a:r>
+                      <a:r>
+                        <a:rPr lang="en-US" sz="1400" dirty="0"/>
+                        <a:t> </a:t>
+                      </a:r>
+                      <a:r>
+                        <a:rPr lang="en-US" sz="1400" dirty="0" err="1"/>
+                        <a:t>trợ</a:t>
+                      </a:r>
+                      <a:r>
+                        <a:rPr lang="en-US" sz="1400" dirty="0"/>
+                        <a:t>.</a:t>
+                      </a:r>
+                    </a:p>
+                  </a:txBody>
+                  <a:tcPr marL="79680" marR="79680" marT="39840" marB="39840"/>
+                </a:tc>
+                <a:extLst>
+                  <a:ext uri="{0D108BD9-81ED-4DB2-BD59-A6C34878D82A}">
+                    <a16:rowId xmlns:a16="http://schemas.microsoft.com/office/drawing/2014/main" val="4289925458"/>
+                  </a:ext>
+                </a:extLst>
+              </a:tr>
+            </a:tbl>
+          </a:graphicData>
+        </a:graphic>
+      </p:graphicFrame>
+    </p:spTree>
+    <p:extLst>
+      <p:ext uri="{BB962C8B-B14F-4D97-AF65-F5344CB8AC3E}">
+        <p14:creationId xmlns:p14="http://schemas.microsoft.com/office/powerpoint/2010/main" val="557563689"/>
+      </p:ext>
+    </p:extLst>
+  </p:cSld>
+  <p:clrMapOvr>
+    <a:masterClrMapping/>
+  </p:clrMapOvr>
+</p:sld>
+</file>
+
+<file path=ppt/slides/slide40.xml><?xml version="1.0" encoding="utf-8"?>
 <p:sld xmlns:a="http://schemas.openxmlformats.org/drawingml/2006/main" xmlns:r="http://schemas.openxmlformats.org/officeDocument/2006/relationships" xmlns:p="http://schemas.openxmlformats.org/presentationml/2006/main">
   <p:cSld>
     <p:spTree>
@@ -37540,398 +39812,7 @@
 </p:sld>
 </file>
 
-<file path=ppt/slides/slide4.xml><?xml version="1.0" encoding="utf-8"?>
-<p:sld xmlns:a="http://schemas.openxmlformats.org/drawingml/2006/main" xmlns:r="http://schemas.openxmlformats.org/officeDocument/2006/relationships" xmlns:p="http://schemas.openxmlformats.org/presentationml/2006/main">
-  <p:cSld>
-    <p:spTree>
-      <p:nvGrpSpPr>
-        <p:cNvPr id="1" name="Shape 157"/>
-        <p:cNvGrpSpPr/>
-        <p:nvPr/>
-      </p:nvGrpSpPr>
-      <p:grpSpPr>
-        <a:xfrm>
-          <a:off x="0" y="0"/>
-          <a:ext cx="0" cy="0"/>
-          <a:chOff x="0" y="0"/>
-          <a:chExt cx="0" cy="0"/>
-        </a:xfrm>
-      </p:grpSpPr>
-      <p:sp>
-        <p:nvSpPr>
-          <p:cNvPr id="159" name="Google Shape;159;geef53d5d55_1_1"/>
-          <p:cNvSpPr txBox="1"/>
-          <p:nvPr/>
-        </p:nvSpPr>
-        <p:spPr>
-          <a:xfrm>
-            <a:off x="677334" y="678873"/>
-            <a:ext cx="6096000" cy="646500"/>
-          </a:xfrm>
-          <a:prstGeom prst="rect">
-            <a:avLst/>
-          </a:prstGeom>
-          <a:noFill/>
-          <a:ln>
-            <a:noFill/>
-          </a:ln>
-        </p:spPr>
-        <p:txBody>
-          <a:bodyPr spcFirstLastPara="1" wrap="square" lIns="91425" tIns="45700" rIns="91425" bIns="45700" anchor="t" anchorCtr="0">
-            <a:spAutoFit/>
-          </a:bodyPr>
-          <a:lstStyle/>
-          <a:p>
-            <a:pPr marL="0" marR="0" lvl="0" indent="0" algn="l" rtl="0">
-              <a:lnSpc>
-                <a:spcPct val="100000"/>
-              </a:lnSpc>
-              <a:spcBef>
-                <a:spcPts val="0"/>
-              </a:spcBef>
-              <a:spcAft>
-                <a:spcPts val="0"/>
-              </a:spcAft>
-              <a:buClr>
-                <a:srgbClr val="000000"/>
-              </a:buClr>
-              <a:buSzPts val="3600"/>
-              <a:buFont typeface="Arial"/>
-              <a:buNone/>
-            </a:pPr>
-            <a:r>
-              <a:rPr lang="en-US" sz="3600" i="0" u="none" strike="noStrike" cap="none" dirty="0">
-                <a:solidFill>
-                  <a:srgbClr val="93DF5F"/>
-                </a:solidFill>
-                <a:latin typeface="Times New Roman"/>
-                <a:ea typeface="Times New Roman"/>
-                <a:cs typeface="Times New Roman"/>
-                <a:sym typeface="Times New Roman"/>
-              </a:rPr>
-              <a:t>Razor syntax</a:t>
-            </a:r>
-            <a:endParaRPr sz="3600" i="0" u="none" strike="noStrike" cap="none" dirty="0">
-              <a:solidFill>
-                <a:srgbClr val="93DF5F"/>
-              </a:solidFill>
-              <a:latin typeface="Times New Roman"/>
-              <a:ea typeface="Times New Roman"/>
-              <a:cs typeface="Times New Roman"/>
-              <a:sym typeface="Times New Roman"/>
-            </a:endParaRPr>
-          </a:p>
-        </p:txBody>
-      </p:sp>
-      <p:cxnSp>
-        <p:nvCxnSpPr>
-          <p:cNvPr id="160" name="Google Shape;160;geef53d5d55_1_1"/>
-          <p:cNvCxnSpPr/>
-          <p:nvPr/>
-        </p:nvCxnSpPr>
-        <p:spPr>
-          <a:xfrm>
-            <a:off x="815879" y="1325204"/>
-            <a:ext cx="5210700" cy="0"/>
-          </a:xfrm>
-          <a:prstGeom prst="straightConnector1">
-            <a:avLst/>
-          </a:prstGeom>
-          <a:noFill/>
-          <a:ln w="25400" cap="flat" cmpd="sng">
-            <a:solidFill>
-              <a:schemeClr val="accent1"/>
-            </a:solidFill>
-            <a:prstDash val="solid"/>
-            <a:round/>
-            <a:headEnd type="none" w="sm" len="sm"/>
-            <a:tailEnd type="none" w="sm" len="sm"/>
-          </a:ln>
-        </p:spPr>
-      </p:cxnSp>
-      <p:pic>
-        <p:nvPicPr>
-          <p:cNvPr id="161" name="Google Shape;161;geef53d5d55_1_1"/>
-          <p:cNvPicPr preferRelativeResize="0"/>
-          <p:nvPr/>
-        </p:nvPicPr>
-        <p:blipFill rotWithShape="1">
-          <a:blip r:embed="rId3">
-            <a:alphaModFix/>
-          </a:blip>
-          <a:srcRect/>
-          <a:stretch/>
-        </p:blipFill>
-        <p:spPr>
-          <a:xfrm>
-            <a:off x="677316" y="6274352"/>
-            <a:ext cx="1639649" cy="413900"/>
-          </a:xfrm>
-          <a:prstGeom prst="rect">
-            <a:avLst/>
-          </a:prstGeom>
-          <a:noFill/>
-          <a:ln>
-            <a:noFill/>
-          </a:ln>
-        </p:spPr>
-      </p:pic>
-      <p:sp>
-        <p:nvSpPr>
-          <p:cNvPr id="3" name="Text Placeholder 2">
-            <a:extLst>
-              <a:ext uri="{FF2B5EF4-FFF2-40B4-BE49-F238E27FC236}">
-                <a16:creationId xmlns:a16="http://schemas.microsoft.com/office/drawing/2014/main" id="{81163AF4-D84D-4FBB-A7C9-18ABD8451811}"/>
-              </a:ext>
-            </a:extLst>
-          </p:cNvPr>
-          <p:cNvSpPr>
-            <a:spLocks noGrp="1"/>
-          </p:cNvSpPr>
-          <p:nvPr>
-            <p:ph type="body" idx="1"/>
-          </p:nvPr>
-        </p:nvSpPr>
-        <p:spPr/>
-        <p:txBody>
-          <a:bodyPr/>
-          <a:lstStyle/>
-          <a:p>
-            <a:pPr lvl="0">
-              <a:spcBef>
-                <a:spcPts val="0"/>
-              </a:spcBef>
-              <a:buClr>
-                <a:schemeClr val="lt1"/>
-              </a:buClr>
-              <a:buFont typeface="Times New Roman"/>
-              <a:buChar char="►"/>
-            </a:pPr>
-            <a:r>
-              <a:rPr lang="en-US" dirty="0">
-                <a:solidFill>
-                  <a:schemeClr val="lt1"/>
-                </a:solidFill>
-                <a:latin typeface="Times New Roman"/>
-                <a:ea typeface="Times New Roman"/>
-                <a:cs typeface="Times New Roman"/>
-                <a:sym typeface="Times New Roman"/>
-              </a:rPr>
-              <a:t>Dễ </a:t>
-            </a:r>
-            <a:r>
-              <a:rPr lang="en-US" dirty="0" err="1">
-                <a:solidFill>
-                  <a:schemeClr val="lt1"/>
-                </a:solidFill>
-                <a:latin typeface="Times New Roman"/>
-                <a:ea typeface="Times New Roman"/>
-                <a:cs typeface="Times New Roman"/>
-                <a:sym typeface="Times New Roman"/>
-              </a:rPr>
-              <a:t>dàng</a:t>
-            </a:r>
-            <a:r>
-              <a:rPr lang="en-US" dirty="0">
-                <a:solidFill>
-                  <a:schemeClr val="lt1"/>
-                </a:solidFill>
-                <a:latin typeface="Times New Roman"/>
-                <a:ea typeface="Times New Roman"/>
-                <a:cs typeface="Times New Roman"/>
-                <a:sym typeface="Times New Roman"/>
-              </a:rPr>
-              <a:t> chuyển đổi </a:t>
-            </a:r>
-            <a:r>
-              <a:rPr lang="en-US" dirty="0" err="1">
-                <a:solidFill>
-                  <a:schemeClr val="lt1"/>
-                </a:solidFill>
-                <a:latin typeface="Times New Roman"/>
-                <a:ea typeface="Times New Roman"/>
-                <a:cs typeface="Times New Roman"/>
-                <a:sym typeface="Times New Roman"/>
-              </a:rPr>
-              <a:t>giữa</a:t>
-            </a:r>
-            <a:r>
-              <a:rPr lang="en-US" dirty="0">
-                <a:solidFill>
-                  <a:schemeClr val="lt1"/>
-                </a:solidFill>
-                <a:latin typeface="Times New Roman"/>
-                <a:ea typeface="Times New Roman"/>
-                <a:cs typeface="Times New Roman"/>
-                <a:sym typeface="Times New Roman"/>
-              </a:rPr>
-              <a:t> Razor và html using @</a:t>
-            </a:r>
-          </a:p>
-          <a:p>
-            <a:pPr lvl="0">
-              <a:spcBef>
-                <a:spcPts val="0"/>
-              </a:spcBef>
-              <a:buClr>
-                <a:schemeClr val="lt1"/>
-              </a:buClr>
-              <a:buFont typeface="Times New Roman"/>
-              <a:buChar char="►"/>
-            </a:pPr>
-            <a:r>
-              <a:rPr lang="en-US" dirty="0">
-                <a:solidFill>
-                  <a:schemeClr val="lt1"/>
-                </a:solidFill>
-                <a:latin typeface="Times New Roman"/>
-                <a:ea typeface="Times New Roman"/>
-                <a:cs typeface="Times New Roman"/>
-                <a:sym typeface="Times New Roman"/>
-              </a:rPr>
-              <a:t>Razor pages </a:t>
-            </a:r>
-            <a:r>
-              <a:rPr lang="en-US" dirty="0" err="1">
-                <a:solidFill>
-                  <a:schemeClr val="lt1"/>
-                </a:solidFill>
-                <a:latin typeface="Times New Roman"/>
-                <a:ea typeface="Times New Roman"/>
-                <a:cs typeface="Times New Roman"/>
-                <a:sym typeface="Times New Roman"/>
-              </a:rPr>
-              <a:t>nhận</a:t>
-            </a:r>
-            <a:r>
-              <a:rPr lang="en-US" dirty="0">
-                <a:solidFill>
-                  <a:schemeClr val="lt1"/>
-                </a:solidFill>
-                <a:latin typeface="Times New Roman"/>
-                <a:ea typeface="Times New Roman"/>
-                <a:cs typeface="Times New Roman"/>
-                <a:sym typeface="Times New Roman"/>
-              </a:rPr>
-              <a:t> </a:t>
-            </a:r>
-            <a:r>
-              <a:rPr lang="en-US" dirty="0" err="1">
-                <a:solidFill>
-                  <a:schemeClr val="lt1"/>
-                </a:solidFill>
-                <a:latin typeface="Times New Roman"/>
-                <a:ea typeface="Times New Roman"/>
-                <a:cs typeface="Times New Roman"/>
-                <a:sym typeface="Times New Roman"/>
-              </a:rPr>
-              <a:t>dữ</a:t>
-            </a:r>
-            <a:r>
-              <a:rPr lang="en-US" dirty="0">
-                <a:solidFill>
-                  <a:schemeClr val="lt1"/>
-                </a:solidFill>
-                <a:latin typeface="Times New Roman"/>
-                <a:ea typeface="Times New Roman"/>
-                <a:cs typeface="Times New Roman"/>
-                <a:sym typeface="Times New Roman"/>
-              </a:rPr>
-              <a:t> </a:t>
-            </a:r>
-            <a:r>
-              <a:rPr lang="en-US" dirty="0" err="1">
-                <a:solidFill>
-                  <a:schemeClr val="lt1"/>
-                </a:solidFill>
-                <a:latin typeface="Times New Roman"/>
-                <a:ea typeface="Times New Roman"/>
-                <a:cs typeface="Times New Roman"/>
-                <a:sym typeface="Times New Roman"/>
-              </a:rPr>
-              <a:t>liệu</a:t>
-            </a:r>
-            <a:r>
-              <a:rPr lang="en-US" dirty="0">
-                <a:solidFill>
-                  <a:schemeClr val="lt1"/>
-                </a:solidFill>
-                <a:latin typeface="Times New Roman"/>
-                <a:ea typeface="Times New Roman"/>
-                <a:cs typeface="Times New Roman"/>
-                <a:sym typeface="Times New Roman"/>
-              </a:rPr>
-              <a:t> từ Page Model và </a:t>
-            </a:r>
-            <a:r>
-              <a:rPr lang="en-US" dirty="0" err="1">
-                <a:solidFill>
-                  <a:schemeClr val="lt1"/>
-                </a:solidFill>
-                <a:latin typeface="Times New Roman"/>
-                <a:ea typeface="Times New Roman"/>
-                <a:cs typeface="Times New Roman"/>
-                <a:sym typeface="Times New Roman"/>
-              </a:rPr>
-              <a:t>hiển</a:t>
-            </a:r>
-            <a:r>
-              <a:rPr lang="en-US" dirty="0">
-                <a:solidFill>
-                  <a:schemeClr val="lt1"/>
-                </a:solidFill>
-                <a:latin typeface="Times New Roman"/>
-                <a:ea typeface="Times New Roman"/>
-                <a:cs typeface="Times New Roman"/>
-                <a:sym typeface="Times New Roman"/>
-              </a:rPr>
-              <a:t> thị data</a:t>
-            </a:r>
-          </a:p>
-          <a:p>
-            <a:endParaRPr lang="en-US" dirty="0"/>
-          </a:p>
-        </p:txBody>
-      </p:sp>
-      <p:pic>
-        <p:nvPicPr>
-          <p:cNvPr id="8" name="Picture 7">
-            <a:extLst>
-              <a:ext uri="{FF2B5EF4-FFF2-40B4-BE49-F238E27FC236}">
-                <a16:creationId xmlns:a16="http://schemas.microsoft.com/office/drawing/2014/main" id="{62097C9B-A9C1-42A7-83B2-255CB54FF4BA}"/>
-              </a:ext>
-            </a:extLst>
-          </p:cNvPr>
-          <p:cNvPicPr>
-            <a:picLocks noChangeAspect="1"/>
-          </p:cNvPicPr>
-          <p:nvPr/>
-        </p:nvPicPr>
-        <p:blipFill>
-          <a:blip r:embed="rId4"/>
-          <a:stretch>
-            <a:fillRect/>
-          </a:stretch>
-        </p:blipFill>
-        <p:spPr>
-          <a:xfrm>
-            <a:off x="815879" y="3211320"/>
-            <a:ext cx="4826006" cy="1779310"/>
-          </a:xfrm>
-          <a:prstGeom prst="rect">
-            <a:avLst/>
-          </a:prstGeom>
-        </p:spPr>
-      </p:pic>
-    </p:spTree>
-  </p:cSld>
-  <p:clrMapOvr>
-    <a:masterClrMapping/>
-  </p:clrMapOvr>
-</p:sld>
-</file>
-
-<file path=ppt/slides/slide40.xml><?xml version="1.0" encoding="utf-8"?>
+<file path=ppt/slides/slide41.xml><?xml version="1.0" encoding="utf-8"?>
 <p:sld xmlns:a="http://schemas.openxmlformats.org/drawingml/2006/main" xmlns:r="http://schemas.openxmlformats.org/officeDocument/2006/relationships" xmlns:p="http://schemas.openxmlformats.org/presentationml/2006/main">
   <p:cSld>
     <p:spTree>
@@ -38227,7 +40108,7 @@
 </p:sld>
 </file>
 
-<file path=ppt/slides/slide41.xml><?xml version="1.0" encoding="utf-8"?>
+<file path=ppt/slides/slide42.xml><?xml version="1.0" encoding="utf-8"?>
 <p:sld xmlns:a="http://schemas.openxmlformats.org/drawingml/2006/main" xmlns:r="http://schemas.openxmlformats.org/officeDocument/2006/relationships" xmlns:p="http://schemas.openxmlformats.org/presentationml/2006/main">
   <p:cSld>
     <p:spTree>
@@ -38437,7 +40318,7 @@
 </p:sld>
 </file>
 
-<file path=ppt/slides/slide42.xml><?xml version="1.0" encoding="utf-8"?>
+<file path=ppt/slides/slide43.xml><?xml version="1.0" encoding="utf-8"?>
 <p:sld xmlns:a="http://schemas.openxmlformats.org/drawingml/2006/main" xmlns:r="http://schemas.openxmlformats.org/officeDocument/2006/relationships" xmlns:p="http://schemas.openxmlformats.org/presentationml/2006/main">
   <p:cSld>
     <p:spTree>
@@ -38648,6 +40529,402 @@
 </file>
 
 <file path=ppt/slides/slide5.xml><?xml version="1.0" encoding="utf-8"?>
+<p:sld xmlns:a="http://schemas.openxmlformats.org/drawingml/2006/main" xmlns:r="http://schemas.openxmlformats.org/officeDocument/2006/relationships" xmlns:p="http://schemas.openxmlformats.org/presentationml/2006/main">
+  <p:cSld>
+    <p:spTree>
+      <p:nvGrpSpPr>
+        <p:cNvPr id="1" name="Shape 157"/>
+        <p:cNvGrpSpPr/>
+        <p:nvPr/>
+      </p:nvGrpSpPr>
+      <p:grpSpPr>
+        <a:xfrm>
+          <a:off x="0" y="0"/>
+          <a:ext cx="0" cy="0"/>
+          <a:chOff x="0" y="0"/>
+          <a:chExt cx="0" cy="0"/>
+        </a:xfrm>
+      </p:grpSpPr>
+      <p:sp>
+        <p:nvSpPr>
+          <p:cNvPr id="159" name="Google Shape;159;geef53d5d55_1_1"/>
+          <p:cNvSpPr txBox="1"/>
+          <p:nvPr/>
+        </p:nvSpPr>
+        <p:spPr>
+          <a:xfrm>
+            <a:off x="677334" y="678873"/>
+            <a:ext cx="6096000" cy="646500"/>
+          </a:xfrm>
+          <a:prstGeom prst="rect">
+            <a:avLst/>
+          </a:prstGeom>
+          <a:noFill/>
+          <a:ln>
+            <a:noFill/>
+          </a:ln>
+        </p:spPr>
+        <p:txBody>
+          <a:bodyPr spcFirstLastPara="1" wrap="square" lIns="91425" tIns="45700" rIns="91425" bIns="45700" anchor="t" anchorCtr="0">
+            <a:spAutoFit/>
+          </a:bodyPr>
+          <a:lstStyle/>
+          <a:p>
+            <a:pPr marL="0" marR="0" lvl="0" indent="0" algn="l" rtl="0">
+              <a:lnSpc>
+                <a:spcPct val="100000"/>
+              </a:lnSpc>
+              <a:spcBef>
+                <a:spcPts val="0"/>
+              </a:spcBef>
+              <a:spcAft>
+                <a:spcPts val="0"/>
+              </a:spcAft>
+              <a:buClr>
+                <a:srgbClr val="000000"/>
+              </a:buClr>
+              <a:buSzPts val="3600"/>
+              <a:buFont typeface="Arial"/>
+              <a:buNone/>
+            </a:pPr>
+            <a:r>
+              <a:rPr lang="en-US" sz="3600" i="0" u="none" strike="noStrike" cap="none" dirty="0">
+                <a:solidFill>
+                  <a:srgbClr val="93DF5F"/>
+                </a:solidFill>
+                <a:latin typeface="Times New Roman"/>
+                <a:ea typeface="Times New Roman"/>
+                <a:cs typeface="Times New Roman"/>
+                <a:sym typeface="Times New Roman"/>
+              </a:rPr>
+              <a:t>Razor syntax</a:t>
+            </a:r>
+            <a:endParaRPr sz="3600" i="0" u="none" strike="noStrike" cap="none" dirty="0">
+              <a:solidFill>
+                <a:srgbClr val="93DF5F"/>
+              </a:solidFill>
+              <a:latin typeface="Times New Roman"/>
+              <a:ea typeface="Times New Roman"/>
+              <a:cs typeface="Times New Roman"/>
+              <a:sym typeface="Times New Roman"/>
+            </a:endParaRPr>
+          </a:p>
+        </p:txBody>
+      </p:sp>
+      <p:cxnSp>
+        <p:nvCxnSpPr>
+          <p:cNvPr id="160" name="Google Shape;160;geef53d5d55_1_1"/>
+          <p:cNvCxnSpPr/>
+          <p:nvPr/>
+        </p:nvCxnSpPr>
+        <p:spPr>
+          <a:xfrm>
+            <a:off x="815879" y="1325204"/>
+            <a:ext cx="5210700" cy="0"/>
+          </a:xfrm>
+          <a:prstGeom prst="straightConnector1">
+            <a:avLst/>
+          </a:prstGeom>
+          <a:noFill/>
+          <a:ln w="25400" cap="flat" cmpd="sng">
+            <a:solidFill>
+              <a:schemeClr val="accent1"/>
+            </a:solidFill>
+            <a:prstDash val="solid"/>
+            <a:round/>
+            <a:headEnd type="none" w="sm" len="sm"/>
+            <a:tailEnd type="none" w="sm" len="sm"/>
+          </a:ln>
+        </p:spPr>
+      </p:cxnSp>
+      <p:pic>
+        <p:nvPicPr>
+          <p:cNvPr id="161" name="Google Shape;161;geef53d5d55_1_1"/>
+          <p:cNvPicPr preferRelativeResize="0"/>
+          <p:nvPr/>
+        </p:nvPicPr>
+        <p:blipFill rotWithShape="1">
+          <a:blip r:embed="rId3">
+            <a:alphaModFix/>
+          </a:blip>
+          <a:srcRect/>
+          <a:stretch/>
+        </p:blipFill>
+        <p:spPr>
+          <a:xfrm>
+            <a:off x="677316" y="6274352"/>
+            <a:ext cx="1639649" cy="413900"/>
+          </a:xfrm>
+          <a:prstGeom prst="rect">
+            <a:avLst/>
+          </a:prstGeom>
+          <a:noFill/>
+          <a:ln>
+            <a:noFill/>
+          </a:ln>
+        </p:spPr>
+      </p:pic>
+      <p:sp>
+        <p:nvSpPr>
+          <p:cNvPr id="3" name="Text Placeholder 2">
+            <a:extLst>
+              <a:ext uri="{FF2B5EF4-FFF2-40B4-BE49-F238E27FC236}">
+                <a16:creationId xmlns:a16="http://schemas.microsoft.com/office/drawing/2014/main" id="{81163AF4-D84D-4FBB-A7C9-18ABD8451811}"/>
+              </a:ext>
+            </a:extLst>
+          </p:cNvPr>
+          <p:cNvSpPr>
+            <a:spLocks noGrp="1"/>
+          </p:cNvSpPr>
+          <p:nvPr>
+            <p:ph type="body" idx="1"/>
+          </p:nvPr>
+        </p:nvSpPr>
+        <p:spPr>
+          <a:xfrm>
+            <a:off x="677334" y="1670181"/>
+            <a:ext cx="8596668" cy="1278292"/>
+          </a:xfrm>
+        </p:spPr>
+        <p:txBody>
+          <a:bodyPr/>
+          <a:lstStyle/>
+          <a:p>
+            <a:pPr lvl="0">
+              <a:spcBef>
+                <a:spcPts val="0"/>
+              </a:spcBef>
+              <a:buClr>
+                <a:schemeClr val="lt1"/>
+              </a:buClr>
+              <a:buFont typeface="Times New Roman"/>
+              <a:buChar char="►"/>
+            </a:pPr>
+            <a:r>
+              <a:rPr lang="en-US" dirty="0">
+                <a:solidFill>
+                  <a:schemeClr val="lt1"/>
+                </a:solidFill>
+                <a:latin typeface="Times New Roman"/>
+                <a:ea typeface="Times New Roman"/>
+                <a:cs typeface="Times New Roman"/>
+                <a:sym typeface="Times New Roman"/>
+              </a:rPr>
+              <a:t>Dễ </a:t>
+            </a:r>
+            <a:r>
+              <a:rPr lang="en-US" dirty="0" err="1">
+                <a:solidFill>
+                  <a:schemeClr val="lt1"/>
+                </a:solidFill>
+                <a:latin typeface="Times New Roman"/>
+                <a:ea typeface="Times New Roman"/>
+                <a:cs typeface="Times New Roman"/>
+                <a:sym typeface="Times New Roman"/>
+              </a:rPr>
+              <a:t>dàng</a:t>
+            </a:r>
+            <a:r>
+              <a:rPr lang="en-US" dirty="0">
+                <a:solidFill>
+                  <a:schemeClr val="lt1"/>
+                </a:solidFill>
+                <a:latin typeface="Times New Roman"/>
+                <a:ea typeface="Times New Roman"/>
+                <a:cs typeface="Times New Roman"/>
+                <a:sym typeface="Times New Roman"/>
+              </a:rPr>
+              <a:t> chuyển đổi </a:t>
+            </a:r>
+            <a:r>
+              <a:rPr lang="en-US" dirty="0" err="1">
+                <a:solidFill>
+                  <a:schemeClr val="lt1"/>
+                </a:solidFill>
+                <a:latin typeface="Times New Roman"/>
+                <a:ea typeface="Times New Roman"/>
+                <a:cs typeface="Times New Roman"/>
+                <a:sym typeface="Times New Roman"/>
+              </a:rPr>
+              <a:t>giữa</a:t>
+            </a:r>
+            <a:r>
+              <a:rPr lang="en-US" dirty="0">
+                <a:solidFill>
+                  <a:schemeClr val="lt1"/>
+                </a:solidFill>
+                <a:latin typeface="Times New Roman"/>
+                <a:ea typeface="Times New Roman"/>
+                <a:cs typeface="Times New Roman"/>
+                <a:sym typeface="Times New Roman"/>
+              </a:rPr>
+              <a:t> Razor và html using @</a:t>
+            </a:r>
+          </a:p>
+          <a:p>
+            <a:pPr lvl="0">
+              <a:spcBef>
+                <a:spcPts val="0"/>
+              </a:spcBef>
+              <a:buClr>
+                <a:schemeClr val="lt1"/>
+              </a:buClr>
+              <a:buFont typeface="Times New Roman"/>
+              <a:buChar char="►"/>
+            </a:pPr>
+            <a:r>
+              <a:rPr lang="en-US" dirty="0">
+                <a:solidFill>
+                  <a:schemeClr val="lt1"/>
+                </a:solidFill>
+                <a:latin typeface="Times New Roman"/>
+                <a:ea typeface="Times New Roman"/>
+                <a:cs typeface="Times New Roman"/>
+                <a:sym typeface="Times New Roman"/>
+              </a:rPr>
+              <a:t>Razor pages </a:t>
+            </a:r>
+            <a:r>
+              <a:rPr lang="en-US" dirty="0" err="1">
+                <a:solidFill>
+                  <a:schemeClr val="lt1"/>
+                </a:solidFill>
+                <a:latin typeface="Times New Roman"/>
+                <a:ea typeface="Times New Roman"/>
+                <a:cs typeface="Times New Roman"/>
+                <a:sym typeface="Times New Roman"/>
+              </a:rPr>
+              <a:t>nhận</a:t>
+            </a:r>
+            <a:r>
+              <a:rPr lang="en-US" dirty="0">
+                <a:solidFill>
+                  <a:schemeClr val="lt1"/>
+                </a:solidFill>
+                <a:latin typeface="Times New Roman"/>
+                <a:ea typeface="Times New Roman"/>
+                <a:cs typeface="Times New Roman"/>
+                <a:sym typeface="Times New Roman"/>
+              </a:rPr>
+              <a:t> </a:t>
+            </a:r>
+            <a:r>
+              <a:rPr lang="en-US" dirty="0" err="1">
+                <a:solidFill>
+                  <a:schemeClr val="lt1"/>
+                </a:solidFill>
+                <a:latin typeface="Times New Roman"/>
+                <a:ea typeface="Times New Roman"/>
+                <a:cs typeface="Times New Roman"/>
+                <a:sym typeface="Times New Roman"/>
+              </a:rPr>
+              <a:t>dữ</a:t>
+            </a:r>
+            <a:r>
+              <a:rPr lang="en-US" dirty="0">
+                <a:solidFill>
+                  <a:schemeClr val="lt1"/>
+                </a:solidFill>
+                <a:latin typeface="Times New Roman"/>
+                <a:ea typeface="Times New Roman"/>
+                <a:cs typeface="Times New Roman"/>
+                <a:sym typeface="Times New Roman"/>
+              </a:rPr>
+              <a:t> </a:t>
+            </a:r>
+            <a:r>
+              <a:rPr lang="en-US" dirty="0" err="1">
+                <a:solidFill>
+                  <a:schemeClr val="lt1"/>
+                </a:solidFill>
+                <a:latin typeface="Times New Roman"/>
+                <a:ea typeface="Times New Roman"/>
+                <a:cs typeface="Times New Roman"/>
+                <a:sym typeface="Times New Roman"/>
+              </a:rPr>
+              <a:t>liệu</a:t>
+            </a:r>
+            <a:r>
+              <a:rPr lang="en-US" dirty="0">
+                <a:solidFill>
+                  <a:schemeClr val="lt1"/>
+                </a:solidFill>
+                <a:latin typeface="Times New Roman"/>
+                <a:ea typeface="Times New Roman"/>
+                <a:cs typeface="Times New Roman"/>
+                <a:sym typeface="Times New Roman"/>
+              </a:rPr>
+              <a:t> từ Page Model và </a:t>
+            </a:r>
+            <a:r>
+              <a:rPr lang="en-US" dirty="0" err="1">
+                <a:solidFill>
+                  <a:schemeClr val="lt1"/>
+                </a:solidFill>
+                <a:latin typeface="Times New Roman"/>
+                <a:ea typeface="Times New Roman"/>
+                <a:cs typeface="Times New Roman"/>
+                <a:sym typeface="Times New Roman"/>
+              </a:rPr>
+              <a:t>hiển</a:t>
+            </a:r>
+            <a:r>
+              <a:rPr lang="en-US" dirty="0">
+                <a:solidFill>
+                  <a:schemeClr val="lt1"/>
+                </a:solidFill>
+                <a:latin typeface="Times New Roman"/>
+                <a:ea typeface="Times New Roman"/>
+                <a:cs typeface="Times New Roman"/>
+                <a:sym typeface="Times New Roman"/>
+              </a:rPr>
+              <a:t> thị data</a:t>
+            </a:r>
+          </a:p>
+          <a:p>
+            <a:endParaRPr lang="en-US" dirty="0"/>
+          </a:p>
+        </p:txBody>
+      </p:sp>
+      <p:pic>
+        <p:nvPicPr>
+          <p:cNvPr id="8" name="Picture 7">
+            <a:extLst>
+              <a:ext uri="{FF2B5EF4-FFF2-40B4-BE49-F238E27FC236}">
+                <a16:creationId xmlns:a16="http://schemas.microsoft.com/office/drawing/2014/main" id="{62097C9B-A9C1-42A7-83B2-255CB54FF4BA}"/>
+              </a:ext>
+            </a:extLst>
+          </p:cNvPr>
+          <p:cNvPicPr>
+            <a:picLocks noChangeAspect="1"/>
+          </p:cNvPicPr>
+          <p:nvPr/>
+        </p:nvPicPr>
+        <p:blipFill>
+          <a:blip r:embed="rId4"/>
+          <a:stretch>
+            <a:fillRect/>
+          </a:stretch>
+        </p:blipFill>
+        <p:spPr>
+          <a:xfrm>
+            <a:off x="1092202" y="2910208"/>
+            <a:ext cx="4826006" cy="1779310"/>
+          </a:xfrm>
+          <a:prstGeom prst="rect">
+            <a:avLst/>
+          </a:prstGeom>
+        </p:spPr>
+      </p:pic>
+    </p:spTree>
+  </p:cSld>
+  <p:clrMapOvr>
+    <a:masterClrMapping/>
+  </p:clrMapOvr>
+</p:sld>
+</file>
+
+<file path=ppt/slides/slide6.xml><?xml version="1.0" encoding="utf-8"?>
 <p:sld xmlns:a="http://schemas.openxmlformats.org/drawingml/2006/main" xmlns:r="http://schemas.openxmlformats.org/officeDocument/2006/relationships" xmlns:p="http://schemas.openxmlformats.org/presentationml/2006/main">
   <p:cSld>
     <p:spTree>
@@ -39483,999 +41760,7 @@
 </p:sld>
 </file>
 
-<file path=ppt/slides/slide6.xml><?xml version="1.0" encoding="utf-8"?>
-<p:sld xmlns:a="http://schemas.openxmlformats.org/drawingml/2006/main" xmlns:r="http://schemas.openxmlformats.org/officeDocument/2006/relationships" xmlns:p="http://schemas.openxmlformats.org/presentationml/2006/main">
-  <p:cSld>
-    <p:spTree>
-      <p:nvGrpSpPr>
-        <p:cNvPr id="1" name="Shape 173"/>
-        <p:cNvGrpSpPr/>
-        <p:nvPr/>
-      </p:nvGrpSpPr>
-      <p:grpSpPr>
-        <a:xfrm>
-          <a:off x="0" y="0"/>
-          <a:ext cx="0" cy="0"/>
-          <a:chOff x="0" y="0"/>
-          <a:chExt cx="0" cy="0"/>
-        </a:xfrm>
-      </p:grpSpPr>
-      <p:sp>
-        <p:nvSpPr>
-          <p:cNvPr id="174" name="Google Shape;174;geef53d5d55_1_17"/>
-          <p:cNvSpPr txBox="1">
-            <a:spLocks noGrp="1"/>
-          </p:cNvSpPr>
-          <p:nvPr>
-            <p:ph type="body" idx="1"/>
-          </p:nvPr>
-        </p:nvSpPr>
-        <p:spPr>
-          <a:xfrm>
-            <a:off x="677334" y="1474237"/>
-            <a:ext cx="8596800" cy="4567152"/>
-          </a:xfrm>
-          <a:prstGeom prst="rect">
-            <a:avLst/>
-          </a:prstGeom>
-          <a:noFill/>
-          <a:ln>
-            <a:noFill/>
-          </a:ln>
-        </p:spPr>
-        <p:txBody>
-          <a:bodyPr spcFirstLastPara="1" wrap="square" lIns="91425" tIns="45700" rIns="91425" bIns="45700" anchor="t" anchorCtr="0">
-            <a:normAutofit/>
-          </a:bodyPr>
-          <a:lstStyle/>
-          <a:p>
-            <a:pPr marL="457200" lvl="0" indent="-320040" algn="l" rtl="0">
-              <a:lnSpc>
-                <a:spcPct val="100000"/>
-              </a:lnSpc>
-              <a:spcBef>
-                <a:spcPts val="0"/>
-              </a:spcBef>
-              <a:spcAft>
-                <a:spcPts val="0"/>
-              </a:spcAft>
-              <a:buClr>
-                <a:schemeClr val="lt1"/>
-              </a:buClr>
-              <a:buSzPts val="1440"/>
-              <a:buFont typeface="Times New Roman"/>
-              <a:buChar char="►"/>
-            </a:pPr>
-            <a:r>
-              <a:rPr lang="en-US" dirty="0">
-                <a:solidFill>
-                  <a:schemeClr val="lt1"/>
-                </a:solidFill>
-                <a:latin typeface="Times New Roman"/>
-                <a:ea typeface="Times New Roman"/>
-                <a:cs typeface="Times New Roman"/>
-                <a:sym typeface="Times New Roman"/>
-              </a:rPr>
-              <a:t>Thay </a:t>
-            </a:r>
-            <a:r>
-              <a:rPr lang="en-US" dirty="0" err="1">
-                <a:solidFill>
-                  <a:schemeClr val="lt1"/>
-                </a:solidFill>
-                <a:latin typeface="Times New Roman"/>
-                <a:ea typeface="Times New Roman"/>
-                <a:cs typeface="Times New Roman"/>
-                <a:sym typeface="Times New Roman"/>
-              </a:rPr>
-              <a:t>thế</a:t>
-            </a:r>
-            <a:r>
-              <a:rPr lang="en-US" dirty="0">
-                <a:solidFill>
-                  <a:schemeClr val="lt1"/>
-                </a:solidFill>
-                <a:latin typeface="Times New Roman"/>
-                <a:ea typeface="Times New Roman"/>
-                <a:cs typeface="Times New Roman"/>
-                <a:sym typeface="Times New Roman"/>
-              </a:rPr>
-              <a:t> </a:t>
-            </a:r>
-            <a:r>
-              <a:rPr lang="en-US" dirty="0" err="1">
-                <a:solidFill>
-                  <a:schemeClr val="lt1"/>
-                </a:solidFill>
-                <a:latin typeface="Times New Roman"/>
-                <a:ea typeface="Times New Roman"/>
-                <a:cs typeface="Times New Roman"/>
-                <a:sym typeface="Times New Roman"/>
-              </a:rPr>
-              <a:t>các</a:t>
-            </a:r>
-            <a:r>
-              <a:rPr lang="en-US" dirty="0">
-                <a:solidFill>
-                  <a:schemeClr val="lt1"/>
-                </a:solidFill>
-                <a:latin typeface="Times New Roman"/>
-                <a:ea typeface="Times New Roman"/>
-                <a:cs typeface="Times New Roman"/>
-                <a:sym typeface="Times New Roman"/>
-              </a:rPr>
-              <a:t> HTML element</a:t>
-            </a:r>
-            <a:endParaRPr dirty="0">
-              <a:solidFill>
-                <a:schemeClr val="lt1"/>
-              </a:solidFill>
-              <a:latin typeface="Times New Roman"/>
-              <a:ea typeface="Times New Roman"/>
-              <a:cs typeface="Times New Roman"/>
-              <a:sym typeface="Times New Roman"/>
-            </a:endParaRPr>
-          </a:p>
-          <a:p>
-            <a:pPr marL="457200" lvl="0" indent="-320040" algn="l" rtl="0">
-              <a:lnSpc>
-                <a:spcPct val="100000"/>
-              </a:lnSpc>
-              <a:spcBef>
-                <a:spcPts val="0"/>
-              </a:spcBef>
-              <a:spcAft>
-                <a:spcPts val="0"/>
-              </a:spcAft>
-              <a:buClr>
-                <a:schemeClr val="lt1"/>
-              </a:buClr>
-              <a:buSzPts val="1440"/>
-              <a:buFont typeface="Times New Roman"/>
-              <a:buChar char="►"/>
-            </a:pPr>
-            <a:r>
-              <a:rPr lang="en-US" dirty="0">
-                <a:solidFill>
-                  <a:schemeClr val="lt1"/>
-                </a:solidFill>
-                <a:latin typeface="Times New Roman"/>
-                <a:ea typeface="Times New Roman"/>
-                <a:cs typeface="Times New Roman"/>
-                <a:sym typeface="Times New Roman"/>
-              </a:rPr>
-              <a:t>Dễ </a:t>
-            </a:r>
-            <a:r>
-              <a:rPr lang="en-US" dirty="0" err="1">
-                <a:solidFill>
-                  <a:schemeClr val="lt1"/>
-                </a:solidFill>
-                <a:latin typeface="Times New Roman"/>
-                <a:ea typeface="Times New Roman"/>
-                <a:cs typeface="Times New Roman"/>
-                <a:sym typeface="Times New Roman"/>
-              </a:rPr>
-              <a:t>dàng</a:t>
-            </a:r>
-            <a:r>
-              <a:rPr lang="en-US" dirty="0">
-                <a:solidFill>
-                  <a:schemeClr val="lt1"/>
-                </a:solidFill>
-                <a:latin typeface="Times New Roman"/>
-                <a:ea typeface="Times New Roman"/>
-                <a:cs typeface="Times New Roman"/>
-                <a:sym typeface="Times New Roman"/>
-              </a:rPr>
-              <a:t> </a:t>
-            </a:r>
-            <a:r>
-              <a:rPr lang="en-US" dirty="0" err="1">
-                <a:solidFill>
-                  <a:schemeClr val="lt1"/>
-                </a:solidFill>
-                <a:latin typeface="Times New Roman"/>
-                <a:ea typeface="Times New Roman"/>
-                <a:cs typeface="Times New Roman"/>
-                <a:sym typeface="Times New Roman"/>
-              </a:rPr>
-              <a:t>làm</a:t>
-            </a:r>
-            <a:r>
-              <a:rPr lang="en-US" dirty="0">
-                <a:solidFill>
-                  <a:schemeClr val="lt1"/>
-                </a:solidFill>
-                <a:latin typeface="Times New Roman"/>
-                <a:ea typeface="Times New Roman"/>
-                <a:cs typeface="Times New Roman"/>
-                <a:sym typeface="Times New Roman"/>
-              </a:rPr>
-              <a:t> </a:t>
-            </a:r>
-            <a:r>
-              <a:rPr lang="en-US" dirty="0" err="1">
-                <a:solidFill>
-                  <a:schemeClr val="lt1"/>
-                </a:solidFill>
-                <a:latin typeface="Times New Roman"/>
-                <a:ea typeface="Times New Roman"/>
-                <a:cs typeface="Times New Roman"/>
-                <a:sym typeface="Times New Roman"/>
-              </a:rPr>
-              <a:t>việc</a:t>
-            </a:r>
-            <a:r>
-              <a:rPr lang="en-US" dirty="0">
-                <a:solidFill>
-                  <a:schemeClr val="lt1"/>
-                </a:solidFill>
-                <a:latin typeface="Times New Roman"/>
-                <a:ea typeface="Times New Roman"/>
-                <a:cs typeface="Times New Roman"/>
-                <a:sym typeface="Times New Roman"/>
-              </a:rPr>
-              <a:t> </a:t>
-            </a:r>
-            <a:r>
-              <a:rPr lang="en-US" dirty="0" err="1">
-                <a:solidFill>
-                  <a:schemeClr val="lt1"/>
-                </a:solidFill>
-                <a:latin typeface="Times New Roman"/>
-                <a:ea typeface="Times New Roman"/>
-                <a:cs typeface="Times New Roman"/>
-                <a:sym typeface="Times New Roman"/>
-              </a:rPr>
-              <a:t>với</a:t>
-            </a:r>
-            <a:r>
-              <a:rPr lang="en-US" dirty="0">
-                <a:solidFill>
-                  <a:schemeClr val="lt1"/>
-                </a:solidFill>
-                <a:latin typeface="Times New Roman"/>
-                <a:ea typeface="Times New Roman"/>
-                <a:cs typeface="Times New Roman"/>
-                <a:sym typeface="Times New Roman"/>
-              </a:rPr>
-              <a:t> application context và data</a:t>
-            </a:r>
-          </a:p>
-          <a:p>
-            <a:pPr marL="457200" lvl="0" indent="-320040" algn="l" rtl="0">
-              <a:lnSpc>
-                <a:spcPct val="100000"/>
-              </a:lnSpc>
-              <a:spcBef>
-                <a:spcPts val="0"/>
-              </a:spcBef>
-              <a:spcAft>
-                <a:spcPts val="0"/>
-              </a:spcAft>
-              <a:buClr>
-                <a:schemeClr val="lt1"/>
-              </a:buClr>
-              <a:buSzPts val="1440"/>
-              <a:buFont typeface="Times New Roman"/>
-              <a:buChar char="►"/>
-            </a:pPr>
-            <a:r>
-              <a:rPr lang="en-US" dirty="0">
-                <a:solidFill>
-                  <a:schemeClr val="lt1"/>
-                </a:solidFill>
-                <a:latin typeface="Times New Roman"/>
-                <a:ea typeface="Times New Roman"/>
-                <a:cs typeface="Times New Roman"/>
-                <a:sym typeface="Times New Roman"/>
-              </a:rPr>
-              <a:t>So </a:t>
-            </a:r>
-            <a:r>
-              <a:rPr lang="en-US" dirty="0" err="1">
-                <a:solidFill>
-                  <a:schemeClr val="lt1"/>
-                </a:solidFill>
-                <a:latin typeface="Times New Roman"/>
-                <a:ea typeface="Times New Roman"/>
-                <a:cs typeface="Times New Roman"/>
-                <a:sym typeface="Times New Roman"/>
-              </a:rPr>
-              <a:t>với</a:t>
-            </a:r>
-            <a:r>
-              <a:rPr lang="en-US" dirty="0">
-                <a:solidFill>
-                  <a:schemeClr val="lt1"/>
-                </a:solidFill>
-                <a:latin typeface="Times New Roman"/>
-                <a:ea typeface="Times New Roman"/>
-                <a:cs typeface="Times New Roman"/>
-                <a:sym typeface="Times New Roman"/>
-              </a:rPr>
-              <a:t> HTML helper </a:t>
-            </a:r>
-            <a:r>
-              <a:rPr lang="en-US" dirty="0" err="1">
-                <a:solidFill>
-                  <a:schemeClr val="lt1"/>
-                </a:solidFill>
-                <a:latin typeface="Times New Roman"/>
-                <a:ea typeface="Times New Roman"/>
-                <a:cs typeface="Times New Roman"/>
-                <a:sym typeface="Times New Roman"/>
-              </a:rPr>
-              <a:t>thì</a:t>
-            </a:r>
-            <a:r>
-              <a:rPr lang="en-US" dirty="0">
-                <a:solidFill>
-                  <a:schemeClr val="lt1"/>
-                </a:solidFill>
-                <a:latin typeface="Times New Roman"/>
-                <a:ea typeface="Times New Roman"/>
-                <a:cs typeface="Times New Roman"/>
-                <a:sym typeface="Times New Roman"/>
-              </a:rPr>
-              <a:t> tag helper </a:t>
-            </a:r>
-            <a:r>
-              <a:rPr lang="en-US" dirty="0" err="1">
-                <a:solidFill>
-                  <a:schemeClr val="lt1"/>
-                </a:solidFill>
-                <a:latin typeface="Times New Roman"/>
-                <a:ea typeface="Times New Roman"/>
-                <a:cs typeface="Times New Roman"/>
-                <a:sym typeface="Times New Roman"/>
-              </a:rPr>
-              <a:t>linh</a:t>
-            </a:r>
-            <a:r>
-              <a:rPr lang="en-US" dirty="0">
-                <a:solidFill>
-                  <a:schemeClr val="lt1"/>
-                </a:solidFill>
-                <a:latin typeface="Times New Roman"/>
-                <a:ea typeface="Times New Roman"/>
-                <a:cs typeface="Times New Roman"/>
-                <a:sym typeface="Times New Roman"/>
-              </a:rPr>
-              <a:t> </a:t>
-            </a:r>
-            <a:r>
-              <a:rPr lang="en-US" dirty="0" err="1">
-                <a:solidFill>
-                  <a:schemeClr val="lt1"/>
-                </a:solidFill>
-                <a:latin typeface="Times New Roman"/>
-                <a:ea typeface="Times New Roman"/>
-                <a:cs typeface="Times New Roman"/>
-                <a:sym typeface="Times New Roman"/>
-              </a:rPr>
-              <a:t>hoạt</a:t>
-            </a:r>
-            <a:r>
-              <a:rPr lang="en-US" dirty="0">
-                <a:solidFill>
-                  <a:schemeClr val="lt1"/>
-                </a:solidFill>
-                <a:latin typeface="Times New Roman"/>
-                <a:ea typeface="Times New Roman"/>
-                <a:cs typeface="Times New Roman"/>
-                <a:sym typeface="Times New Roman"/>
-              </a:rPr>
-              <a:t> và dễ đọc h</a:t>
-            </a:r>
-            <a:r>
-              <a:rPr lang="vi-VN" dirty="0">
-                <a:solidFill>
-                  <a:schemeClr val="lt1"/>
-                </a:solidFill>
-                <a:latin typeface="Times New Roman"/>
-                <a:ea typeface="Times New Roman"/>
-                <a:cs typeface="Times New Roman"/>
-                <a:sym typeface="Times New Roman"/>
-              </a:rPr>
-              <a:t>ơ</a:t>
-            </a:r>
-            <a:r>
-              <a:rPr lang="en-US" dirty="0">
-                <a:solidFill>
-                  <a:schemeClr val="lt1"/>
-                </a:solidFill>
-                <a:latin typeface="Times New Roman"/>
-                <a:ea typeface="Times New Roman"/>
-                <a:cs typeface="Times New Roman"/>
-                <a:sym typeface="Times New Roman"/>
-              </a:rPr>
-              <a:t>n </a:t>
-            </a:r>
-            <a:endParaRPr dirty="0">
-              <a:solidFill>
-                <a:schemeClr val="lt1"/>
-              </a:solidFill>
-              <a:latin typeface="Times New Roman"/>
-              <a:ea typeface="Times New Roman"/>
-              <a:cs typeface="Times New Roman"/>
-              <a:sym typeface="Times New Roman"/>
-            </a:endParaRPr>
-          </a:p>
-        </p:txBody>
-      </p:sp>
-      <p:sp>
-        <p:nvSpPr>
-          <p:cNvPr id="175" name="Google Shape;175;geef53d5d55_1_17"/>
-          <p:cNvSpPr txBox="1"/>
-          <p:nvPr/>
-        </p:nvSpPr>
-        <p:spPr>
-          <a:xfrm>
-            <a:off x="677334" y="678873"/>
-            <a:ext cx="6096000" cy="646500"/>
-          </a:xfrm>
-          <a:prstGeom prst="rect">
-            <a:avLst/>
-          </a:prstGeom>
-          <a:noFill/>
-          <a:ln>
-            <a:noFill/>
-          </a:ln>
-        </p:spPr>
-        <p:txBody>
-          <a:bodyPr spcFirstLastPara="1" wrap="square" lIns="91425" tIns="45700" rIns="91425" bIns="45700" anchor="t" anchorCtr="0">
-            <a:spAutoFit/>
-          </a:bodyPr>
-          <a:lstStyle/>
-          <a:p>
-            <a:pPr marL="0" marR="0" lvl="0" indent="0" algn="l" rtl="0">
-              <a:lnSpc>
-                <a:spcPct val="100000"/>
-              </a:lnSpc>
-              <a:spcBef>
-                <a:spcPts val="0"/>
-              </a:spcBef>
-              <a:spcAft>
-                <a:spcPts val="0"/>
-              </a:spcAft>
-              <a:buClr>
-                <a:srgbClr val="000000"/>
-              </a:buClr>
-              <a:buSzPts val="3600"/>
-              <a:buFont typeface="Arial"/>
-              <a:buNone/>
-            </a:pPr>
-            <a:r>
-              <a:rPr lang="en-US" sz="3600" dirty="0" err="1">
-                <a:solidFill>
-                  <a:srgbClr val="93DF5F"/>
-                </a:solidFill>
-                <a:latin typeface="Times New Roman"/>
-                <a:ea typeface="Times New Roman"/>
-                <a:cs typeface="Times New Roman"/>
-                <a:sym typeface="Times New Roman"/>
-              </a:rPr>
-              <a:t>Giới</a:t>
-            </a:r>
-            <a:r>
-              <a:rPr lang="en-US" sz="3600" dirty="0">
-                <a:solidFill>
-                  <a:srgbClr val="93DF5F"/>
-                </a:solidFill>
-                <a:latin typeface="Times New Roman"/>
-                <a:ea typeface="Times New Roman"/>
-                <a:cs typeface="Times New Roman"/>
-                <a:sym typeface="Times New Roman"/>
-              </a:rPr>
-              <a:t> </a:t>
-            </a:r>
-            <a:r>
-              <a:rPr lang="en-US" sz="3600" dirty="0" err="1">
-                <a:solidFill>
-                  <a:srgbClr val="93DF5F"/>
-                </a:solidFill>
-                <a:latin typeface="Times New Roman"/>
-                <a:ea typeface="Times New Roman"/>
-                <a:cs typeface="Times New Roman"/>
-                <a:sym typeface="Times New Roman"/>
-              </a:rPr>
-              <a:t>thiệu</a:t>
-            </a:r>
-            <a:r>
-              <a:rPr lang="en-US" sz="3600" dirty="0">
-                <a:solidFill>
-                  <a:srgbClr val="93DF5F"/>
-                </a:solidFill>
-                <a:latin typeface="Times New Roman"/>
-                <a:ea typeface="Times New Roman"/>
-                <a:cs typeface="Times New Roman"/>
-                <a:sym typeface="Times New Roman"/>
-              </a:rPr>
-              <a:t> Tag helpers</a:t>
-            </a:r>
-            <a:endParaRPr sz="3600" i="0" u="none" strike="noStrike" cap="none" dirty="0">
-              <a:solidFill>
-                <a:srgbClr val="93DF5F"/>
-              </a:solidFill>
-              <a:latin typeface="Times New Roman"/>
-              <a:ea typeface="Times New Roman"/>
-              <a:cs typeface="Times New Roman"/>
-              <a:sym typeface="Times New Roman"/>
-            </a:endParaRPr>
-          </a:p>
-        </p:txBody>
-      </p:sp>
-      <p:cxnSp>
-        <p:nvCxnSpPr>
-          <p:cNvPr id="176" name="Google Shape;176;geef53d5d55_1_17"/>
-          <p:cNvCxnSpPr/>
-          <p:nvPr/>
-        </p:nvCxnSpPr>
-        <p:spPr>
-          <a:xfrm>
-            <a:off x="815879" y="1325204"/>
-            <a:ext cx="5210700" cy="0"/>
-          </a:xfrm>
-          <a:prstGeom prst="straightConnector1">
-            <a:avLst/>
-          </a:prstGeom>
-          <a:noFill/>
-          <a:ln w="25400" cap="flat" cmpd="sng">
-            <a:solidFill>
-              <a:schemeClr val="accent1"/>
-            </a:solidFill>
-            <a:prstDash val="solid"/>
-            <a:round/>
-            <a:headEnd type="none" w="sm" len="sm"/>
-            <a:tailEnd type="none" w="sm" len="sm"/>
-          </a:ln>
-        </p:spPr>
-      </p:cxnSp>
-      <p:pic>
-        <p:nvPicPr>
-          <p:cNvPr id="177" name="Google Shape;177;geef53d5d55_1_17"/>
-          <p:cNvPicPr preferRelativeResize="0"/>
-          <p:nvPr/>
-        </p:nvPicPr>
-        <p:blipFill rotWithShape="1">
-          <a:blip r:embed="rId3">
-            <a:alphaModFix/>
-          </a:blip>
-          <a:srcRect/>
-          <a:stretch/>
-        </p:blipFill>
-        <p:spPr>
-          <a:xfrm>
-            <a:off x="677316" y="6274352"/>
-            <a:ext cx="1639649" cy="413900"/>
-          </a:xfrm>
-          <a:prstGeom prst="rect">
-            <a:avLst/>
-          </a:prstGeom>
-          <a:noFill/>
-          <a:ln>
-            <a:noFill/>
-          </a:ln>
-        </p:spPr>
-      </p:pic>
-      <p:pic>
-        <p:nvPicPr>
-          <p:cNvPr id="4" name="Picture 3">
-            <a:extLst>
-              <a:ext uri="{FF2B5EF4-FFF2-40B4-BE49-F238E27FC236}">
-                <a16:creationId xmlns:a16="http://schemas.microsoft.com/office/drawing/2014/main" id="{18957980-34B4-4A50-9DF1-787CD0170D06}"/>
-              </a:ext>
-            </a:extLst>
-          </p:cNvPr>
-          <p:cNvPicPr>
-            <a:picLocks noChangeAspect="1"/>
-          </p:cNvPicPr>
-          <p:nvPr/>
-        </p:nvPicPr>
-        <p:blipFill>
-          <a:blip r:embed="rId4"/>
-          <a:stretch>
-            <a:fillRect/>
-          </a:stretch>
-        </p:blipFill>
-        <p:spPr>
-          <a:xfrm>
-            <a:off x="293365" y="3176964"/>
-            <a:ext cx="4767234" cy="1586205"/>
-          </a:xfrm>
-          <a:prstGeom prst="rect">
-            <a:avLst/>
-          </a:prstGeom>
-        </p:spPr>
-      </p:pic>
-      <p:pic>
-        <p:nvPicPr>
-          <p:cNvPr id="5" name="Picture 4">
-            <a:extLst>
-              <a:ext uri="{FF2B5EF4-FFF2-40B4-BE49-F238E27FC236}">
-                <a16:creationId xmlns:a16="http://schemas.microsoft.com/office/drawing/2014/main" id="{8DC4E599-353C-43E3-A019-C4CED42B0420}"/>
-              </a:ext>
-            </a:extLst>
-          </p:cNvPr>
-          <p:cNvPicPr>
-            <a:picLocks noChangeAspect="1"/>
-          </p:cNvPicPr>
-          <p:nvPr/>
-        </p:nvPicPr>
-        <p:blipFill>
-          <a:blip r:embed="rId5"/>
-          <a:stretch>
-            <a:fillRect/>
-          </a:stretch>
-        </p:blipFill>
-        <p:spPr>
-          <a:xfrm>
-            <a:off x="5415729" y="3429000"/>
-            <a:ext cx="4793855" cy="1082134"/>
-          </a:xfrm>
-          <a:prstGeom prst="rect">
-            <a:avLst/>
-          </a:prstGeom>
-        </p:spPr>
-      </p:pic>
-    </p:spTree>
-  </p:cSld>
-  <p:clrMapOvr>
-    <a:masterClrMapping/>
-  </p:clrMapOvr>
-</p:sld>
-</file>
-
 <file path=ppt/slides/slide7.xml><?xml version="1.0" encoding="utf-8"?>
-<p:sld xmlns:a="http://schemas.openxmlformats.org/drawingml/2006/main" xmlns:r="http://schemas.openxmlformats.org/officeDocument/2006/relationships" xmlns:p="http://schemas.openxmlformats.org/presentationml/2006/main">
-  <p:cSld>
-    <p:spTree>
-      <p:nvGrpSpPr>
-        <p:cNvPr id="1" name="Shape 181"/>
-        <p:cNvGrpSpPr/>
-        <p:nvPr/>
-      </p:nvGrpSpPr>
-      <p:grpSpPr>
-        <a:xfrm>
-          <a:off x="0" y="0"/>
-          <a:ext cx="0" cy="0"/>
-          <a:chOff x="0" y="0"/>
-          <a:chExt cx="0" cy="0"/>
-        </a:xfrm>
-      </p:grpSpPr>
-      <p:sp>
-        <p:nvSpPr>
-          <p:cNvPr id="182" name="Google Shape;182;geea522d09e_0_8"/>
-          <p:cNvSpPr txBox="1">
-            <a:spLocks noGrp="1"/>
-          </p:cNvSpPr>
-          <p:nvPr>
-            <p:ph type="body" idx="1"/>
-          </p:nvPr>
-        </p:nvSpPr>
-        <p:spPr>
-          <a:xfrm>
-            <a:off x="677316" y="1859462"/>
-            <a:ext cx="8596800" cy="3880800"/>
-          </a:xfrm>
-          <a:prstGeom prst="rect">
-            <a:avLst/>
-          </a:prstGeom>
-          <a:noFill/>
-          <a:ln>
-            <a:noFill/>
-          </a:ln>
-        </p:spPr>
-        <p:txBody>
-          <a:bodyPr spcFirstLastPara="1" wrap="square" lIns="91425" tIns="45700" rIns="91425" bIns="45700" anchor="t" anchorCtr="0">
-            <a:normAutofit/>
-          </a:bodyPr>
-          <a:lstStyle/>
-          <a:p>
-            <a:pPr marL="377191" lvl="0" indent="-285750">
-              <a:spcBef>
-                <a:spcPts val="0"/>
-              </a:spcBef>
-              <a:buFontTx/>
-              <a:buChar char="-"/>
-            </a:pPr>
-            <a:r>
-              <a:rPr lang="en-US" dirty="0" err="1">
-                <a:solidFill>
-                  <a:schemeClr val="lt1"/>
-                </a:solidFill>
-                <a:latin typeface="Times New Roman"/>
-                <a:ea typeface="Times New Roman"/>
-                <a:cs typeface="Times New Roman"/>
-                <a:sym typeface="Times New Roman"/>
-              </a:rPr>
-              <a:t>Gồm</a:t>
-            </a:r>
-            <a:r>
-              <a:rPr lang="en-US" dirty="0">
-                <a:solidFill>
-                  <a:schemeClr val="lt1"/>
-                </a:solidFill>
-                <a:latin typeface="Times New Roman"/>
-                <a:ea typeface="Times New Roman"/>
-                <a:cs typeface="Times New Roman"/>
-                <a:sym typeface="Times New Roman"/>
-              </a:rPr>
-              <a:t> </a:t>
-            </a:r>
-            <a:r>
-              <a:rPr lang="en-US" dirty="0" err="1">
-                <a:solidFill>
-                  <a:schemeClr val="lt1"/>
-                </a:solidFill>
-                <a:latin typeface="Times New Roman"/>
-                <a:ea typeface="Times New Roman"/>
-                <a:cs typeface="Times New Roman"/>
-                <a:sym typeface="Times New Roman"/>
-              </a:rPr>
-              <a:t>có</a:t>
-            </a:r>
-            <a:r>
-              <a:rPr lang="en-US" dirty="0">
-                <a:solidFill>
-                  <a:schemeClr val="lt1"/>
-                </a:solidFill>
-                <a:latin typeface="Times New Roman"/>
-                <a:ea typeface="Times New Roman"/>
-                <a:cs typeface="Times New Roman"/>
-                <a:sym typeface="Times New Roman"/>
-              </a:rPr>
-              <a:t> 2 file .</a:t>
-            </a:r>
-            <a:r>
-              <a:rPr lang="en-US" dirty="0" err="1">
-                <a:solidFill>
-                  <a:schemeClr val="lt1"/>
-                </a:solidFill>
-                <a:latin typeface="Times New Roman"/>
-                <a:ea typeface="Times New Roman"/>
-                <a:cs typeface="Times New Roman"/>
-                <a:sym typeface="Times New Roman"/>
-              </a:rPr>
-              <a:t>cshtml</a:t>
-            </a:r>
-            <a:r>
-              <a:rPr lang="en-US" dirty="0">
-                <a:solidFill>
-                  <a:schemeClr val="lt1"/>
-                </a:solidFill>
-                <a:latin typeface="Times New Roman"/>
-                <a:ea typeface="Times New Roman"/>
-                <a:cs typeface="Times New Roman"/>
-                <a:sym typeface="Times New Roman"/>
-              </a:rPr>
-              <a:t> và .</a:t>
-            </a:r>
-            <a:r>
-              <a:rPr lang="en-US" dirty="0" err="1">
-                <a:solidFill>
-                  <a:schemeClr val="lt1"/>
-                </a:solidFill>
-                <a:latin typeface="Times New Roman"/>
-                <a:ea typeface="Times New Roman"/>
-                <a:cs typeface="Times New Roman"/>
-                <a:sym typeface="Times New Roman"/>
-              </a:rPr>
-              <a:t>cshtml.cs</a:t>
-            </a:r>
-            <a:endParaRPr dirty="0">
-              <a:solidFill>
-                <a:schemeClr val="lt1"/>
-              </a:solidFill>
-              <a:latin typeface="Times New Roman"/>
-              <a:ea typeface="Times New Roman"/>
-              <a:cs typeface="Times New Roman"/>
-              <a:sym typeface="Times New Roman"/>
-            </a:endParaRPr>
-          </a:p>
-        </p:txBody>
-      </p:sp>
-      <p:sp>
-        <p:nvSpPr>
-          <p:cNvPr id="183" name="Google Shape;183;geea522d09e_0_8"/>
-          <p:cNvSpPr txBox="1"/>
-          <p:nvPr/>
-        </p:nvSpPr>
-        <p:spPr>
-          <a:xfrm>
-            <a:off x="677334" y="678873"/>
-            <a:ext cx="6096000" cy="646500"/>
-          </a:xfrm>
-          <a:prstGeom prst="rect">
-            <a:avLst/>
-          </a:prstGeom>
-          <a:noFill/>
-          <a:ln>
-            <a:noFill/>
-          </a:ln>
-        </p:spPr>
-        <p:txBody>
-          <a:bodyPr spcFirstLastPara="1" wrap="square" lIns="91425" tIns="45700" rIns="91425" bIns="45700" anchor="t" anchorCtr="0">
-            <a:spAutoFit/>
-          </a:bodyPr>
-          <a:lstStyle/>
-          <a:p>
-            <a:pPr marL="0" marR="0" lvl="0" indent="0" algn="l" rtl="0">
-              <a:lnSpc>
-                <a:spcPct val="100000"/>
-              </a:lnSpc>
-              <a:spcBef>
-                <a:spcPts val="0"/>
-              </a:spcBef>
-              <a:spcAft>
-                <a:spcPts val="0"/>
-              </a:spcAft>
-              <a:buClr>
-                <a:srgbClr val="000000"/>
-              </a:buClr>
-              <a:buSzPts val="3600"/>
-              <a:buFont typeface="Arial"/>
-              <a:buNone/>
-            </a:pPr>
-            <a:r>
-              <a:rPr lang="en-US" sz="3600" i="0" u="none" strike="noStrike" cap="none" dirty="0" err="1">
-                <a:solidFill>
-                  <a:srgbClr val="93DF5F"/>
-                </a:solidFill>
-                <a:latin typeface="Times New Roman"/>
-                <a:ea typeface="Times New Roman"/>
-                <a:cs typeface="Times New Roman"/>
-                <a:sym typeface="Times New Roman"/>
-              </a:rPr>
-              <a:t>Tìm</a:t>
-            </a:r>
-            <a:r>
-              <a:rPr lang="en-US" sz="3600" i="0" u="none" strike="noStrike" cap="none" dirty="0">
-                <a:solidFill>
-                  <a:srgbClr val="93DF5F"/>
-                </a:solidFill>
-                <a:latin typeface="Times New Roman"/>
-                <a:ea typeface="Times New Roman"/>
-                <a:cs typeface="Times New Roman"/>
-                <a:sym typeface="Times New Roman"/>
-              </a:rPr>
-              <a:t> hiểu </a:t>
-            </a:r>
-            <a:r>
-              <a:rPr lang="en-US" sz="3600" i="0" u="none" strike="noStrike" cap="none" dirty="0" err="1">
-                <a:solidFill>
-                  <a:srgbClr val="93DF5F"/>
-                </a:solidFill>
-                <a:latin typeface="Times New Roman"/>
-                <a:ea typeface="Times New Roman"/>
-                <a:cs typeface="Times New Roman"/>
-                <a:sym typeface="Times New Roman"/>
-              </a:rPr>
-              <a:t>về</a:t>
-            </a:r>
-            <a:r>
-              <a:rPr lang="en-US" sz="3600" i="0" u="none" strike="noStrike" cap="none" dirty="0">
-                <a:solidFill>
-                  <a:srgbClr val="93DF5F"/>
-                </a:solidFill>
-                <a:latin typeface="Times New Roman"/>
-                <a:ea typeface="Times New Roman"/>
-                <a:cs typeface="Times New Roman"/>
-                <a:sym typeface="Times New Roman"/>
-              </a:rPr>
-              <a:t> Page model</a:t>
-            </a:r>
-            <a:endParaRPr sz="3600" i="0" u="none" strike="noStrike" cap="none" dirty="0">
-              <a:solidFill>
-                <a:srgbClr val="93DF5F"/>
-              </a:solidFill>
-              <a:latin typeface="Times New Roman"/>
-              <a:ea typeface="Times New Roman"/>
-              <a:cs typeface="Times New Roman"/>
-              <a:sym typeface="Times New Roman"/>
-            </a:endParaRPr>
-          </a:p>
-        </p:txBody>
-      </p:sp>
-      <p:cxnSp>
-        <p:nvCxnSpPr>
-          <p:cNvPr id="184" name="Google Shape;184;geea522d09e_0_8"/>
-          <p:cNvCxnSpPr/>
-          <p:nvPr/>
-        </p:nvCxnSpPr>
-        <p:spPr>
-          <a:xfrm>
-            <a:off x="815879" y="1325204"/>
-            <a:ext cx="5210700" cy="0"/>
-          </a:xfrm>
-          <a:prstGeom prst="straightConnector1">
-            <a:avLst/>
-          </a:prstGeom>
-          <a:noFill/>
-          <a:ln w="25400" cap="flat" cmpd="sng">
-            <a:solidFill>
-              <a:schemeClr val="accent1"/>
-            </a:solidFill>
-            <a:prstDash val="solid"/>
-            <a:round/>
-            <a:headEnd type="none" w="sm" len="sm"/>
-            <a:tailEnd type="none" w="sm" len="sm"/>
-          </a:ln>
-        </p:spPr>
-      </p:cxnSp>
-      <p:pic>
-        <p:nvPicPr>
-          <p:cNvPr id="185" name="Google Shape;185;geea522d09e_0_8"/>
-          <p:cNvPicPr preferRelativeResize="0"/>
-          <p:nvPr/>
-        </p:nvPicPr>
-        <p:blipFill rotWithShape="1">
-          <a:blip r:embed="rId3">
-            <a:alphaModFix/>
-          </a:blip>
-          <a:srcRect/>
-          <a:stretch/>
-        </p:blipFill>
-        <p:spPr>
-          <a:xfrm>
-            <a:off x="677316" y="6274352"/>
-            <a:ext cx="1639649" cy="413900"/>
-          </a:xfrm>
-          <a:prstGeom prst="rect">
-            <a:avLst/>
-          </a:prstGeom>
-          <a:noFill/>
-          <a:ln>
-            <a:noFill/>
-          </a:ln>
-        </p:spPr>
-      </p:pic>
-      <p:pic>
-        <p:nvPicPr>
-          <p:cNvPr id="3" name="Picture 2">
-            <a:extLst>
-              <a:ext uri="{FF2B5EF4-FFF2-40B4-BE49-F238E27FC236}">
-                <a16:creationId xmlns:a16="http://schemas.microsoft.com/office/drawing/2014/main" id="{4B502DF3-AEFA-42A2-BBFC-0F54AA539BA0}"/>
-              </a:ext>
-            </a:extLst>
-          </p:cNvPr>
-          <p:cNvPicPr>
-            <a:picLocks noChangeAspect="1"/>
-          </p:cNvPicPr>
-          <p:nvPr/>
-        </p:nvPicPr>
-        <p:blipFill>
-          <a:blip r:embed="rId4"/>
-          <a:stretch>
-            <a:fillRect/>
-          </a:stretch>
-        </p:blipFill>
-        <p:spPr>
-          <a:xfrm>
-            <a:off x="1067468" y="2704936"/>
-            <a:ext cx="4427604" cy="2690093"/>
-          </a:xfrm>
-          <a:prstGeom prst="rect">
-            <a:avLst/>
-          </a:prstGeom>
-        </p:spPr>
-      </p:pic>
-    </p:spTree>
-    <p:extLst>
-      <p:ext uri="{BB962C8B-B14F-4D97-AF65-F5344CB8AC3E}">
-        <p14:creationId xmlns:p14="http://schemas.microsoft.com/office/powerpoint/2010/main" val="4147291824"/>
-      </p:ext>
-    </p:extLst>
-  </p:cSld>
-  <p:clrMapOvr>
-    <a:masterClrMapping/>
-  </p:clrMapOvr>
-</p:sld>
-</file>
-
-<file path=ppt/slides/slide8.xml><?xml version="1.0" encoding="utf-8"?>
 <p:sld xmlns:a="http://schemas.openxmlformats.org/drawingml/2006/main" xmlns:r="http://schemas.openxmlformats.org/officeDocument/2006/relationships" xmlns:p="http://schemas.openxmlformats.org/presentationml/2006/main">
   <p:cSld>
     <p:spTree>
@@ -40505,7 +41790,7 @@
         <p:spPr>
           <a:xfrm>
             <a:off x="677334" y="1710388"/>
-            <a:ext cx="8596800" cy="4331001"/>
+            <a:ext cx="8596800" cy="1209675"/>
           </a:xfrm>
           <a:prstGeom prst="rect">
             <a:avLst/>
@@ -40953,7 +42238,7 @@
                 <a:cs typeface="Times New Roman"/>
                 <a:sym typeface="Times New Roman"/>
               </a:rPr>
-              <a:t> page model (.</a:t>
+              <a:t> Page model (.</a:t>
             </a:r>
             <a:r>
               <a:rPr lang="en-US" sz="3600" dirty="0" err="1">
@@ -41068,7 +42353,7 @@
         </p:blipFill>
         <p:spPr>
           <a:xfrm>
-            <a:off x="913259" y="3220106"/>
+            <a:off x="1239195" y="3305247"/>
             <a:ext cx="5150269" cy="2107674"/>
           </a:xfrm>
           <a:prstGeom prst="rect">
@@ -41076,6 +42361,307 @@
           </a:prstGeom>
         </p:spPr>
       </p:pic>
+      <p:sp>
+        <p:nvSpPr>
+          <p:cNvPr id="7" name="Google Shape;190;geef53d5d55_1_10">
+            <a:extLst>
+              <a:ext uri="{FF2B5EF4-FFF2-40B4-BE49-F238E27FC236}">
+                <a16:creationId xmlns:a16="http://schemas.microsoft.com/office/drawing/2014/main" id="{FF146871-5ACD-4287-A1B0-1EBC98E4A7F2}"/>
+              </a:ext>
+            </a:extLst>
+          </p:cNvPr>
+          <p:cNvSpPr txBox="1">
+            <a:spLocks/>
+          </p:cNvSpPr>
+          <p:nvPr/>
+        </p:nvSpPr>
+        <p:spPr>
+          <a:xfrm>
+            <a:off x="677334" y="3711571"/>
+            <a:ext cx="8596800" cy="810063"/>
+          </a:xfrm>
+          <a:prstGeom prst="rect">
+            <a:avLst/>
+          </a:prstGeom>
+          <a:noFill/>
+          <a:ln>
+            <a:noFill/>
+          </a:ln>
+        </p:spPr>
+        <p:txBody>
+          <a:bodyPr spcFirstLastPara="1" wrap="square" lIns="91425" tIns="45700" rIns="91425" bIns="45700" anchor="t" anchorCtr="0">
+            <a:normAutofit/>
+          </a:bodyPr>
+          <a:lstStyle>
+            <a:defPPr marR="0" lvl="0" algn="l" rtl="0">
+              <a:lnSpc>
+                <a:spcPct val="100000"/>
+              </a:lnSpc>
+              <a:spcBef>
+                <a:spcPts val="0"/>
+              </a:spcBef>
+              <a:spcAft>
+                <a:spcPts val="0"/>
+              </a:spcAft>
+            </a:defPPr>
+            <a:lvl1pPr marL="457200" marR="0" lvl="0" indent="-320040" algn="l" rtl="0">
+              <a:lnSpc>
+                <a:spcPct val="100000"/>
+              </a:lnSpc>
+              <a:spcBef>
+                <a:spcPts val="1000"/>
+              </a:spcBef>
+              <a:spcAft>
+                <a:spcPts val="0"/>
+              </a:spcAft>
+              <a:buClr>
+                <a:schemeClr val="accent1"/>
+              </a:buClr>
+              <a:buSzPts val="1440"/>
+              <a:buFont typeface="Noto Sans Symbols"/>
+              <a:buChar char="►"/>
+              <a:defRPr sz="1800" b="0" i="0" u="none" strike="noStrike" cap="none">
+                <a:solidFill>
+                  <a:srgbClr val="3F3F3F"/>
+                </a:solidFill>
+                <a:latin typeface="Trebuchet MS"/>
+                <a:ea typeface="Trebuchet MS"/>
+                <a:cs typeface="Trebuchet MS"/>
+                <a:sym typeface="Trebuchet MS"/>
+              </a:defRPr>
+            </a:lvl1pPr>
+            <a:lvl2pPr marL="914400" marR="0" lvl="1" indent="-320040" algn="l" rtl="0">
+              <a:lnSpc>
+                <a:spcPct val="100000"/>
+              </a:lnSpc>
+              <a:spcBef>
+                <a:spcPts val="1000"/>
+              </a:spcBef>
+              <a:spcAft>
+                <a:spcPts val="0"/>
+              </a:spcAft>
+              <a:buClr>
+                <a:schemeClr val="accent1"/>
+              </a:buClr>
+              <a:buSzPts val="1440"/>
+              <a:buFont typeface="Noto Sans Symbols"/>
+              <a:buChar char="►"/>
+              <a:defRPr sz="1600" b="0" i="0" u="none" strike="noStrike" cap="none">
+                <a:solidFill>
+                  <a:srgbClr val="3F3F3F"/>
+                </a:solidFill>
+                <a:latin typeface="Trebuchet MS"/>
+                <a:ea typeface="Trebuchet MS"/>
+                <a:cs typeface="Trebuchet MS"/>
+                <a:sym typeface="Trebuchet MS"/>
+              </a:defRPr>
+            </a:lvl2pPr>
+            <a:lvl3pPr marL="1371600" marR="0" lvl="2" indent="-320039" algn="l" rtl="0">
+              <a:lnSpc>
+                <a:spcPct val="100000"/>
+              </a:lnSpc>
+              <a:spcBef>
+                <a:spcPts val="1000"/>
+              </a:spcBef>
+              <a:spcAft>
+                <a:spcPts val="0"/>
+              </a:spcAft>
+              <a:buClr>
+                <a:schemeClr val="accent1"/>
+              </a:buClr>
+              <a:buSzPts val="1440"/>
+              <a:buFont typeface="Noto Sans Symbols"/>
+              <a:buChar char="►"/>
+              <a:defRPr sz="1400" b="0" i="0" u="none" strike="noStrike" cap="none">
+                <a:solidFill>
+                  <a:srgbClr val="3F3F3F"/>
+                </a:solidFill>
+                <a:latin typeface="Trebuchet MS"/>
+                <a:ea typeface="Trebuchet MS"/>
+                <a:cs typeface="Trebuchet MS"/>
+                <a:sym typeface="Trebuchet MS"/>
+              </a:defRPr>
+            </a:lvl3pPr>
+            <a:lvl4pPr marL="1828800" marR="0" lvl="3" indent="-320039" algn="l" rtl="0">
+              <a:lnSpc>
+                <a:spcPct val="100000"/>
+              </a:lnSpc>
+              <a:spcBef>
+                <a:spcPts val="1000"/>
+              </a:spcBef>
+              <a:spcAft>
+                <a:spcPts val="0"/>
+              </a:spcAft>
+              <a:buClr>
+                <a:schemeClr val="accent1"/>
+              </a:buClr>
+              <a:buSzPts val="1440"/>
+              <a:buFont typeface="Noto Sans Symbols"/>
+              <a:buChar char="►"/>
+              <a:defRPr sz="1200" b="0" i="0" u="none" strike="noStrike" cap="none">
+                <a:solidFill>
+                  <a:srgbClr val="3F3F3F"/>
+                </a:solidFill>
+                <a:latin typeface="Trebuchet MS"/>
+                <a:ea typeface="Trebuchet MS"/>
+                <a:cs typeface="Trebuchet MS"/>
+                <a:sym typeface="Trebuchet MS"/>
+              </a:defRPr>
+            </a:lvl4pPr>
+            <a:lvl5pPr marL="2286000" marR="0" lvl="4" indent="-320039" algn="l" rtl="0">
+              <a:lnSpc>
+                <a:spcPct val="100000"/>
+              </a:lnSpc>
+              <a:spcBef>
+                <a:spcPts val="1000"/>
+              </a:spcBef>
+              <a:spcAft>
+                <a:spcPts val="0"/>
+              </a:spcAft>
+              <a:buClr>
+                <a:schemeClr val="accent1"/>
+              </a:buClr>
+              <a:buSzPts val="1440"/>
+              <a:buFont typeface="Noto Sans Symbols"/>
+              <a:buChar char="►"/>
+              <a:defRPr sz="1200" b="0" i="0" u="none" strike="noStrike" cap="none">
+                <a:solidFill>
+                  <a:srgbClr val="3F3F3F"/>
+                </a:solidFill>
+                <a:latin typeface="Trebuchet MS"/>
+                <a:ea typeface="Trebuchet MS"/>
+                <a:cs typeface="Trebuchet MS"/>
+                <a:sym typeface="Trebuchet MS"/>
+              </a:defRPr>
+            </a:lvl5pPr>
+            <a:lvl6pPr marL="2743200" marR="0" lvl="5" indent="-320039" algn="l" rtl="0">
+              <a:lnSpc>
+                <a:spcPct val="100000"/>
+              </a:lnSpc>
+              <a:spcBef>
+                <a:spcPts val="1000"/>
+              </a:spcBef>
+              <a:spcAft>
+                <a:spcPts val="0"/>
+              </a:spcAft>
+              <a:buClr>
+                <a:schemeClr val="accent1"/>
+              </a:buClr>
+              <a:buSzPts val="1440"/>
+              <a:buFont typeface="Noto Sans Symbols"/>
+              <a:buChar char="►"/>
+              <a:defRPr sz="1200" b="0" i="0" u="none" strike="noStrike" cap="none">
+                <a:solidFill>
+                  <a:srgbClr val="3F3F3F"/>
+                </a:solidFill>
+                <a:latin typeface="Trebuchet MS"/>
+                <a:ea typeface="Trebuchet MS"/>
+                <a:cs typeface="Trebuchet MS"/>
+                <a:sym typeface="Trebuchet MS"/>
+              </a:defRPr>
+            </a:lvl6pPr>
+            <a:lvl7pPr marL="3200400" marR="0" lvl="6" indent="-320039" algn="l" rtl="0">
+              <a:lnSpc>
+                <a:spcPct val="100000"/>
+              </a:lnSpc>
+              <a:spcBef>
+                <a:spcPts val="1000"/>
+              </a:spcBef>
+              <a:spcAft>
+                <a:spcPts val="0"/>
+              </a:spcAft>
+              <a:buClr>
+                <a:schemeClr val="accent1"/>
+              </a:buClr>
+              <a:buSzPts val="1440"/>
+              <a:buFont typeface="Noto Sans Symbols"/>
+              <a:buChar char="►"/>
+              <a:defRPr sz="1200" b="0" i="0" u="none" strike="noStrike" cap="none">
+                <a:solidFill>
+                  <a:srgbClr val="3F3F3F"/>
+                </a:solidFill>
+                <a:latin typeface="Trebuchet MS"/>
+                <a:ea typeface="Trebuchet MS"/>
+                <a:cs typeface="Trebuchet MS"/>
+                <a:sym typeface="Trebuchet MS"/>
+              </a:defRPr>
+            </a:lvl7pPr>
+            <a:lvl8pPr marL="3657600" marR="0" lvl="7" indent="-320040" algn="l" rtl="0">
+              <a:lnSpc>
+                <a:spcPct val="100000"/>
+              </a:lnSpc>
+              <a:spcBef>
+                <a:spcPts val="1000"/>
+              </a:spcBef>
+              <a:spcAft>
+                <a:spcPts val="0"/>
+              </a:spcAft>
+              <a:buClr>
+                <a:schemeClr val="accent1"/>
+              </a:buClr>
+              <a:buSzPts val="1440"/>
+              <a:buFont typeface="Noto Sans Symbols"/>
+              <a:buChar char="►"/>
+              <a:defRPr sz="1200" b="0" i="0" u="none" strike="noStrike" cap="none">
+                <a:solidFill>
+                  <a:srgbClr val="3F3F3F"/>
+                </a:solidFill>
+                <a:latin typeface="Trebuchet MS"/>
+                <a:ea typeface="Trebuchet MS"/>
+                <a:cs typeface="Trebuchet MS"/>
+                <a:sym typeface="Trebuchet MS"/>
+              </a:defRPr>
+            </a:lvl8pPr>
+            <a:lvl9pPr marL="4114800" marR="0" lvl="8" indent="-320040" algn="l" rtl="0">
+              <a:lnSpc>
+                <a:spcPct val="100000"/>
+              </a:lnSpc>
+              <a:spcBef>
+                <a:spcPts val="1000"/>
+              </a:spcBef>
+              <a:spcAft>
+                <a:spcPts val="0"/>
+              </a:spcAft>
+              <a:buClr>
+                <a:schemeClr val="accent1"/>
+              </a:buClr>
+              <a:buSzPts val="1440"/>
+              <a:buFont typeface="Noto Sans Symbols"/>
+              <a:buChar char="►"/>
+              <a:defRPr sz="1200" b="0" i="0" u="none" strike="noStrike" cap="none">
+                <a:solidFill>
+                  <a:srgbClr val="3F3F3F"/>
+                </a:solidFill>
+                <a:latin typeface="Trebuchet MS"/>
+                <a:ea typeface="Trebuchet MS"/>
+                <a:cs typeface="Trebuchet MS"/>
+                <a:sym typeface="Trebuchet MS"/>
+              </a:defRPr>
+            </a:lvl9pPr>
+          </a:lstStyle>
+          <a:p>
+            <a:pPr marL="137160" indent="0">
+              <a:spcBef>
+                <a:spcPts val="0"/>
+              </a:spcBef>
+              <a:buClr>
+                <a:schemeClr val="lt1"/>
+              </a:buClr>
+              <a:buFont typeface="Noto Sans Symbols"/>
+              <a:buNone/>
+            </a:pPr>
+            <a:endParaRPr lang="en-US" dirty="0">
+              <a:solidFill>
+                <a:schemeClr val="lt1"/>
+              </a:solidFill>
+              <a:latin typeface="Times New Roman"/>
+              <a:ea typeface="Times New Roman"/>
+              <a:cs typeface="Times New Roman"/>
+              <a:sym typeface="Times New Roman"/>
+            </a:endParaRPr>
+          </a:p>
+        </p:txBody>
+      </p:sp>
     </p:spTree>
   </p:cSld>
   <p:clrMapOvr>
@@ -41084,7 +42670,7 @@
 </p:sld>
 </file>
 
-<file path=ppt/slides/slide9.xml><?xml version="1.0" encoding="utf-8"?>
+<file path=ppt/slides/slide8.xml><?xml version="1.0" encoding="utf-8"?>
 <p:sld xmlns:a="http://schemas.openxmlformats.org/drawingml/2006/main" xmlns:r="http://schemas.openxmlformats.org/officeDocument/2006/relationships" xmlns:p="http://schemas.openxmlformats.org/presentationml/2006/main">
   <p:cSld>
     <p:spTree>
@@ -41114,7 +42700,7 @@
         <p:spPr>
           <a:xfrm>
             <a:off x="677316" y="1592250"/>
-            <a:ext cx="8596800" cy="4148012"/>
+            <a:ext cx="8596800" cy="1514844"/>
           </a:xfrm>
           <a:prstGeom prst="rect">
             <a:avLst/>
@@ -41389,84 +42975,6 @@
                 <a:sym typeface="Times New Roman"/>
               </a:rPr>
               <a:t> ở Razor template</a:t>
-            </a:r>
-          </a:p>
-          <a:p>
-            <a:pPr>
-              <a:spcBef>
-                <a:spcPts val="0"/>
-              </a:spcBef>
-              <a:buClr>
-                <a:schemeClr val="lt1"/>
-              </a:buClr>
-              <a:buFont typeface="Times New Roman"/>
-              <a:buChar char="►"/>
-            </a:pPr>
-            <a:r>
-              <a:rPr lang="en-US" dirty="0" err="1">
-                <a:solidFill>
-                  <a:schemeClr val="lt1"/>
-                </a:solidFill>
-                <a:latin typeface="Times New Roman"/>
-                <a:cs typeface="Times New Roman"/>
-                <a:sym typeface="Times New Roman"/>
-              </a:rPr>
-              <a:t>OnGet</a:t>
-            </a:r>
-            <a:r>
-              <a:rPr lang="en-US" dirty="0">
-                <a:solidFill>
-                  <a:schemeClr val="lt1"/>
-                </a:solidFill>
-                <a:latin typeface="Times New Roman"/>
-                <a:cs typeface="Times New Roman"/>
-                <a:sym typeface="Times New Roman"/>
-              </a:rPr>
-              <a:t>() method </a:t>
-            </a:r>
-            <a:r>
-              <a:rPr lang="en-US" dirty="0" err="1">
-                <a:solidFill>
-                  <a:schemeClr val="lt1"/>
-                </a:solidFill>
-                <a:latin typeface="Times New Roman"/>
-                <a:cs typeface="Times New Roman"/>
-                <a:sym typeface="Times New Roman"/>
-              </a:rPr>
-              <a:t>sẽ</a:t>
-            </a:r>
-            <a:r>
-              <a:rPr lang="en-US" dirty="0">
-                <a:solidFill>
-                  <a:schemeClr val="lt1"/>
-                </a:solidFill>
-                <a:latin typeface="Times New Roman"/>
-                <a:cs typeface="Times New Roman"/>
-                <a:sym typeface="Times New Roman"/>
-              </a:rPr>
-              <a:t> </a:t>
-            </a:r>
-            <a:r>
-              <a:rPr lang="en-US" dirty="0" err="1">
-                <a:solidFill>
-                  <a:schemeClr val="lt1"/>
-                </a:solidFill>
-                <a:latin typeface="Times New Roman"/>
-                <a:cs typeface="Times New Roman"/>
-                <a:sym typeface="Times New Roman"/>
-              </a:rPr>
-              <a:t>khởi</a:t>
-            </a:r>
-            <a:r>
-              <a:rPr lang="en-US" dirty="0">
-                <a:solidFill>
-                  <a:schemeClr val="lt1"/>
-                </a:solidFill>
-                <a:latin typeface="Times New Roman"/>
-                <a:cs typeface="Times New Roman"/>
-                <a:sym typeface="Times New Roman"/>
-              </a:rPr>
-              <a:t> tạo data khi page load</a:t>
             </a:r>
             <a:endParaRPr dirty="0">
               <a:solidFill>
@@ -41656,7 +43164,7 @@
         </p:blipFill>
         <p:spPr>
           <a:xfrm>
-            <a:off x="2919114" y="3193143"/>
+            <a:off x="7929653" y="804507"/>
             <a:ext cx="3966878" cy="3359207"/>
           </a:xfrm>
           <a:prstGeom prst="rect">
@@ -41664,7 +43172,634 @@
           </a:prstGeom>
         </p:spPr>
       </p:pic>
+      <p:sp>
+        <p:nvSpPr>
+          <p:cNvPr id="2" name="Rectangle 1">
+            <a:extLst>
+              <a:ext uri="{FF2B5EF4-FFF2-40B4-BE49-F238E27FC236}">
+                <a16:creationId xmlns:a16="http://schemas.microsoft.com/office/drawing/2014/main" id="{C42D757C-E4D2-4C90-A58D-0BD0A7CA839E}"/>
+              </a:ext>
+            </a:extLst>
+          </p:cNvPr>
+          <p:cNvSpPr/>
+          <p:nvPr/>
+        </p:nvSpPr>
+        <p:spPr>
+          <a:xfrm>
+            <a:off x="882116" y="3489297"/>
+            <a:ext cx="6096000" cy="646331"/>
+          </a:xfrm>
+          <a:prstGeom prst="rect">
+            <a:avLst/>
+          </a:prstGeom>
+        </p:spPr>
+        <p:txBody>
+          <a:bodyPr>
+            <a:spAutoFit/>
+          </a:bodyPr>
+          <a:lstStyle/>
+          <a:p>
+            <a:pPr marL="457200" indent="-320040">
+              <a:buClr>
+                <a:schemeClr val="lt1"/>
+              </a:buClr>
+              <a:buSzPts val="1440"/>
+              <a:buFont typeface="Times New Roman"/>
+              <a:buChar char="►"/>
+            </a:pPr>
+            <a:r>
+              <a:rPr lang="en-US" sz="1800" dirty="0">
+                <a:solidFill>
+                  <a:schemeClr val="lt1"/>
+                </a:solidFill>
+                <a:latin typeface="Times New Roman"/>
+                <a:cs typeface="Times New Roman"/>
+                <a:sym typeface="Times New Roman"/>
+              </a:rPr>
+              <a:t>Có thể </a:t>
+            </a:r>
+            <a:r>
+              <a:rPr lang="en-US" sz="1800" dirty="0" err="1">
+                <a:solidFill>
+                  <a:schemeClr val="lt1"/>
+                </a:solidFill>
+                <a:latin typeface="Times New Roman"/>
+                <a:cs typeface="Times New Roman"/>
+                <a:sym typeface="Times New Roman"/>
+              </a:rPr>
+              <a:t>truyền</a:t>
+            </a:r>
+            <a:r>
+              <a:rPr lang="en-US" sz="1800" dirty="0">
+                <a:solidFill>
+                  <a:schemeClr val="lt1"/>
+                </a:solidFill>
+                <a:latin typeface="Times New Roman"/>
+                <a:cs typeface="Times New Roman"/>
+                <a:sym typeface="Times New Roman"/>
+              </a:rPr>
+              <a:t> </a:t>
+            </a:r>
+            <a:r>
+              <a:rPr lang="en-US" sz="1800" dirty="0" err="1">
+                <a:solidFill>
+                  <a:schemeClr val="lt1"/>
+                </a:solidFill>
+                <a:latin typeface="Times New Roman"/>
+                <a:cs typeface="Times New Roman"/>
+                <a:sym typeface="Times New Roman"/>
+              </a:rPr>
+              <a:t>dữ</a:t>
+            </a:r>
+            <a:r>
+              <a:rPr lang="en-US" sz="1800" dirty="0">
+                <a:solidFill>
+                  <a:schemeClr val="lt1"/>
+                </a:solidFill>
+                <a:latin typeface="Times New Roman"/>
+                <a:cs typeface="Times New Roman"/>
+                <a:sym typeface="Times New Roman"/>
+              </a:rPr>
+              <a:t> </a:t>
+            </a:r>
+            <a:r>
+              <a:rPr lang="en-US" sz="1800" dirty="0" err="1">
+                <a:solidFill>
+                  <a:schemeClr val="lt1"/>
+                </a:solidFill>
+                <a:latin typeface="Times New Roman"/>
+                <a:cs typeface="Times New Roman"/>
+                <a:sym typeface="Times New Roman"/>
+              </a:rPr>
+              <a:t>liệu</a:t>
+            </a:r>
+            <a:r>
+              <a:rPr lang="en-US" sz="1800" dirty="0">
+                <a:solidFill>
+                  <a:schemeClr val="lt1"/>
+                </a:solidFill>
+                <a:latin typeface="Times New Roman"/>
+                <a:cs typeface="Times New Roman"/>
+                <a:sym typeface="Times New Roman"/>
+              </a:rPr>
+              <a:t> từ page model đến Razor </a:t>
+            </a:r>
+            <a:r>
+              <a:rPr lang="en-US" sz="1800" dirty="0" err="1">
+                <a:solidFill>
+                  <a:schemeClr val="lt1"/>
+                </a:solidFill>
+                <a:latin typeface="Times New Roman"/>
+                <a:cs typeface="Times New Roman"/>
+                <a:sym typeface="Times New Roman"/>
+              </a:rPr>
+              <a:t>sử</a:t>
+            </a:r>
+            <a:r>
+              <a:rPr lang="en-US" sz="1800" dirty="0">
+                <a:solidFill>
+                  <a:schemeClr val="lt1"/>
+                </a:solidFill>
+                <a:latin typeface="Times New Roman"/>
+                <a:cs typeface="Times New Roman"/>
+                <a:sym typeface="Times New Roman"/>
+              </a:rPr>
+              <a:t> </a:t>
+            </a:r>
+            <a:r>
+              <a:rPr lang="en-US" sz="1800" dirty="0" err="1">
+                <a:solidFill>
+                  <a:schemeClr val="lt1"/>
+                </a:solidFill>
+                <a:latin typeface="Times New Roman"/>
+                <a:cs typeface="Times New Roman"/>
+                <a:sym typeface="Times New Roman"/>
+              </a:rPr>
+              <a:t>dụng</a:t>
+            </a:r>
+            <a:r>
+              <a:rPr lang="en-US" sz="1800" dirty="0">
+                <a:solidFill>
+                  <a:schemeClr val="lt1"/>
+                </a:solidFill>
+                <a:latin typeface="Times New Roman"/>
+                <a:cs typeface="Times New Roman"/>
+                <a:sym typeface="Times New Roman"/>
+              </a:rPr>
+              <a:t> </a:t>
+            </a:r>
+            <a:r>
+              <a:rPr lang="en-US" sz="1800" dirty="0" err="1">
+                <a:solidFill>
+                  <a:schemeClr val="lt1"/>
+                </a:solidFill>
+                <a:latin typeface="Times New Roman"/>
+                <a:cs typeface="Times New Roman"/>
+                <a:sym typeface="Times New Roman"/>
+              </a:rPr>
+              <a:t>ViewData</a:t>
+            </a:r>
+            <a:r>
+              <a:rPr lang="en-US" sz="1800" dirty="0">
+                <a:solidFill>
+                  <a:schemeClr val="lt1"/>
+                </a:solidFill>
+                <a:latin typeface="Times New Roman"/>
+                <a:cs typeface="Times New Roman"/>
+                <a:sym typeface="Times New Roman"/>
+              </a:rPr>
+              <a:t>. (Không </a:t>
+            </a:r>
+            <a:r>
+              <a:rPr lang="en-US" sz="1800" dirty="0" err="1">
+                <a:solidFill>
+                  <a:schemeClr val="lt1"/>
+                </a:solidFill>
+                <a:latin typeface="Times New Roman"/>
+                <a:cs typeface="Times New Roman"/>
+                <a:sym typeface="Times New Roman"/>
+              </a:rPr>
+              <a:t>sử</a:t>
+            </a:r>
+            <a:r>
+              <a:rPr lang="en-US" sz="1800" dirty="0">
+                <a:solidFill>
+                  <a:schemeClr val="lt1"/>
+                </a:solidFill>
+                <a:latin typeface="Times New Roman"/>
+                <a:cs typeface="Times New Roman"/>
+                <a:sym typeface="Times New Roman"/>
+              </a:rPr>
+              <a:t> </a:t>
+            </a:r>
+            <a:r>
+              <a:rPr lang="en-US" sz="1800" dirty="0" err="1">
+                <a:solidFill>
+                  <a:schemeClr val="lt1"/>
+                </a:solidFill>
+                <a:latin typeface="Times New Roman"/>
+                <a:cs typeface="Times New Roman"/>
+                <a:sym typeface="Times New Roman"/>
+              </a:rPr>
+              <a:t>dụng</a:t>
+            </a:r>
+            <a:r>
+              <a:rPr lang="en-US" sz="1800" dirty="0">
+                <a:solidFill>
+                  <a:schemeClr val="lt1"/>
+                </a:solidFill>
+                <a:latin typeface="Times New Roman"/>
+                <a:cs typeface="Times New Roman"/>
+                <a:sym typeface="Times New Roman"/>
+              </a:rPr>
+              <a:t> đ</a:t>
+            </a:r>
+            <a:r>
+              <a:rPr lang="vi-VN" sz="1800" dirty="0">
+                <a:solidFill>
+                  <a:schemeClr val="lt1"/>
+                </a:solidFill>
+                <a:latin typeface="Times New Roman"/>
+                <a:cs typeface="Times New Roman"/>
+                <a:sym typeface="Times New Roman"/>
+              </a:rPr>
+              <a:t>ư</a:t>
+            </a:r>
+            <a:r>
+              <a:rPr lang="en-US" sz="1800" dirty="0" err="1">
+                <a:solidFill>
+                  <a:schemeClr val="lt1"/>
+                </a:solidFill>
+                <a:latin typeface="Times New Roman"/>
+                <a:cs typeface="Times New Roman"/>
+                <a:sym typeface="Times New Roman"/>
+              </a:rPr>
+              <a:t>ợc</a:t>
+            </a:r>
+            <a:r>
+              <a:rPr lang="en-US" sz="1800" dirty="0">
+                <a:solidFill>
+                  <a:schemeClr val="lt1"/>
+                </a:solidFill>
+                <a:latin typeface="Times New Roman"/>
+                <a:cs typeface="Times New Roman"/>
+                <a:sym typeface="Times New Roman"/>
+              </a:rPr>
+              <a:t> </a:t>
+            </a:r>
+            <a:r>
+              <a:rPr lang="en-US" sz="1800" dirty="0" err="1">
+                <a:solidFill>
+                  <a:schemeClr val="lt1"/>
+                </a:solidFill>
+                <a:latin typeface="Times New Roman"/>
+                <a:cs typeface="Times New Roman"/>
+                <a:sym typeface="Times New Roman"/>
+              </a:rPr>
+              <a:t>ViewBag</a:t>
+            </a:r>
+            <a:r>
+              <a:rPr lang="en-US" sz="1800" dirty="0">
+                <a:solidFill>
+                  <a:schemeClr val="lt1"/>
+                </a:solidFill>
+                <a:latin typeface="Times New Roman"/>
+                <a:cs typeface="Times New Roman"/>
+                <a:sym typeface="Times New Roman"/>
+              </a:rPr>
+              <a:t>)</a:t>
+            </a:r>
+          </a:p>
+        </p:txBody>
+      </p:sp>
+      <p:pic>
+        <p:nvPicPr>
+          <p:cNvPr id="8" name="Picture 7">
+            <a:extLst>
+              <a:ext uri="{FF2B5EF4-FFF2-40B4-BE49-F238E27FC236}">
+                <a16:creationId xmlns:a16="http://schemas.microsoft.com/office/drawing/2014/main" id="{C46F6D35-1DA6-479F-8CAC-FDEAEFF6D2D6}"/>
+              </a:ext>
+            </a:extLst>
+          </p:cNvPr>
+          <p:cNvPicPr>
+            <a:picLocks noChangeAspect="1"/>
+          </p:cNvPicPr>
+          <p:nvPr/>
+        </p:nvPicPr>
+        <p:blipFill>
+          <a:blip r:embed="rId5"/>
+          <a:stretch>
+            <a:fillRect/>
+          </a:stretch>
+        </p:blipFill>
+        <p:spPr>
+          <a:xfrm>
+            <a:off x="1637867" y="4492463"/>
+            <a:ext cx="3337849" cy="1120237"/>
+          </a:xfrm>
+          <a:prstGeom prst="rect">
+            <a:avLst/>
+          </a:prstGeom>
+        </p:spPr>
+      </p:pic>
     </p:spTree>
+  </p:cSld>
+  <p:clrMapOvr>
+    <a:masterClrMapping/>
+  </p:clrMapOvr>
+</p:sld>
+</file>
+
+<file path=ppt/slides/slide9.xml><?xml version="1.0" encoding="utf-8"?>
+<p:sld xmlns:a="http://schemas.openxmlformats.org/drawingml/2006/main" xmlns:r="http://schemas.openxmlformats.org/officeDocument/2006/relationships" xmlns:p="http://schemas.openxmlformats.org/presentationml/2006/main">
+  <p:cSld>
+    <p:spTree>
+      <p:nvGrpSpPr>
+        <p:cNvPr id="1" name="Shape 181"/>
+        <p:cNvGrpSpPr/>
+        <p:nvPr/>
+      </p:nvGrpSpPr>
+      <p:grpSpPr>
+        <a:xfrm>
+          <a:off x="0" y="0"/>
+          <a:ext cx="0" cy="0"/>
+          <a:chOff x="0" y="0"/>
+          <a:chExt cx="0" cy="0"/>
+        </a:xfrm>
+      </p:grpSpPr>
+      <p:sp>
+        <p:nvSpPr>
+          <p:cNvPr id="183" name="Google Shape;183;geea522d09e_0_8"/>
+          <p:cNvSpPr txBox="1"/>
+          <p:nvPr/>
+        </p:nvSpPr>
+        <p:spPr>
+          <a:xfrm>
+            <a:off x="677333" y="678873"/>
+            <a:ext cx="10426095" cy="646290"/>
+          </a:xfrm>
+          <a:prstGeom prst="rect">
+            <a:avLst/>
+          </a:prstGeom>
+          <a:noFill/>
+          <a:ln>
+            <a:noFill/>
+          </a:ln>
+        </p:spPr>
+        <p:txBody>
+          <a:bodyPr spcFirstLastPara="1" wrap="square" lIns="91425" tIns="45700" rIns="91425" bIns="45700" anchor="t" anchorCtr="0">
+            <a:spAutoFit/>
+          </a:bodyPr>
+          <a:lstStyle/>
+          <a:p>
+            <a:pPr marL="0" marR="0" lvl="0" indent="0" algn="l" rtl="0">
+              <a:lnSpc>
+                <a:spcPct val="100000"/>
+              </a:lnSpc>
+              <a:spcBef>
+                <a:spcPts val="0"/>
+              </a:spcBef>
+              <a:spcAft>
+                <a:spcPts val="0"/>
+              </a:spcAft>
+              <a:buClr>
+                <a:srgbClr val="000000"/>
+              </a:buClr>
+              <a:buSzPts val="3600"/>
+              <a:buFont typeface="Arial"/>
+              <a:buNone/>
+            </a:pPr>
+            <a:r>
+              <a:rPr lang="en-US" sz="3600" i="0" u="none" strike="noStrike" cap="none" dirty="0">
+                <a:solidFill>
+                  <a:srgbClr val="93DF5F"/>
+                </a:solidFill>
+                <a:latin typeface="Times New Roman"/>
+                <a:ea typeface="Times New Roman"/>
+                <a:cs typeface="Times New Roman"/>
+                <a:sym typeface="Times New Roman"/>
+              </a:rPr>
+              <a:t>Page model </a:t>
+            </a:r>
+            <a:r>
+              <a:rPr lang="en-US" sz="3600" dirty="0">
+                <a:solidFill>
+                  <a:srgbClr val="93DF5F"/>
+                </a:solidFill>
+                <a:latin typeface="Times New Roman"/>
+                <a:ea typeface="Times New Roman"/>
+                <a:cs typeface="Times New Roman"/>
+                <a:sym typeface="Times New Roman"/>
+              </a:rPr>
+              <a:t>r</a:t>
+            </a:r>
+            <a:r>
+              <a:rPr lang="en-US" sz="3600" i="0" u="none" strike="noStrike" cap="none" dirty="0">
+                <a:solidFill>
+                  <a:srgbClr val="93DF5F"/>
+                </a:solidFill>
+                <a:latin typeface="Times New Roman"/>
+                <a:ea typeface="Times New Roman"/>
+                <a:cs typeface="Times New Roman"/>
+                <a:sym typeface="Times New Roman"/>
+              </a:rPr>
+              <a:t>equest convention</a:t>
+            </a:r>
+            <a:endParaRPr sz="3600" i="0" u="none" strike="noStrike" cap="none" dirty="0">
+              <a:solidFill>
+                <a:srgbClr val="93DF5F"/>
+              </a:solidFill>
+              <a:latin typeface="Times New Roman"/>
+              <a:ea typeface="Times New Roman"/>
+              <a:cs typeface="Times New Roman"/>
+              <a:sym typeface="Times New Roman"/>
+            </a:endParaRPr>
+          </a:p>
+        </p:txBody>
+      </p:sp>
+      <p:cxnSp>
+        <p:nvCxnSpPr>
+          <p:cNvPr id="184" name="Google Shape;184;geea522d09e_0_8"/>
+          <p:cNvCxnSpPr>
+            <a:cxnSpLocks/>
+          </p:cNvCxnSpPr>
+          <p:nvPr/>
+        </p:nvCxnSpPr>
+        <p:spPr>
+          <a:xfrm>
+            <a:off x="815879" y="1325204"/>
+            <a:ext cx="8458237" cy="0"/>
+          </a:xfrm>
+          <a:prstGeom prst="straightConnector1">
+            <a:avLst/>
+          </a:prstGeom>
+          <a:noFill/>
+          <a:ln w="25400" cap="flat" cmpd="sng">
+            <a:solidFill>
+              <a:schemeClr val="accent1"/>
+            </a:solidFill>
+            <a:prstDash val="solid"/>
+            <a:round/>
+            <a:headEnd type="none" w="sm" len="sm"/>
+            <a:tailEnd type="none" w="sm" len="sm"/>
+          </a:ln>
+        </p:spPr>
+      </p:cxnSp>
+      <p:pic>
+        <p:nvPicPr>
+          <p:cNvPr id="185" name="Google Shape;185;geea522d09e_0_8"/>
+          <p:cNvPicPr preferRelativeResize="0"/>
+          <p:nvPr/>
+        </p:nvPicPr>
+        <p:blipFill rotWithShape="1">
+          <a:blip r:embed="rId3">
+            <a:alphaModFix/>
+          </a:blip>
+          <a:srcRect/>
+          <a:stretch/>
+        </p:blipFill>
+        <p:spPr>
+          <a:xfrm>
+            <a:off x="677316" y="6274352"/>
+            <a:ext cx="1639649" cy="413900"/>
+          </a:xfrm>
+          <a:prstGeom prst="rect">
+            <a:avLst/>
+          </a:prstGeom>
+          <a:noFill/>
+          <a:ln>
+            <a:noFill/>
+          </a:ln>
+        </p:spPr>
+      </p:pic>
+      <p:pic>
+        <p:nvPicPr>
+          <p:cNvPr id="5" name="Picture 4">
+            <a:extLst>
+              <a:ext uri="{FF2B5EF4-FFF2-40B4-BE49-F238E27FC236}">
+                <a16:creationId xmlns:a16="http://schemas.microsoft.com/office/drawing/2014/main" id="{5C365D7E-671D-4038-B228-42D5D5FB1416}"/>
+              </a:ext>
+            </a:extLst>
+          </p:cNvPr>
+          <p:cNvPicPr>
+            <a:picLocks noChangeAspect="1"/>
+          </p:cNvPicPr>
+          <p:nvPr/>
+        </p:nvPicPr>
+        <p:blipFill>
+          <a:blip r:embed="rId4"/>
+          <a:stretch>
+            <a:fillRect/>
+          </a:stretch>
+        </p:blipFill>
+        <p:spPr>
+          <a:xfrm>
+            <a:off x="738585" y="1876343"/>
+            <a:ext cx="5357415" cy="2279298"/>
+          </a:xfrm>
+          <a:prstGeom prst="rect">
+            <a:avLst/>
+          </a:prstGeom>
+        </p:spPr>
+      </p:pic>
+      <p:pic>
+        <p:nvPicPr>
+          <p:cNvPr id="2" name="Picture 1">
+            <a:extLst>
+              <a:ext uri="{FF2B5EF4-FFF2-40B4-BE49-F238E27FC236}">
+                <a16:creationId xmlns:a16="http://schemas.microsoft.com/office/drawing/2014/main" id="{A7751C2A-1A60-4287-8537-3F762D6D9A01}"/>
+              </a:ext>
+            </a:extLst>
+          </p:cNvPr>
+          <p:cNvPicPr>
+            <a:picLocks noChangeAspect="1"/>
+          </p:cNvPicPr>
+          <p:nvPr/>
+        </p:nvPicPr>
+        <p:blipFill>
+          <a:blip r:embed="rId5"/>
+          <a:stretch>
+            <a:fillRect/>
+          </a:stretch>
+        </p:blipFill>
+        <p:spPr>
+          <a:xfrm>
+            <a:off x="6577277" y="1546603"/>
+            <a:ext cx="4206605" cy="4138019"/>
+          </a:xfrm>
+          <a:prstGeom prst="rect">
+            <a:avLst/>
+          </a:prstGeom>
+        </p:spPr>
+      </p:pic>
+      <p:sp>
+        <p:nvSpPr>
+          <p:cNvPr id="8" name="Rectangle 7">
+            <a:extLst>
+              <a:ext uri="{FF2B5EF4-FFF2-40B4-BE49-F238E27FC236}">
+                <a16:creationId xmlns:a16="http://schemas.microsoft.com/office/drawing/2014/main" id="{A68BC167-A899-4B9C-AC3C-3B27DF24DA96}"/>
+              </a:ext>
+            </a:extLst>
+          </p:cNvPr>
+          <p:cNvSpPr/>
+          <p:nvPr/>
+        </p:nvSpPr>
+        <p:spPr>
+          <a:xfrm>
+            <a:off x="369292" y="4706864"/>
+            <a:ext cx="6096000" cy="646331"/>
+          </a:xfrm>
+          <a:prstGeom prst="rect">
+            <a:avLst/>
+          </a:prstGeom>
+        </p:spPr>
+        <p:txBody>
+          <a:bodyPr>
+            <a:spAutoFit/>
+          </a:bodyPr>
+          <a:lstStyle/>
+          <a:p>
+            <a:pPr marL="457200" indent="-320040">
+              <a:buClr>
+                <a:schemeClr val="lt1"/>
+              </a:buClr>
+              <a:buSzPts val="1440"/>
+              <a:buFont typeface="Times New Roman"/>
+              <a:buChar char="►"/>
+            </a:pPr>
+            <a:r>
+              <a:rPr lang="en-US" sz="1800" dirty="0" err="1">
+                <a:solidFill>
+                  <a:schemeClr val="lt1"/>
+                </a:solidFill>
+                <a:latin typeface="Times New Roman"/>
+                <a:cs typeface="Times New Roman"/>
+                <a:sym typeface="Times New Roman"/>
+              </a:rPr>
+              <a:t>Chú</a:t>
+            </a:r>
+            <a:r>
+              <a:rPr lang="en-US" sz="1800" dirty="0">
+                <a:solidFill>
+                  <a:schemeClr val="lt1"/>
+                </a:solidFill>
+                <a:latin typeface="Times New Roman"/>
+                <a:cs typeface="Times New Roman"/>
+                <a:sym typeface="Times New Roman"/>
+              </a:rPr>
+              <a:t> ý cách đặt tên custom handler: </a:t>
+            </a:r>
+            <a:r>
+              <a:rPr lang="en-US" sz="1800" dirty="0" err="1">
+                <a:solidFill>
+                  <a:schemeClr val="lt1"/>
+                </a:solidFill>
+                <a:latin typeface="Times New Roman"/>
+                <a:cs typeface="Times New Roman"/>
+                <a:sym typeface="Times New Roman"/>
+              </a:rPr>
+              <a:t>OnPost</a:t>
+            </a:r>
+            <a:r>
+              <a:rPr lang="en-US" sz="1800" dirty="0">
+                <a:solidFill>
+                  <a:schemeClr val="lt1"/>
+                </a:solidFill>
+                <a:latin typeface="Times New Roman"/>
+                <a:cs typeface="Times New Roman"/>
+                <a:sym typeface="Times New Roman"/>
+              </a:rPr>
+              <a:t> + Name handler</a:t>
+            </a:r>
+          </a:p>
+        </p:txBody>
+      </p:sp>
+    </p:spTree>
+    <p:extLst>
+      <p:ext uri="{BB962C8B-B14F-4D97-AF65-F5344CB8AC3E}">
+        <p14:creationId xmlns:p14="http://schemas.microsoft.com/office/powerpoint/2010/main" val="3571954195"/>
+      </p:ext>
+    </p:extLst>
   </p:cSld>
   <p:clrMapOvr>
     <a:masterClrMapping/>

--- a/Razor pages.pptx
+++ b/Razor pages.pptx
@@ -288,7 +288,7 @@
       <p15:sldGuideLst xmlns:p15="http://schemas.microsoft.com/office/powerpoint/2012/main"/>
     </p:ext>
     <p:ext uri="http://customooxmlschemas.google.com/">
-      <go:slidesCustomData xmlns:go="http://customooxmlschemas.google.com/" xmlns:ahyp="http://schemas.microsoft.com/office/drawing/2018/hyperlinkcolor" xmlns:p15="http://schemas.microsoft.com/office/powerpoint/2012/main" xmlns:p14="http://schemas.microsoft.com/office/powerpoint/2010/main" xmlns:com="http://schemas.openxmlformats.org/drawingml/2006/compatibility" xmlns:pvml="urn:schemas-microsoft-com:office:powerpoint" xmlns:v="urn:schemas-microsoft-com:vml" xmlns:o="urn:schemas-microsoft-com:office:office" xmlns:dgm="http://schemas.openxmlformats.org/drawingml/2006/diagram" xmlns:c="http://schemas.openxmlformats.org/drawingml/2006/chart" xmlns:mv="urn:schemas-microsoft-com:mac:vml" xmlns:mc="http://schemas.openxmlformats.org/markup-compatibility/2006" xmlns="" r:id="rId47" roundtripDataSignature="AMtx7mjVEwqA5jePl45nlKRjSNtdNd4Yxw=="/>
+      <go:slidesCustomData xmlns="" xmlns:mc="http://schemas.openxmlformats.org/markup-compatibility/2006" xmlns:mv="urn:schemas-microsoft-com:mac:vml" xmlns:c="http://schemas.openxmlformats.org/drawingml/2006/chart" xmlns:dgm="http://schemas.openxmlformats.org/drawingml/2006/diagram" xmlns:o="urn:schemas-microsoft-com:office:office" xmlns:v="urn:schemas-microsoft-com:vml" xmlns:pvml="urn:schemas-microsoft-com:office:powerpoint" xmlns:com="http://schemas.openxmlformats.org/drawingml/2006/compatibility" xmlns:p14="http://schemas.microsoft.com/office/powerpoint/2010/main" xmlns:p15="http://schemas.microsoft.com/office/powerpoint/2012/main" xmlns:ahyp="http://schemas.microsoft.com/office/drawing/2018/hyperlinkcolor" xmlns:go="http://customooxmlschemas.google.com/" r:id="rId47" roundtripDataSignature="AMtx7mjVEwqA5jePl45nlKRjSNtdNd4Yxw=="/>
     </p:ext>
   </p:extLst>
 </p:presentation>
@@ -26346,25 +26346,118 @@
                 <a:cs typeface="Times New Roman"/>
                 <a:sym typeface="Times New Roman"/>
               </a:rPr>
-              <a:t>, route param, body request, form request, header…</a:t>
-            </a:r>
-          </a:p>
-          <a:p>
-            <a:pPr marL="377191" lvl="0" indent="-285750">
-              <a:spcBef>
-                <a:spcPts val="0"/>
-              </a:spcBef>
-              <a:buFontTx/>
-              <a:buChar char="-"/>
-            </a:pPr>
-            <a:endParaRPr lang="en-US" dirty="0">
-              <a:solidFill>
-                <a:schemeClr val="lt1"/>
-              </a:solidFill>
-              <a:latin typeface="Times New Roman"/>
-              <a:cs typeface="Times New Roman"/>
-              <a:sym typeface="Times New Roman"/>
-            </a:endParaRPr>
+              <a:t>, route param, body request, form request, header…([</a:t>
+            </a:r>
+            <a:r>
+              <a:rPr lang="en-US" dirty="0" err="1">
+                <a:solidFill>
+                  <a:schemeClr val="lt1"/>
+                </a:solidFill>
+                <a:latin typeface="Times New Roman"/>
+                <a:cs typeface="Times New Roman"/>
+                <a:sym typeface="Times New Roman"/>
+              </a:rPr>
+              <a:t>FromQuery</a:t>
+            </a:r>
+            <a:r>
+              <a:rPr lang="en-US" dirty="0">
+                <a:solidFill>
+                  <a:schemeClr val="lt1"/>
+                </a:solidFill>
+                <a:latin typeface="Times New Roman"/>
+                <a:cs typeface="Times New Roman"/>
+                <a:sym typeface="Times New Roman"/>
+              </a:rPr>
+              <a:t>], [</a:t>
+            </a:r>
+            <a:r>
+              <a:rPr lang="en-US" dirty="0" err="1">
+                <a:solidFill>
+                  <a:schemeClr val="lt1"/>
+                </a:solidFill>
+                <a:latin typeface="Times New Roman"/>
+                <a:cs typeface="Times New Roman"/>
+                <a:sym typeface="Times New Roman"/>
+              </a:rPr>
+              <a:t>FromRoute</a:t>
+            </a:r>
+            <a:r>
+              <a:rPr lang="en-US" dirty="0">
+                <a:solidFill>
+                  <a:schemeClr val="lt1"/>
+                </a:solidFill>
+                <a:latin typeface="Times New Roman"/>
+                <a:cs typeface="Times New Roman"/>
+                <a:sym typeface="Times New Roman"/>
+              </a:rPr>
+              <a:t>], [</a:t>
+            </a:r>
+            <a:r>
+              <a:rPr lang="en-US" dirty="0" err="1">
+                <a:solidFill>
+                  <a:schemeClr val="lt1"/>
+                </a:solidFill>
+                <a:latin typeface="Times New Roman"/>
+                <a:cs typeface="Times New Roman"/>
+                <a:sym typeface="Times New Roman"/>
+              </a:rPr>
+              <a:t>FromForm</a:t>
+            </a:r>
+            <a:r>
+              <a:rPr lang="en-US" dirty="0">
+                <a:solidFill>
+                  <a:schemeClr val="lt1"/>
+                </a:solidFill>
+                <a:latin typeface="Times New Roman"/>
+                <a:cs typeface="Times New Roman"/>
+                <a:sym typeface="Times New Roman"/>
+              </a:rPr>
+              <a:t>], [</a:t>
+            </a:r>
+            <a:r>
+              <a:rPr lang="en-US" dirty="0" err="1">
+                <a:solidFill>
+                  <a:schemeClr val="lt1"/>
+                </a:solidFill>
+                <a:latin typeface="Times New Roman"/>
+                <a:cs typeface="Times New Roman"/>
+                <a:sym typeface="Times New Roman"/>
+              </a:rPr>
+              <a:t>FromBody</a:t>
+            </a:r>
+            <a:r>
+              <a:rPr lang="en-US" dirty="0">
+                <a:solidFill>
+                  <a:schemeClr val="lt1"/>
+                </a:solidFill>
+                <a:latin typeface="Times New Roman"/>
+                <a:cs typeface="Times New Roman"/>
+                <a:sym typeface="Times New Roman"/>
+              </a:rPr>
+              <a:t>], [</a:t>
+            </a:r>
+            <a:r>
+              <a:rPr lang="en-US" dirty="0" err="1">
+                <a:solidFill>
+                  <a:schemeClr val="lt1"/>
+                </a:solidFill>
+                <a:latin typeface="Times New Roman"/>
+                <a:cs typeface="Times New Roman"/>
+                <a:sym typeface="Times New Roman"/>
+              </a:rPr>
+              <a:t>FromHeader</a:t>
+            </a:r>
+            <a:r>
+              <a:rPr lang="en-US" dirty="0">
+                <a:solidFill>
+                  <a:schemeClr val="lt1"/>
+                </a:solidFill>
+                <a:latin typeface="Times New Roman"/>
+                <a:cs typeface="Times New Roman"/>
+                <a:sym typeface="Times New Roman"/>
+              </a:rPr>
+              <a:t>])</a:t>
+            </a:r>
           </a:p>
           <a:p>
             <a:pPr marL="377191" lvl="0" indent="-285750">
@@ -26407,8 +26500,68 @@
         </p:blipFill>
         <p:spPr>
           <a:xfrm>
-            <a:off x="1011823" y="2381541"/>
-            <a:ext cx="5966977" cy="3391194"/>
+            <a:off x="364117" y="2598626"/>
+            <a:ext cx="4362610" cy="2479389"/>
+          </a:xfrm>
+          <a:prstGeom prst="rect">
+            <a:avLst/>
+          </a:prstGeom>
+        </p:spPr>
+      </p:pic>
+      <p:pic>
+        <p:nvPicPr>
+          <p:cNvPr id="3" name="Picture 2">
+            <a:extLst>
+              <a:ext uri="{FF2B5EF4-FFF2-40B4-BE49-F238E27FC236}">
+                <a16:creationId xmlns:a16="http://schemas.microsoft.com/office/drawing/2014/main" id="{8E074119-A44F-45D9-AEDD-3C259E4F82B6}"/>
+              </a:ext>
+            </a:extLst>
+          </p:cNvPr>
+          <p:cNvPicPr>
+            <a:picLocks noChangeAspect="1"/>
+          </p:cNvPicPr>
+          <p:nvPr/>
+        </p:nvPicPr>
+        <p:blipFill>
+          <a:blip r:embed="rId5"/>
+          <a:stretch>
+            <a:fillRect/>
+          </a:stretch>
+        </p:blipFill>
+        <p:spPr>
+          <a:xfrm>
+            <a:off x="4975716" y="2598626"/>
+            <a:ext cx="4452595" cy="1742320"/>
+          </a:xfrm>
+          <a:prstGeom prst="rect">
+            <a:avLst/>
+          </a:prstGeom>
+        </p:spPr>
+      </p:pic>
+      <p:pic>
+        <p:nvPicPr>
+          <p:cNvPr id="5" name="Picture 4">
+            <a:extLst>
+              <a:ext uri="{FF2B5EF4-FFF2-40B4-BE49-F238E27FC236}">
+                <a16:creationId xmlns:a16="http://schemas.microsoft.com/office/drawing/2014/main" id="{0ABB86AB-2D0A-4CC2-B9A9-CD5CF4933578}"/>
+              </a:ext>
+            </a:extLst>
+          </p:cNvPr>
+          <p:cNvPicPr>
+            <a:picLocks noChangeAspect="1"/>
+          </p:cNvPicPr>
+          <p:nvPr/>
+        </p:nvPicPr>
+        <p:blipFill>
+          <a:blip r:embed="rId6"/>
+          <a:stretch>
+            <a:fillRect/>
+          </a:stretch>
+        </p:blipFill>
+        <p:spPr>
+          <a:xfrm>
+            <a:off x="4927246" y="4473202"/>
+            <a:ext cx="4549534" cy="1585097"/>
           </a:xfrm>
           <a:prstGeom prst="rect">
             <a:avLst/>
@@ -26497,7 +26650,31 @@
                 <a:cs typeface="Times New Roman"/>
                 <a:sym typeface="Times New Roman"/>
               </a:rPr>
-              <a:t>Model binding</a:t>
+              <a:t>Model binding: </a:t>
+            </a:r>
+            <a:r>
+              <a:rPr lang="en-US" sz="3600" i="0" u="none" strike="noStrike" cap="none" dirty="0" err="1">
+                <a:solidFill>
+                  <a:srgbClr val="93DF5F"/>
+                </a:solidFill>
+                <a:latin typeface="Times New Roman"/>
+                <a:ea typeface="Times New Roman"/>
+                <a:cs typeface="Times New Roman"/>
+                <a:sym typeface="Times New Roman"/>
+              </a:rPr>
+              <a:t>Propery</a:t>
+            </a:r>
+            <a:r>
+              <a:rPr lang="en-US" sz="3600" i="0" u="none" strike="noStrike" cap="none" dirty="0">
+                <a:solidFill>
+                  <a:srgbClr val="93DF5F"/>
+                </a:solidFill>
+                <a:latin typeface="Times New Roman"/>
+                <a:ea typeface="Times New Roman"/>
+                <a:cs typeface="Times New Roman"/>
+                <a:sym typeface="Times New Roman"/>
+              </a:rPr>
+              <a:t> Binding</a:t>
             </a:r>
             <a:endParaRPr sz="3600" i="0" u="none" strike="noStrike" cap="none" dirty="0">
               <a:solidFill>
@@ -26564,6 +26741,402 @@
           <a:ln>
             <a:noFill/>
           </a:ln>
+        </p:spPr>
+      </p:pic>
+      <p:sp>
+        <p:nvSpPr>
+          <p:cNvPr id="2" name="Rectangle 1">
+            <a:extLst>
+              <a:ext uri="{FF2B5EF4-FFF2-40B4-BE49-F238E27FC236}">
+                <a16:creationId xmlns:a16="http://schemas.microsoft.com/office/drawing/2014/main" id="{3934C4C3-F93E-475B-9C32-7019A3A7A297}"/>
+              </a:ext>
+            </a:extLst>
+          </p:cNvPr>
+          <p:cNvSpPr/>
+          <p:nvPr/>
+        </p:nvSpPr>
+        <p:spPr>
+          <a:xfrm>
+            <a:off x="4755729" y="3275112"/>
+            <a:ext cx="184731" cy="307777"/>
+          </a:xfrm>
+          <a:prstGeom prst="rect">
+            <a:avLst/>
+          </a:prstGeom>
+        </p:spPr>
+        <p:txBody>
+          <a:bodyPr wrap="none">
+            <a:spAutoFit/>
+          </a:bodyPr>
+          <a:lstStyle/>
+          <a:p>
+            <a:endParaRPr lang="en-US" dirty="0">
+              <a:solidFill>
+                <a:srgbClr val="009688"/>
+              </a:solidFill>
+              <a:latin typeface="-apple-system"/>
+            </a:endParaRPr>
+          </a:p>
+        </p:txBody>
+      </p:sp>
+      <p:sp>
+        <p:nvSpPr>
+          <p:cNvPr id="6" name="Google Shape;182;geea522d09e_0_8">
+            <a:extLst>
+              <a:ext uri="{FF2B5EF4-FFF2-40B4-BE49-F238E27FC236}">
+                <a16:creationId xmlns:a16="http://schemas.microsoft.com/office/drawing/2014/main" id="{1A1DD798-5B9C-4606-A1FF-82A52F62C6BB}"/>
+              </a:ext>
+            </a:extLst>
+          </p:cNvPr>
+          <p:cNvSpPr txBox="1">
+            <a:spLocks noGrp="1"/>
+          </p:cNvSpPr>
+          <p:nvPr>
+            <p:ph type="body" idx="1"/>
+          </p:nvPr>
+        </p:nvSpPr>
+        <p:spPr>
+          <a:xfrm>
+            <a:off x="677316" y="1592249"/>
+            <a:ext cx="8596800" cy="929251"/>
+          </a:xfrm>
+          <a:prstGeom prst="rect">
+            <a:avLst/>
+          </a:prstGeom>
+          <a:noFill/>
+          <a:ln>
+            <a:noFill/>
+          </a:ln>
+        </p:spPr>
+        <p:txBody>
+          <a:bodyPr spcFirstLastPara="1" wrap="square" lIns="91425" tIns="45700" rIns="91425" bIns="45700" anchor="t" anchorCtr="0">
+            <a:normAutofit/>
+          </a:bodyPr>
+          <a:lstStyle/>
+          <a:p>
+            <a:pPr marL="377191" lvl="0" indent="-285750">
+              <a:spcBef>
+                <a:spcPts val="0"/>
+              </a:spcBef>
+              <a:buFontTx/>
+              <a:buChar char="-"/>
+            </a:pPr>
+            <a:r>
+              <a:rPr lang="en-US" dirty="0">
+                <a:solidFill>
+                  <a:schemeClr val="lt1"/>
+                </a:solidFill>
+                <a:latin typeface="Times New Roman"/>
+                <a:cs typeface="Times New Roman"/>
+                <a:sym typeface="Times New Roman"/>
+              </a:rPr>
+              <a:t>Binding </a:t>
+            </a:r>
+            <a:r>
+              <a:rPr lang="en-US" dirty="0" err="1">
+                <a:solidFill>
+                  <a:schemeClr val="lt1"/>
+                </a:solidFill>
+                <a:latin typeface="Times New Roman"/>
+                <a:cs typeface="Times New Roman"/>
+                <a:sym typeface="Times New Roman"/>
+              </a:rPr>
+              <a:t>vào</a:t>
+            </a:r>
+            <a:r>
+              <a:rPr lang="en-US" dirty="0">
+                <a:solidFill>
+                  <a:schemeClr val="lt1"/>
+                </a:solidFill>
+                <a:latin typeface="Times New Roman"/>
+                <a:cs typeface="Times New Roman"/>
+                <a:sym typeface="Times New Roman"/>
+              </a:rPr>
+              <a:t> </a:t>
+            </a:r>
+            <a:r>
+              <a:rPr lang="en-US" dirty="0" err="1">
+                <a:solidFill>
+                  <a:schemeClr val="lt1"/>
+                </a:solidFill>
+                <a:latin typeface="Times New Roman"/>
+                <a:cs typeface="Times New Roman"/>
+                <a:sym typeface="Times New Roman"/>
+              </a:rPr>
+              <a:t>các</a:t>
+            </a:r>
+            <a:r>
+              <a:rPr lang="en-US" dirty="0">
+                <a:solidFill>
+                  <a:schemeClr val="lt1"/>
+                </a:solidFill>
+                <a:latin typeface="Times New Roman"/>
+                <a:cs typeface="Times New Roman"/>
+                <a:sym typeface="Times New Roman"/>
+              </a:rPr>
+              <a:t> </a:t>
+            </a:r>
+            <a:r>
+              <a:rPr lang="en-US" dirty="0" err="1">
+                <a:solidFill>
+                  <a:schemeClr val="lt1"/>
+                </a:solidFill>
+                <a:latin typeface="Times New Roman"/>
+                <a:cs typeface="Times New Roman"/>
+                <a:sym typeface="Times New Roman"/>
+              </a:rPr>
+              <a:t>thuộc</a:t>
+            </a:r>
+            <a:r>
+              <a:rPr lang="en-US" dirty="0">
+                <a:solidFill>
+                  <a:schemeClr val="lt1"/>
+                </a:solidFill>
+                <a:latin typeface="Times New Roman"/>
+                <a:cs typeface="Times New Roman"/>
+                <a:sym typeface="Times New Roman"/>
+              </a:rPr>
+              <a:t> tính ở Page Model </a:t>
+            </a:r>
+            <a:r>
+              <a:rPr lang="en-US" dirty="0" err="1">
+                <a:solidFill>
+                  <a:schemeClr val="lt1"/>
+                </a:solidFill>
+                <a:latin typeface="Times New Roman"/>
+                <a:cs typeface="Times New Roman"/>
+                <a:sym typeface="Times New Roman"/>
+              </a:rPr>
+              <a:t>sử</a:t>
+            </a:r>
+            <a:r>
+              <a:rPr lang="en-US" dirty="0">
+                <a:solidFill>
+                  <a:schemeClr val="lt1"/>
+                </a:solidFill>
+                <a:latin typeface="Times New Roman"/>
+                <a:cs typeface="Times New Roman"/>
+                <a:sym typeface="Times New Roman"/>
+              </a:rPr>
+              <a:t> </a:t>
+            </a:r>
+            <a:r>
+              <a:rPr lang="en-US" dirty="0" err="1">
+                <a:solidFill>
+                  <a:schemeClr val="lt1"/>
+                </a:solidFill>
+                <a:latin typeface="Times New Roman"/>
+                <a:cs typeface="Times New Roman"/>
+                <a:sym typeface="Times New Roman"/>
+              </a:rPr>
+              <a:t>dụng</a:t>
+            </a:r>
+            <a:r>
+              <a:rPr lang="en-US" dirty="0">
+                <a:solidFill>
+                  <a:schemeClr val="lt1"/>
+                </a:solidFill>
+                <a:latin typeface="Times New Roman"/>
+                <a:cs typeface="Times New Roman"/>
+                <a:sym typeface="Times New Roman"/>
+              </a:rPr>
+              <a:t> [</a:t>
+            </a:r>
+            <a:r>
+              <a:rPr lang="en-US" dirty="0" err="1">
+                <a:solidFill>
+                  <a:schemeClr val="lt1"/>
+                </a:solidFill>
+                <a:latin typeface="Times New Roman"/>
+                <a:cs typeface="Times New Roman"/>
+                <a:sym typeface="Times New Roman"/>
+              </a:rPr>
+              <a:t>BindProperty</a:t>
+            </a:r>
+            <a:r>
+              <a:rPr lang="en-US" dirty="0">
+                <a:solidFill>
+                  <a:schemeClr val="lt1"/>
+                </a:solidFill>
+                <a:latin typeface="Times New Roman"/>
+                <a:cs typeface="Times New Roman"/>
+                <a:sym typeface="Times New Roman"/>
+              </a:rPr>
+              <a:t>] trên </a:t>
+            </a:r>
+            <a:r>
+              <a:rPr lang="en-US" dirty="0" err="1">
+                <a:solidFill>
+                  <a:schemeClr val="lt1"/>
+                </a:solidFill>
+                <a:latin typeface="Times New Roman"/>
+                <a:cs typeface="Times New Roman"/>
+                <a:sym typeface="Times New Roman"/>
+              </a:rPr>
+              <a:t>thuộc</a:t>
+            </a:r>
+            <a:r>
+              <a:rPr lang="en-US" dirty="0">
+                <a:solidFill>
+                  <a:schemeClr val="lt1"/>
+                </a:solidFill>
+                <a:latin typeface="Times New Roman"/>
+                <a:cs typeface="Times New Roman"/>
+                <a:sym typeface="Times New Roman"/>
+              </a:rPr>
+              <a:t> tính </a:t>
+            </a:r>
+            <a:r>
+              <a:rPr lang="en-US" dirty="0" err="1">
+                <a:solidFill>
+                  <a:schemeClr val="lt1"/>
+                </a:solidFill>
+                <a:latin typeface="Times New Roman"/>
+                <a:cs typeface="Times New Roman"/>
+                <a:sym typeface="Times New Roman"/>
+              </a:rPr>
+              <a:t>cần</a:t>
+            </a:r>
+            <a:r>
+              <a:rPr lang="en-US" dirty="0">
+                <a:solidFill>
+                  <a:schemeClr val="lt1"/>
+                </a:solidFill>
+                <a:latin typeface="Times New Roman"/>
+                <a:cs typeface="Times New Roman"/>
+                <a:sym typeface="Times New Roman"/>
+              </a:rPr>
+              <a:t> binding</a:t>
+            </a:r>
+            <a:endParaRPr dirty="0">
+              <a:solidFill>
+                <a:schemeClr val="lt1"/>
+              </a:solidFill>
+              <a:latin typeface="Times New Roman"/>
+              <a:cs typeface="Times New Roman"/>
+              <a:sym typeface="Times New Roman"/>
+            </a:endParaRPr>
+          </a:p>
+        </p:txBody>
+      </p:sp>
+      <p:pic>
+        <p:nvPicPr>
+          <p:cNvPr id="3" name="Picture 2">
+            <a:extLst>
+              <a:ext uri="{FF2B5EF4-FFF2-40B4-BE49-F238E27FC236}">
+                <a16:creationId xmlns:a16="http://schemas.microsoft.com/office/drawing/2014/main" id="{45746AE6-F9A2-4BF5-ADA3-B733FDB5C2B9}"/>
+              </a:ext>
+            </a:extLst>
+          </p:cNvPr>
+          <p:cNvPicPr>
+            <a:picLocks noChangeAspect="1"/>
+          </p:cNvPicPr>
+          <p:nvPr/>
+        </p:nvPicPr>
+        <p:blipFill>
+          <a:blip r:embed="rId4"/>
+          <a:stretch>
+            <a:fillRect/>
+          </a:stretch>
+        </p:blipFill>
+        <p:spPr>
+          <a:xfrm>
+            <a:off x="911153" y="2545003"/>
+            <a:ext cx="6340389" cy="883997"/>
+          </a:xfrm>
+          <a:prstGeom prst="rect">
+            <a:avLst/>
+          </a:prstGeom>
+        </p:spPr>
+      </p:pic>
+      <p:pic>
+        <p:nvPicPr>
+          <p:cNvPr id="4" name="Picture 3">
+            <a:extLst>
+              <a:ext uri="{FF2B5EF4-FFF2-40B4-BE49-F238E27FC236}">
+                <a16:creationId xmlns:a16="http://schemas.microsoft.com/office/drawing/2014/main" id="{22B96951-0F07-4AB9-993A-E8046E5A92A9}"/>
+              </a:ext>
+            </a:extLst>
+          </p:cNvPr>
+          <p:cNvPicPr>
+            <a:picLocks noChangeAspect="1"/>
+          </p:cNvPicPr>
+          <p:nvPr/>
+        </p:nvPicPr>
+        <p:blipFill>
+          <a:blip r:embed="rId5"/>
+          <a:stretch>
+            <a:fillRect/>
+          </a:stretch>
+        </p:blipFill>
+        <p:spPr>
+          <a:xfrm>
+            <a:off x="911153" y="3666022"/>
+            <a:ext cx="7773074" cy="556308"/>
+          </a:xfrm>
+          <a:prstGeom prst="rect">
+            <a:avLst/>
+          </a:prstGeom>
+        </p:spPr>
+      </p:pic>
+      <p:pic>
+        <p:nvPicPr>
+          <p:cNvPr id="5" name="Picture 4">
+            <a:extLst>
+              <a:ext uri="{FF2B5EF4-FFF2-40B4-BE49-F238E27FC236}">
+                <a16:creationId xmlns:a16="http://schemas.microsoft.com/office/drawing/2014/main" id="{47DD0849-DDE5-4CC7-A0BB-57FE9C733906}"/>
+              </a:ext>
+            </a:extLst>
+          </p:cNvPr>
+          <p:cNvPicPr>
+            <a:picLocks noChangeAspect="1"/>
+          </p:cNvPicPr>
+          <p:nvPr/>
+        </p:nvPicPr>
+        <p:blipFill>
+          <a:blip r:embed="rId6"/>
+          <a:stretch>
+            <a:fillRect/>
+          </a:stretch>
+        </p:blipFill>
+        <p:spPr>
+          <a:xfrm>
+            <a:off x="995984" y="4341481"/>
+            <a:ext cx="6729043" cy="906859"/>
+          </a:xfrm>
+          <a:prstGeom prst="rect">
+            <a:avLst/>
+          </a:prstGeom>
+        </p:spPr>
+      </p:pic>
+      <p:pic>
+        <p:nvPicPr>
+          <p:cNvPr id="7" name="Picture 6">
+            <a:extLst>
+              <a:ext uri="{FF2B5EF4-FFF2-40B4-BE49-F238E27FC236}">
+                <a16:creationId xmlns:a16="http://schemas.microsoft.com/office/drawing/2014/main" id="{FCF9B6C3-FCF8-4DEF-9839-849E292EF260}"/>
+              </a:ext>
+            </a:extLst>
+          </p:cNvPr>
+          <p:cNvPicPr>
+            <a:picLocks noChangeAspect="1"/>
+          </p:cNvPicPr>
+          <p:nvPr/>
+        </p:nvPicPr>
+        <p:blipFill>
+          <a:blip r:embed="rId7"/>
+          <a:stretch>
+            <a:fillRect/>
+          </a:stretch>
+        </p:blipFill>
+        <p:spPr>
+          <a:xfrm>
+            <a:off x="941636" y="5378958"/>
+            <a:ext cx="3856054" cy="800169"/>
+          </a:xfrm>
+          <a:prstGeom prst="rect">
+            <a:avLst/>
+          </a:prstGeom>
         </p:spPr>
       </p:pic>
     </p:spTree>

--- a/Razor pages.pptx
+++ b/Razor pages.pptx
@@ -288,7 +288,7 @@
       <p15:sldGuideLst xmlns:p15="http://schemas.microsoft.com/office/powerpoint/2012/main"/>
     </p:ext>
     <p:ext uri="http://customooxmlschemas.google.com/">
-      <go:slidesCustomData xmlns="" xmlns:mc="http://schemas.openxmlformats.org/markup-compatibility/2006" xmlns:mv="urn:schemas-microsoft-com:mac:vml" xmlns:c="http://schemas.openxmlformats.org/drawingml/2006/chart" xmlns:dgm="http://schemas.openxmlformats.org/drawingml/2006/diagram" xmlns:o="urn:schemas-microsoft-com:office:office" xmlns:v="urn:schemas-microsoft-com:vml" xmlns:pvml="urn:schemas-microsoft-com:office:powerpoint" xmlns:com="http://schemas.openxmlformats.org/drawingml/2006/compatibility" xmlns:p14="http://schemas.microsoft.com/office/powerpoint/2010/main" xmlns:p15="http://schemas.microsoft.com/office/powerpoint/2012/main" xmlns:ahyp="http://schemas.microsoft.com/office/drawing/2018/hyperlinkcolor" xmlns:go="http://customooxmlschemas.google.com/" r:id="rId47" roundtripDataSignature="AMtx7mjVEwqA5jePl45nlKRjSNtdNd4Yxw=="/>
+      <go:slidesCustomData xmlns:go="http://customooxmlschemas.google.com/" xmlns:ahyp="http://schemas.microsoft.com/office/drawing/2018/hyperlinkcolor" xmlns:p15="http://schemas.microsoft.com/office/powerpoint/2012/main" xmlns:p14="http://schemas.microsoft.com/office/powerpoint/2010/main" xmlns:com="http://schemas.openxmlformats.org/drawingml/2006/compatibility" xmlns:pvml="urn:schemas-microsoft-com:office:powerpoint" xmlns:v="urn:schemas-microsoft-com:vml" xmlns:o="urn:schemas-microsoft-com:office:office" xmlns:dgm="http://schemas.openxmlformats.org/drawingml/2006/diagram" xmlns:c="http://schemas.openxmlformats.org/drawingml/2006/chart" xmlns:mv="urn:schemas-microsoft-com:mac:vml" xmlns:mc="http://schemas.openxmlformats.org/markup-compatibility/2006" xmlns="" r:id="rId47" roundtripDataSignature="AMtx7mjVEwqA5jePl45nlKRjSNtdNd4Yxw=="/>
     </p:ext>
   </p:extLst>
 </p:presentation>

--- a/Razor pages.pptx
+++ b/Razor pages.pptx
@@ -5,7 +5,7 @@
     <p:sldMasterId id="2147483648" r:id="rId1"/>
   </p:sldMasterIdLst>
   <p:notesMasterIdLst>
-    <p:notesMasterId r:id="rId45"/>
+    <p:notesMasterId r:id="rId47"/>
   </p:notesMasterIdLst>
   <p:sldIdLst>
     <p:sldId id="256" r:id="rId2"/>
@@ -31,26 +31,28 @@
     <p:sldId id="311" r:id="rId22"/>
     <p:sldId id="304" r:id="rId23"/>
     <p:sldId id="299" r:id="rId24"/>
-    <p:sldId id="266" r:id="rId25"/>
-    <p:sldId id="305" r:id="rId26"/>
-    <p:sldId id="268" r:id="rId27"/>
-    <p:sldId id="267" r:id="rId28"/>
-    <p:sldId id="269" r:id="rId29"/>
-    <p:sldId id="270" r:id="rId30"/>
-    <p:sldId id="271" r:id="rId31"/>
-    <p:sldId id="312" r:id="rId32"/>
-    <p:sldId id="272" r:id="rId33"/>
-    <p:sldId id="307" r:id="rId34"/>
-    <p:sldId id="273" r:id="rId35"/>
-    <p:sldId id="274" r:id="rId36"/>
-    <p:sldId id="275" r:id="rId37"/>
-    <p:sldId id="276" r:id="rId38"/>
-    <p:sldId id="308" r:id="rId39"/>
-    <p:sldId id="277" r:id="rId40"/>
-    <p:sldId id="278" r:id="rId41"/>
-    <p:sldId id="279" r:id="rId42"/>
-    <p:sldId id="291" r:id="rId43"/>
-    <p:sldId id="292" r:id="rId44"/>
+    <p:sldId id="316" r:id="rId25"/>
+    <p:sldId id="317" r:id="rId26"/>
+    <p:sldId id="266" r:id="rId27"/>
+    <p:sldId id="305" r:id="rId28"/>
+    <p:sldId id="268" r:id="rId29"/>
+    <p:sldId id="267" r:id="rId30"/>
+    <p:sldId id="269" r:id="rId31"/>
+    <p:sldId id="270" r:id="rId32"/>
+    <p:sldId id="271" r:id="rId33"/>
+    <p:sldId id="312" r:id="rId34"/>
+    <p:sldId id="272" r:id="rId35"/>
+    <p:sldId id="307" r:id="rId36"/>
+    <p:sldId id="273" r:id="rId37"/>
+    <p:sldId id="274" r:id="rId38"/>
+    <p:sldId id="275" r:id="rId39"/>
+    <p:sldId id="276" r:id="rId40"/>
+    <p:sldId id="308" r:id="rId41"/>
+    <p:sldId id="277" r:id="rId42"/>
+    <p:sldId id="278" r:id="rId43"/>
+    <p:sldId id="279" r:id="rId44"/>
+    <p:sldId id="291" r:id="rId45"/>
+    <p:sldId id="292" r:id="rId46"/>
   </p:sldIdLst>
   <p:sldSz cx="12192000" cy="6858000"/>
   <p:notesSz cx="6858000" cy="9144000"/>
@@ -288,7 +290,7 @@
       <p15:sldGuideLst xmlns:p15="http://schemas.microsoft.com/office/powerpoint/2012/main"/>
     </p:ext>
     <p:ext uri="http://customooxmlschemas.google.com/">
-      <go:slidesCustomData xmlns:go="http://customooxmlschemas.google.com/" xmlns:ahyp="http://schemas.microsoft.com/office/drawing/2018/hyperlinkcolor" xmlns:p15="http://schemas.microsoft.com/office/powerpoint/2012/main" xmlns:p14="http://schemas.microsoft.com/office/powerpoint/2010/main" xmlns:com="http://schemas.openxmlformats.org/drawingml/2006/compatibility" xmlns:pvml="urn:schemas-microsoft-com:office:powerpoint" xmlns:v="urn:schemas-microsoft-com:vml" xmlns:o="urn:schemas-microsoft-com:office:office" xmlns:dgm="http://schemas.openxmlformats.org/drawingml/2006/diagram" xmlns:c="http://schemas.openxmlformats.org/drawingml/2006/chart" xmlns:mv="urn:schemas-microsoft-com:mac:vml" xmlns:mc="http://schemas.openxmlformats.org/markup-compatibility/2006" xmlns="" r:id="rId47" roundtripDataSignature="AMtx7mjVEwqA5jePl45nlKRjSNtdNd4Yxw=="/>
+      <go:slidesCustomData xmlns="" xmlns:mc="http://schemas.openxmlformats.org/markup-compatibility/2006" xmlns:mv="urn:schemas-microsoft-com:mac:vml" xmlns:c="http://schemas.openxmlformats.org/drawingml/2006/chart" xmlns:dgm="http://schemas.openxmlformats.org/drawingml/2006/diagram" xmlns:o="urn:schemas-microsoft-com:office:office" xmlns:v="urn:schemas-microsoft-com:vml" xmlns:pvml="urn:schemas-microsoft-com:office:powerpoint" xmlns:com="http://schemas.openxmlformats.org/drawingml/2006/compatibility" xmlns:p14="http://schemas.microsoft.com/office/powerpoint/2010/main" xmlns:p15="http://schemas.microsoft.com/office/powerpoint/2012/main" xmlns:ahyp="http://schemas.microsoft.com/office/drawing/2018/hyperlinkcolor" xmlns:go="http://customooxmlschemas.google.com/" r:id="rId48" roundtripDataSignature="AMtx7mjVEwqA5jePl45nlKRjSNtdNd4Yxw=="/>
     </p:ext>
   </p:extLst>
 </p:presentation>
@@ -3007,6 +3009,11 @@
         </p:spPr>
       </p:sp>
     </p:spTree>
+    <p:extLst>
+      <p:ext uri="{BB962C8B-B14F-4D97-AF65-F5344CB8AC3E}">
+        <p14:creationId xmlns:p14="http://schemas.microsoft.com/office/powerpoint/2010/main" val="3432955706"/>
+      </p:ext>
+    </p:extLst>
   </p:cSld>
   <p:clrMapOvr>
     <a:masterClrMapping/>
@@ -3015,6 +3022,255 @@
 </file>
 
 <file path=ppt/notesSlides/notesSlide25.xml><?xml version="1.0" encoding="utf-8"?>
+<p:notes xmlns:a="http://schemas.openxmlformats.org/drawingml/2006/main" xmlns:r="http://schemas.openxmlformats.org/officeDocument/2006/relationships" xmlns:p="http://schemas.openxmlformats.org/presentationml/2006/main" showMasterSp="0" showMasterPhAnim="0">
+  <p:cSld>
+    <p:spTree>
+      <p:nvGrpSpPr>
+        <p:cNvPr id="1" name="Shape 218"/>
+        <p:cNvGrpSpPr/>
+        <p:nvPr/>
+      </p:nvGrpSpPr>
+      <p:grpSpPr>
+        <a:xfrm>
+          <a:off x="0" y="0"/>
+          <a:ext cx="0" cy="0"/>
+          <a:chOff x="0" y="0"/>
+          <a:chExt cx="0" cy="0"/>
+        </a:xfrm>
+      </p:grpSpPr>
+      <p:sp>
+        <p:nvSpPr>
+          <p:cNvPr id="219" name="Google Shape;219;geef53d5d55_1_54:notes"/>
+          <p:cNvSpPr txBox="1">
+            <a:spLocks noGrp="1"/>
+          </p:cNvSpPr>
+          <p:nvPr>
+            <p:ph type="body" idx="1"/>
+          </p:nvPr>
+        </p:nvSpPr>
+        <p:spPr>
+          <a:xfrm>
+            <a:off x="685800" y="4343400"/>
+            <a:ext cx="5486400" cy="4114800"/>
+          </a:xfrm>
+          <a:prstGeom prst="rect">
+            <a:avLst/>
+          </a:prstGeom>
+          <a:noFill/>
+          <a:ln>
+            <a:noFill/>
+          </a:ln>
+        </p:spPr>
+        <p:txBody>
+          <a:bodyPr spcFirstLastPara="1" wrap="square" lIns="91425" tIns="91425" rIns="91425" bIns="91425" anchor="t" anchorCtr="0">
+            <a:noAutofit/>
+          </a:bodyPr>
+          <a:lstStyle/>
+          <a:p>
+            <a:pPr marL="0" lvl="0" indent="0" algn="l" rtl="0">
+              <a:lnSpc>
+                <a:spcPct val="100000"/>
+              </a:lnSpc>
+              <a:spcBef>
+                <a:spcPts val="0"/>
+              </a:spcBef>
+              <a:spcAft>
+                <a:spcPts val="0"/>
+              </a:spcAft>
+              <a:buSzPts val="1100"/>
+              <a:buNone/>
+            </a:pPr>
+            <a:endParaRPr/>
+          </a:p>
+        </p:txBody>
+      </p:sp>
+      <p:sp>
+        <p:nvSpPr>
+          <p:cNvPr id="220" name="Google Shape;220;geef53d5d55_1_54:notes"/>
+          <p:cNvSpPr>
+            <a:spLocks noGrp="1" noRot="1" noChangeAspect="1"/>
+          </p:cNvSpPr>
+          <p:nvPr>
+            <p:ph type="sldImg" idx="2"/>
+          </p:nvPr>
+        </p:nvSpPr>
+        <p:spPr>
+          <a:xfrm>
+            <a:off x="381000" y="685800"/>
+            <a:ext cx="6096000" cy="3429000"/>
+          </a:xfrm>
+          <a:custGeom>
+            <a:avLst/>
+            <a:gdLst/>
+            <a:ahLst/>
+            <a:cxnLst/>
+            <a:rect l="l" t="t" r="r" b="b"/>
+            <a:pathLst>
+              <a:path w="120000" h="120000" extrusionOk="0">
+                <a:moveTo>
+                  <a:pt x="0" y="0"/>
+                </a:moveTo>
+                <a:lnTo>
+                  <a:pt x="120000" y="0"/>
+                </a:lnTo>
+                <a:lnTo>
+                  <a:pt x="120000" y="120000"/>
+                </a:lnTo>
+                <a:lnTo>
+                  <a:pt x="0" y="120000"/>
+                </a:lnTo>
+                <a:close/>
+              </a:path>
+            </a:pathLst>
+          </a:custGeom>
+          <a:noFill/>
+          <a:ln w="9525" cap="flat" cmpd="sng">
+            <a:solidFill>
+              <a:srgbClr val="000000"/>
+            </a:solidFill>
+            <a:prstDash val="solid"/>
+            <a:round/>
+            <a:headEnd type="none" w="sm" len="sm"/>
+            <a:tailEnd type="none" w="sm" len="sm"/>
+          </a:ln>
+        </p:spPr>
+      </p:sp>
+    </p:spTree>
+    <p:extLst>
+      <p:ext uri="{BB962C8B-B14F-4D97-AF65-F5344CB8AC3E}">
+        <p14:creationId xmlns:p14="http://schemas.microsoft.com/office/powerpoint/2010/main" val="2381330043"/>
+      </p:ext>
+    </p:extLst>
+  </p:cSld>
+  <p:clrMapOvr>
+    <a:masterClrMapping/>
+  </p:clrMapOvr>
+</p:notes>
+</file>
+
+<file path=ppt/notesSlides/notesSlide26.xml><?xml version="1.0" encoding="utf-8"?>
+<p:notes xmlns:a="http://schemas.openxmlformats.org/drawingml/2006/main" xmlns:r="http://schemas.openxmlformats.org/officeDocument/2006/relationships" xmlns:p="http://schemas.openxmlformats.org/presentationml/2006/main" showMasterSp="0" showMasterPhAnim="0">
+  <p:cSld>
+    <p:spTree>
+      <p:nvGrpSpPr>
+        <p:cNvPr id="1" name="Shape 218"/>
+        <p:cNvGrpSpPr/>
+        <p:nvPr/>
+      </p:nvGrpSpPr>
+      <p:grpSpPr>
+        <a:xfrm>
+          <a:off x="0" y="0"/>
+          <a:ext cx="0" cy="0"/>
+          <a:chOff x="0" y="0"/>
+          <a:chExt cx="0" cy="0"/>
+        </a:xfrm>
+      </p:grpSpPr>
+      <p:sp>
+        <p:nvSpPr>
+          <p:cNvPr id="219" name="Google Shape;219;geef53d5d55_1_54:notes"/>
+          <p:cNvSpPr txBox="1">
+            <a:spLocks noGrp="1"/>
+          </p:cNvSpPr>
+          <p:nvPr>
+            <p:ph type="body" idx="1"/>
+          </p:nvPr>
+        </p:nvSpPr>
+        <p:spPr>
+          <a:xfrm>
+            <a:off x="685800" y="4343400"/>
+            <a:ext cx="5486400" cy="4114800"/>
+          </a:xfrm>
+          <a:prstGeom prst="rect">
+            <a:avLst/>
+          </a:prstGeom>
+          <a:noFill/>
+          <a:ln>
+            <a:noFill/>
+          </a:ln>
+        </p:spPr>
+        <p:txBody>
+          <a:bodyPr spcFirstLastPara="1" wrap="square" lIns="91425" tIns="91425" rIns="91425" bIns="91425" anchor="t" anchorCtr="0">
+            <a:noAutofit/>
+          </a:bodyPr>
+          <a:lstStyle/>
+          <a:p>
+            <a:pPr marL="0" lvl="0" indent="0" algn="l" rtl="0">
+              <a:lnSpc>
+                <a:spcPct val="100000"/>
+              </a:lnSpc>
+              <a:spcBef>
+                <a:spcPts val="0"/>
+              </a:spcBef>
+              <a:spcAft>
+                <a:spcPts val="0"/>
+              </a:spcAft>
+              <a:buSzPts val="1100"/>
+              <a:buNone/>
+            </a:pPr>
+            <a:endParaRPr/>
+          </a:p>
+        </p:txBody>
+      </p:sp>
+      <p:sp>
+        <p:nvSpPr>
+          <p:cNvPr id="220" name="Google Shape;220;geef53d5d55_1_54:notes"/>
+          <p:cNvSpPr>
+            <a:spLocks noGrp="1" noRot="1" noChangeAspect="1"/>
+          </p:cNvSpPr>
+          <p:nvPr>
+            <p:ph type="sldImg" idx="2"/>
+          </p:nvPr>
+        </p:nvSpPr>
+        <p:spPr>
+          <a:xfrm>
+            <a:off x="381000" y="685800"/>
+            <a:ext cx="6096000" cy="3429000"/>
+          </a:xfrm>
+          <a:custGeom>
+            <a:avLst/>
+            <a:gdLst/>
+            <a:ahLst/>
+            <a:cxnLst/>
+            <a:rect l="l" t="t" r="r" b="b"/>
+            <a:pathLst>
+              <a:path w="120000" h="120000" extrusionOk="0">
+                <a:moveTo>
+                  <a:pt x="0" y="0"/>
+                </a:moveTo>
+                <a:lnTo>
+                  <a:pt x="120000" y="0"/>
+                </a:lnTo>
+                <a:lnTo>
+                  <a:pt x="120000" y="120000"/>
+                </a:lnTo>
+                <a:lnTo>
+                  <a:pt x="0" y="120000"/>
+                </a:lnTo>
+                <a:close/>
+              </a:path>
+            </a:pathLst>
+          </a:custGeom>
+          <a:noFill/>
+          <a:ln w="9525" cap="flat" cmpd="sng">
+            <a:solidFill>
+              <a:srgbClr val="000000"/>
+            </a:solidFill>
+            <a:prstDash val="solid"/>
+            <a:round/>
+            <a:headEnd type="none" w="sm" len="sm"/>
+            <a:tailEnd type="none" w="sm" len="sm"/>
+          </a:ln>
+        </p:spPr>
+      </p:sp>
+    </p:spTree>
+  </p:cSld>
+  <p:clrMapOvr>
+    <a:masterClrMapping/>
+  </p:clrMapOvr>
+</p:notes>
+</file>
+
+<file path=ppt/notesSlides/notesSlide27.xml><?xml version="1.0" encoding="utf-8"?>
 <p:notes xmlns:a="http://schemas.openxmlformats.org/drawingml/2006/main" xmlns:r="http://schemas.openxmlformats.org/officeDocument/2006/relationships" xmlns:p="http://schemas.openxmlformats.org/presentationml/2006/main" showMasterSp="0" showMasterPhAnim="0">
   <p:cSld>
     <p:spTree>
@@ -3141,7 +3397,7 @@
 </p:notes>
 </file>
 
-<file path=ppt/notesSlides/notesSlide26.xml><?xml version="1.0" encoding="utf-8"?>
+<file path=ppt/notesSlides/notesSlide28.xml><?xml version="1.0" encoding="utf-8"?>
 <p:notes xmlns:a="http://schemas.openxmlformats.org/drawingml/2006/main" xmlns:r="http://schemas.openxmlformats.org/officeDocument/2006/relationships" xmlns:p="http://schemas.openxmlformats.org/presentationml/2006/main" showMasterSp="0" showMasterPhAnim="0">
   <p:cSld>
     <p:spTree>
@@ -3263,7 +3519,7 @@
 </p:notes>
 </file>
 
-<file path=ppt/notesSlides/notesSlide27.xml><?xml version="1.0" encoding="utf-8"?>
+<file path=ppt/notesSlides/notesSlide29.xml><?xml version="1.0" encoding="utf-8"?>
 <p:notes xmlns:a="http://schemas.openxmlformats.org/drawingml/2006/main" xmlns:r="http://schemas.openxmlformats.org/officeDocument/2006/relationships" xmlns:p="http://schemas.openxmlformats.org/presentationml/2006/main" showMasterSp="0" showMasterPhAnim="0">
   <p:cSld>
     <p:spTree>
@@ -3329,250 +3585,6 @@
       <p:sp>
         <p:nvSpPr>
           <p:cNvPr id="231" name="Google Shape;231;geef53d5d55_1_206:notes"/>
-          <p:cNvSpPr>
-            <a:spLocks noGrp="1" noRot="1" noChangeAspect="1"/>
-          </p:cNvSpPr>
-          <p:nvPr>
-            <p:ph type="sldImg" idx="2"/>
-          </p:nvPr>
-        </p:nvSpPr>
-        <p:spPr>
-          <a:xfrm>
-            <a:off x="381000" y="685800"/>
-            <a:ext cx="6096000" cy="3429000"/>
-          </a:xfrm>
-          <a:custGeom>
-            <a:avLst/>
-            <a:gdLst/>
-            <a:ahLst/>
-            <a:cxnLst/>
-            <a:rect l="l" t="t" r="r" b="b"/>
-            <a:pathLst>
-              <a:path w="120000" h="120000" extrusionOk="0">
-                <a:moveTo>
-                  <a:pt x="0" y="0"/>
-                </a:moveTo>
-                <a:lnTo>
-                  <a:pt x="120000" y="0"/>
-                </a:lnTo>
-                <a:lnTo>
-                  <a:pt x="120000" y="120000"/>
-                </a:lnTo>
-                <a:lnTo>
-                  <a:pt x="0" y="120000"/>
-                </a:lnTo>
-                <a:close/>
-              </a:path>
-            </a:pathLst>
-          </a:custGeom>
-          <a:noFill/>
-          <a:ln w="9525" cap="flat" cmpd="sng">
-            <a:solidFill>
-              <a:srgbClr val="000000"/>
-            </a:solidFill>
-            <a:prstDash val="solid"/>
-            <a:round/>
-            <a:headEnd type="none" w="sm" len="sm"/>
-            <a:tailEnd type="none" w="sm" len="sm"/>
-          </a:ln>
-        </p:spPr>
-      </p:sp>
-    </p:spTree>
-  </p:cSld>
-  <p:clrMapOvr>
-    <a:masterClrMapping/>
-  </p:clrMapOvr>
-</p:notes>
-</file>
-
-<file path=ppt/notesSlides/notesSlide28.xml><?xml version="1.0" encoding="utf-8"?>
-<p:notes xmlns:a="http://schemas.openxmlformats.org/drawingml/2006/main" xmlns:r="http://schemas.openxmlformats.org/officeDocument/2006/relationships" xmlns:p="http://schemas.openxmlformats.org/presentationml/2006/main" showMasterSp="0" showMasterPhAnim="0">
-  <p:cSld>
-    <p:spTree>
-      <p:nvGrpSpPr>
-        <p:cNvPr id="1" name="Shape 249"/>
-        <p:cNvGrpSpPr/>
-        <p:nvPr/>
-      </p:nvGrpSpPr>
-      <p:grpSpPr>
-        <a:xfrm>
-          <a:off x="0" y="0"/>
-          <a:ext cx="0" cy="0"/>
-          <a:chOff x="0" y="0"/>
-          <a:chExt cx="0" cy="0"/>
-        </a:xfrm>
-      </p:grpSpPr>
-      <p:sp>
-        <p:nvSpPr>
-          <p:cNvPr id="250" name="Google Shape;250;geef53d5d55_1_219:notes"/>
-          <p:cNvSpPr txBox="1">
-            <a:spLocks noGrp="1"/>
-          </p:cNvSpPr>
-          <p:nvPr>
-            <p:ph type="body" idx="1"/>
-          </p:nvPr>
-        </p:nvSpPr>
-        <p:spPr>
-          <a:xfrm>
-            <a:off x="685800" y="4343400"/>
-            <a:ext cx="5486400" cy="4114800"/>
-          </a:xfrm>
-          <a:prstGeom prst="rect">
-            <a:avLst/>
-          </a:prstGeom>
-          <a:noFill/>
-          <a:ln>
-            <a:noFill/>
-          </a:ln>
-        </p:spPr>
-        <p:txBody>
-          <a:bodyPr spcFirstLastPara="1" wrap="square" lIns="91425" tIns="91425" rIns="91425" bIns="91425" anchor="t" anchorCtr="0">
-            <a:noAutofit/>
-          </a:bodyPr>
-          <a:lstStyle/>
-          <a:p>
-            <a:pPr marL="0" lvl="0" indent="0" algn="l" rtl="0">
-              <a:lnSpc>
-                <a:spcPct val="100000"/>
-              </a:lnSpc>
-              <a:spcBef>
-                <a:spcPts val="0"/>
-              </a:spcBef>
-              <a:spcAft>
-                <a:spcPts val="0"/>
-              </a:spcAft>
-              <a:buSzPts val="1100"/>
-              <a:buNone/>
-            </a:pPr>
-            <a:endParaRPr/>
-          </a:p>
-        </p:txBody>
-      </p:sp>
-      <p:sp>
-        <p:nvSpPr>
-          <p:cNvPr id="251" name="Google Shape;251;geef53d5d55_1_219:notes"/>
-          <p:cNvSpPr>
-            <a:spLocks noGrp="1" noRot="1" noChangeAspect="1"/>
-          </p:cNvSpPr>
-          <p:nvPr>
-            <p:ph type="sldImg" idx="2"/>
-          </p:nvPr>
-        </p:nvSpPr>
-        <p:spPr>
-          <a:xfrm>
-            <a:off x="381000" y="685800"/>
-            <a:ext cx="6096000" cy="3429000"/>
-          </a:xfrm>
-          <a:custGeom>
-            <a:avLst/>
-            <a:gdLst/>
-            <a:ahLst/>
-            <a:cxnLst/>
-            <a:rect l="l" t="t" r="r" b="b"/>
-            <a:pathLst>
-              <a:path w="120000" h="120000" extrusionOk="0">
-                <a:moveTo>
-                  <a:pt x="0" y="0"/>
-                </a:moveTo>
-                <a:lnTo>
-                  <a:pt x="120000" y="0"/>
-                </a:lnTo>
-                <a:lnTo>
-                  <a:pt x="120000" y="120000"/>
-                </a:lnTo>
-                <a:lnTo>
-                  <a:pt x="0" y="120000"/>
-                </a:lnTo>
-                <a:close/>
-              </a:path>
-            </a:pathLst>
-          </a:custGeom>
-          <a:noFill/>
-          <a:ln w="9525" cap="flat" cmpd="sng">
-            <a:solidFill>
-              <a:srgbClr val="000000"/>
-            </a:solidFill>
-            <a:prstDash val="solid"/>
-            <a:round/>
-            <a:headEnd type="none" w="sm" len="sm"/>
-            <a:tailEnd type="none" w="sm" len="sm"/>
-          </a:ln>
-        </p:spPr>
-      </p:sp>
-    </p:spTree>
-  </p:cSld>
-  <p:clrMapOvr>
-    <a:masterClrMapping/>
-  </p:clrMapOvr>
-</p:notes>
-</file>
-
-<file path=ppt/notesSlides/notesSlide29.xml><?xml version="1.0" encoding="utf-8"?>
-<p:notes xmlns:a="http://schemas.openxmlformats.org/drawingml/2006/main" xmlns:r="http://schemas.openxmlformats.org/officeDocument/2006/relationships" xmlns:p="http://schemas.openxmlformats.org/presentationml/2006/main" showMasterSp="0" showMasterPhAnim="0">
-  <p:cSld>
-    <p:spTree>
-      <p:nvGrpSpPr>
-        <p:cNvPr id="1" name="Shape 260"/>
-        <p:cNvGrpSpPr/>
-        <p:nvPr/>
-      </p:nvGrpSpPr>
-      <p:grpSpPr>
-        <a:xfrm>
-          <a:off x="0" y="0"/>
-          <a:ext cx="0" cy="0"/>
-          <a:chOff x="0" y="0"/>
-          <a:chExt cx="0" cy="0"/>
-        </a:xfrm>
-      </p:grpSpPr>
-      <p:sp>
-        <p:nvSpPr>
-          <p:cNvPr id="261" name="Google Shape;261;geef53d5d55_1_229:notes"/>
-          <p:cNvSpPr txBox="1">
-            <a:spLocks noGrp="1"/>
-          </p:cNvSpPr>
-          <p:nvPr>
-            <p:ph type="body" idx="1"/>
-          </p:nvPr>
-        </p:nvSpPr>
-        <p:spPr>
-          <a:xfrm>
-            <a:off x="685800" y="4343400"/>
-            <a:ext cx="5486400" cy="4114800"/>
-          </a:xfrm>
-          <a:prstGeom prst="rect">
-            <a:avLst/>
-          </a:prstGeom>
-          <a:noFill/>
-          <a:ln>
-            <a:noFill/>
-          </a:ln>
-        </p:spPr>
-        <p:txBody>
-          <a:bodyPr spcFirstLastPara="1" wrap="square" lIns="91425" tIns="91425" rIns="91425" bIns="91425" anchor="t" anchorCtr="0">
-            <a:noAutofit/>
-          </a:bodyPr>
-          <a:lstStyle/>
-          <a:p>
-            <a:pPr marL="0" lvl="0" indent="0" algn="l" rtl="0">
-              <a:lnSpc>
-                <a:spcPct val="100000"/>
-              </a:lnSpc>
-              <a:spcBef>
-                <a:spcPts val="0"/>
-              </a:spcBef>
-              <a:spcAft>
-                <a:spcPts val="0"/>
-              </a:spcAft>
-              <a:buSzPts val="1100"/>
-              <a:buNone/>
-            </a:pPr>
-            <a:endParaRPr/>
-          </a:p>
-        </p:txBody>
-      </p:sp>
-      <p:sp>
-        <p:nvSpPr>
-          <p:cNvPr id="262" name="Google Shape;262;geef53d5d55_1_229:notes"/>
           <p:cNvSpPr>
             <a:spLocks noGrp="1" noRot="1" noChangeAspect="1"/>
           </p:cNvSpPr>
@@ -3756,6 +3768,250 @@
   <p:cSld>
     <p:spTree>
       <p:nvGrpSpPr>
+        <p:cNvPr id="1" name="Shape 249"/>
+        <p:cNvGrpSpPr/>
+        <p:nvPr/>
+      </p:nvGrpSpPr>
+      <p:grpSpPr>
+        <a:xfrm>
+          <a:off x="0" y="0"/>
+          <a:ext cx="0" cy="0"/>
+          <a:chOff x="0" y="0"/>
+          <a:chExt cx="0" cy="0"/>
+        </a:xfrm>
+      </p:grpSpPr>
+      <p:sp>
+        <p:nvSpPr>
+          <p:cNvPr id="250" name="Google Shape;250;geef53d5d55_1_219:notes"/>
+          <p:cNvSpPr txBox="1">
+            <a:spLocks noGrp="1"/>
+          </p:cNvSpPr>
+          <p:nvPr>
+            <p:ph type="body" idx="1"/>
+          </p:nvPr>
+        </p:nvSpPr>
+        <p:spPr>
+          <a:xfrm>
+            <a:off x="685800" y="4343400"/>
+            <a:ext cx="5486400" cy="4114800"/>
+          </a:xfrm>
+          <a:prstGeom prst="rect">
+            <a:avLst/>
+          </a:prstGeom>
+          <a:noFill/>
+          <a:ln>
+            <a:noFill/>
+          </a:ln>
+        </p:spPr>
+        <p:txBody>
+          <a:bodyPr spcFirstLastPara="1" wrap="square" lIns="91425" tIns="91425" rIns="91425" bIns="91425" anchor="t" anchorCtr="0">
+            <a:noAutofit/>
+          </a:bodyPr>
+          <a:lstStyle/>
+          <a:p>
+            <a:pPr marL="0" lvl="0" indent="0" algn="l" rtl="0">
+              <a:lnSpc>
+                <a:spcPct val="100000"/>
+              </a:lnSpc>
+              <a:spcBef>
+                <a:spcPts val="0"/>
+              </a:spcBef>
+              <a:spcAft>
+                <a:spcPts val="0"/>
+              </a:spcAft>
+              <a:buSzPts val="1100"/>
+              <a:buNone/>
+            </a:pPr>
+            <a:endParaRPr/>
+          </a:p>
+        </p:txBody>
+      </p:sp>
+      <p:sp>
+        <p:nvSpPr>
+          <p:cNvPr id="251" name="Google Shape;251;geef53d5d55_1_219:notes"/>
+          <p:cNvSpPr>
+            <a:spLocks noGrp="1" noRot="1" noChangeAspect="1"/>
+          </p:cNvSpPr>
+          <p:nvPr>
+            <p:ph type="sldImg" idx="2"/>
+          </p:nvPr>
+        </p:nvSpPr>
+        <p:spPr>
+          <a:xfrm>
+            <a:off x="381000" y="685800"/>
+            <a:ext cx="6096000" cy="3429000"/>
+          </a:xfrm>
+          <a:custGeom>
+            <a:avLst/>
+            <a:gdLst/>
+            <a:ahLst/>
+            <a:cxnLst/>
+            <a:rect l="l" t="t" r="r" b="b"/>
+            <a:pathLst>
+              <a:path w="120000" h="120000" extrusionOk="0">
+                <a:moveTo>
+                  <a:pt x="0" y="0"/>
+                </a:moveTo>
+                <a:lnTo>
+                  <a:pt x="120000" y="0"/>
+                </a:lnTo>
+                <a:lnTo>
+                  <a:pt x="120000" y="120000"/>
+                </a:lnTo>
+                <a:lnTo>
+                  <a:pt x="0" y="120000"/>
+                </a:lnTo>
+                <a:close/>
+              </a:path>
+            </a:pathLst>
+          </a:custGeom>
+          <a:noFill/>
+          <a:ln w="9525" cap="flat" cmpd="sng">
+            <a:solidFill>
+              <a:srgbClr val="000000"/>
+            </a:solidFill>
+            <a:prstDash val="solid"/>
+            <a:round/>
+            <a:headEnd type="none" w="sm" len="sm"/>
+            <a:tailEnd type="none" w="sm" len="sm"/>
+          </a:ln>
+        </p:spPr>
+      </p:sp>
+    </p:spTree>
+  </p:cSld>
+  <p:clrMapOvr>
+    <a:masterClrMapping/>
+  </p:clrMapOvr>
+</p:notes>
+</file>
+
+<file path=ppt/notesSlides/notesSlide31.xml><?xml version="1.0" encoding="utf-8"?>
+<p:notes xmlns:a="http://schemas.openxmlformats.org/drawingml/2006/main" xmlns:r="http://schemas.openxmlformats.org/officeDocument/2006/relationships" xmlns:p="http://schemas.openxmlformats.org/presentationml/2006/main" showMasterSp="0" showMasterPhAnim="0">
+  <p:cSld>
+    <p:spTree>
+      <p:nvGrpSpPr>
+        <p:cNvPr id="1" name="Shape 260"/>
+        <p:cNvGrpSpPr/>
+        <p:nvPr/>
+      </p:nvGrpSpPr>
+      <p:grpSpPr>
+        <a:xfrm>
+          <a:off x="0" y="0"/>
+          <a:ext cx="0" cy="0"/>
+          <a:chOff x="0" y="0"/>
+          <a:chExt cx="0" cy="0"/>
+        </a:xfrm>
+      </p:grpSpPr>
+      <p:sp>
+        <p:nvSpPr>
+          <p:cNvPr id="261" name="Google Shape;261;geef53d5d55_1_229:notes"/>
+          <p:cNvSpPr txBox="1">
+            <a:spLocks noGrp="1"/>
+          </p:cNvSpPr>
+          <p:nvPr>
+            <p:ph type="body" idx="1"/>
+          </p:nvPr>
+        </p:nvSpPr>
+        <p:spPr>
+          <a:xfrm>
+            <a:off x="685800" y="4343400"/>
+            <a:ext cx="5486400" cy="4114800"/>
+          </a:xfrm>
+          <a:prstGeom prst="rect">
+            <a:avLst/>
+          </a:prstGeom>
+          <a:noFill/>
+          <a:ln>
+            <a:noFill/>
+          </a:ln>
+        </p:spPr>
+        <p:txBody>
+          <a:bodyPr spcFirstLastPara="1" wrap="square" lIns="91425" tIns="91425" rIns="91425" bIns="91425" anchor="t" anchorCtr="0">
+            <a:noAutofit/>
+          </a:bodyPr>
+          <a:lstStyle/>
+          <a:p>
+            <a:pPr marL="0" lvl="0" indent="0" algn="l" rtl="0">
+              <a:lnSpc>
+                <a:spcPct val="100000"/>
+              </a:lnSpc>
+              <a:spcBef>
+                <a:spcPts val="0"/>
+              </a:spcBef>
+              <a:spcAft>
+                <a:spcPts val="0"/>
+              </a:spcAft>
+              <a:buSzPts val="1100"/>
+              <a:buNone/>
+            </a:pPr>
+            <a:endParaRPr/>
+          </a:p>
+        </p:txBody>
+      </p:sp>
+      <p:sp>
+        <p:nvSpPr>
+          <p:cNvPr id="262" name="Google Shape;262;geef53d5d55_1_229:notes"/>
+          <p:cNvSpPr>
+            <a:spLocks noGrp="1" noRot="1" noChangeAspect="1"/>
+          </p:cNvSpPr>
+          <p:nvPr>
+            <p:ph type="sldImg" idx="2"/>
+          </p:nvPr>
+        </p:nvSpPr>
+        <p:spPr>
+          <a:xfrm>
+            <a:off x="381000" y="685800"/>
+            <a:ext cx="6096000" cy="3429000"/>
+          </a:xfrm>
+          <a:custGeom>
+            <a:avLst/>
+            <a:gdLst/>
+            <a:ahLst/>
+            <a:cxnLst/>
+            <a:rect l="l" t="t" r="r" b="b"/>
+            <a:pathLst>
+              <a:path w="120000" h="120000" extrusionOk="0">
+                <a:moveTo>
+                  <a:pt x="0" y="0"/>
+                </a:moveTo>
+                <a:lnTo>
+                  <a:pt x="120000" y="0"/>
+                </a:lnTo>
+                <a:lnTo>
+                  <a:pt x="120000" y="120000"/>
+                </a:lnTo>
+                <a:lnTo>
+                  <a:pt x="0" y="120000"/>
+                </a:lnTo>
+                <a:close/>
+              </a:path>
+            </a:pathLst>
+          </a:custGeom>
+          <a:noFill/>
+          <a:ln w="9525" cap="flat" cmpd="sng">
+            <a:solidFill>
+              <a:srgbClr val="000000"/>
+            </a:solidFill>
+            <a:prstDash val="solid"/>
+            <a:round/>
+            <a:headEnd type="none" w="sm" len="sm"/>
+            <a:tailEnd type="none" w="sm" len="sm"/>
+          </a:ln>
+        </p:spPr>
+      </p:sp>
+    </p:spTree>
+  </p:cSld>
+  <p:clrMapOvr>
+    <a:masterClrMapping/>
+  </p:clrMapOvr>
+</p:notes>
+</file>
+
+<file path=ppt/notesSlides/notesSlide32.xml><?xml version="1.0" encoding="utf-8"?>
+<p:notes xmlns:a="http://schemas.openxmlformats.org/drawingml/2006/main" xmlns:r="http://schemas.openxmlformats.org/officeDocument/2006/relationships" xmlns:p="http://schemas.openxmlformats.org/presentationml/2006/main" showMasterSp="0" showMasterPhAnim="0">
+  <p:cSld>
+    <p:spTree>
+      <p:nvGrpSpPr>
         <p:cNvPr id="1" name="Shape 268"/>
         <p:cNvGrpSpPr/>
         <p:nvPr/>
@@ -3873,7 +4129,7 @@
 </p:notes>
 </file>
 
-<file path=ppt/notesSlides/notesSlide31.xml><?xml version="1.0" encoding="utf-8"?>
+<file path=ppt/notesSlides/notesSlide33.xml><?xml version="1.0" encoding="utf-8"?>
 <p:notes xmlns:a="http://schemas.openxmlformats.org/drawingml/2006/main" xmlns:r="http://schemas.openxmlformats.org/officeDocument/2006/relationships" xmlns:p="http://schemas.openxmlformats.org/presentationml/2006/main" showMasterSp="0" showMasterPhAnim="0">
   <p:cSld>
     <p:spTree>
@@ -4000,7 +4256,7 @@
 </p:notes>
 </file>
 
-<file path=ppt/notesSlides/notesSlide32.xml><?xml version="1.0" encoding="utf-8"?>
+<file path=ppt/notesSlides/notesSlide34.xml><?xml version="1.0" encoding="utf-8"?>
 <p:notes xmlns:a="http://schemas.openxmlformats.org/drawingml/2006/main" xmlns:r="http://schemas.openxmlformats.org/officeDocument/2006/relationships" xmlns:p="http://schemas.openxmlformats.org/presentationml/2006/main" showMasterSp="0" showMasterPhAnim="0">
   <p:cSld>
     <p:spTree>
@@ -4122,7 +4378,7 @@
 </p:notes>
 </file>
 
-<file path=ppt/notesSlides/notesSlide33.xml><?xml version="1.0" encoding="utf-8"?>
+<file path=ppt/notesSlides/notesSlide35.xml><?xml version="1.0" encoding="utf-8"?>
 <p:notes xmlns:a="http://schemas.openxmlformats.org/drawingml/2006/main" xmlns:r="http://schemas.openxmlformats.org/officeDocument/2006/relationships" xmlns:p="http://schemas.openxmlformats.org/presentationml/2006/main" showMasterSp="0" showMasterPhAnim="0">
   <p:cSld>
     <p:spTree>
@@ -4249,7 +4505,7 @@
 </p:notes>
 </file>
 
-<file path=ppt/notesSlides/notesSlide34.xml><?xml version="1.0" encoding="utf-8"?>
+<file path=ppt/notesSlides/notesSlide36.xml><?xml version="1.0" encoding="utf-8"?>
 <p:notes xmlns:a="http://schemas.openxmlformats.org/drawingml/2006/main" xmlns:r="http://schemas.openxmlformats.org/officeDocument/2006/relationships" xmlns:p="http://schemas.openxmlformats.org/presentationml/2006/main" showMasterSp="0" showMasterPhAnim="0">
   <p:cSld>
     <p:spTree>
@@ -4371,7 +4627,7 @@
 </p:notes>
 </file>
 
-<file path=ppt/notesSlides/notesSlide35.xml><?xml version="1.0" encoding="utf-8"?>
+<file path=ppt/notesSlides/notesSlide37.xml><?xml version="1.0" encoding="utf-8"?>
 <p:notes xmlns:a="http://schemas.openxmlformats.org/drawingml/2006/main" xmlns:r="http://schemas.openxmlformats.org/officeDocument/2006/relationships" xmlns:p="http://schemas.openxmlformats.org/presentationml/2006/main" showMasterSp="0" showMasterPhAnim="0">
   <p:cSld>
     <p:spTree>
@@ -4437,250 +4693,6 @@
       <p:sp>
         <p:nvSpPr>
           <p:cNvPr id="296" name="Google Shape;296;geef53d5d55_1_98:notes"/>
-          <p:cNvSpPr>
-            <a:spLocks noGrp="1" noRot="1" noChangeAspect="1"/>
-          </p:cNvSpPr>
-          <p:nvPr>
-            <p:ph type="sldImg" idx="2"/>
-          </p:nvPr>
-        </p:nvSpPr>
-        <p:spPr>
-          <a:xfrm>
-            <a:off x="381000" y="685800"/>
-            <a:ext cx="6096000" cy="3429000"/>
-          </a:xfrm>
-          <a:custGeom>
-            <a:avLst/>
-            <a:gdLst/>
-            <a:ahLst/>
-            <a:cxnLst/>
-            <a:rect l="l" t="t" r="r" b="b"/>
-            <a:pathLst>
-              <a:path w="120000" h="120000" extrusionOk="0">
-                <a:moveTo>
-                  <a:pt x="0" y="0"/>
-                </a:moveTo>
-                <a:lnTo>
-                  <a:pt x="120000" y="0"/>
-                </a:lnTo>
-                <a:lnTo>
-                  <a:pt x="120000" y="120000"/>
-                </a:lnTo>
-                <a:lnTo>
-                  <a:pt x="0" y="120000"/>
-                </a:lnTo>
-                <a:close/>
-              </a:path>
-            </a:pathLst>
-          </a:custGeom>
-          <a:noFill/>
-          <a:ln w="9525" cap="flat" cmpd="sng">
-            <a:solidFill>
-              <a:srgbClr val="000000"/>
-            </a:solidFill>
-            <a:prstDash val="solid"/>
-            <a:round/>
-            <a:headEnd type="none" w="sm" len="sm"/>
-            <a:tailEnd type="none" w="sm" len="sm"/>
-          </a:ln>
-        </p:spPr>
-      </p:sp>
-    </p:spTree>
-  </p:cSld>
-  <p:clrMapOvr>
-    <a:masterClrMapping/>
-  </p:clrMapOvr>
-</p:notes>
-</file>
-
-<file path=ppt/notesSlides/notesSlide36.xml><?xml version="1.0" encoding="utf-8"?>
-<p:notes xmlns:a="http://schemas.openxmlformats.org/drawingml/2006/main" xmlns:r="http://schemas.openxmlformats.org/officeDocument/2006/relationships" xmlns:p="http://schemas.openxmlformats.org/presentationml/2006/main" showMasterSp="0" showMasterPhAnim="0">
-  <p:cSld>
-    <p:spTree>
-      <p:nvGrpSpPr>
-        <p:cNvPr id="1" name="Shape 303"/>
-        <p:cNvGrpSpPr/>
-        <p:nvPr/>
-      </p:nvGrpSpPr>
-      <p:grpSpPr>
-        <a:xfrm>
-          <a:off x="0" y="0"/>
-          <a:ext cx="0" cy="0"/>
-          <a:chOff x="0" y="0"/>
-          <a:chExt cx="0" cy="0"/>
-        </a:xfrm>
-      </p:grpSpPr>
-      <p:sp>
-        <p:nvSpPr>
-          <p:cNvPr id="304" name="Google Shape;304;geef53d5d55_1_114:notes"/>
-          <p:cNvSpPr txBox="1">
-            <a:spLocks noGrp="1"/>
-          </p:cNvSpPr>
-          <p:nvPr>
-            <p:ph type="body" idx="1"/>
-          </p:nvPr>
-        </p:nvSpPr>
-        <p:spPr>
-          <a:xfrm>
-            <a:off x="685800" y="4343400"/>
-            <a:ext cx="5486400" cy="4114800"/>
-          </a:xfrm>
-          <a:prstGeom prst="rect">
-            <a:avLst/>
-          </a:prstGeom>
-          <a:noFill/>
-          <a:ln>
-            <a:noFill/>
-          </a:ln>
-        </p:spPr>
-        <p:txBody>
-          <a:bodyPr spcFirstLastPara="1" wrap="square" lIns="91425" tIns="91425" rIns="91425" bIns="91425" anchor="t" anchorCtr="0">
-            <a:noAutofit/>
-          </a:bodyPr>
-          <a:lstStyle/>
-          <a:p>
-            <a:pPr marL="0" lvl="0" indent="0" algn="l" rtl="0">
-              <a:lnSpc>
-                <a:spcPct val="100000"/>
-              </a:lnSpc>
-              <a:spcBef>
-                <a:spcPts val="0"/>
-              </a:spcBef>
-              <a:spcAft>
-                <a:spcPts val="0"/>
-              </a:spcAft>
-              <a:buSzPts val="1100"/>
-              <a:buNone/>
-            </a:pPr>
-            <a:endParaRPr/>
-          </a:p>
-        </p:txBody>
-      </p:sp>
-      <p:sp>
-        <p:nvSpPr>
-          <p:cNvPr id="305" name="Google Shape;305;geef53d5d55_1_114:notes"/>
-          <p:cNvSpPr>
-            <a:spLocks noGrp="1" noRot="1" noChangeAspect="1"/>
-          </p:cNvSpPr>
-          <p:nvPr>
-            <p:ph type="sldImg" idx="2"/>
-          </p:nvPr>
-        </p:nvSpPr>
-        <p:spPr>
-          <a:xfrm>
-            <a:off x="381000" y="685800"/>
-            <a:ext cx="6096000" cy="3429000"/>
-          </a:xfrm>
-          <a:custGeom>
-            <a:avLst/>
-            <a:gdLst/>
-            <a:ahLst/>
-            <a:cxnLst/>
-            <a:rect l="l" t="t" r="r" b="b"/>
-            <a:pathLst>
-              <a:path w="120000" h="120000" extrusionOk="0">
-                <a:moveTo>
-                  <a:pt x="0" y="0"/>
-                </a:moveTo>
-                <a:lnTo>
-                  <a:pt x="120000" y="0"/>
-                </a:lnTo>
-                <a:lnTo>
-                  <a:pt x="120000" y="120000"/>
-                </a:lnTo>
-                <a:lnTo>
-                  <a:pt x="0" y="120000"/>
-                </a:lnTo>
-                <a:close/>
-              </a:path>
-            </a:pathLst>
-          </a:custGeom>
-          <a:noFill/>
-          <a:ln w="9525" cap="flat" cmpd="sng">
-            <a:solidFill>
-              <a:srgbClr val="000000"/>
-            </a:solidFill>
-            <a:prstDash val="solid"/>
-            <a:round/>
-            <a:headEnd type="none" w="sm" len="sm"/>
-            <a:tailEnd type="none" w="sm" len="sm"/>
-          </a:ln>
-        </p:spPr>
-      </p:sp>
-    </p:spTree>
-  </p:cSld>
-  <p:clrMapOvr>
-    <a:masterClrMapping/>
-  </p:clrMapOvr>
-</p:notes>
-</file>
-
-<file path=ppt/notesSlides/notesSlide37.xml><?xml version="1.0" encoding="utf-8"?>
-<p:notes xmlns:a="http://schemas.openxmlformats.org/drawingml/2006/main" xmlns:r="http://schemas.openxmlformats.org/officeDocument/2006/relationships" xmlns:p="http://schemas.openxmlformats.org/presentationml/2006/main" showMasterSp="0" showMasterPhAnim="0">
-  <p:cSld>
-    <p:spTree>
-      <p:nvGrpSpPr>
-        <p:cNvPr id="1" name="Shape 315"/>
-        <p:cNvGrpSpPr/>
-        <p:nvPr/>
-      </p:nvGrpSpPr>
-      <p:grpSpPr>
-        <a:xfrm>
-          <a:off x="0" y="0"/>
-          <a:ext cx="0" cy="0"/>
-          <a:chOff x="0" y="0"/>
-          <a:chExt cx="0" cy="0"/>
-        </a:xfrm>
-      </p:grpSpPr>
-      <p:sp>
-        <p:nvSpPr>
-          <p:cNvPr id="316" name="Google Shape;316;geef53d5d55_1_132:notes"/>
-          <p:cNvSpPr txBox="1">
-            <a:spLocks noGrp="1"/>
-          </p:cNvSpPr>
-          <p:nvPr>
-            <p:ph type="body" idx="1"/>
-          </p:nvPr>
-        </p:nvSpPr>
-        <p:spPr>
-          <a:xfrm>
-            <a:off x="685800" y="4343400"/>
-            <a:ext cx="5486400" cy="4114800"/>
-          </a:xfrm>
-          <a:prstGeom prst="rect">
-            <a:avLst/>
-          </a:prstGeom>
-          <a:noFill/>
-          <a:ln>
-            <a:noFill/>
-          </a:ln>
-        </p:spPr>
-        <p:txBody>
-          <a:bodyPr spcFirstLastPara="1" wrap="square" lIns="91425" tIns="91425" rIns="91425" bIns="91425" anchor="t" anchorCtr="0">
-            <a:noAutofit/>
-          </a:bodyPr>
-          <a:lstStyle/>
-          <a:p>
-            <a:pPr marL="0" lvl="0" indent="0" algn="l" rtl="0">
-              <a:lnSpc>
-                <a:spcPct val="100000"/>
-              </a:lnSpc>
-              <a:spcBef>
-                <a:spcPts val="0"/>
-              </a:spcBef>
-              <a:spcAft>
-                <a:spcPts val="0"/>
-              </a:spcAft>
-              <a:buSzPts val="1100"/>
-              <a:buNone/>
-            </a:pPr>
-            <a:endParaRPr/>
-          </a:p>
-        </p:txBody>
-      </p:sp>
-      <p:sp>
-        <p:nvSpPr>
-          <p:cNvPr id="317" name="Google Shape;317;geef53d5d55_1_132:notes"/>
           <p:cNvSpPr>
             <a:spLocks noGrp="1" noRot="1" noChangeAspect="1"/>
           </p:cNvSpPr>
@@ -4852,11 +4864,6 @@
         </p:spPr>
       </p:sp>
     </p:spTree>
-    <p:extLst>
-      <p:ext uri="{BB962C8B-B14F-4D97-AF65-F5344CB8AC3E}">
-        <p14:creationId xmlns:p14="http://schemas.microsoft.com/office/powerpoint/2010/main" val="4017197022"/>
-      </p:ext>
-    </p:extLst>
   </p:cSld>
   <p:clrMapOvr>
     <a:masterClrMapping/>
@@ -4869,7 +4876,7 @@
   <p:cSld>
     <p:spTree>
       <p:nvGrpSpPr>
-        <p:cNvPr id="1" name="Shape 325"/>
+        <p:cNvPr id="1" name="Shape 315"/>
         <p:cNvGrpSpPr/>
         <p:nvPr/>
       </p:nvGrpSpPr>
@@ -4883,7 +4890,7 @@
       </p:grpSpPr>
       <p:sp>
         <p:nvSpPr>
-          <p:cNvPr id="326" name="Google Shape;326;geef53d5d55_1_168:notes"/>
+          <p:cNvPr id="316" name="Google Shape;316;geef53d5d55_1_132:notes"/>
           <p:cNvSpPr txBox="1">
             <a:spLocks noGrp="1"/>
           </p:cNvSpPr>
@@ -4929,7 +4936,7 @@
       </p:sp>
       <p:sp>
         <p:nvSpPr>
-          <p:cNvPr id="327" name="Google Shape;327;geef53d5d55_1_168:notes"/>
+          <p:cNvPr id="317" name="Google Shape;317;geef53d5d55_1_132:notes"/>
           <p:cNvSpPr>
             <a:spLocks noGrp="1" noRot="1" noChangeAspect="1"/>
           </p:cNvSpPr>
@@ -5118,6 +5125,255 @@
   <p:cSld>
     <p:spTree>
       <p:nvGrpSpPr>
+        <p:cNvPr id="1" name="Shape 303"/>
+        <p:cNvGrpSpPr/>
+        <p:nvPr/>
+      </p:nvGrpSpPr>
+      <p:grpSpPr>
+        <a:xfrm>
+          <a:off x="0" y="0"/>
+          <a:ext cx="0" cy="0"/>
+          <a:chOff x="0" y="0"/>
+          <a:chExt cx="0" cy="0"/>
+        </a:xfrm>
+      </p:grpSpPr>
+      <p:sp>
+        <p:nvSpPr>
+          <p:cNvPr id="304" name="Google Shape;304;geef53d5d55_1_114:notes"/>
+          <p:cNvSpPr txBox="1">
+            <a:spLocks noGrp="1"/>
+          </p:cNvSpPr>
+          <p:nvPr>
+            <p:ph type="body" idx="1"/>
+          </p:nvPr>
+        </p:nvSpPr>
+        <p:spPr>
+          <a:xfrm>
+            <a:off x="685800" y="4343400"/>
+            <a:ext cx="5486400" cy="4114800"/>
+          </a:xfrm>
+          <a:prstGeom prst="rect">
+            <a:avLst/>
+          </a:prstGeom>
+          <a:noFill/>
+          <a:ln>
+            <a:noFill/>
+          </a:ln>
+        </p:spPr>
+        <p:txBody>
+          <a:bodyPr spcFirstLastPara="1" wrap="square" lIns="91425" tIns="91425" rIns="91425" bIns="91425" anchor="t" anchorCtr="0">
+            <a:noAutofit/>
+          </a:bodyPr>
+          <a:lstStyle/>
+          <a:p>
+            <a:pPr marL="0" lvl="0" indent="0" algn="l" rtl="0">
+              <a:lnSpc>
+                <a:spcPct val="100000"/>
+              </a:lnSpc>
+              <a:spcBef>
+                <a:spcPts val="0"/>
+              </a:spcBef>
+              <a:spcAft>
+                <a:spcPts val="0"/>
+              </a:spcAft>
+              <a:buSzPts val="1100"/>
+              <a:buNone/>
+            </a:pPr>
+            <a:endParaRPr/>
+          </a:p>
+        </p:txBody>
+      </p:sp>
+      <p:sp>
+        <p:nvSpPr>
+          <p:cNvPr id="305" name="Google Shape;305;geef53d5d55_1_114:notes"/>
+          <p:cNvSpPr>
+            <a:spLocks noGrp="1" noRot="1" noChangeAspect="1"/>
+          </p:cNvSpPr>
+          <p:nvPr>
+            <p:ph type="sldImg" idx="2"/>
+          </p:nvPr>
+        </p:nvSpPr>
+        <p:spPr>
+          <a:xfrm>
+            <a:off x="381000" y="685800"/>
+            <a:ext cx="6096000" cy="3429000"/>
+          </a:xfrm>
+          <a:custGeom>
+            <a:avLst/>
+            <a:gdLst/>
+            <a:ahLst/>
+            <a:cxnLst/>
+            <a:rect l="l" t="t" r="r" b="b"/>
+            <a:pathLst>
+              <a:path w="120000" h="120000" extrusionOk="0">
+                <a:moveTo>
+                  <a:pt x="0" y="0"/>
+                </a:moveTo>
+                <a:lnTo>
+                  <a:pt x="120000" y="0"/>
+                </a:lnTo>
+                <a:lnTo>
+                  <a:pt x="120000" y="120000"/>
+                </a:lnTo>
+                <a:lnTo>
+                  <a:pt x="0" y="120000"/>
+                </a:lnTo>
+                <a:close/>
+              </a:path>
+            </a:pathLst>
+          </a:custGeom>
+          <a:noFill/>
+          <a:ln w="9525" cap="flat" cmpd="sng">
+            <a:solidFill>
+              <a:srgbClr val="000000"/>
+            </a:solidFill>
+            <a:prstDash val="solid"/>
+            <a:round/>
+            <a:headEnd type="none" w="sm" len="sm"/>
+            <a:tailEnd type="none" w="sm" len="sm"/>
+          </a:ln>
+        </p:spPr>
+      </p:sp>
+    </p:spTree>
+    <p:extLst>
+      <p:ext uri="{BB962C8B-B14F-4D97-AF65-F5344CB8AC3E}">
+        <p14:creationId xmlns:p14="http://schemas.microsoft.com/office/powerpoint/2010/main" val="4017197022"/>
+      </p:ext>
+    </p:extLst>
+  </p:cSld>
+  <p:clrMapOvr>
+    <a:masterClrMapping/>
+  </p:clrMapOvr>
+</p:notes>
+</file>
+
+<file path=ppt/notesSlides/notesSlide41.xml><?xml version="1.0" encoding="utf-8"?>
+<p:notes xmlns:a="http://schemas.openxmlformats.org/drawingml/2006/main" xmlns:r="http://schemas.openxmlformats.org/officeDocument/2006/relationships" xmlns:p="http://schemas.openxmlformats.org/presentationml/2006/main" showMasterSp="0" showMasterPhAnim="0">
+  <p:cSld>
+    <p:spTree>
+      <p:nvGrpSpPr>
+        <p:cNvPr id="1" name="Shape 325"/>
+        <p:cNvGrpSpPr/>
+        <p:nvPr/>
+      </p:nvGrpSpPr>
+      <p:grpSpPr>
+        <a:xfrm>
+          <a:off x="0" y="0"/>
+          <a:ext cx="0" cy="0"/>
+          <a:chOff x="0" y="0"/>
+          <a:chExt cx="0" cy="0"/>
+        </a:xfrm>
+      </p:grpSpPr>
+      <p:sp>
+        <p:nvSpPr>
+          <p:cNvPr id="326" name="Google Shape;326;geef53d5d55_1_168:notes"/>
+          <p:cNvSpPr txBox="1">
+            <a:spLocks noGrp="1"/>
+          </p:cNvSpPr>
+          <p:nvPr>
+            <p:ph type="body" idx="1"/>
+          </p:nvPr>
+        </p:nvSpPr>
+        <p:spPr>
+          <a:xfrm>
+            <a:off x="685800" y="4343400"/>
+            <a:ext cx="5486400" cy="4114800"/>
+          </a:xfrm>
+          <a:prstGeom prst="rect">
+            <a:avLst/>
+          </a:prstGeom>
+          <a:noFill/>
+          <a:ln>
+            <a:noFill/>
+          </a:ln>
+        </p:spPr>
+        <p:txBody>
+          <a:bodyPr spcFirstLastPara="1" wrap="square" lIns="91425" tIns="91425" rIns="91425" bIns="91425" anchor="t" anchorCtr="0">
+            <a:noAutofit/>
+          </a:bodyPr>
+          <a:lstStyle/>
+          <a:p>
+            <a:pPr marL="0" lvl="0" indent="0" algn="l" rtl="0">
+              <a:lnSpc>
+                <a:spcPct val="100000"/>
+              </a:lnSpc>
+              <a:spcBef>
+                <a:spcPts val="0"/>
+              </a:spcBef>
+              <a:spcAft>
+                <a:spcPts val="0"/>
+              </a:spcAft>
+              <a:buSzPts val="1100"/>
+              <a:buNone/>
+            </a:pPr>
+            <a:endParaRPr/>
+          </a:p>
+        </p:txBody>
+      </p:sp>
+      <p:sp>
+        <p:nvSpPr>
+          <p:cNvPr id="327" name="Google Shape;327;geef53d5d55_1_168:notes"/>
+          <p:cNvSpPr>
+            <a:spLocks noGrp="1" noRot="1" noChangeAspect="1"/>
+          </p:cNvSpPr>
+          <p:nvPr>
+            <p:ph type="sldImg" idx="2"/>
+          </p:nvPr>
+        </p:nvSpPr>
+        <p:spPr>
+          <a:xfrm>
+            <a:off x="381000" y="685800"/>
+            <a:ext cx="6096000" cy="3429000"/>
+          </a:xfrm>
+          <a:custGeom>
+            <a:avLst/>
+            <a:gdLst/>
+            <a:ahLst/>
+            <a:cxnLst/>
+            <a:rect l="l" t="t" r="r" b="b"/>
+            <a:pathLst>
+              <a:path w="120000" h="120000" extrusionOk="0">
+                <a:moveTo>
+                  <a:pt x="0" y="0"/>
+                </a:moveTo>
+                <a:lnTo>
+                  <a:pt x="120000" y="0"/>
+                </a:lnTo>
+                <a:lnTo>
+                  <a:pt x="120000" y="120000"/>
+                </a:lnTo>
+                <a:lnTo>
+                  <a:pt x="0" y="120000"/>
+                </a:lnTo>
+                <a:close/>
+              </a:path>
+            </a:pathLst>
+          </a:custGeom>
+          <a:noFill/>
+          <a:ln w="9525" cap="flat" cmpd="sng">
+            <a:solidFill>
+              <a:srgbClr val="000000"/>
+            </a:solidFill>
+            <a:prstDash val="solid"/>
+            <a:round/>
+            <a:headEnd type="none" w="sm" len="sm"/>
+            <a:tailEnd type="none" w="sm" len="sm"/>
+          </a:ln>
+        </p:spPr>
+      </p:sp>
+    </p:spTree>
+  </p:cSld>
+  <p:clrMapOvr>
+    <a:masterClrMapping/>
+  </p:clrMapOvr>
+</p:notes>
+</file>
+
+<file path=ppt/notesSlides/notesSlide42.xml><?xml version="1.0" encoding="utf-8"?>
+<p:notes xmlns:a="http://schemas.openxmlformats.org/drawingml/2006/main" xmlns:r="http://schemas.openxmlformats.org/officeDocument/2006/relationships" xmlns:p="http://schemas.openxmlformats.org/presentationml/2006/main" showMasterSp="0" showMasterPhAnim="0">
+  <p:cSld>
+    <p:spTree>
+      <p:nvGrpSpPr>
         <p:cNvPr id="1" name="Shape 333"/>
         <p:cNvGrpSpPr/>
         <p:nvPr/>
@@ -5235,7 +5491,7 @@
 </p:notes>
 </file>
 
-<file path=ppt/notesSlides/notesSlide41.xml><?xml version="1.0" encoding="utf-8"?>
+<file path=ppt/notesSlides/notesSlide43.xml><?xml version="1.0" encoding="utf-8"?>
 <p:notes xmlns:a="http://schemas.openxmlformats.org/drawingml/2006/main" xmlns:r="http://schemas.openxmlformats.org/officeDocument/2006/relationships" xmlns:p="http://schemas.openxmlformats.org/presentationml/2006/main" showMasterSp="0" showMasterPhAnim="0">
   <p:cSld>
     <p:spTree>
@@ -5357,7 +5613,7 @@
 </p:notes>
 </file>
 
-<file path=ppt/notesSlides/notesSlide42.xml><?xml version="1.0" encoding="utf-8"?>
+<file path=ppt/notesSlides/notesSlide44.xml><?xml version="1.0" encoding="utf-8"?>
 <p:notes xmlns:a="http://schemas.openxmlformats.org/drawingml/2006/main" xmlns:r="http://schemas.openxmlformats.org/officeDocument/2006/relationships" xmlns:p="http://schemas.openxmlformats.org/presentationml/2006/main" showMasterSp="0" showMasterPhAnim="0">
   <p:cSld>
     <p:spTree>
@@ -5479,7 +5735,7 @@
 </p:notes>
 </file>
 
-<file path=ppt/notesSlides/notesSlide43.xml><?xml version="1.0" encoding="utf-8"?>
+<file path=ppt/notesSlides/notesSlide45.xml><?xml version="1.0" encoding="utf-8"?>
 <p:notes xmlns:a="http://schemas.openxmlformats.org/drawingml/2006/main" xmlns:r="http://schemas.openxmlformats.org/officeDocument/2006/relationships" xmlns:p="http://schemas.openxmlformats.org/presentationml/2006/main" showMasterSp="0" showMasterPhAnim="0">
   <p:cSld>
     <p:spTree>
@@ -32507,6 +32763,862 @@
                 <a:cs typeface="Times New Roman"/>
                 <a:sym typeface="Times New Roman"/>
               </a:rPr>
+              <a:t>Action Result</a:t>
+            </a:r>
+            <a:endParaRPr sz="3600" i="0" u="none" strike="noStrike" cap="none" dirty="0">
+              <a:solidFill>
+                <a:srgbClr val="93DF5F"/>
+              </a:solidFill>
+              <a:latin typeface="Times New Roman"/>
+              <a:ea typeface="Times New Roman"/>
+              <a:cs typeface="Times New Roman"/>
+              <a:sym typeface="Times New Roman"/>
+            </a:endParaRPr>
+          </a:p>
+        </p:txBody>
+      </p:sp>
+      <p:cxnSp>
+        <p:nvCxnSpPr>
+          <p:cNvPr id="224" name="Google Shape;224;geef53d5d55_1_54"/>
+          <p:cNvCxnSpPr/>
+          <p:nvPr/>
+        </p:nvCxnSpPr>
+        <p:spPr>
+          <a:xfrm>
+            <a:off x="815879" y="1325204"/>
+            <a:ext cx="5210700" cy="0"/>
+          </a:xfrm>
+          <a:prstGeom prst="straightConnector1">
+            <a:avLst/>
+          </a:prstGeom>
+          <a:noFill/>
+          <a:ln w="25400" cap="flat" cmpd="sng">
+            <a:solidFill>
+              <a:schemeClr val="accent1"/>
+            </a:solidFill>
+            <a:prstDash val="solid"/>
+            <a:round/>
+            <a:headEnd type="none" w="sm" len="sm"/>
+            <a:tailEnd type="none" w="sm" len="sm"/>
+          </a:ln>
+        </p:spPr>
+      </p:cxnSp>
+      <p:pic>
+        <p:nvPicPr>
+          <p:cNvPr id="225" name="Google Shape;225;geef53d5d55_1_54"/>
+          <p:cNvPicPr preferRelativeResize="0"/>
+          <p:nvPr/>
+        </p:nvPicPr>
+        <p:blipFill rotWithShape="1">
+          <a:blip r:embed="rId3">
+            <a:alphaModFix/>
+          </a:blip>
+          <a:srcRect/>
+          <a:stretch/>
+        </p:blipFill>
+        <p:spPr>
+          <a:xfrm>
+            <a:off x="677316" y="6274352"/>
+            <a:ext cx="1639649" cy="413900"/>
+          </a:xfrm>
+          <a:prstGeom prst="rect">
+            <a:avLst/>
+          </a:prstGeom>
+          <a:noFill/>
+          <a:ln>
+            <a:noFill/>
+          </a:ln>
+        </p:spPr>
+      </p:pic>
+      <p:sp>
+        <p:nvSpPr>
+          <p:cNvPr id="6" name="Google Shape;198;geef53d5d55_1_27">
+            <a:extLst>
+              <a:ext uri="{FF2B5EF4-FFF2-40B4-BE49-F238E27FC236}">
+                <a16:creationId xmlns:a16="http://schemas.microsoft.com/office/drawing/2014/main" id="{7A29CA41-C44F-45EA-B3C0-6D6E02FBF6FC}"/>
+              </a:ext>
+            </a:extLst>
+          </p:cNvPr>
+          <p:cNvSpPr txBox="1">
+            <a:spLocks noGrp="1"/>
+          </p:cNvSpPr>
+          <p:nvPr>
+            <p:ph type="body" idx="1"/>
+          </p:nvPr>
+        </p:nvSpPr>
+        <p:spPr>
+          <a:xfrm>
+            <a:off x="593359" y="1582337"/>
+            <a:ext cx="8596800" cy="563704"/>
+          </a:xfrm>
+          <a:prstGeom prst="rect">
+            <a:avLst/>
+          </a:prstGeom>
+          <a:noFill/>
+          <a:ln>
+            <a:noFill/>
+          </a:ln>
+        </p:spPr>
+        <p:txBody>
+          <a:bodyPr spcFirstLastPara="1" wrap="square" lIns="91425" tIns="45700" rIns="91425" bIns="45700" anchor="t" anchorCtr="0">
+            <a:normAutofit/>
+          </a:bodyPr>
+          <a:lstStyle/>
+          <a:p>
+            <a:pPr marL="285750" lvl="0" indent="-285750" algn="l" rtl="0">
+              <a:lnSpc>
+                <a:spcPct val="100000"/>
+              </a:lnSpc>
+              <a:spcBef>
+                <a:spcPts val="0"/>
+              </a:spcBef>
+              <a:spcAft>
+                <a:spcPts val="0"/>
+              </a:spcAft>
+              <a:buFontTx/>
+              <a:buChar char="-"/>
+            </a:pPr>
+            <a:r>
+              <a:rPr lang="en-US" dirty="0">
+                <a:solidFill>
+                  <a:schemeClr val="lt1"/>
+                </a:solidFill>
+                <a:latin typeface="Times New Roman"/>
+                <a:ea typeface="Times New Roman"/>
+                <a:cs typeface="Times New Roman"/>
+                <a:sym typeface="Times New Roman"/>
+              </a:rPr>
+              <a:t>Action result </a:t>
+            </a:r>
+            <a:r>
+              <a:rPr lang="en-US" dirty="0" err="1">
+                <a:solidFill>
+                  <a:schemeClr val="lt1"/>
+                </a:solidFill>
+                <a:latin typeface="Times New Roman"/>
+                <a:ea typeface="Times New Roman"/>
+                <a:cs typeface="Times New Roman"/>
+                <a:sym typeface="Times New Roman"/>
+              </a:rPr>
+              <a:t>giúp</a:t>
+            </a:r>
+            <a:r>
+              <a:rPr lang="en-US" dirty="0">
+                <a:solidFill>
+                  <a:schemeClr val="lt1"/>
+                </a:solidFill>
+                <a:latin typeface="Times New Roman"/>
+                <a:ea typeface="Times New Roman"/>
+                <a:cs typeface="Times New Roman"/>
+                <a:sym typeface="Times New Roman"/>
+              </a:rPr>
+              <a:t> tạo ra </a:t>
+            </a:r>
+            <a:r>
+              <a:rPr lang="en-US" dirty="0" err="1">
+                <a:solidFill>
+                  <a:schemeClr val="lt1"/>
+                </a:solidFill>
+                <a:latin typeface="Times New Roman"/>
+                <a:ea typeface="Times New Roman"/>
+                <a:cs typeface="Times New Roman"/>
+                <a:sym typeface="Times New Roman"/>
+              </a:rPr>
+              <a:t>các</a:t>
+            </a:r>
+            <a:r>
+              <a:rPr lang="en-US" dirty="0">
+                <a:solidFill>
+                  <a:schemeClr val="lt1"/>
+                </a:solidFill>
+                <a:latin typeface="Times New Roman"/>
+                <a:ea typeface="Times New Roman"/>
+                <a:cs typeface="Times New Roman"/>
+                <a:sym typeface="Times New Roman"/>
+              </a:rPr>
+              <a:t> response </a:t>
+            </a:r>
+            <a:r>
+              <a:rPr lang="en-US" dirty="0" err="1">
+                <a:solidFill>
+                  <a:schemeClr val="lt1"/>
+                </a:solidFill>
+                <a:latin typeface="Times New Roman"/>
+                <a:ea typeface="Times New Roman"/>
+                <a:cs typeface="Times New Roman"/>
+                <a:sym typeface="Times New Roman"/>
+              </a:rPr>
+              <a:t>khác</a:t>
+            </a:r>
+            <a:r>
+              <a:rPr lang="en-US" dirty="0">
+                <a:solidFill>
+                  <a:schemeClr val="lt1"/>
+                </a:solidFill>
+                <a:latin typeface="Times New Roman"/>
+                <a:ea typeface="Times New Roman"/>
+                <a:cs typeface="Times New Roman"/>
+                <a:sym typeface="Times New Roman"/>
+              </a:rPr>
+              <a:t> nhau </a:t>
+            </a:r>
+            <a:r>
+              <a:rPr lang="en-US" dirty="0" err="1">
+                <a:solidFill>
+                  <a:schemeClr val="lt1"/>
+                </a:solidFill>
+                <a:latin typeface="Times New Roman"/>
+                <a:ea typeface="Times New Roman"/>
+                <a:cs typeface="Times New Roman"/>
+                <a:sym typeface="Times New Roman"/>
+              </a:rPr>
+              <a:t>cho</a:t>
+            </a:r>
+            <a:r>
+              <a:rPr lang="en-US" dirty="0">
+                <a:solidFill>
+                  <a:schemeClr val="lt1"/>
+                </a:solidFill>
+                <a:latin typeface="Times New Roman"/>
+                <a:ea typeface="Times New Roman"/>
+                <a:cs typeface="Times New Roman"/>
+                <a:sym typeface="Times New Roman"/>
+              </a:rPr>
+              <a:t> mỗi page</a:t>
+            </a:r>
+            <a:endParaRPr dirty="0">
+              <a:solidFill>
+                <a:schemeClr val="lt1"/>
+              </a:solidFill>
+              <a:latin typeface="Times New Roman"/>
+              <a:ea typeface="Times New Roman"/>
+              <a:cs typeface="Times New Roman"/>
+              <a:sym typeface="Times New Roman"/>
+            </a:endParaRPr>
+          </a:p>
+        </p:txBody>
+      </p:sp>
+      <p:graphicFrame>
+        <p:nvGraphicFramePr>
+          <p:cNvPr id="2" name="Table 1">
+            <a:extLst>
+              <a:ext uri="{FF2B5EF4-FFF2-40B4-BE49-F238E27FC236}">
+                <a16:creationId xmlns:a16="http://schemas.microsoft.com/office/drawing/2014/main" id="{14387EA5-201C-4B7E-916D-CD39C99A207F}"/>
+              </a:ext>
+            </a:extLst>
+          </p:cNvPr>
+          <p:cNvGraphicFramePr>
+            <a:graphicFrameLocks noGrp="1"/>
+          </p:cNvGraphicFramePr>
+          <p:nvPr>
+            <p:extLst>
+              <p:ext uri="{D42A27DB-BD31-4B8C-83A1-F6EECF244321}">
+                <p14:modId xmlns:p14="http://schemas.microsoft.com/office/powerpoint/2010/main" val="3749783860"/>
+              </p:ext>
+            </p:extLst>
+          </p:nvPr>
+        </p:nvGraphicFramePr>
+        <p:xfrm>
+          <a:off x="808968" y="2276840"/>
+          <a:ext cx="8128000" cy="2595880"/>
+        </p:xfrm>
+        <a:graphic>
+          <a:graphicData uri="http://schemas.openxmlformats.org/drawingml/2006/table">
+            <a:tbl>
+              <a:tblPr firstRow="1" bandRow="1">
+                <a:tableStyleId>{21E4AEA4-8DFA-4A89-87EB-49C32662AFE0}</a:tableStyleId>
+              </a:tblPr>
+              <a:tblGrid>
+                <a:gridCol w="4064000">
+                  <a:extLst>
+                    <a:ext uri="{9D8B030D-6E8A-4147-A177-3AD203B41FA5}">
+                      <a16:colId xmlns:a16="http://schemas.microsoft.com/office/drawing/2014/main" val="682370715"/>
+                    </a:ext>
+                  </a:extLst>
+                </a:gridCol>
+                <a:gridCol w="4064000">
+                  <a:extLst>
+                    <a:ext uri="{9D8B030D-6E8A-4147-A177-3AD203B41FA5}">
+                      <a16:colId xmlns:a16="http://schemas.microsoft.com/office/drawing/2014/main" val="3834765857"/>
+                    </a:ext>
+                  </a:extLst>
+                </a:gridCol>
+              </a:tblGrid>
+              <a:tr h="370840">
+                <a:tc>
+                  <a:txBody>
+                    <a:bodyPr/>
+                    <a:lstStyle/>
+                    <a:p>
+                      <a:r>
+                        <a:rPr lang="en-US" dirty="0"/>
+                        <a:t>Action result type</a:t>
+                      </a:r>
+                    </a:p>
+                  </a:txBody>
+                  <a:tcPr/>
+                </a:tc>
+                <a:tc>
+                  <a:txBody>
+                    <a:bodyPr/>
+                    <a:lstStyle/>
+                    <a:p>
+                      <a:r>
+                        <a:rPr lang="en-US" dirty="0"/>
+                        <a:t>Helper method</a:t>
+                      </a:r>
+                    </a:p>
+                  </a:txBody>
+                  <a:tcPr/>
+                </a:tc>
+                <a:extLst>
+                  <a:ext uri="{0D108BD9-81ED-4DB2-BD59-A6C34878D82A}">
+                    <a16:rowId xmlns:a16="http://schemas.microsoft.com/office/drawing/2014/main" val="3245520327"/>
+                  </a:ext>
+                </a:extLst>
+              </a:tr>
+              <a:tr h="370840">
+                <a:tc>
+                  <a:txBody>
+                    <a:bodyPr/>
+                    <a:lstStyle/>
+                    <a:p>
+                      <a:r>
+                        <a:rPr lang="en-US" sz="1400" b="0" i="0" u="none" strike="noStrike" cap="none" dirty="0" err="1">
+                          <a:solidFill>
+                            <a:schemeClr val="dk1"/>
+                          </a:solidFill>
+                          <a:effectLst/>
+                          <a:latin typeface="+mn-lt"/>
+                          <a:ea typeface="+mn-ea"/>
+                          <a:cs typeface="+mn-cs"/>
+                          <a:sym typeface="Arial"/>
+                        </a:rPr>
+                        <a:t>RedirectToPageResult</a:t>
+                      </a:r>
+                      <a:endParaRPr lang="en-US" dirty="0"/>
+                    </a:p>
+                  </a:txBody>
+                  <a:tcPr/>
+                </a:tc>
+                <a:tc>
+                  <a:txBody>
+                    <a:bodyPr/>
+                    <a:lstStyle/>
+                    <a:p>
+                      <a:r>
+                        <a:rPr lang="en-US" dirty="0"/>
+                        <a:t>Return Page() - 200</a:t>
+                      </a:r>
+                    </a:p>
+                  </a:txBody>
+                  <a:tcPr/>
+                </a:tc>
+                <a:extLst>
+                  <a:ext uri="{0D108BD9-81ED-4DB2-BD59-A6C34878D82A}">
+                    <a16:rowId xmlns:a16="http://schemas.microsoft.com/office/drawing/2014/main" val="1590646348"/>
+                  </a:ext>
+                </a:extLst>
+              </a:tr>
+              <a:tr h="370840">
+                <a:tc>
+                  <a:txBody>
+                    <a:bodyPr/>
+                    <a:lstStyle/>
+                    <a:p>
+                      <a:r>
+                        <a:rPr lang="en-US" dirty="0" err="1"/>
+                        <a:t>NotFoundResul</a:t>
+                      </a:r>
+                      <a:endParaRPr lang="en-US" dirty="0"/>
+                    </a:p>
+                  </a:txBody>
+                  <a:tcPr/>
+                </a:tc>
+                <a:tc>
+                  <a:txBody>
+                    <a:bodyPr/>
+                    <a:lstStyle/>
+                    <a:p>
+                      <a:r>
+                        <a:rPr lang="en-US" dirty="0"/>
+                        <a:t>return </a:t>
+                      </a:r>
+                      <a:r>
+                        <a:rPr lang="en-US" dirty="0" err="1"/>
+                        <a:t>NotFound</a:t>
+                      </a:r>
+                      <a:r>
+                        <a:rPr lang="en-US" dirty="0"/>
+                        <a:t>() - 404</a:t>
+                      </a:r>
+                    </a:p>
+                  </a:txBody>
+                  <a:tcPr/>
+                </a:tc>
+                <a:extLst>
+                  <a:ext uri="{0D108BD9-81ED-4DB2-BD59-A6C34878D82A}">
+                    <a16:rowId xmlns:a16="http://schemas.microsoft.com/office/drawing/2014/main" val="2838998575"/>
+                  </a:ext>
+                </a:extLst>
+              </a:tr>
+              <a:tr h="370840">
+                <a:tc>
+                  <a:txBody>
+                    <a:bodyPr/>
+                    <a:lstStyle/>
+                    <a:p>
+                      <a:r>
+                        <a:rPr lang="en-US" dirty="0" err="1"/>
+                        <a:t>JsonResult</a:t>
+                      </a:r>
+                      <a:endParaRPr lang="en-US" dirty="0"/>
+                    </a:p>
+                  </a:txBody>
+                  <a:tcPr/>
+                </a:tc>
+                <a:tc>
+                  <a:txBody>
+                    <a:bodyPr/>
+                    <a:lstStyle/>
+                    <a:p>
+                      <a:r>
+                        <a:rPr lang="en-US" dirty="0"/>
+                        <a:t>return Unauthorized() - 401</a:t>
+                      </a:r>
+                    </a:p>
+                  </a:txBody>
+                  <a:tcPr/>
+                </a:tc>
+                <a:extLst>
+                  <a:ext uri="{0D108BD9-81ED-4DB2-BD59-A6C34878D82A}">
+                    <a16:rowId xmlns:a16="http://schemas.microsoft.com/office/drawing/2014/main" val="3318725301"/>
+                  </a:ext>
+                </a:extLst>
+              </a:tr>
+              <a:tr h="370840">
+                <a:tc>
+                  <a:txBody>
+                    <a:bodyPr/>
+                    <a:lstStyle/>
+                    <a:p>
+                      <a:r>
+                        <a:rPr lang="en-US" sz="1400" b="0" i="0" u="none" strike="noStrike" cap="none" dirty="0" err="1">
+                          <a:solidFill>
+                            <a:schemeClr val="dk1"/>
+                          </a:solidFill>
+                          <a:effectLst/>
+                          <a:latin typeface="+mn-lt"/>
+                          <a:ea typeface="+mn-ea"/>
+                          <a:cs typeface="+mn-cs"/>
+                          <a:sym typeface="Arial"/>
+                        </a:rPr>
+                        <a:t>PageResult</a:t>
+                      </a:r>
+                      <a:endParaRPr lang="en-US" dirty="0"/>
+                    </a:p>
+                  </a:txBody>
+                  <a:tcPr/>
+                </a:tc>
+                <a:tc>
+                  <a:txBody>
+                    <a:bodyPr/>
+                    <a:lstStyle/>
+                    <a:p>
+                      <a:r>
+                        <a:rPr lang="en-US" dirty="0"/>
+                        <a:t>Return Page() – 200 (current page)</a:t>
+                      </a:r>
+                    </a:p>
+                  </a:txBody>
+                  <a:tcPr/>
+                </a:tc>
+                <a:extLst>
+                  <a:ext uri="{0D108BD9-81ED-4DB2-BD59-A6C34878D82A}">
+                    <a16:rowId xmlns:a16="http://schemas.microsoft.com/office/drawing/2014/main" val="1347316257"/>
+                  </a:ext>
+                </a:extLst>
+              </a:tr>
+              <a:tr h="370840">
+                <a:tc>
+                  <a:txBody>
+                    <a:bodyPr/>
+                    <a:lstStyle/>
+                    <a:p>
+                      <a:r>
+                        <a:rPr lang="en-US" sz="1400" b="0" i="0" u="none" strike="noStrike" cap="none" dirty="0" err="1">
+                          <a:solidFill>
+                            <a:schemeClr val="dk1"/>
+                          </a:solidFill>
+                          <a:effectLst/>
+                          <a:latin typeface="+mn-lt"/>
+                          <a:ea typeface="+mn-ea"/>
+                          <a:cs typeface="+mn-cs"/>
+                          <a:sym typeface="Arial"/>
+                        </a:rPr>
+                        <a:t>BadRequestResult</a:t>
+                      </a:r>
+                      <a:endParaRPr lang="en-US" dirty="0"/>
+                    </a:p>
+                  </a:txBody>
+                  <a:tcPr/>
+                </a:tc>
+                <a:tc>
+                  <a:txBody>
+                    <a:bodyPr/>
+                    <a:lstStyle/>
+                    <a:p>
+                      <a:r>
+                        <a:rPr lang="en-US" dirty="0"/>
+                        <a:t>Return </a:t>
+                      </a:r>
+                      <a:r>
+                        <a:rPr lang="en-US" sz="1400" b="0" i="0" u="none" strike="noStrike" cap="none" dirty="0" err="1">
+                          <a:solidFill>
+                            <a:schemeClr val="dk1"/>
+                          </a:solidFill>
+                          <a:effectLst/>
+                          <a:latin typeface="+mn-lt"/>
+                          <a:ea typeface="+mn-ea"/>
+                          <a:cs typeface="+mn-cs"/>
+                          <a:sym typeface="Arial"/>
+                        </a:rPr>
+                        <a:t>BadRequest</a:t>
+                      </a:r>
+                      <a:r>
+                        <a:rPr lang="en-US" sz="1400" b="0" i="0" u="none" strike="noStrike" cap="none" dirty="0">
+                          <a:solidFill>
+                            <a:schemeClr val="dk1"/>
+                          </a:solidFill>
+                          <a:effectLst/>
+                          <a:latin typeface="+mn-lt"/>
+                          <a:ea typeface="+mn-ea"/>
+                          <a:cs typeface="+mn-cs"/>
+                          <a:sym typeface="Arial"/>
+                        </a:rPr>
+                        <a:t>() - 400</a:t>
+                      </a:r>
+                      <a:endParaRPr lang="en-US" dirty="0"/>
+                    </a:p>
+                  </a:txBody>
+                  <a:tcPr/>
+                </a:tc>
+                <a:extLst>
+                  <a:ext uri="{0D108BD9-81ED-4DB2-BD59-A6C34878D82A}">
+                    <a16:rowId xmlns:a16="http://schemas.microsoft.com/office/drawing/2014/main" val="3216600907"/>
+                  </a:ext>
+                </a:extLst>
+              </a:tr>
+              <a:tr h="370840">
+                <a:tc>
+                  <a:txBody>
+                    <a:bodyPr/>
+                    <a:lstStyle/>
+                    <a:p>
+                      <a:r>
+                        <a:rPr lang="en-US" dirty="0"/>
+                        <a:t>Many more!</a:t>
+                      </a:r>
+                    </a:p>
+                  </a:txBody>
+                  <a:tcPr/>
+                </a:tc>
+                <a:tc>
+                  <a:txBody>
+                    <a:bodyPr/>
+                    <a:lstStyle/>
+                    <a:p>
+                      <a:r>
+                        <a:rPr lang="en-US" dirty="0"/>
+                        <a:t>Various results</a:t>
+                      </a:r>
+                    </a:p>
+                  </a:txBody>
+                  <a:tcPr/>
+                </a:tc>
+                <a:extLst>
+                  <a:ext uri="{0D108BD9-81ED-4DB2-BD59-A6C34878D82A}">
+                    <a16:rowId xmlns:a16="http://schemas.microsoft.com/office/drawing/2014/main" val="2630113445"/>
+                  </a:ext>
+                </a:extLst>
+              </a:tr>
+            </a:tbl>
+          </a:graphicData>
+        </a:graphic>
+      </p:graphicFrame>
+    </p:spTree>
+    <p:extLst>
+      <p:ext uri="{BB962C8B-B14F-4D97-AF65-F5344CB8AC3E}">
+        <p14:creationId xmlns:p14="http://schemas.microsoft.com/office/powerpoint/2010/main" val="4218988740"/>
+      </p:ext>
+    </p:extLst>
+  </p:cSld>
+  <p:clrMapOvr>
+    <a:masterClrMapping/>
+  </p:clrMapOvr>
+</p:sld>
+</file>
+
+<file path=ppt/slides/slide25.xml><?xml version="1.0" encoding="utf-8"?>
+<p:sld xmlns:a="http://schemas.openxmlformats.org/drawingml/2006/main" xmlns:r="http://schemas.openxmlformats.org/officeDocument/2006/relationships" xmlns:p="http://schemas.openxmlformats.org/presentationml/2006/main">
+  <p:cSld>
+    <p:spTree>
+      <p:nvGrpSpPr>
+        <p:cNvPr id="1" name="Shape 221"/>
+        <p:cNvGrpSpPr/>
+        <p:nvPr/>
+      </p:nvGrpSpPr>
+      <p:grpSpPr>
+        <a:xfrm>
+          <a:off x="0" y="0"/>
+          <a:ext cx="0" cy="0"/>
+          <a:chOff x="0" y="0"/>
+          <a:chExt cx="0" cy="0"/>
+        </a:xfrm>
+      </p:grpSpPr>
+      <p:sp>
+        <p:nvSpPr>
+          <p:cNvPr id="223" name="Google Shape;223;geef53d5d55_1_54"/>
+          <p:cNvSpPr txBox="1"/>
+          <p:nvPr/>
+        </p:nvSpPr>
+        <p:spPr>
+          <a:xfrm>
+            <a:off x="677334" y="678873"/>
+            <a:ext cx="6096000" cy="646500"/>
+          </a:xfrm>
+          <a:prstGeom prst="rect">
+            <a:avLst/>
+          </a:prstGeom>
+          <a:noFill/>
+          <a:ln>
+            <a:noFill/>
+          </a:ln>
+        </p:spPr>
+        <p:txBody>
+          <a:bodyPr spcFirstLastPara="1" wrap="square" lIns="91425" tIns="45700" rIns="91425" bIns="45700" anchor="t" anchorCtr="0">
+            <a:spAutoFit/>
+          </a:bodyPr>
+          <a:lstStyle/>
+          <a:p>
+            <a:pPr marL="0" marR="0" lvl="0" indent="0" algn="l" rtl="0">
+              <a:lnSpc>
+                <a:spcPct val="100000"/>
+              </a:lnSpc>
+              <a:spcBef>
+                <a:spcPts val="0"/>
+              </a:spcBef>
+              <a:spcAft>
+                <a:spcPts val="0"/>
+              </a:spcAft>
+              <a:buClr>
+                <a:srgbClr val="000000"/>
+              </a:buClr>
+              <a:buSzPts val="3600"/>
+              <a:buFont typeface="Arial"/>
+              <a:buNone/>
+            </a:pPr>
+            <a:r>
+              <a:rPr lang="en-US" sz="3600" dirty="0" err="1">
+                <a:solidFill>
+                  <a:srgbClr val="93DF5F"/>
+                </a:solidFill>
+                <a:latin typeface="Times New Roman"/>
+                <a:ea typeface="Times New Roman"/>
+                <a:cs typeface="Times New Roman"/>
+                <a:sym typeface="Times New Roman"/>
+              </a:rPr>
+              <a:t>Ví</a:t>
+            </a:r>
+            <a:r>
+              <a:rPr lang="en-US" sz="3600" dirty="0">
+                <a:solidFill>
+                  <a:srgbClr val="93DF5F"/>
+                </a:solidFill>
+                <a:latin typeface="Times New Roman"/>
+                <a:ea typeface="Times New Roman"/>
+                <a:cs typeface="Times New Roman"/>
+                <a:sym typeface="Times New Roman"/>
+              </a:rPr>
+              <a:t> dụ Action Result</a:t>
+            </a:r>
+            <a:endParaRPr sz="3600" i="0" u="none" strike="noStrike" cap="none" dirty="0">
+              <a:solidFill>
+                <a:srgbClr val="93DF5F"/>
+              </a:solidFill>
+              <a:latin typeface="Times New Roman"/>
+              <a:ea typeface="Times New Roman"/>
+              <a:cs typeface="Times New Roman"/>
+              <a:sym typeface="Times New Roman"/>
+            </a:endParaRPr>
+          </a:p>
+        </p:txBody>
+      </p:sp>
+      <p:cxnSp>
+        <p:nvCxnSpPr>
+          <p:cNvPr id="224" name="Google Shape;224;geef53d5d55_1_54"/>
+          <p:cNvCxnSpPr/>
+          <p:nvPr/>
+        </p:nvCxnSpPr>
+        <p:spPr>
+          <a:xfrm>
+            <a:off x="815879" y="1325204"/>
+            <a:ext cx="5210700" cy="0"/>
+          </a:xfrm>
+          <a:prstGeom prst="straightConnector1">
+            <a:avLst/>
+          </a:prstGeom>
+          <a:noFill/>
+          <a:ln w="25400" cap="flat" cmpd="sng">
+            <a:solidFill>
+              <a:schemeClr val="accent1"/>
+            </a:solidFill>
+            <a:prstDash val="solid"/>
+            <a:round/>
+            <a:headEnd type="none" w="sm" len="sm"/>
+            <a:tailEnd type="none" w="sm" len="sm"/>
+          </a:ln>
+        </p:spPr>
+      </p:cxnSp>
+      <p:pic>
+        <p:nvPicPr>
+          <p:cNvPr id="225" name="Google Shape;225;geef53d5d55_1_54"/>
+          <p:cNvPicPr preferRelativeResize="0"/>
+          <p:nvPr/>
+        </p:nvPicPr>
+        <p:blipFill rotWithShape="1">
+          <a:blip r:embed="rId3">
+            <a:alphaModFix/>
+          </a:blip>
+          <a:srcRect/>
+          <a:stretch/>
+        </p:blipFill>
+        <p:spPr>
+          <a:xfrm>
+            <a:off x="677316" y="6274352"/>
+            <a:ext cx="1639649" cy="413900"/>
+          </a:xfrm>
+          <a:prstGeom prst="rect">
+            <a:avLst/>
+          </a:prstGeom>
+          <a:noFill/>
+          <a:ln>
+            <a:noFill/>
+          </a:ln>
+        </p:spPr>
+      </p:pic>
+      <p:pic>
+        <p:nvPicPr>
+          <p:cNvPr id="5" name="Picture 4">
+            <a:extLst>
+              <a:ext uri="{FF2B5EF4-FFF2-40B4-BE49-F238E27FC236}">
+                <a16:creationId xmlns:a16="http://schemas.microsoft.com/office/drawing/2014/main" id="{C14D516E-161B-4255-BB09-A1FDAB9E1E3B}"/>
+              </a:ext>
+            </a:extLst>
+          </p:cNvPr>
+          <p:cNvPicPr>
+            <a:picLocks noChangeAspect="1"/>
+          </p:cNvPicPr>
+          <p:nvPr/>
+        </p:nvPicPr>
+        <p:blipFill>
+          <a:blip r:embed="rId4"/>
+          <a:stretch>
+            <a:fillRect/>
+          </a:stretch>
+        </p:blipFill>
+        <p:spPr>
+          <a:xfrm>
+            <a:off x="677315" y="1837547"/>
+            <a:ext cx="6824075" cy="2967718"/>
+          </a:xfrm>
+          <a:prstGeom prst="rect">
+            <a:avLst/>
+          </a:prstGeom>
+        </p:spPr>
+      </p:pic>
+    </p:spTree>
+    <p:extLst>
+      <p:ext uri="{BB962C8B-B14F-4D97-AF65-F5344CB8AC3E}">
+        <p14:creationId xmlns:p14="http://schemas.microsoft.com/office/powerpoint/2010/main" val="968936637"/>
+      </p:ext>
+    </p:extLst>
+  </p:cSld>
+  <p:clrMapOvr>
+    <a:masterClrMapping/>
+  </p:clrMapOvr>
+</p:sld>
+</file>
+
+<file path=ppt/slides/slide26.xml><?xml version="1.0" encoding="utf-8"?>
+<p:sld xmlns:a="http://schemas.openxmlformats.org/drawingml/2006/main" xmlns:r="http://schemas.openxmlformats.org/officeDocument/2006/relationships" xmlns:p="http://schemas.openxmlformats.org/presentationml/2006/main">
+  <p:cSld>
+    <p:spTree>
+      <p:nvGrpSpPr>
+        <p:cNvPr id="1" name="Shape 221"/>
+        <p:cNvGrpSpPr/>
+        <p:nvPr/>
+      </p:nvGrpSpPr>
+      <p:grpSpPr>
+        <a:xfrm>
+          <a:off x="0" y="0"/>
+          <a:ext cx="0" cy="0"/>
+          <a:chOff x="0" y="0"/>
+          <a:chExt cx="0" cy="0"/>
+        </a:xfrm>
+      </p:grpSpPr>
+      <p:sp>
+        <p:nvSpPr>
+          <p:cNvPr id="223" name="Google Shape;223;geef53d5d55_1_54"/>
+          <p:cNvSpPr txBox="1"/>
+          <p:nvPr/>
+        </p:nvSpPr>
+        <p:spPr>
+          <a:xfrm>
+            <a:off x="677334" y="678873"/>
+            <a:ext cx="6096000" cy="646500"/>
+          </a:xfrm>
+          <a:prstGeom prst="rect">
+            <a:avLst/>
+          </a:prstGeom>
+          <a:noFill/>
+          <a:ln>
+            <a:noFill/>
+          </a:ln>
+        </p:spPr>
+        <p:txBody>
+          <a:bodyPr spcFirstLastPara="1" wrap="square" lIns="91425" tIns="45700" rIns="91425" bIns="45700" anchor="t" anchorCtr="0">
+            <a:spAutoFit/>
+          </a:bodyPr>
+          <a:lstStyle/>
+          <a:p>
+            <a:pPr marL="0" marR="0" lvl="0" indent="0" algn="l" rtl="0">
+              <a:lnSpc>
+                <a:spcPct val="100000"/>
+              </a:lnSpc>
+              <a:spcBef>
+                <a:spcPts val="0"/>
+              </a:spcBef>
+              <a:spcAft>
+                <a:spcPts val="0"/>
+              </a:spcAft>
+              <a:buClr>
+                <a:srgbClr val="000000"/>
+              </a:buClr>
+              <a:buSzPts val="3600"/>
+              <a:buFont typeface="Arial"/>
+              <a:buNone/>
+            </a:pPr>
+            <a:r>
+              <a:rPr lang="en-US" sz="3600" dirty="0">
+                <a:solidFill>
+                  <a:srgbClr val="93DF5F"/>
+                </a:solidFill>
+                <a:latin typeface="Times New Roman"/>
+                <a:ea typeface="Times New Roman"/>
+                <a:cs typeface="Times New Roman"/>
+                <a:sym typeface="Times New Roman"/>
+              </a:rPr>
               <a:t>Routing mapping convention</a:t>
             </a:r>
             <a:endParaRPr sz="3600" i="0" u="none" strike="noStrike" cap="none" dirty="0">
@@ -32612,7 +33724,7 @@
 </p:sld>
 </file>
 
-<file path=ppt/slides/slide25.xml><?xml version="1.0" encoding="utf-8"?>
+<file path=ppt/slides/slide27.xml><?xml version="1.0" encoding="utf-8"?>
 <p:sld xmlns:a="http://schemas.openxmlformats.org/drawingml/2006/main" xmlns:r="http://schemas.openxmlformats.org/officeDocument/2006/relationships" xmlns:p="http://schemas.openxmlformats.org/presentationml/2006/main">
   <p:cSld>
     <p:spTree>
@@ -32791,7 +33903,7 @@
 </p:sld>
 </file>
 
-<file path=ppt/slides/slide26.xml><?xml version="1.0" encoding="utf-8"?>
+<file path=ppt/slides/slide28.xml><?xml version="1.0" encoding="utf-8"?>
 <p:sld xmlns:a="http://schemas.openxmlformats.org/drawingml/2006/main" xmlns:r="http://schemas.openxmlformats.org/officeDocument/2006/relationships" xmlns:p="http://schemas.openxmlformats.org/presentationml/2006/main">
   <p:cSld>
     <p:spTree>
@@ -32965,7 +34077,7 @@
 </p:sld>
 </file>
 
-<file path=ppt/slides/slide27.xml><?xml version="1.0" encoding="utf-8"?>
+<file path=ppt/slides/slide29.xml><?xml version="1.0" encoding="utf-8"?>
 <p:sld xmlns:a="http://schemas.openxmlformats.org/drawingml/2006/main" xmlns:r="http://schemas.openxmlformats.org/officeDocument/2006/relationships" xmlns:p="http://schemas.openxmlformats.org/presentationml/2006/main">
   <p:cSld>
     <p:spTree>
@@ -33376,7 +34488,1129 @@
 </p:sld>
 </file>
 
-<file path=ppt/slides/slide28.xml><?xml version="1.0" encoding="utf-8"?>
+<file path=ppt/slides/slide3.xml><?xml version="1.0" encoding="utf-8"?>
+<p:sld xmlns:a="http://schemas.openxmlformats.org/drawingml/2006/main" xmlns:r="http://schemas.openxmlformats.org/officeDocument/2006/relationships" xmlns:p="http://schemas.openxmlformats.org/presentationml/2006/main">
+  <p:cSld>
+    <p:spTree>
+      <p:nvGrpSpPr>
+        <p:cNvPr id="1" name="Shape 149"/>
+        <p:cNvGrpSpPr/>
+        <p:nvPr/>
+      </p:nvGrpSpPr>
+      <p:grpSpPr>
+        <a:xfrm>
+          <a:off x="0" y="0"/>
+          <a:ext cx="0" cy="0"/>
+          <a:chOff x="0" y="0"/>
+          <a:chExt cx="0" cy="0"/>
+        </a:xfrm>
+      </p:grpSpPr>
+      <p:sp>
+        <p:nvSpPr>
+          <p:cNvPr id="150" name="Google Shape;150;geea522d09e_0_15"/>
+          <p:cNvSpPr txBox="1">
+            <a:spLocks noGrp="1"/>
+          </p:cNvSpPr>
+          <p:nvPr>
+            <p:ph type="body" idx="1"/>
+          </p:nvPr>
+        </p:nvSpPr>
+        <p:spPr>
+          <a:xfrm>
+            <a:off x="677316" y="1647234"/>
+            <a:ext cx="8596800" cy="1982370"/>
+          </a:xfrm>
+          <a:prstGeom prst="rect">
+            <a:avLst/>
+          </a:prstGeom>
+          <a:noFill/>
+          <a:ln>
+            <a:noFill/>
+          </a:ln>
+        </p:spPr>
+        <p:txBody>
+          <a:bodyPr spcFirstLastPara="1" wrap="square" lIns="91425" tIns="45700" rIns="91425" bIns="45700" anchor="t" anchorCtr="0">
+            <a:normAutofit/>
+          </a:bodyPr>
+          <a:lstStyle/>
+          <a:p>
+            <a:pPr marL="137160" lvl="0" indent="0">
+              <a:spcBef>
+                <a:spcPts val="0"/>
+              </a:spcBef>
+              <a:buClr>
+                <a:schemeClr val="lt1"/>
+              </a:buClr>
+              <a:buNone/>
+            </a:pPr>
+            <a:r>
+              <a:rPr lang="en-US" dirty="0">
+                <a:solidFill>
+                  <a:schemeClr val="lt1"/>
+                </a:solidFill>
+                <a:latin typeface="Times New Roman"/>
+                <a:ea typeface="Times New Roman"/>
+                <a:cs typeface="Times New Roman"/>
+                <a:sym typeface="Times New Roman"/>
+              </a:rPr>
+              <a:t>Razor page </a:t>
+            </a:r>
+            <a:r>
+              <a:rPr lang="en-US" dirty="0" err="1">
+                <a:solidFill>
+                  <a:schemeClr val="lt1"/>
+                </a:solidFill>
+                <a:latin typeface="Times New Roman"/>
+                <a:ea typeface="Times New Roman"/>
+                <a:cs typeface="Times New Roman"/>
+                <a:sym typeface="Times New Roman"/>
+              </a:rPr>
+              <a:t>là</a:t>
+            </a:r>
+            <a:r>
+              <a:rPr lang="en-US" dirty="0">
+                <a:solidFill>
+                  <a:schemeClr val="lt1"/>
+                </a:solidFill>
+                <a:latin typeface="Times New Roman"/>
+                <a:ea typeface="Times New Roman"/>
+                <a:cs typeface="Times New Roman"/>
+                <a:sym typeface="Times New Roman"/>
+              </a:rPr>
+              <a:t> </a:t>
+            </a:r>
+            <a:r>
+              <a:rPr lang="en-US" dirty="0" err="1">
+                <a:solidFill>
+                  <a:schemeClr val="lt1"/>
+                </a:solidFill>
+                <a:latin typeface="Times New Roman"/>
+                <a:ea typeface="Times New Roman"/>
+                <a:cs typeface="Times New Roman"/>
+                <a:sym typeface="Times New Roman"/>
+              </a:rPr>
+              <a:t>một</a:t>
+            </a:r>
+            <a:r>
+              <a:rPr lang="en-US" dirty="0">
+                <a:solidFill>
+                  <a:schemeClr val="lt1"/>
+                </a:solidFill>
+                <a:latin typeface="Times New Roman"/>
+                <a:ea typeface="Times New Roman"/>
+                <a:cs typeface="Times New Roman"/>
+                <a:sym typeface="Times New Roman"/>
+              </a:rPr>
+              <a:t> tính năng </a:t>
+            </a:r>
+            <a:r>
+              <a:rPr lang="en-US" dirty="0" err="1">
+                <a:solidFill>
+                  <a:schemeClr val="lt1"/>
+                </a:solidFill>
+                <a:latin typeface="Times New Roman"/>
+                <a:ea typeface="Times New Roman"/>
+                <a:cs typeface="Times New Roman"/>
+                <a:sym typeface="Times New Roman"/>
+              </a:rPr>
+              <a:t>mới</a:t>
+            </a:r>
+            <a:r>
+              <a:rPr lang="en-US" dirty="0">
+                <a:solidFill>
+                  <a:schemeClr val="lt1"/>
+                </a:solidFill>
+                <a:latin typeface="Times New Roman"/>
+                <a:ea typeface="Times New Roman"/>
+                <a:cs typeface="Times New Roman"/>
+                <a:sym typeface="Times New Roman"/>
+              </a:rPr>
+              <a:t> đ</a:t>
+            </a:r>
+            <a:r>
+              <a:rPr lang="vi-VN" dirty="0">
+                <a:solidFill>
+                  <a:schemeClr val="lt1"/>
+                </a:solidFill>
+                <a:latin typeface="Times New Roman"/>
+                <a:ea typeface="Times New Roman"/>
+                <a:cs typeface="Times New Roman"/>
+                <a:sym typeface="Times New Roman"/>
+              </a:rPr>
+              <a:t>ư</a:t>
+            </a:r>
+            <a:r>
+              <a:rPr lang="en-US" dirty="0" err="1">
+                <a:solidFill>
+                  <a:schemeClr val="lt1"/>
+                </a:solidFill>
+                <a:latin typeface="Times New Roman"/>
+                <a:ea typeface="Times New Roman"/>
+                <a:cs typeface="Times New Roman"/>
+                <a:sym typeface="Times New Roman"/>
+              </a:rPr>
+              <a:t>ợc</a:t>
+            </a:r>
+            <a:r>
+              <a:rPr lang="en-US" dirty="0">
+                <a:solidFill>
+                  <a:schemeClr val="lt1"/>
+                </a:solidFill>
+                <a:latin typeface="Times New Roman"/>
+                <a:ea typeface="Times New Roman"/>
+                <a:cs typeface="Times New Roman"/>
+                <a:sym typeface="Times New Roman"/>
+              </a:rPr>
+              <a:t> </a:t>
+            </a:r>
+            <a:r>
+              <a:rPr lang="en-US" dirty="0" err="1">
+                <a:solidFill>
+                  <a:schemeClr val="lt1"/>
+                </a:solidFill>
+                <a:latin typeface="Times New Roman"/>
+                <a:ea typeface="Times New Roman"/>
+                <a:cs typeface="Times New Roman"/>
+                <a:sym typeface="Times New Roman"/>
+              </a:rPr>
+              <a:t>giới</a:t>
+            </a:r>
+            <a:r>
+              <a:rPr lang="en-US" dirty="0">
+                <a:solidFill>
+                  <a:schemeClr val="lt1"/>
+                </a:solidFill>
+                <a:latin typeface="Times New Roman"/>
+                <a:ea typeface="Times New Roman"/>
+                <a:cs typeface="Times New Roman"/>
+                <a:sym typeface="Times New Roman"/>
+              </a:rPr>
+              <a:t> </a:t>
+            </a:r>
+            <a:r>
+              <a:rPr lang="en-US" dirty="0" err="1">
+                <a:solidFill>
+                  <a:schemeClr val="lt1"/>
+                </a:solidFill>
+                <a:latin typeface="Times New Roman"/>
+                <a:ea typeface="Times New Roman"/>
+                <a:cs typeface="Times New Roman"/>
+                <a:sym typeface="Times New Roman"/>
+              </a:rPr>
+              <a:t>thiệu</a:t>
+            </a:r>
+            <a:r>
+              <a:rPr lang="en-US" dirty="0">
+                <a:solidFill>
+                  <a:schemeClr val="lt1"/>
+                </a:solidFill>
+                <a:latin typeface="Times New Roman"/>
+                <a:ea typeface="Times New Roman"/>
+                <a:cs typeface="Times New Roman"/>
+                <a:sym typeface="Times New Roman"/>
+              </a:rPr>
+              <a:t> trong </a:t>
+            </a:r>
+            <a:r>
+              <a:rPr lang="en-US" dirty="0" err="1">
+                <a:solidFill>
+                  <a:schemeClr val="lt1"/>
+                </a:solidFill>
+                <a:latin typeface="Times New Roman"/>
+                <a:ea typeface="Times New Roman"/>
+                <a:cs typeface="Times New Roman"/>
+                <a:sym typeface="Times New Roman"/>
+              </a:rPr>
+              <a:t>.net</a:t>
+            </a:r>
+            <a:r>
+              <a:rPr lang="en-US" dirty="0">
+                <a:solidFill>
+                  <a:schemeClr val="lt1"/>
+                </a:solidFill>
+                <a:latin typeface="Times New Roman"/>
+                <a:ea typeface="Times New Roman"/>
+                <a:cs typeface="Times New Roman"/>
+                <a:sym typeface="Times New Roman"/>
+              </a:rPr>
+              <a:t> core 2.0. </a:t>
+            </a:r>
+          </a:p>
+          <a:p>
+            <a:pPr marL="137160" lvl="0" indent="0">
+              <a:spcBef>
+                <a:spcPts val="0"/>
+              </a:spcBef>
+              <a:buClr>
+                <a:schemeClr val="lt1"/>
+              </a:buClr>
+              <a:buNone/>
+            </a:pPr>
+            <a:r>
+              <a:rPr lang="en-US" dirty="0" err="1">
+                <a:solidFill>
+                  <a:schemeClr val="lt1"/>
+                </a:solidFill>
+                <a:latin typeface="Times New Roman"/>
+                <a:ea typeface="Times New Roman"/>
+                <a:cs typeface="Times New Roman"/>
+                <a:sym typeface="Times New Roman"/>
+              </a:rPr>
+              <a:t>Tuân</a:t>
+            </a:r>
+            <a:r>
+              <a:rPr lang="en-US" dirty="0">
+                <a:solidFill>
+                  <a:schemeClr val="lt1"/>
+                </a:solidFill>
+                <a:latin typeface="Times New Roman"/>
+                <a:ea typeface="Times New Roman"/>
+                <a:cs typeface="Times New Roman"/>
+                <a:sym typeface="Times New Roman"/>
+              </a:rPr>
+              <a:t> </a:t>
+            </a:r>
+            <a:r>
+              <a:rPr lang="en-US" dirty="0" err="1">
+                <a:solidFill>
+                  <a:schemeClr val="lt1"/>
+                </a:solidFill>
+                <a:latin typeface="Times New Roman"/>
+                <a:ea typeface="Times New Roman"/>
+                <a:cs typeface="Times New Roman"/>
+                <a:sym typeface="Times New Roman"/>
+              </a:rPr>
+              <a:t>theo</a:t>
+            </a:r>
+            <a:r>
+              <a:rPr lang="en-US" dirty="0">
+                <a:solidFill>
+                  <a:schemeClr val="lt1"/>
+                </a:solidFill>
+                <a:latin typeface="Times New Roman"/>
+                <a:ea typeface="Times New Roman"/>
+                <a:cs typeface="Times New Roman"/>
+                <a:sym typeface="Times New Roman"/>
+              </a:rPr>
+              <a:t> </a:t>
+            </a:r>
+            <a:r>
+              <a:rPr lang="en-US" dirty="0" err="1">
+                <a:solidFill>
+                  <a:schemeClr val="lt1"/>
+                </a:solidFill>
+                <a:latin typeface="Times New Roman"/>
+                <a:ea typeface="Times New Roman"/>
+                <a:cs typeface="Times New Roman"/>
+                <a:sym typeface="Times New Roman"/>
+              </a:rPr>
+              <a:t>mô</a:t>
+            </a:r>
+            <a:r>
+              <a:rPr lang="en-US" dirty="0">
+                <a:solidFill>
+                  <a:schemeClr val="lt1"/>
+                </a:solidFill>
+                <a:latin typeface="Times New Roman"/>
+                <a:ea typeface="Times New Roman"/>
+                <a:cs typeface="Times New Roman"/>
+                <a:sym typeface="Times New Roman"/>
+              </a:rPr>
+              <a:t> hình </a:t>
+            </a:r>
+            <a:r>
+              <a:rPr lang="en-US" dirty="0" err="1">
+                <a:solidFill>
+                  <a:schemeClr val="lt1"/>
+                </a:solidFill>
+                <a:latin typeface="Times New Roman"/>
+                <a:ea typeface="Times New Roman"/>
+                <a:cs typeface="Times New Roman"/>
+                <a:sym typeface="Times New Roman"/>
+              </a:rPr>
+              <a:t>phát</a:t>
+            </a:r>
+            <a:r>
+              <a:rPr lang="en-US" dirty="0">
+                <a:solidFill>
+                  <a:schemeClr val="lt1"/>
+                </a:solidFill>
+                <a:latin typeface="Times New Roman"/>
+                <a:ea typeface="Times New Roman"/>
+                <a:cs typeface="Times New Roman"/>
+                <a:sym typeface="Times New Roman"/>
+              </a:rPr>
+              <a:t> </a:t>
+            </a:r>
+            <a:r>
+              <a:rPr lang="en-US" dirty="0" err="1">
+                <a:solidFill>
+                  <a:schemeClr val="lt1"/>
+                </a:solidFill>
+                <a:latin typeface="Times New Roman"/>
+                <a:ea typeface="Times New Roman"/>
+                <a:cs typeface="Times New Roman"/>
+                <a:sym typeface="Times New Roman"/>
+              </a:rPr>
+              <a:t>triển</a:t>
+            </a:r>
+            <a:r>
+              <a:rPr lang="en-US" dirty="0">
+                <a:solidFill>
+                  <a:schemeClr val="lt1"/>
+                </a:solidFill>
+                <a:latin typeface="Times New Roman"/>
+                <a:ea typeface="Times New Roman"/>
+                <a:cs typeface="Times New Roman"/>
+                <a:sym typeface="Times New Roman"/>
+              </a:rPr>
+              <a:t> </a:t>
+            </a:r>
+            <a:r>
+              <a:rPr lang="en-US" dirty="0" err="1">
+                <a:solidFill>
+                  <a:schemeClr val="lt1"/>
+                </a:solidFill>
+                <a:latin typeface="Times New Roman"/>
+                <a:ea typeface="Times New Roman"/>
+                <a:cs typeface="Times New Roman"/>
+                <a:sym typeface="Times New Roman"/>
+              </a:rPr>
+              <a:t>tập</a:t>
+            </a:r>
+            <a:r>
+              <a:rPr lang="en-US" dirty="0">
+                <a:solidFill>
+                  <a:schemeClr val="lt1"/>
+                </a:solidFill>
+                <a:latin typeface="Times New Roman"/>
+                <a:ea typeface="Times New Roman"/>
+                <a:cs typeface="Times New Roman"/>
+                <a:sym typeface="Times New Roman"/>
+              </a:rPr>
+              <a:t> trung </a:t>
+            </a:r>
+            <a:r>
+              <a:rPr lang="en-US" dirty="0" err="1">
+                <a:solidFill>
+                  <a:schemeClr val="lt1"/>
+                </a:solidFill>
+                <a:latin typeface="Times New Roman"/>
+                <a:ea typeface="Times New Roman"/>
+                <a:cs typeface="Times New Roman"/>
+                <a:sym typeface="Times New Roman"/>
+              </a:rPr>
+              <a:t>nh</a:t>
+            </a:r>
+            <a:r>
+              <a:rPr lang="vi-VN" dirty="0">
+                <a:solidFill>
+                  <a:schemeClr val="lt1"/>
+                </a:solidFill>
+                <a:latin typeface="Times New Roman"/>
+                <a:ea typeface="Times New Roman"/>
+                <a:cs typeface="Times New Roman"/>
+                <a:sym typeface="Times New Roman"/>
+              </a:rPr>
+              <a:t>ư</a:t>
+            </a:r>
+            <a:r>
+              <a:rPr lang="en-US" dirty="0">
+                <a:solidFill>
+                  <a:schemeClr val="lt1"/>
+                </a:solidFill>
+                <a:latin typeface="Times New Roman"/>
+                <a:ea typeface="Times New Roman"/>
+                <a:cs typeface="Times New Roman"/>
+                <a:sym typeface="Times New Roman"/>
+              </a:rPr>
+              <a:t> asp.net web form </a:t>
+            </a:r>
+            <a:r>
+              <a:rPr lang="en-US" dirty="0" err="1">
+                <a:solidFill>
+                  <a:schemeClr val="lt1"/>
+                </a:solidFill>
+                <a:latin typeface="Times New Roman"/>
+                <a:ea typeface="Times New Roman"/>
+                <a:cs typeface="Times New Roman"/>
+                <a:sym typeface="Times New Roman"/>
+              </a:rPr>
+              <a:t>sử</a:t>
+            </a:r>
+            <a:r>
+              <a:rPr lang="en-US" dirty="0">
+                <a:solidFill>
+                  <a:schemeClr val="lt1"/>
+                </a:solidFill>
+                <a:latin typeface="Times New Roman"/>
+                <a:ea typeface="Times New Roman"/>
+                <a:cs typeface="Times New Roman"/>
+                <a:sym typeface="Times New Roman"/>
+              </a:rPr>
+              <a:t> </a:t>
+            </a:r>
+            <a:r>
+              <a:rPr lang="en-US" dirty="0" err="1">
+                <a:solidFill>
+                  <a:schemeClr val="lt1"/>
+                </a:solidFill>
+                <a:latin typeface="Times New Roman"/>
+                <a:ea typeface="Times New Roman"/>
+                <a:cs typeface="Times New Roman"/>
+                <a:sym typeface="Times New Roman"/>
+              </a:rPr>
+              <a:t>dụng</a:t>
+            </a:r>
+            <a:r>
+              <a:rPr lang="en-US" dirty="0">
+                <a:solidFill>
+                  <a:schemeClr val="lt1"/>
+                </a:solidFill>
+                <a:latin typeface="Times New Roman"/>
+                <a:ea typeface="Times New Roman"/>
+                <a:cs typeface="Times New Roman"/>
+                <a:sym typeface="Times New Roman"/>
+              </a:rPr>
+              <a:t> kỹ </a:t>
+            </a:r>
+            <a:r>
+              <a:rPr lang="en-US" dirty="0" err="1">
+                <a:solidFill>
+                  <a:schemeClr val="lt1"/>
+                </a:solidFill>
+                <a:latin typeface="Times New Roman"/>
+                <a:ea typeface="Times New Roman"/>
+                <a:cs typeface="Times New Roman"/>
+                <a:sym typeface="Times New Roman"/>
+              </a:rPr>
+              <a:t>thuật</a:t>
+            </a:r>
+            <a:r>
+              <a:rPr lang="en-US" dirty="0">
+                <a:solidFill>
+                  <a:schemeClr val="lt1"/>
+                </a:solidFill>
+                <a:latin typeface="Times New Roman"/>
+                <a:ea typeface="Times New Roman"/>
+                <a:cs typeface="Times New Roman"/>
+                <a:sym typeface="Times New Roman"/>
+              </a:rPr>
+              <a:t> code-behind.</a:t>
+            </a:r>
+            <a:br>
+              <a:rPr lang="en-US" dirty="0">
+                <a:solidFill>
+                  <a:schemeClr val="lt1"/>
+                </a:solidFill>
+                <a:latin typeface="Times New Roman"/>
+                <a:ea typeface="Times New Roman"/>
+                <a:cs typeface="Times New Roman"/>
+                <a:sym typeface="Times New Roman"/>
+              </a:rPr>
+            </a:br>
+            <a:r>
+              <a:rPr lang="en-US" dirty="0">
+                <a:solidFill>
+                  <a:schemeClr val="lt1"/>
+                </a:solidFill>
+                <a:latin typeface="Times New Roman"/>
+                <a:ea typeface="Times New Roman"/>
+                <a:cs typeface="Times New Roman"/>
+                <a:sym typeface="Times New Roman"/>
+              </a:rPr>
+              <a:t>Bao </a:t>
+            </a:r>
+            <a:r>
+              <a:rPr lang="en-US" dirty="0" err="1">
+                <a:solidFill>
+                  <a:schemeClr val="lt1"/>
+                </a:solidFill>
+                <a:latin typeface="Times New Roman"/>
+                <a:ea typeface="Times New Roman"/>
+                <a:cs typeface="Times New Roman"/>
+                <a:sym typeface="Times New Roman"/>
+              </a:rPr>
+              <a:t>gồm</a:t>
+            </a:r>
+            <a:r>
+              <a:rPr lang="en-US" dirty="0">
+                <a:solidFill>
+                  <a:schemeClr val="lt1"/>
+                </a:solidFill>
+                <a:latin typeface="Times New Roman"/>
+                <a:ea typeface="Times New Roman"/>
+                <a:cs typeface="Times New Roman"/>
+                <a:sym typeface="Times New Roman"/>
+              </a:rPr>
+              <a:t> 2 file .</a:t>
+            </a:r>
+            <a:r>
+              <a:rPr lang="en-US" dirty="0" err="1">
+                <a:solidFill>
+                  <a:schemeClr val="lt1"/>
+                </a:solidFill>
+                <a:latin typeface="Times New Roman"/>
+                <a:ea typeface="Times New Roman"/>
+                <a:cs typeface="Times New Roman"/>
+                <a:sym typeface="Times New Roman"/>
+              </a:rPr>
+              <a:t>cshml</a:t>
+            </a:r>
+            <a:r>
+              <a:rPr lang="en-US" dirty="0">
+                <a:solidFill>
+                  <a:schemeClr val="lt1"/>
+                </a:solidFill>
+                <a:latin typeface="Times New Roman"/>
+                <a:ea typeface="Times New Roman"/>
+                <a:cs typeface="Times New Roman"/>
+                <a:sym typeface="Times New Roman"/>
+              </a:rPr>
+              <a:t>(giao diện) và .</a:t>
+            </a:r>
+            <a:r>
+              <a:rPr lang="en-US" dirty="0" err="1">
+                <a:solidFill>
+                  <a:schemeClr val="lt1"/>
+                </a:solidFill>
+                <a:latin typeface="Times New Roman"/>
+                <a:ea typeface="Times New Roman"/>
+                <a:cs typeface="Times New Roman"/>
+                <a:sym typeface="Times New Roman"/>
+              </a:rPr>
+              <a:t>cshtml.cs</a:t>
+            </a:r>
+            <a:r>
+              <a:rPr lang="en-US" dirty="0">
+                <a:solidFill>
+                  <a:schemeClr val="lt1"/>
+                </a:solidFill>
+                <a:latin typeface="Times New Roman"/>
+                <a:ea typeface="Times New Roman"/>
+                <a:cs typeface="Times New Roman"/>
+                <a:sym typeface="Times New Roman"/>
+              </a:rPr>
+              <a:t>(logic) nhưng </a:t>
+            </a:r>
+            <a:r>
+              <a:rPr lang="en-US" dirty="0" err="1">
+                <a:solidFill>
+                  <a:schemeClr val="lt1"/>
+                </a:solidFill>
+                <a:latin typeface="Times New Roman"/>
+                <a:ea typeface="Times New Roman"/>
+                <a:cs typeface="Times New Roman"/>
+                <a:sym typeface="Times New Roman"/>
+              </a:rPr>
+              <a:t>thuộc</a:t>
+            </a:r>
+            <a:r>
+              <a:rPr lang="en-US" dirty="0">
+                <a:solidFill>
+                  <a:schemeClr val="lt1"/>
+                </a:solidFill>
+                <a:latin typeface="Times New Roman"/>
+                <a:ea typeface="Times New Roman"/>
+                <a:cs typeface="Times New Roman"/>
+                <a:sym typeface="Times New Roman"/>
+              </a:rPr>
+              <a:t> </a:t>
+            </a:r>
+            <a:r>
+              <a:rPr lang="en-US" dirty="0" err="1">
+                <a:solidFill>
+                  <a:schemeClr val="lt1"/>
+                </a:solidFill>
+                <a:latin typeface="Times New Roman"/>
+                <a:ea typeface="Times New Roman"/>
+                <a:cs typeface="Times New Roman"/>
+                <a:sym typeface="Times New Roman"/>
+              </a:rPr>
+              <a:t>cùng</a:t>
+            </a:r>
+            <a:r>
+              <a:rPr lang="en-US" dirty="0">
+                <a:solidFill>
+                  <a:schemeClr val="lt1"/>
+                </a:solidFill>
+                <a:latin typeface="Times New Roman"/>
+                <a:ea typeface="Times New Roman"/>
+                <a:cs typeface="Times New Roman"/>
+                <a:sym typeface="Times New Roman"/>
+              </a:rPr>
+              <a:t> 1 page.</a:t>
+            </a:r>
+          </a:p>
+          <a:p>
+            <a:pPr marL="137160" indent="0">
+              <a:spcBef>
+                <a:spcPts val="0"/>
+              </a:spcBef>
+              <a:buClr>
+                <a:schemeClr val="lt1"/>
+              </a:buClr>
+              <a:buNone/>
+            </a:pPr>
+            <a:r>
+              <a:rPr lang="en-US" dirty="0">
+                <a:solidFill>
+                  <a:schemeClr val="lt1"/>
+                </a:solidFill>
+                <a:latin typeface="Times New Roman"/>
+                <a:cs typeface="Times New Roman"/>
+              </a:rPr>
+              <a:t>Note: Razor </a:t>
+            </a:r>
+            <a:r>
+              <a:rPr lang="en-US" dirty="0" err="1">
+                <a:solidFill>
+                  <a:schemeClr val="lt1"/>
+                </a:solidFill>
+                <a:latin typeface="Times New Roman"/>
+                <a:cs typeface="Times New Roman"/>
+              </a:rPr>
+              <a:t>là</a:t>
+            </a:r>
+            <a:r>
+              <a:rPr lang="en-US" dirty="0">
+                <a:solidFill>
+                  <a:schemeClr val="lt1"/>
+                </a:solidFill>
+                <a:latin typeface="Times New Roman"/>
+                <a:cs typeface="Times New Roman"/>
+              </a:rPr>
+              <a:t> </a:t>
+            </a:r>
+            <a:r>
+              <a:rPr lang="en-US" dirty="0" err="1">
+                <a:solidFill>
+                  <a:schemeClr val="lt1"/>
+                </a:solidFill>
+                <a:latin typeface="Times New Roman"/>
+                <a:cs typeface="Times New Roman"/>
+              </a:rPr>
+              <a:t>cú</a:t>
+            </a:r>
+            <a:r>
+              <a:rPr lang="en-US" dirty="0">
+                <a:solidFill>
+                  <a:schemeClr val="lt1"/>
+                </a:solidFill>
+                <a:latin typeface="Times New Roman"/>
+                <a:cs typeface="Times New Roman"/>
+              </a:rPr>
+              <a:t> </a:t>
+            </a:r>
+            <a:r>
+              <a:rPr lang="en-US" dirty="0" err="1">
+                <a:solidFill>
+                  <a:schemeClr val="lt1"/>
+                </a:solidFill>
+                <a:latin typeface="Times New Roman"/>
+                <a:cs typeface="Times New Roman"/>
+              </a:rPr>
+              <a:t>pháp</a:t>
+            </a:r>
+            <a:r>
+              <a:rPr lang="en-US" dirty="0">
+                <a:solidFill>
+                  <a:schemeClr val="lt1"/>
+                </a:solidFill>
+                <a:latin typeface="Times New Roman"/>
+                <a:cs typeface="Times New Roman"/>
+              </a:rPr>
+              <a:t> </a:t>
+            </a:r>
+            <a:r>
+              <a:rPr lang="en-US" dirty="0" err="1">
+                <a:solidFill>
+                  <a:schemeClr val="lt1"/>
+                </a:solidFill>
+                <a:latin typeface="Times New Roman"/>
+                <a:cs typeface="Times New Roman"/>
+              </a:rPr>
+              <a:t>kết</a:t>
+            </a:r>
+            <a:r>
+              <a:rPr lang="en-US" dirty="0">
+                <a:solidFill>
+                  <a:schemeClr val="lt1"/>
+                </a:solidFill>
+                <a:latin typeface="Times New Roman"/>
+                <a:cs typeface="Times New Roman"/>
+              </a:rPr>
+              <a:t> </a:t>
+            </a:r>
+            <a:r>
+              <a:rPr lang="en-US" dirty="0" err="1">
+                <a:solidFill>
+                  <a:schemeClr val="lt1"/>
+                </a:solidFill>
+                <a:latin typeface="Times New Roman"/>
+                <a:cs typeface="Times New Roman"/>
+              </a:rPr>
+              <a:t>hợp</a:t>
+            </a:r>
+            <a:r>
+              <a:rPr lang="en-US" dirty="0">
+                <a:solidFill>
+                  <a:schemeClr val="lt1"/>
+                </a:solidFill>
+                <a:latin typeface="Times New Roman"/>
+                <a:cs typeface="Times New Roman"/>
+              </a:rPr>
+              <a:t> </a:t>
+            </a:r>
+            <a:r>
+              <a:rPr lang="en-US" dirty="0" err="1">
+                <a:solidFill>
+                  <a:schemeClr val="lt1"/>
+                </a:solidFill>
+                <a:latin typeface="Times New Roman"/>
+                <a:cs typeface="Times New Roman"/>
+              </a:rPr>
+              <a:t>c#</a:t>
+            </a:r>
+            <a:r>
+              <a:rPr lang="en-US" dirty="0">
+                <a:solidFill>
+                  <a:schemeClr val="lt1"/>
+                </a:solidFill>
+                <a:latin typeface="Times New Roman"/>
+                <a:cs typeface="Times New Roman"/>
+              </a:rPr>
+              <a:t> và HTML </a:t>
+            </a:r>
+            <a:r>
+              <a:rPr lang="en-US" dirty="0" err="1">
+                <a:solidFill>
+                  <a:schemeClr val="lt1"/>
+                </a:solidFill>
+                <a:latin typeface="Times New Roman"/>
+                <a:cs typeface="Times New Roman"/>
+              </a:rPr>
+              <a:t>để</a:t>
+            </a:r>
+            <a:r>
+              <a:rPr lang="en-US" dirty="0">
+                <a:solidFill>
+                  <a:schemeClr val="lt1"/>
+                </a:solidFill>
+                <a:latin typeface="Times New Roman"/>
+                <a:cs typeface="Times New Roman"/>
+              </a:rPr>
+              <a:t> </a:t>
+            </a:r>
+            <a:r>
+              <a:rPr lang="en-US" dirty="0" err="1">
+                <a:solidFill>
+                  <a:schemeClr val="lt1"/>
+                </a:solidFill>
+                <a:latin typeface="Times New Roman"/>
+                <a:cs typeface="Times New Roman"/>
+              </a:rPr>
+              <a:t>sinh</a:t>
+            </a:r>
+            <a:r>
+              <a:rPr lang="en-US" dirty="0">
+                <a:solidFill>
+                  <a:schemeClr val="lt1"/>
+                </a:solidFill>
+                <a:latin typeface="Times New Roman"/>
+                <a:cs typeface="Times New Roman"/>
+              </a:rPr>
+              <a:t> ra HTML </a:t>
+            </a:r>
+            <a:r>
+              <a:rPr lang="en-US" dirty="0" err="1">
+                <a:solidFill>
+                  <a:schemeClr val="lt1"/>
+                </a:solidFill>
+                <a:latin typeface="Times New Roman"/>
+                <a:cs typeface="Times New Roman"/>
+              </a:rPr>
+              <a:t>động</a:t>
+            </a:r>
+            <a:r>
+              <a:rPr lang="en-US" dirty="0">
+                <a:solidFill>
+                  <a:schemeClr val="lt1"/>
+                </a:solidFill>
+                <a:latin typeface="Times New Roman"/>
+                <a:cs typeface="Times New Roman"/>
+              </a:rPr>
+              <a:t>. (</a:t>
+            </a:r>
+            <a:r>
+              <a:rPr lang="en-US" dirty="0" err="1">
+                <a:solidFill>
+                  <a:schemeClr val="lt1"/>
+                </a:solidFill>
+                <a:latin typeface="Times New Roman"/>
+                <a:cs typeface="Times New Roman"/>
+              </a:rPr>
+              <a:t>khác</a:t>
+            </a:r>
+            <a:r>
+              <a:rPr lang="en-US" dirty="0">
+                <a:solidFill>
+                  <a:schemeClr val="lt1"/>
+                </a:solidFill>
+                <a:latin typeface="Times New Roman"/>
+                <a:cs typeface="Times New Roman"/>
+              </a:rPr>
+              <a:t> </a:t>
+            </a:r>
+            <a:r>
+              <a:rPr lang="en-US" dirty="0" err="1">
+                <a:solidFill>
+                  <a:schemeClr val="lt1"/>
+                </a:solidFill>
+                <a:latin typeface="Times New Roman"/>
+                <a:cs typeface="Times New Roman"/>
+              </a:rPr>
+              <a:t>với</a:t>
+            </a:r>
+            <a:r>
+              <a:rPr lang="en-US" dirty="0">
+                <a:solidFill>
+                  <a:schemeClr val="lt1"/>
+                </a:solidFill>
+                <a:latin typeface="Times New Roman"/>
+                <a:cs typeface="Times New Roman"/>
+              </a:rPr>
+              <a:t> razor page)</a:t>
+            </a:r>
+          </a:p>
+          <a:p>
+            <a:pPr marL="137160" lvl="0" indent="0">
+              <a:spcBef>
+                <a:spcPts val="0"/>
+              </a:spcBef>
+              <a:buClr>
+                <a:schemeClr val="lt1"/>
+              </a:buClr>
+              <a:buNone/>
+            </a:pPr>
+            <a:endParaRPr lang="en-US" dirty="0">
+              <a:solidFill>
+                <a:schemeClr val="lt1"/>
+              </a:solidFill>
+              <a:latin typeface="Times New Roman"/>
+              <a:ea typeface="Times New Roman"/>
+              <a:cs typeface="Times New Roman"/>
+              <a:sym typeface="Times New Roman"/>
+            </a:endParaRPr>
+          </a:p>
+        </p:txBody>
+      </p:sp>
+      <p:sp>
+        <p:nvSpPr>
+          <p:cNvPr id="151" name="Google Shape;151;geea522d09e_0_15"/>
+          <p:cNvSpPr txBox="1"/>
+          <p:nvPr/>
+        </p:nvSpPr>
+        <p:spPr>
+          <a:xfrm>
+            <a:off x="677333" y="678873"/>
+            <a:ext cx="10985931" cy="646290"/>
+          </a:xfrm>
+          <a:prstGeom prst="rect">
+            <a:avLst/>
+          </a:prstGeom>
+          <a:noFill/>
+          <a:ln>
+            <a:noFill/>
+          </a:ln>
+        </p:spPr>
+        <p:txBody>
+          <a:bodyPr spcFirstLastPara="1" wrap="square" lIns="91425" tIns="45700" rIns="91425" bIns="45700" anchor="t" anchorCtr="0">
+            <a:spAutoFit/>
+          </a:bodyPr>
+          <a:lstStyle/>
+          <a:p>
+            <a:pPr marL="0" marR="0" lvl="0" indent="0" algn="l" rtl="0">
+              <a:lnSpc>
+                <a:spcPct val="100000"/>
+              </a:lnSpc>
+              <a:spcBef>
+                <a:spcPts val="0"/>
+              </a:spcBef>
+              <a:spcAft>
+                <a:spcPts val="0"/>
+              </a:spcAft>
+              <a:buClr>
+                <a:srgbClr val="000000"/>
+              </a:buClr>
+              <a:buSzPts val="3600"/>
+              <a:buFont typeface="Arial"/>
+              <a:buNone/>
+            </a:pPr>
+            <a:r>
+              <a:rPr lang="en-US" sz="3600" i="0" u="none" strike="noStrike" cap="none" dirty="0">
+                <a:solidFill>
+                  <a:srgbClr val="93DF5F"/>
+                </a:solidFill>
+                <a:latin typeface="Times New Roman"/>
+                <a:ea typeface="Times New Roman"/>
+                <a:cs typeface="Times New Roman"/>
+                <a:sym typeface="Times New Roman"/>
+              </a:rPr>
+              <a:t>Razor Page </a:t>
+            </a:r>
+            <a:r>
+              <a:rPr lang="en-US" sz="3600" i="0" u="none" strike="noStrike" cap="none" dirty="0" err="1">
+                <a:solidFill>
+                  <a:srgbClr val="93DF5F"/>
+                </a:solidFill>
+                <a:latin typeface="Times New Roman"/>
+                <a:ea typeface="Times New Roman"/>
+                <a:cs typeface="Times New Roman"/>
+                <a:sym typeface="Times New Roman"/>
+              </a:rPr>
+              <a:t>là</a:t>
+            </a:r>
+            <a:r>
+              <a:rPr lang="en-US" sz="3600" i="0" u="none" strike="noStrike" cap="none" dirty="0">
+                <a:solidFill>
+                  <a:srgbClr val="93DF5F"/>
+                </a:solidFill>
+                <a:latin typeface="Times New Roman"/>
+                <a:ea typeface="Times New Roman"/>
+                <a:cs typeface="Times New Roman"/>
+                <a:sym typeface="Times New Roman"/>
+              </a:rPr>
+              <a:t> </a:t>
+            </a:r>
+            <a:r>
+              <a:rPr lang="en-US" sz="3600" i="0" u="none" strike="noStrike" cap="none" dirty="0" err="1">
+                <a:solidFill>
+                  <a:srgbClr val="93DF5F"/>
+                </a:solidFill>
+                <a:latin typeface="Times New Roman"/>
+                <a:ea typeface="Times New Roman"/>
+                <a:cs typeface="Times New Roman"/>
+                <a:sym typeface="Times New Roman"/>
+              </a:rPr>
+              <a:t>gì</a:t>
+            </a:r>
+            <a:r>
+              <a:rPr lang="en-US" sz="3600" i="0" u="none" strike="noStrike" cap="none" dirty="0">
+                <a:solidFill>
+                  <a:srgbClr val="93DF5F"/>
+                </a:solidFill>
+                <a:latin typeface="Times New Roman"/>
+                <a:ea typeface="Times New Roman"/>
+                <a:cs typeface="Times New Roman"/>
+                <a:sym typeface="Times New Roman"/>
+              </a:rPr>
+              <a:t>?</a:t>
+            </a:r>
+            <a:endParaRPr sz="3600" i="0" u="none" strike="noStrike" cap="none" dirty="0">
+              <a:solidFill>
+                <a:srgbClr val="93DF5F"/>
+              </a:solidFill>
+              <a:latin typeface="Times New Roman"/>
+              <a:ea typeface="Times New Roman"/>
+              <a:cs typeface="Times New Roman"/>
+              <a:sym typeface="Times New Roman"/>
+            </a:endParaRPr>
+          </a:p>
+        </p:txBody>
+      </p:sp>
+      <p:cxnSp>
+        <p:nvCxnSpPr>
+          <p:cNvPr id="152" name="Google Shape;152;geea522d09e_0_15"/>
+          <p:cNvCxnSpPr/>
+          <p:nvPr/>
+        </p:nvCxnSpPr>
+        <p:spPr>
+          <a:xfrm>
+            <a:off x="815879" y="1325204"/>
+            <a:ext cx="5210700" cy="0"/>
+          </a:xfrm>
+          <a:prstGeom prst="straightConnector1">
+            <a:avLst/>
+          </a:prstGeom>
+          <a:noFill/>
+          <a:ln w="25400" cap="flat" cmpd="sng">
+            <a:solidFill>
+              <a:schemeClr val="accent1"/>
+            </a:solidFill>
+            <a:prstDash val="solid"/>
+            <a:round/>
+            <a:headEnd type="none" w="sm" len="sm"/>
+            <a:tailEnd type="none" w="sm" len="sm"/>
+          </a:ln>
+        </p:spPr>
+      </p:cxnSp>
+      <p:pic>
+        <p:nvPicPr>
+          <p:cNvPr id="153" name="Google Shape;153;geea522d09e_0_15"/>
+          <p:cNvPicPr preferRelativeResize="0"/>
+          <p:nvPr/>
+        </p:nvPicPr>
+        <p:blipFill rotWithShape="1">
+          <a:blip r:embed="rId3">
+            <a:alphaModFix/>
+          </a:blip>
+          <a:srcRect/>
+          <a:stretch/>
+        </p:blipFill>
+        <p:spPr>
+          <a:xfrm>
+            <a:off x="677316" y="6274352"/>
+            <a:ext cx="1639649" cy="413900"/>
+          </a:xfrm>
+          <a:prstGeom prst="rect">
+            <a:avLst/>
+          </a:prstGeom>
+          <a:noFill/>
+          <a:ln>
+            <a:noFill/>
+          </a:ln>
+        </p:spPr>
+      </p:pic>
+      <p:pic>
+        <p:nvPicPr>
+          <p:cNvPr id="6" name="Picture 5">
+            <a:extLst>
+              <a:ext uri="{FF2B5EF4-FFF2-40B4-BE49-F238E27FC236}">
+                <a16:creationId xmlns:a16="http://schemas.microsoft.com/office/drawing/2014/main" id="{C2980999-80D2-48EB-A99F-F7B15C163522}"/>
+              </a:ext>
+            </a:extLst>
+          </p:cNvPr>
+          <p:cNvPicPr>
+            <a:picLocks noChangeAspect="1"/>
+          </p:cNvPicPr>
+          <p:nvPr/>
+        </p:nvPicPr>
+        <p:blipFill>
+          <a:blip r:embed="rId4"/>
+          <a:stretch>
+            <a:fillRect/>
+          </a:stretch>
+        </p:blipFill>
+        <p:spPr>
+          <a:xfrm>
+            <a:off x="2761914" y="3429000"/>
+            <a:ext cx="4427604" cy="2690093"/>
+          </a:xfrm>
+          <a:prstGeom prst="rect">
+            <a:avLst/>
+          </a:prstGeom>
+        </p:spPr>
+      </p:pic>
+    </p:spTree>
+  </p:cSld>
+  <p:clrMapOvr>
+    <a:masterClrMapping/>
+  </p:clrMapOvr>
+</p:sld>
+</file>
+
+<file path=ppt/slides/slide30.xml><?xml version="1.0" encoding="utf-8"?>
 <p:sld xmlns:a="http://schemas.openxmlformats.org/drawingml/2006/main" xmlns:r="http://schemas.openxmlformats.org/officeDocument/2006/relationships" xmlns:p="http://schemas.openxmlformats.org/presentationml/2006/main">
   <p:cSld>
     <p:spTree>
@@ -34040,7 +36274,7 @@
 </p:sld>
 </file>
 
-<file path=ppt/slides/slide29.xml><?xml version="1.0" encoding="utf-8"?>
+<file path=ppt/slides/slide31.xml><?xml version="1.0" encoding="utf-8"?>
 <p:sld xmlns:a="http://schemas.openxmlformats.org/drawingml/2006/main" xmlns:r="http://schemas.openxmlformats.org/officeDocument/2006/relationships" xmlns:p="http://schemas.openxmlformats.org/presentationml/2006/main">
   <p:cSld>
     <p:spTree>
@@ -34594,1129 +36828,7 @@
 </p:sld>
 </file>
 
-<file path=ppt/slides/slide3.xml><?xml version="1.0" encoding="utf-8"?>
-<p:sld xmlns:a="http://schemas.openxmlformats.org/drawingml/2006/main" xmlns:r="http://schemas.openxmlformats.org/officeDocument/2006/relationships" xmlns:p="http://schemas.openxmlformats.org/presentationml/2006/main">
-  <p:cSld>
-    <p:spTree>
-      <p:nvGrpSpPr>
-        <p:cNvPr id="1" name="Shape 149"/>
-        <p:cNvGrpSpPr/>
-        <p:nvPr/>
-      </p:nvGrpSpPr>
-      <p:grpSpPr>
-        <a:xfrm>
-          <a:off x="0" y="0"/>
-          <a:ext cx="0" cy="0"/>
-          <a:chOff x="0" y="0"/>
-          <a:chExt cx="0" cy="0"/>
-        </a:xfrm>
-      </p:grpSpPr>
-      <p:sp>
-        <p:nvSpPr>
-          <p:cNvPr id="150" name="Google Shape;150;geea522d09e_0_15"/>
-          <p:cNvSpPr txBox="1">
-            <a:spLocks noGrp="1"/>
-          </p:cNvSpPr>
-          <p:nvPr>
-            <p:ph type="body" idx="1"/>
-          </p:nvPr>
-        </p:nvSpPr>
-        <p:spPr>
-          <a:xfrm>
-            <a:off x="677316" y="1647234"/>
-            <a:ext cx="8596800" cy="1982370"/>
-          </a:xfrm>
-          <a:prstGeom prst="rect">
-            <a:avLst/>
-          </a:prstGeom>
-          <a:noFill/>
-          <a:ln>
-            <a:noFill/>
-          </a:ln>
-        </p:spPr>
-        <p:txBody>
-          <a:bodyPr spcFirstLastPara="1" wrap="square" lIns="91425" tIns="45700" rIns="91425" bIns="45700" anchor="t" anchorCtr="0">
-            <a:normAutofit/>
-          </a:bodyPr>
-          <a:lstStyle/>
-          <a:p>
-            <a:pPr marL="137160" lvl="0" indent="0">
-              <a:spcBef>
-                <a:spcPts val="0"/>
-              </a:spcBef>
-              <a:buClr>
-                <a:schemeClr val="lt1"/>
-              </a:buClr>
-              <a:buNone/>
-            </a:pPr>
-            <a:r>
-              <a:rPr lang="en-US" dirty="0">
-                <a:solidFill>
-                  <a:schemeClr val="lt1"/>
-                </a:solidFill>
-                <a:latin typeface="Times New Roman"/>
-                <a:ea typeface="Times New Roman"/>
-                <a:cs typeface="Times New Roman"/>
-                <a:sym typeface="Times New Roman"/>
-              </a:rPr>
-              <a:t>Razor page </a:t>
-            </a:r>
-            <a:r>
-              <a:rPr lang="en-US" dirty="0" err="1">
-                <a:solidFill>
-                  <a:schemeClr val="lt1"/>
-                </a:solidFill>
-                <a:latin typeface="Times New Roman"/>
-                <a:ea typeface="Times New Roman"/>
-                <a:cs typeface="Times New Roman"/>
-                <a:sym typeface="Times New Roman"/>
-              </a:rPr>
-              <a:t>là</a:t>
-            </a:r>
-            <a:r>
-              <a:rPr lang="en-US" dirty="0">
-                <a:solidFill>
-                  <a:schemeClr val="lt1"/>
-                </a:solidFill>
-                <a:latin typeface="Times New Roman"/>
-                <a:ea typeface="Times New Roman"/>
-                <a:cs typeface="Times New Roman"/>
-                <a:sym typeface="Times New Roman"/>
-              </a:rPr>
-              <a:t> </a:t>
-            </a:r>
-            <a:r>
-              <a:rPr lang="en-US" dirty="0" err="1">
-                <a:solidFill>
-                  <a:schemeClr val="lt1"/>
-                </a:solidFill>
-                <a:latin typeface="Times New Roman"/>
-                <a:ea typeface="Times New Roman"/>
-                <a:cs typeface="Times New Roman"/>
-                <a:sym typeface="Times New Roman"/>
-              </a:rPr>
-              <a:t>một</a:t>
-            </a:r>
-            <a:r>
-              <a:rPr lang="en-US" dirty="0">
-                <a:solidFill>
-                  <a:schemeClr val="lt1"/>
-                </a:solidFill>
-                <a:latin typeface="Times New Roman"/>
-                <a:ea typeface="Times New Roman"/>
-                <a:cs typeface="Times New Roman"/>
-                <a:sym typeface="Times New Roman"/>
-              </a:rPr>
-              <a:t> tính năng </a:t>
-            </a:r>
-            <a:r>
-              <a:rPr lang="en-US" dirty="0" err="1">
-                <a:solidFill>
-                  <a:schemeClr val="lt1"/>
-                </a:solidFill>
-                <a:latin typeface="Times New Roman"/>
-                <a:ea typeface="Times New Roman"/>
-                <a:cs typeface="Times New Roman"/>
-                <a:sym typeface="Times New Roman"/>
-              </a:rPr>
-              <a:t>mới</a:t>
-            </a:r>
-            <a:r>
-              <a:rPr lang="en-US" dirty="0">
-                <a:solidFill>
-                  <a:schemeClr val="lt1"/>
-                </a:solidFill>
-                <a:latin typeface="Times New Roman"/>
-                <a:ea typeface="Times New Roman"/>
-                <a:cs typeface="Times New Roman"/>
-                <a:sym typeface="Times New Roman"/>
-              </a:rPr>
-              <a:t> đ</a:t>
-            </a:r>
-            <a:r>
-              <a:rPr lang="vi-VN" dirty="0">
-                <a:solidFill>
-                  <a:schemeClr val="lt1"/>
-                </a:solidFill>
-                <a:latin typeface="Times New Roman"/>
-                <a:ea typeface="Times New Roman"/>
-                <a:cs typeface="Times New Roman"/>
-                <a:sym typeface="Times New Roman"/>
-              </a:rPr>
-              <a:t>ư</a:t>
-            </a:r>
-            <a:r>
-              <a:rPr lang="en-US" dirty="0" err="1">
-                <a:solidFill>
-                  <a:schemeClr val="lt1"/>
-                </a:solidFill>
-                <a:latin typeface="Times New Roman"/>
-                <a:ea typeface="Times New Roman"/>
-                <a:cs typeface="Times New Roman"/>
-                <a:sym typeface="Times New Roman"/>
-              </a:rPr>
-              <a:t>ợc</a:t>
-            </a:r>
-            <a:r>
-              <a:rPr lang="en-US" dirty="0">
-                <a:solidFill>
-                  <a:schemeClr val="lt1"/>
-                </a:solidFill>
-                <a:latin typeface="Times New Roman"/>
-                <a:ea typeface="Times New Roman"/>
-                <a:cs typeface="Times New Roman"/>
-                <a:sym typeface="Times New Roman"/>
-              </a:rPr>
-              <a:t> </a:t>
-            </a:r>
-            <a:r>
-              <a:rPr lang="en-US" dirty="0" err="1">
-                <a:solidFill>
-                  <a:schemeClr val="lt1"/>
-                </a:solidFill>
-                <a:latin typeface="Times New Roman"/>
-                <a:ea typeface="Times New Roman"/>
-                <a:cs typeface="Times New Roman"/>
-                <a:sym typeface="Times New Roman"/>
-              </a:rPr>
-              <a:t>giới</a:t>
-            </a:r>
-            <a:r>
-              <a:rPr lang="en-US" dirty="0">
-                <a:solidFill>
-                  <a:schemeClr val="lt1"/>
-                </a:solidFill>
-                <a:latin typeface="Times New Roman"/>
-                <a:ea typeface="Times New Roman"/>
-                <a:cs typeface="Times New Roman"/>
-                <a:sym typeface="Times New Roman"/>
-              </a:rPr>
-              <a:t> </a:t>
-            </a:r>
-            <a:r>
-              <a:rPr lang="en-US" dirty="0" err="1">
-                <a:solidFill>
-                  <a:schemeClr val="lt1"/>
-                </a:solidFill>
-                <a:latin typeface="Times New Roman"/>
-                <a:ea typeface="Times New Roman"/>
-                <a:cs typeface="Times New Roman"/>
-                <a:sym typeface="Times New Roman"/>
-              </a:rPr>
-              <a:t>thiệu</a:t>
-            </a:r>
-            <a:r>
-              <a:rPr lang="en-US" dirty="0">
-                <a:solidFill>
-                  <a:schemeClr val="lt1"/>
-                </a:solidFill>
-                <a:latin typeface="Times New Roman"/>
-                <a:ea typeface="Times New Roman"/>
-                <a:cs typeface="Times New Roman"/>
-                <a:sym typeface="Times New Roman"/>
-              </a:rPr>
-              <a:t> trong </a:t>
-            </a:r>
-            <a:r>
-              <a:rPr lang="en-US" dirty="0" err="1">
-                <a:solidFill>
-                  <a:schemeClr val="lt1"/>
-                </a:solidFill>
-                <a:latin typeface="Times New Roman"/>
-                <a:ea typeface="Times New Roman"/>
-                <a:cs typeface="Times New Roman"/>
-                <a:sym typeface="Times New Roman"/>
-              </a:rPr>
-              <a:t>.net</a:t>
-            </a:r>
-            <a:r>
-              <a:rPr lang="en-US" dirty="0">
-                <a:solidFill>
-                  <a:schemeClr val="lt1"/>
-                </a:solidFill>
-                <a:latin typeface="Times New Roman"/>
-                <a:ea typeface="Times New Roman"/>
-                <a:cs typeface="Times New Roman"/>
-                <a:sym typeface="Times New Roman"/>
-              </a:rPr>
-              <a:t> core 2.0. </a:t>
-            </a:r>
-          </a:p>
-          <a:p>
-            <a:pPr marL="137160" lvl="0" indent="0">
-              <a:spcBef>
-                <a:spcPts val="0"/>
-              </a:spcBef>
-              <a:buClr>
-                <a:schemeClr val="lt1"/>
-              </a:buClr>
-              <a:buNone/>
-            </a:pPr>
-            <a:r>
-              <a:rPr lang="en-US" dirty="0" err="1">
-                <a:solidFill>
-                  <a:schemeClr val="lt1"/>
-                </a:solidFill>
-                <a:latin typeface="Times New Roman"/>
-                <a:ea typeface="Times New Roman"/>
-                <a:cs typeface="Times New Roman"/>
-                <a:sym typeface="Times New Roman"/>
-              </a:rPr>
-              <a:t>Tuân</a:t>
-            </a:r>
-            <a:r>
-              <a:rPr lang="en-US" dirty="0">
-                <a:solidFill>
-                  <a:schemeClr val="lt1"/>
-                </a:solidFill>
-                <a:latin typeface="Times New Roman"/>
-                <a:ea typeface="Times New Roman"/>
-                <a:cs typeface="Times New Roman"/>
-                <a:sym typeface="Times New Roman"/>
-              </a:rPr>
-              <a:t> </a:t>
-            </a:r>
-            <a:r>
-              <a:rPr lang="en-US" dirty="0" err="1">
-                <a:solidFill>
-                  <a:schemeClr val="lt1"/>
-                </a:solidFill>
-                <a:latin typeface="Times New Roman"/>
-                <a:ea typeface="Times New Roman"/>
-                <a:cs typeface="Times New Roman"/>
-                <a:sym typeface="Times New Roman"/>
-              </a:rPr>
-              <a:t>theo</a:t>
-            </a:r>
-            <a:r>
-              <a:rPr lang="en-US" dirty="0">
-                <a:solidFill>
-                  <a:schemeClr val="lt1"/>
-                </a:solidFill>
-                <a:latin typeface="Times New Roman"/>
-                <a:ea typeface="Times New Roman"/>
-                <a:cs typeface="Times New Roman"/>
-                <a:sym typeface="Times New Roman"/>
-              </a:rPr>
-              <a:t> </a:t>
-            </a:r>
-            <a:r>
-              <a:rPr lang="en-US" dirty="0" err="1">
-                <a:solidFill>
-                  <a:schemeClr val="lt1"/>
-                </a:solidFill>
-                <a:latin typeface="Times New Roman"/>
-                <a:ea typeface="Times New Roman"/>
-                <a:cs typeface="Times New Roman"/>
-                <a:sym typeface="Times New Roman"/>
-              </a:rPr>
-              <a:t>mô</a:t>
-            </a:r>
-            <a:r>
-              <a:rPr lang="en-US" dirty="0">
-                <a:solidFill>
-                  <a:schemeClr val="lt1"/>
-                </a:solidFill>
-                <a:latin typeface="Times New Roman"/>
-                <a:ea typeface="Times New Roman"/>
-                <a:cs typeface="Times New Roman"/>
-                <a:sym typeface="Times New Roman"/>
-              </a:rPr>
-              <a:t> hình </a:t>
-            </a:r>
-            <a:r>
-              <a:rPr lang="en-US" dirty="0" err="1">
-                <a:solidFill>
-                  <a:schemeClr val="lt1"/>
-                </a:solidFill>
-                <a:latin typeface="Times New Roman"/>
-                <a:ea typeface="Times New Roman"/>
-                <a:cs typeface="Times New Roman"/>
-                <a:sym typeface="Times New Roman"/>
-              </a:rPr>
-              <a:t>phát</a:t>
-            </a:r>
-            <a:r>
-              <a:rPr lang="en-US" dirty="0">
-                <a:solidFill>
-                  <a:schemeClr val="lt1"/>
-                </a:solidFill>
-                <a:latin typeface="Times New Roman"/>
-                <a:ea typeface="Times New Roman"/>
-                <a:cs typeface="Times New Roman"/>
-                <a:sym typeface="Times New Roman"/>
-              </a:rPr>
-              <a:t> </a:t>
-            </a:r>
-            <a:r>
-              <a:rPr lang="en-US" dirty="0" err="1">
-                <a:solidFill>
-                  <a:schemeClr val="lt1"/>
-                </a:solidFill>
-                <a:latin typeface="Times New Roman"/>
-                <a:ea typeface="Times New Roman"/>
-                <a:cs typeface="Times New Roman"/>
-                <a:sym typeface="Times New Roman"/>
-              </a:rPr>
-              <a:t>triển</a:t>
-            </a:r>
-            <a:r>
-              <a:rPr lang="en-US" dirty="0">
-                <a:solidFill>
-                  <a:schemeClr val="lt1"/>
-                </a:solidFill>
-                <a:latin typeface="Times New Roman"/>
-                <a:ea typeface="Times New Roman"/>
-                <a:cs typeface="Times New Roman"/>
-                <a:sym typeface="Times New Roman"/>
-              </a:rPr>
-              <a:t> </a:t>
-            </a:r>
-            <a:r>
-              <a:rPr lang="en-US" dirty="0" err="1">
-                <a:solidFill>
-                  <a:schemeClr val="lt1"/>
-                </a:solidFill>
-                <a:latin typeface="Times New Roman"/>
-                <a:ea typeface="Times New Roman"/>
-                <a:cs typeface="Times New Roman"/>
-                <a:sym typeface="Times New Roman"/>
-              </a:rPr>
-              <a:t>tập</a:t>
-            </a:r>
-            <a:r>
-              <a:rPr lang="en-US" dirty="0">
-                <a:solidFill>
-                  <a:schemeClr val="lt1"/>
-                </a:solidFill>
-                <a:latin typeface="Times New Roman"/>
-                <a:ea typeface="Times New Roman"/>
-                <a:cs typeface="Times New Roman"/>
-                <a:sym typeface="Times New Roman"/>
-              </a:rPr>
-              <a:t> trung </a:t>
-            </a:r>
-            <a:r>
-              <a:rPr lang="en-US" dirty="0" err="1">
-                <a:solidFill>
-                  <a:schemeClr val="lt1"/>
-                </a:solidFill>
-                <a:latin typeface="Times New Roman"/>
-                <a:ea typeface="Times New Roman"/>
-                <a:cs typeface="Times New Roman"/>
-                <a:sym typeface="Times New Roman"/>
-              </a:rPr>
-              <a:t>nh</a:t>
-            </a:r>
-            <a:r>
-              <a:rPr lang="vi-VN" dirty="0">
-                <a:solidFill>
-                  <a:schemeClr val="lt1"/>
-                </a:solidFill>
-                <a:latin typeface="Times New Roman"/>
-                <a:ea typeface="Times New Roman"/>
-                <a:cs typeface="Times New Roman"/>
-                <a:sym typeface="Times New Roman"/>
-              </a:rPr>
-              <a:t>ư</a:t>
-            </a:r>
-            <a:r>
-              <a:rPr lang="en-US" dirty="0">
-                <a:solidFill>
-                  <a:schemeClr val="lt1"/>
-                </a:solidFill>
-                <a:latin typeface="Times New Roman"/>
-                <a:ea typeface="Times New Roman"/>
-                <a:cs typeface="Times New Roman"/>
-                <a:sym typeface="Times New Roman"/>
-              </a:rPr>
-              <a:t> asp.net web form </a:t>
-            </a:r>
-            <a:r>
-              <a:rPr lang="en-US" dirty="0" err="1">
-                <a:solidFill>
-                  <a:schemeClr val="lt1"/>
-                </a:solidFill>
-                <a:latin typeface="Times New Roman"/>
-                <a:ea typeface="Times New Roman"/>
-                <a:cs typeface="Times New Roman"/>
-                <a:sym typeface="Times New Roman"/>
-              </a:rPr>
-              <a:t>sử</a:t>
-            </a:r>
-            <a:r>
-              <a:rPr lang="en-US" dirty="0">
-                <a:solidFill>
-                  <a:schemeClr val="lt1"/>
-                </a:solidFill>
-                <a:latin typeface="Times New Roman"/>
-                <a:ea typeface="Times New Roman"/>
-                <a:cs typeface="Times New Roman"/>
-                <a:sym typeface="Times New Roman"/>
-              </a:rPr>
-              <a:t> </a:t>
-            </a:r>
-            <a:r>
-              <a:rPr lang="en-US" dirty="0" err="1">
-                <a:solidFill>
-                  <a:schemeClr val="lt1"/>
-                </a:solidFill>
-                <a:latin typeface="Times New Roman"/>
-                <a:ea typeface="Times New Roman"/>
-                <a:cs typeface="Times New Roman"/>
-                <a:sym typeface="Times New Roman"/>
-              </a:rPr>
-              <a:t>dụng</a:t>
-            </a:r>
-            <a:r>
-              <a:rPr lang="en-US" dirty="0">
-                <a:solidFill>
-                  <a:schemeClr val="lt1"/>
-                </a:solidFill>
-                <a:latin typeface="Times New Roman"/>
-                <a:ea typeface="Times New Roman"/>
-                <a:cs typeface="Times New Roman"/>
-                <a:sym typeface="Times New Roman"/>
-              </a:rPr>
-              <a:t> kỹ </a:t>
-            </a:r>
-            <a:r>
-              <a:rPr lang="en-US" dirty="0" err="1">
-                <a:solidFill>
-                  <a:schemeClr val="lt1"/>
-                </a:solidFill>
-                <a:latin typeface="Times New Roman"/>
-                <a:ea typeface="Times New Roman"/>
-                <a:cs typeface="Times New Roman"/>
-                <a:sym typeface="Times New Roman"/>
-              </a:rPr>
-              <a:t>thuật</a:t>
-            </a:r>
-            <a:r>
-              <a:rPr lang="en-US" dirty="0">
-                <a:solidFill>
-                  <a:schemeClr val="lt1"/>
-                </a:solidFill>
-                <a:latin typeface="Times New Roman"/>
-                <a:ea typeface="Times New Roman"/>
-                <a:cs typeface="Times New Roman"/>
-                <a:sym typeface="Times New Roman"/>
-              </a:rPr>
-              <a:t> code-behind.</a:t>
-            </a:r>
-            <a:br>
-              <a:rPr lang="en-US" dirty="0">
-                <a:solidFill>
-                  <a:schemeClr val="lt1"/>
-                </a:solidFill>
-                <a:latin typeface="Times New Roman"/>
-                <a:ea typeface="Times New Roman"/>
-                <a:cs typeface="Times New Roman"/>
-                <a:sym typeface="Times New Roman"/>
-              </a:rPr>
-            </a:br>
-            <a:r>
-              <a:rPr lang="en-US" dirty="0">
-                <a:solidFill>
-                  <a:schemeClr val="lt1"/>
-                </a:solidFill>
-                <a:latin typeface="Times New Roman"/>
-                <a:ea typeface="Times New Roman"/>
-                <a:cs typeface="Times New Roman"/>
-                <a:sym typeface="Times New Roman"/>
-              </a:rPr>
-              <a:t>Bao </a:t>
-            </a:r>
-            <a:r>
-              <a:rPr lang="en-US" dirty="0" err="1">
-                <a:solidFill>
-                  <a:schemeClr val="lt1"/>
-                </a:solidFill>
-                <a:latin typeface="Times New Roman"/>
-                <a:ea typeface="Times New Roman"/>
-                <a:cs typeface="Times New Roman"/>
-                <a:sym typeface="Times New Roman"/>
-              </a:rPr>
-              <a:t>gồm</a:t>
-            </a:r>
-            <a:r>
-              <a:rPr lang="en-US" dirty="0">
-                <a:solidFill>
-                  <a:schemeClr val="lt1"/>
-                </a:solidFill>
-                <a:latin typeface="Times New Roman"/>
-                <a:ea typeface="Times New Roman"/>
-                <a:cs typeface="Times New Roman"/>
-                <a:sym typeface="Times New Roman"/>
-              </a:rPr>
-              <a:t> 2 file .</a:t>
-            </a:r>
-            <a:r>
-              <a:rPr lang="en-US" dirty="0" err="1">
-                <a:solidFill>
-                  <a:schemeClr val="lt1"/>
-                </a:solidFill>
-                <a:latin typeface="Times New Roman"/>
-                <a:ea typeface="Times New Roman"/>
-                <a:cs typeface="Times New Roman"/>
-                <a:sym typeface="Times New Roman"/>
-              </a:rPr>
-              <a:t>cshml</a:t>
-            </a:r>
-            <a:r>
-              <a:rPr lang="en-US" dirty="0">
-                <a:solidFill>
-                  <a:schemeClr val="lt1"/>
-                </a:solidFill>
-                <a:latin typeface="Times New Roman"/>
-                <a:ea typeface="Times New Roman"/>
-                <a:cs typeface="Times New Roman"/>
-                <a:sym typeface="Times New Roman"/>
-              </a:rPr>
-              <a:t>(giao diện) và .</a:t>
-            </a:r>
-            <a:r>
-              <a:rPr lang="en-US" dirty="0" err="1">
-                <a:solidFill>
-                  <a:schemeClr val="lt1"/>
-                </a:solidFill>
-                <a:latin typeface="Times New Roman"/>
-                <a:ea typeface="Times New Roman"/>
-                <a:cs typeface="Times New Roman"/>
-                <a:sym typeface="Times New Roman"/>
-              </a:rPr>
-              <a:t>cshtml.cs</a:t>
-            </a:r>
-            <a:r>
-              <a:rPr lang="en-US" dirty="0">
-                <a:solidFill>
-                  <a:schemeClr val="lt1"/>
-                </a:solidFill>
-                <a:latin typeface="Times New Roman"/>
-                <a:ea typeface="Times New Roman"/>
-                <a:cs typeface="Times New Roman"/>
-                <a:sym typeface="Times New Roman"/>
-              </a:rPr>
-              <a:t>(logic) nhưng </a:t>
-            </a:r>
-            <a:r>
-              <a:rPr lang="en-US" dirty="0" err="1">
-                <a:solidFill>
-                  <a:schemeClr val="lt1"/>
-                </a:solidFill>
-                <a:latin typeface="Times New Roman"/>
-                <a:ea typeface="Times New Roman"/>
-                <a:cs typeface="Times New Roman"/>
-                <a:sym typeface="Times New Roman"/>
-              </a:rPr>
-              <a:t>thuộc</a:t>
-            </a:r>
-            <a:r>
-              <a:rPr lang="en-US" dirty="0">
-                <a:solidFill>
-                  <a:schemeClr val="lt1"/>
-                </a:solidFill>
-                <a:latin typeface="Times New Roman"/>
-                <a:ea typeface="Times New Roman"/>
-                <a:cs typeface="Times New Roman"/>
-                <a:sym typeface="Times New Roman"/>
-              </a:rPr>
-              <a:t> </a:t>
-            </a:r>
-            <a:r>
-              <a:rPr lang="en-US" dirty="0" err="1">
-                <a:solidFill>
-                  <a:schemeClr val="lt1"/>
-                </a:solidFill>
-                <a:latin typeface="Times New Roman"/>
-                <a:ea typeface="Times New Roman"/>
-                <a:cs typeface="Times New Roman"/>
-                <a:sym typeface="Times New Roman"/>
-              </a:rPr>
-              <a:t>cùng</a:t>
-            </a:r>
-            <a:r>
-              <a:rPr lang="en-US" dirty="0">
-                <a:solidFill>
-                  <a:schemeClr val="lt1"/>
-                </a:solidFill>
-                <a:latin typeface="Times New Roman"/>
-                <a:ea typeface="Times New Roman"/>
-                <a:cs typeface="Times New Roman"/>
-                <a:sym typeface="Times New Roman"/>
-              </a:rPr>
-              <a:t> 1 page.</a:t>
-            </a:r>
-          </a:p>
-          <a:p>
-            <a:pPr marL="137160" indent="0">
-              <a:spcBef>
-                <a:spcPts val="0"/>
-              </a:spcBef>
-              <a:buClr>
-                <a:schemeClr val="lt1"/>
-              </a:buClr>
-              <a:buNone/>
-            </a:pPr>
-            <a:r>
-              <a:rPr lang="en-US" dirty="0">
-                <a:solidFill>
-                  <a:schemeClr val="lt1"/>
-                </a:solidFill>
-                <a:latin typeface="Times New Roman"/>
-                <a:cs typeface="Times New Roman"/>
-              </a:rPr>
-              <a:t>Note: Razor </a:t>
-            </a:r>
-            <a:r>
-              <a:rPr lang="en-US" dirty="0" err="1">
-                <a:solidFill>
-                  <a:schemeClr val="lt1"/>
-                </a:solidFill>
-                <a:latin typeface="Times New Roman"/>
-                <a:cs typeface="Times New Roman"/>
-              </a:rPr>
-              <a:t>là</a:t>
-            </a:r>
-            <a:r>
-              <a:rPr lang="en-US" dirty="0">
-                <a:solidFill>
-                  <a:schemeClr val="lt1"/>
-                </a:solidFill>
-                <a:latin typeface="Times New Roman"/>
-                <a:cs typeface="Times New Roman"/>
-              </a:rPr>
-              <a:t> </a:t>
-            </a:r>
-            <a:r>
-              <a:rPr lang="en-US" dirty="0" err="1">
-                <a:solidFill>
-                  <a:schemeClr val="lt1"/>
-                </a:solidFill>
-                <a:latin typeface="Times New Roman"/>
-                <a:cs typeface="Times New Roman"/>
-              </a:rPr>
-              <a:t>cú</a:t>
-            </a:r>
-            <a:r>
-              <a:rPr lang="en-US" dirty="0">
-                <a:solidFill>
-                  <a:schemeClr val="lt1"/>
-                </a:solidFill>
-                <a:latin typeface="Times New Roman"/>
-                <a:cs typeface="Times New Roman"/>
-              </a:rPr>
-              <a:t> </a:t>
-            </a:r>
-            <a:r>
-              <a:rPr lang="en-US" dirty="0" err="1">
-                <a:solidFill>
-                  <a:schemeClr val="lt1"/>
-                </a:solidFill>
-                <a:latin typeface="Times New Roman"/>
-                <a:cs typeface="Times New Roman"/>
-              </a:rPr>
-              <a:t>pháp</a:t>
-            </a:r>
-            <a:r>
-              <a:rPr lang="en-US" dirty="0">
-                <a:solidFill>
-                  <a:schemeClr val="lt1"/>
-                </a:solidFill>
-                <a:latin typeface="Times New Roman"/>
-                <a:cs typeface="Times New Roman"/>
-              </a:rPr>
-              <a:t> </a:t>
-            </a:r>
-            <a:r>
-              <a:rPr lang="en-US" dirty="0" err="1">
-                <a:solidFill>
-                  <a:schemeClr val="lt1"/>
-                </a:solidFill>
-                <a:latin typeface="Times New Roman"/>
-                <a:cs typeface="Times New Roman"/>
-              </a:rPr>
-              <a:t>kết</a:t>
-            </a:r>
-            <a:r>
-              <a:rPr lang="en-US" dirty="0">
-                <a:solidFill>
-                  <a:schemeClr val="lt1"/>
-                </a:solidFill>
-                <a:latin typeface="Times New Roman"/>
-                <a:cs typeface="Times New Roman"/>
-              </a:rPr>
-              <a:t> </a:t>
-            </a:r>
-            <a:r>
-              <a:rPr lang="en-US" dirty="0" err="1">
-                <a:solidFill>
-                  <a:schemeClr val="lt1"/>
-                </a:solidFill>
-                <a:latin typeface="Times New Roman"/>
-                <a:cs typeface="Times New Roman"/>
-              </a:rPr>
-              <a:t>hợp</a:t>
-            </a:r>
-            <a:r>
-              <a:rPr lang="en-US" dirty="0">
-                <a:solidFill>
-                  <a:schemeClr val="lt1"/>
-                </a:solidFill>
-                <a:latin typeface="Times New Roman"/>
-                <a:cs typeface="Times New Roman"/>
-              </a:rPr>
-              <a:t> </a:t>
-            </a:r>
-            <a:r>
-              <a:rPr lang="en-US" dirty="0" err="1">
-                <a:solidFill>
-                  <a:schemeClr val="lt1"/>
-                </a:solidFill>
-                <a:latin typeface="Times New Roman"/>
-                <a:cs typeface="Times New Roman"/>
-              </a:rPr>
-              <a:t>c#</a:t>
-            </a:r>
-            <a:r>
-              <a:rPr lang="en-US" dirty="0">
-                <a:solidFill>
-                  <a:schemeClr val="lt1"/>
-                </a:solidFill>
-                <a:latin typeface="Times New Roman"/>
-                <a:cs typeface="Times New Roman"/>
-              </a:rPr>
-              <a:t> và HTML </a:t>
-            </a:r>
-            <a:r>
-              <a:rPr lang="en-US" dirty="0" err="1">
-                <a:solidFill>
-                  <a:schemeClr val="lt1"/>
-                </a:solidFill>
-                <a:latin typeface="Times New Roman"/>
-                <a:cs typeface="Times New Roman"/>
-              </a:rPr>
-              <a:t>để</a:t>
-            </a:r>
-            <a:r>
-              <a:rPr lang="en-US" dirty="0">
-                <a:solidFill>
-                  <a:schemeClr val="lt1"/>
-                </a:solidFill>
-                <a:latin typeface="Times New Roman"/>
-                <a:cs typeface="Times New Roman"/>
-              </a:rPr>
-              <a:t> </a:t>
-            </a:r>
-            <a:r>
-              <a:rPr lang="en-US" dirty="0" err="1">
-                <a:solidFill>
-                  <a:schemeClr val="lt1"/>
-                </a:solidFill>
-                <a:latin typeface="Times New Roman"/>
-                <a:cs typeface="Times New Roman"/>
-              </a:rPr>
-              <a:t>sinh</a:t>
-            </a:r>
-            <a:r>
-              <a:rPr lang="en-US" dirty="0">
-                <a:solidFill>
-                  <a:schemeClr val="lt1"/>
-                </a:solidFill>
-                <a:latin typeface="Times New Roman"/>
-                <a:cs typeface="Times New Roman"/>
-              </a:rPr>
-              <a:t> ra HTML </a:t>
-            </a:r>
-            <a:r>
-              <a:rPr lang="en-US" dirty="0" err="1">
-                <a:solidFill>
-                  <a:schemeClr val="lt1"/>
-                </a:solidFill>
-                <a:latin typeface="Times New Roman"/>
-                <a:cs typeface="Times New Roman"/>
-              </a:rPr>
-              <a:t>động</a:t>
-            </a:r>
-            <a:r>
-              <a:rPr lang="en-US" dirty="0">
-                <a:solidFill>
-                  <a:schemeClr val="lt1"/>
-                </a:solidFill>
-                <a:latin typeface="Times New Roman"/>
-                <a:cs typeface="Times New Roman"/>
-              </a:rPr>
-              <a:t>. (</a:t>
-            </a:r>
-            <a:r>
-              <a:rPr lang="en-US" dirty="0" err="1">
-                <a:solidFill>
-                  <a:schemeClr val="lt1"/>
-                </a:solidFill>
-                <a:latin typeface="Times New Roman"/>
-                <a:cs typeface="Times New Roman"/>
-              </a:rPr>
-              <a:t>khác</a:t>
-            </a:r>
-            <a:r>
-              <a:rPr lang="en-US" dirty="0">
-                <a:solidFill>
-                  <a:schemeClr val="lt1"/>
-                </a:solidFill>
-                <a:latin typeface="Times New Roman"/>
-                <a:cs typeface="Times New Roman"/>
-              </a:rPr>
-              <a:t> </a:t>
-            </a:r>
-            <a:r>
-              <a:rPr lang="en-US" dirty="0" err="1">
-                <a:solidFill>
-                  <a:schemeClr val="lt1"/>
-                </a:solidFill>
-                <a:latin typeface="Times New Roman"/>
-                <a:cs typeface="Times New Roman"/>
-              </a:rPr>
-              <a:t>với</a:t>
-            </a:r>
-            <a:r>
-              <a:rPr lang="en-US" dirty="0">
-                <a:solidFill>
-                  <a:schemeClr val="lt1"/>
-                </a:solidFill>
-                <a:latin typeface="Times New Roman"/>
-                <a:cs typeface="Times New Roman"/>
-              </a:rPr>
-              <a:t> razor page)</a:t>
-            </a:r>
-          </a:p>
-          <a:p>
-            <a:pPr marL="137160" lvl="0" indent="0">
-              <a:spcBef>
-                <a:spcPts val="0"/>
-              </a:spcBef>
-              <a:buClr>
-                <a:schemeClr val="lt1"/>
-              </a:buClr>
-              <a:buNone/>
-            </a:pPr>
-            <a:endParaRPr lang="en-US" dirty="0">
-              <a:solidFill>
-                <a:schemeClr val="lt1"/>
-              </a:solidFill>
-              <a:latin typeface="Times New Roman"/>
-              <a:ea typeface="Times New Roman"/>
-              <a:cs typeface="Times New Roman"/>
-              <a:sym typeface="Times New Roman"/>
-            </a:endParaRPr>
-          </a:p>
-        </p:txBody>
-      </p:sp>
-      <p:sp>
-        <p:nvSpPr>
-          <p:cNvPr id="151" name="Google Shape;151;geea522d09e_0_15"/>
-          <p:cNvSpPr txBox="1"/>
-          <p:nvPr/>
-        </p:nvSpPr>
-        <p:spPr>
-          <a:xfrm>
-            <a:off x="677333" y="678873"/>
-            <a:ext cx="10985931" cy="646290"/>
-          </a:xfrm>
-          <a:prstGeom prst="rect">
-            <a:avLst/>
-          </a:prstGeom>
-          <a:noFill/>
-          <a:ln>
-            <a:noFill/>
-          </a:ln>
-        </p:spPr>
-        <p:txBody>
-          <a:bodyPr spcFirstLastPara="1" wrap="square" lIns="91425" tIns="45700" rIns="91425" bIns="45700" anchor="t" anchorCtr="0">
-            <a:spAutoFit/>
-          </a:bodyPr>
-          <a:lstStyle/>
-          <a:p>
-            <a:pPr marL="0" marR="0" lvl="0" indent="0" algn="l" rtl="0">
-              <a:lnSpc>
-                <a:spcPct val="100000"/>
-              </a:lnSpc>
-              <a:spcBef>
-                <a:spcPts val="0"/>
-              </a:spcBef>
-              <a:spcAft>
-                <a:spcPts val="0"/>
-              </a:spcAft>
-              <a:buClr>
-                <a:srgbClr val="000000"/>
-              </a:buClr>
-              <a:buSzPts val="3600"/>
-              <a:buFont typeface="Arial"/>
-              <a:buNone/>
-            </a:pPr>
-            <a:r>
-              <a:rPr lang="en-US" sz="3600" i="0" u="none" strike="noStrike" cap="none" dirty="0">
-                <a:solidFill>
-                  <a:srgbClr val="93DF5F"/>
-                </a:solidFill>
-                <a:latin typeface="Times New Roman"/>
-                <a:ea typeface="Times New Roman"/>
-                <a:cs typeface="Times New Roman"/>
-                <a:sym typeface="Times New Roman"/>
-              </a:rPr>
-              <a:t>Razor Page </a:t>
-            </a:r>
-            <a:r>
-              <a:rPr lang="en-US" sz="3600" i="0" u="none" strike="noStrike" cap="none" dirty="0" err="1">
-                <a:solidFill>
-                  <a:srgbClr val="93DF5F"/>
-                </a:solidFill>
-                <a:latin typeface="Times New Roman"/>
-                <a:ea typeface="Times New Roman"/>
-                <a:cs typeface="Times New Roman"/>
-                <a:sym typeface="Times New Roman"/>
-              </a:rPr>
-              <a:t>là</a:t>
-            </a:r>
-            <a:r>
-              <a:rPr lang="en-US" sz="3600" i="0" u="none" strike="noStrike" cap="none" dirty="0">
-                <a:solidFill>
-                  <a:srgbClr val="93DF5F"/>
-                </a:solidFill>
-                <a:latin typeface="Times New Roman"/>
-                <a:ea typeface="Times New Roman"/>
-                <a:cs typeface="Times New Roman"/>
-                <a:sym typeface="Times New Roman"/>
-              </a:rPr>
-              <a:t> </a:t>
-            </a:r>
-            <a:r>
-              <a:rPr lang="en-US" sz="3600" i="0" u="none" strike="noStrike" cap="none" dirty="0" err="1">
-                <a:solidFill>
-                  <a:srgbClr val="93DF5F"/>
-                </a:solidFill>
-                <a:latin typeface="Times New Roman"/>
-                <a:ea typeface="Times New Roman"/>
-                <a:cs typeface="Times New Roman"/>
-                <a:sym typeface="Times New Roman"/>
-              </a:rPr>
-              <a:t>gì</a:t>
-            </a:r>
-            <a:r>
-              <a:rPr lang="en-US" sz="3600" i="0" u="none" strike="noStrike" cap="none" dirty="0">
-                <a:solidFill>
-                  <a:srgbClr val="93DF5F"/>
-                </a:solidFill>
-                <a:latin typeface="Times New Roman"/>
-                <a:ea typeface="Times New Roman"/>
-                <a:cs typeface="Times New Roman"/>
-                <a:sym typeface="Times New Roman"/>
-              </a:rPr>
-              <a:t>?</a:t>
-            </a:r>
-            <a:endParaRPr sz="3600" i="0" u="none" strike="noStrike" cap="none" dirty="0">
-              <a:solidFill>
-                <a:srgbClr val="93DF5F"/>
-              </a:solidFill>
-              <a:latin typeface="Times New Roman"/>
-              <a:ea typeface="Times New Roman"/>
-              <a:cs typeface="Times New Roman"/>
-              <a:sym typeface="Times New Roman"/>
-            </a:endParaRPr>
-          </a:p>
-        </p:txBody>
-      </p:sp>
-      <p:cxnSp>
-        <p:nvCxnSpPr>
-          <p:cNvPr id="152" name="Google Shape;152;geea522d09e_0_15"/>
-          <p:cNvCxnSpPr/>
-          <p:nvPr/>
-        </p:nvCxnSpPr>
-        <p:spPr>
-          <a:xfrm>
-            <a:off x="815879" y="1325204"/>
-            <a:ext cx="5210700" cy="0"/>
-          </a:xfrm>
-          <a:prstGeom prst="straightConnector1">
-            <a:avLst/>
-          </a:prstGeom>
-          <a:noFill/>
-          <a:ln w="25400" cap="flat" cmpd="sng">
-            <a:solidFill>
-              <a:schemeClr val="accent1"/>
-            </a:solidFill>
-            <a:prstDash val="solid"/>
-            <a:round/>
-            <a:headEnd type="none" w="sm" len="sm"/>
-            <a:tailEnd type="none" w="sm" len="sm"/>
-          </a:ln>
-        </p:spPr>
-      </p:cxnSp>
-      <p:pic>
-        <p:nvPicPr>
-          <p:cNvPr id="153" name="Google Shape;153;geea522d09e_0_15"/>
-          <p:cNvPicPr preferRelativeResize="0"/>
-          <p:nvPr/>
-        </p:nvPicPr>
-        <p:blipFill rotWithShape="1">
-          <a:blip r:embed="rId3">
-            <a:alphaModFix/>
-          </a:blip>
-          <a:srcRect/>
-          <a:stretch/>
-        </p:blipFill>
-        <p:spPr>
-          <a:xfrm>
-            <a:off x="677316" y="6274352"/>
-            <a:ext cx="1639649" cy="413900"/>
-          </a:xfrm>
-          <a:prstGeom prst="rect">
-            <a:avLst/>
-          </a:prstGeom>
-          <a:noFill/>
-          <a:ln>
-            <a:noFill/>
-          </a:ln>
-        </p:spPr>
-      </p:pic>
-      <p:pic>
-        <p:nvPicPr>
-          <p:cNvPr id="6" name="Picture 5">
-            <a:extLst>
-              <a:ext uri="{FF2B5EF4-FFF2-40B4-BE49-F238E27FC236}">
-                <a16:creationId xmlns:a16="http://schemas.microsoft.com/office/drawing/2014/main" id="{C2980999-80D2-48EB-A99F-F7B15C163522}"/>
-              </a:ext>
-            </a:extLst>
-          </p:cNvPr>
-          <p:cNvPicPr>
-            <a:picLocks noChangeAspect="1"/>
-          </p:cNvPicPr>
-          <p:nvPr/>
-        </p:nvPicPr>
-        <p:blipFill>
-          <a:blip r:embed="rId4"/>
-          <a:stretch>
-            <a:fillRect/>
-          </a:stretch>
-        </p:blipFill>
-        <p:spPr>
-          <a:xfrm>
-            <a:off x="2761914" y="3429000"/>
-            <a:ext cx="4427604" cy="2690093"/>
-          </a:xfrm>
-          <a:prstGeom prst="rect">
-            <a:avLst/>
-          </a:prstGeom>
-        </p:spPr>
-      </p:pic>
-    </p:spTree>
-  </p:cSld>
-  <p:clrMapOvr>
-    <a:masterClrMapping/>
-  </p:clrMapOvr>
-</p:sld>
-</file>
-
-<file path=ppt/slides/slide30.xml><?xml version="1.0" encoding="utf-8"?>
+<file path=ppt/slides/slide32.xml><?xml version="1.0" encoding="utf-8"?>
 <p:sld xmlns:a="http://schemas.openxmlformats.org/drawingml/2006/main" xmlns:r="http://schemas.openxmlformats.org/officeDocument/2006/relationships" xmlns:p="http://schemas.openxmlformats.org/presentationml/2006/main">
   <p:cSld>
     <p:spTree>
@@ -35914,7 +37026,7 @@
 </p:sld>
 </file>
 
-<file path=ppt/slides/slide31.xml><?xml version="1.0" encoding="utf-8"?>
+<file path=ppt/slides/slide33.xml><?xml version="1.0" encoding="utf-8"?>
 <p:sld xmlns:a="http://schemas.openxmlformats.org/drawingml/2006/main" xmlns:r="http://schemas.openxmlformats.org/officeDocument/2006/relationships" xmlns:p="http://schemas.openxmlformats.org/presentationml/2006/main">
   <p:cSld>
     <p:spTree>
@@ -36177,7 +37289,7 @@
 </p:sld>
 </file>
 
-<file path=ppt/slides/slide32.xml><?xml version="1.0" encoding="utf-8"?>
+<file path=ppt/slides/slide34.xml><?xml version="1.0" encoding="utf-8"?>
 <p:sld xmlns:a="http://schemas.openxmlformats.org/drawingml/2006/main" xmlns:r="http://schemas.openxmlformats.org/officeDocument/2006/relationships" xmlns:p="http://schemas.openxmlformats.org/presentationml/2006/main">
   <p:cSld>
     <p:spTree>
@@ -36423,7 +37535,7 @@
 </p:sld>
 </file>
 
-<file path=ppt/slides/slide33.xml><?xml version="1.0" encoding="utf-8"?>
+<file path=ppt/slides/slide35.xml><?xml version="1.0" encoding="utf-8"?>
 <p:sld xmlns:a="http://schemas.openxmlformats.org/drawingml/2006/main" xmlns:r="http://schemas.openxmlformats.org/officeDocument/2006/relationships" xmlns:p="http://schemas.openxmlformats.org/presentationml/2006/main">
   <p:cSld>
     <p:spTree>
@@ -36715,7 +37827,7 @@
 </p:sld>
 </file>
 
-<file path=ppt/slides/slide34.xml><?xml version="1.0" encoding="utf-8"?>
+<file path=ppt/slides/slide36.xml><?xml version="1.0" encoding="utf-8"?>
 <p:sld xmlns:a="http://schemas.openxmlformats.org/drawingml/2006/main" xmlns:r="http://schemas.openxmlformats.org/officeDocument/2006/relationships" xmlns:p="http://schemas.openxmlformats.org/presentationml/2006/main">
   <p:cSld>
     <p:spTree>
@@ -37240,7 +38352,7 @@
 </p:sld>
 </file>
 
-<file path=ppt/slides/slide35.xml><?xml version="1.0" encoding="utf-8"?>
+<file path=ppt/slides/slide37.xml><?xml version="1.0" encoding="utf-8"?>
 <p:sld xmlns:a="http://schemas.openxmlformats.org/drawingml/2006/main" xmlns:r="http://schemas.openxmlformats.org/officeDocument/2006/relationships" xmlns:p="http://schemas.openxmlformats.org/presentationml/2006/main">
   <p:cSld>
     <p:spTree>
@@ -37414,7 +38526,7 @@
 </p:sld>
 </file>
 
-<file path=ppt/slides/slide36.xml><?xml version="1.0" encoding="utf-8"?>
+<file path=ppt/slides/slide38.xml><?xml version="1.0" encoding="utf-8"?>
 <p:sld xmlns:a="http://schemas.openxmlformats.org/drawingml/2006/main" xmlns:r="http://schemas.openxmlformats.org/officeDocument/2006/relationships" xmlns:p="http://schemas.openxmlformats.org/presentationml/2006/main">
   <p:cSld>
     <p:spTree>
@@ -37756,7 +38868,7 @@
 </p:sld>
 </file>
 
-<file path=ppt/slides/slide37.xml><?xml version="1.0" encoding="utf-8"?>
+<file path=ppt/slides/slide39.xml><?xml version="1.0" encoding="utf-8"?>
 <p:sld xmlns:a="http://schemas.openxmlformats.org/drawingml/2006/main" xmlns:r="http://schemas.openxmlformats.org/officeDocument/2006/relationships" xmlns:p="http://schemas.openxmlformats.org/presentationml/2006/main">
   <p:cSld>
     <p:spTree>
@@ -38406,886 +39518,6 @@
           <a:xfrm>
             <a:off x="6690049" y="4760483"/>
             <a:ext cx="5325294" cy="1168839"/>
-          </a:xfrm>
-          <a:prstGeom prst="rect">
-            <a:avLst/>
-          </a:prstGeom>
-        </p:spPr>
-      </p:pic>
-    </p:spTree>
-  </p:cSld>
-  <p:clrMapOvr>
-    <a:masterClrMapping/>
-  </p:clrMapOvr>
-</p:sld>
-</file>
-
-<file path=ppt/slides/slide38.xml><?xml version="1.0" encoding="utf-8"?>
-<p:sld xmlns:a="http://schemas.openxmlformats.org/drawingml/2006/main" xmlns:r="http://schemas.openxmlformats.org/officeDocument/2006/relationships" xmlns:p="http://schemas.openxmlformats.org/presentationml/2006/main">
-  <p:cSld>
-    <p:spTree>
-      <p:nvGrpSpPr>
-        <p:cNvPr id="1" name="Shape 306"/>
-        <p:cNvGrpSpPr/>
-        <p:nvPr/>
-      </p:nvGrpSpPr>
-      <p:grpSpPr>
-        <a:xfrm>
-          <a:off x="0" y="0"/>
-          <a:ext cx="0" cy="0"/>
-          <a:chOff x="0" y="0"/>
-          <a:chExt cx="0" cy="0"/>
-        </a:xfrm>
-      </p:grpSpPr>
-      <p:sp>
-        <p:nvSpPr>
-          <p:cNvPr id="308" name="Google Shape;308;geef53d5d55_1_114"/>
-          <p:cNvSpPr txBox="1"/>
-          <p:nvPr/>
-        </p:nvSpPr>
-        <p:spPr>
-          <a:xfrm>
-            <a:off x="677334" y="678873"/>
-            <a:ext cx="9782282" cy="646290"/>
-          </a:xfrm>
-          <a:prstGeom prst="rect">
-            <a:avLst/>
-          </a:prstGeom>
-          <a:noFill/>
-          <a:ln>
-            <a:noFill/>
-          </a:ln>
-        </p:spPr>
-        <p:txBody>
-          <a:bodyPr spcFirstLastPara="1" wrap="square" lIns="91425" tIns="45700" rIns="91425" bIns="45700" anchor="t" anchorCtr="0">
-            <a:spAutoFit/>
-          </a:bodyPr>
-          <a:lstStyle/>
-          <a:p>
-            <a:pPr marL="0" marR="0" lvl="0" indent="0" algn="l" rtl="0">
-              <a:lnSpc>
-                <a:spcPct val="100000"/>
-              </a:lnSpc>
-              <a:spcBef>
-                <a:spcPts val="0"/>
-              </a:spcBef>
-              <a:spcAft>
-                <a:spcPts val="0"/>
-              </a:spcAft>
-              <a:buClr>
-                <a:srgbClr val="000000"/>
-              </a:buClr>
-              <a:buSzPts val="3600"/>
-              <a:buFont typeface="Arial"/>
-              <a:buNone/>
-            </a:pPr>
-            <a:r>
-              <a:rPr lang="en-US" sz="3600" dirty="0">
-                <a:solidFill>
-                  <a:srgbClr val="93DF5F"/>
-                </a:solidFill>
-                <a:latin typeface="Times New Roman"/>
-                <a:ea typeface="Times New Roman"/>
-                <a:cs typeface="Times New Roman"/>
-                <a:sym typeface="Times New Roman"/>
-              </a:rPr>
-              <a:t>Demo dynamic layout </a:t>
-            </a:r>
-            <a:r>
-              <a:rPr lang="en-US" sz="3600" dirty="0" err="1">
-                <a:solidFill>
-                  <a:srgbClr val="93DF5F"/>
-                </a:solidFill>
-                <a:latin typeface="Times New Roman"/>
-                <a:ea typeface="Times New Roman"/>
-                <a:cs typeface="Times New Roman"/>
-                <a:sym typeface="Times New Roman"/>
-              </a:rPr>
-              <a:t>sử</a:t>
-            </a:r>
-            <a:r>
-              <a:rPr lang="en-US" sz="3600" dirty="0">
-                <a:solidFill>
-                  <a:srgbClr val="93DF5F"/>
-                </a:solidFill>
-                <a:latin typeface="Times New Roman"/>
-                <a:ea typeface="Times New Roman"/>
-                <a:cs typeface="Times New Roman"/>
-                <a:sym typeface="Times New Roman"/>
-              </a:rPr>
-              <a:t> </a:t>
-            </a:r>
-            <a:r>
-              <a:rPr lang="en-US" sz="3600" dirty="0" err="1">
-                <a:solidFill>
-                  <a:srgbClr val="93DF5F"/>
-                </a:solidFill>
-                <a:latin typeface="Times New Roman"/>
-                <a:ea typeface="Times New Roman"/>
-                <a:cs typeface="Times New Roman"/>
-                <a:sym typeface="Times New Roman"/>
-              </a:rPr>
-              <a:t>dụng</a:t>
-            </a:r>
-            <a:r>
-              <a:rPr lang="en-US" sz="3600" dirty="0">
-                <a:solidFill>
-                  <a:srgbClr val="93DF5F"/>
-                </a:solidFill>
-                <a:latin typeface="Times New Roman"/>
-                <a:ea typeface="Times New Roman"/>
-                <a:cs typeface="Times New Roman"/>
-                <a:sym typeface="Times New Roman"/>
-              </a:rPr>
-              <a:t> section</a:t>
-            </a:r>
-            <a:endParaRPr sz="3600" i="0" u="none" strike="noStrike" cap="none" dirty="0">
-              <a:solidFill>
-                <a:srgbClr val="93DF5F"/>
-              </a:solidFill>
-              <a:latin typeface="Times New Roman"/>
-              <a:ea typeface="Times New Roman"/>
-              <a:cs typeface="Times New Roman"/>
-              <a:sym typeface="Times New Roman"/>
-            </a:endParaRPr>
-          </a:p>
-        </p:txBody>
-      </p:sp>
-      <p:cxnSp>
-        <p:nvCxnSpPr>
-          <p:cNvPr id="309" name="Google Shape;309;geef53d5d55_1_114"/>
-          <p:cNvCxnSpPr>
-            <a:cxnSpLocks/>
-          </p:cNvCxnSpPr>
-          <p:nvPr/>
-        </p:nvCxnSpPr>
-        <p:spPr>
-          <a:xfrm>
-            <a:off x="815879" y="1325204"/>
-            <a:ext cx="7124472" cy="0"/>
-          </a:xfrm>
-          <a:prstGeom prst="straightConnector1">
-            <a:avLst/>
-          </a:prstGeom>
-          <a:noFill/>
-          <a:ln w="25400" cap="flat" cmpd="sng">
-            <a:solidFill>
-              <a:schemeClr val="accent1"/>
-            </a:solidFill>
-            <a:prstDash val="solid"/>
-            <a:round/>
-            <a:headEnd type="none" w="sm" len="sm"/>
-            <a:tailEnd type="none" w="sm" len="sm"/>
-          </a:ln>
-        </p:spPr>
-      </p:cxnSp>
-      <p:pic>
-        <p:nvPicPr>
-          <p:cNvPr id="310" name="Google Shape;310;geef53d5d55_1_114"/>
-          <p:cNvPicPr preferRelativeResize="0"/>
-          <p:nvPr/>
-        </p:nvPicPr>
-        <p:blipFill rotWithShape="1">
-          <a:blip r:embed="rId3">
-            <a:alphaModFix/>
-          </a:blip>
-          <a:srcRect/>
-          <a:stretch/>
-        </p:blipFill>
-        <p:spPr>
-          <a:xfrm>
-            <a:off x="677316" y="6274352"/>
-            <a:ext cx="1639649" cy="413900"/>
-          </a:xfrm>
-          <a:prstGeom prst="rect">
-            <a:avLst/>
-          </a:prstGeom>
-          <a:noFill/>
-          <a:ln>
-            <a:noFill/>
-          </a:ln>
-        </p:spPr>
-      </p:pic>
-      <p:pic>
-        <p:nvPicPr>
-          <p:cNvPr id="2" name="Picture 1">
-            <a:extLst>
-              <a:ext uri="{FF2B5EF4-FFF2-40B4-BE49-F238E27FC236}">
-                <a16:creationId xmlns:a16="http://schemas.microsoft.com/office/drawing/2014/main" id="{A766A6DA-EC85-422D-81AD-CD42D8676D7D}"/>
-              </a:ext>
-            </a:extLst>
-          </p:cNvPr>
-          <p:cNvPicPr>
-            <a:picLocks noChangeAspect="1"/>
-          </p:cNvPicPr>
-          <p:nvPr/>
-        </p:nvPicPr>
-        <p:blipFill>
-          <a:blip r:embed="rId4"/>
-          <a:stretch>
-            <a:fillRect/>
-          </a:stretch>
-        </p:blipFill>
-        <p:spPr>
-          <a:xfrm>
-            <a:off x="677316" y="1643983"/>
-            <a:ext cx="8245151" cy="4311507"/>
-          </a:xfrm>
-          <a:prstGeom prst="rect">
-            <a:avLst/>
-          </a:prstGeom>
-        </p:spPr>
-      </p:pic>
-    </p:spTree>
-    <p:extLst>
-      <p:ext uri="{BB962C8B-B14F-4D97-AF65-F5344CB8AC3E}">
-        <p14:creationId xmlns:p14="http://schemas.microsoft.com/office/powerpoint/2010/main" val="225986631"/>
-      </p:ext>
-    </p:extLst>
-  </p:cSld>
-  <p:clrMapOvr>
-    <a:masterClrMapping/>
-  </p:clrMapOvr>
-</p:sld>
-</file>
-
-<file path=ppt/slides/slide39.xml><?xml version="1.0" encoding="utf-8"?>
-<p:sld xmlns:a="http://schemas.openxmlformats.org/drawingml/2006/main" xmlns:r="http://schemas.openxmlformats.org/officeDocument/2006/relationships" xmlns:p="http://schemas.openxmlformats.org/presentationml/2006/main">
-  <p:cSld>
-    <p:spTree>
-      <p:nvGrpSpPr>
-        <p:cNvPr id="1" name="Shape 328"/>
-        <p:cNvGrpSpPr/>
-        <p:nvPr/>
-      </p:nvGrpSpPr>
-      <p:grpSpPr>
-        <a:xfrm>
-          <a:off x="0" y="0"/>
-          <a:ext cx="0" cy="0"/>
-          <a:chOff x="0" y="0"/>
-          <a:chExt cx="0" cy="0"/>
-        </a:xfrm>
-      </p:grpSpPr>
-      <p:sp>
-        <p:nvSpPr>
-          <p:cNvPr id="330" name="Google Shape;330;geef53d5d55_1_168"/>
-          <p:cNvSpPr txBox="1"/>
-          <p:nvPr/>
-        </p:nvSpPr>
-        <p:spPr>
-          <a:xfrm>
-            <a:off x="677321" y="678875"/>
-            <a:ext cx="8539200" cy="646500"/>
-          </a:xfrm>
-          <a:prstGeom prst="rect">
-            <a:avLst/>
-          </a:prstGeom>
-          <a:noFill/>
-          <a:ln>
-            <a:noFill/>
-          </a:ln>
-        </p:spPr>
-        <p:txBody>
-          <a:bodyPr spcFirstLastPara="1" wrap="square" lIns="91425" tIns="45700" rIns="91425" bIns="45700" anchor="t" anchorCtr="0">
-            <a:spAutoFit/>
-          </a:bodyPr>
-          <a:lstStyle/>
-          <a:p>
-            <a:pPr marL="0" marR="0" lvl="0" indent="0" algn="l" rtl="0">
-              <a:lnSpc>
-                <a:spcPct val="100000"/>
-              </a:lnSpc>
-              <a:spcBef>
-                <a:spcPts val="0"/>
-              </a:spcBef>
-              <a:spcAft>
-                <a:spcPts val="0"/>
-              </a:spcAft>
-              <a:buClr>
-                <a:srgbClr val="000000"/>
-              </a:buClr>
-              <a:buSzPts val="3600"/>
-              <a:buFont typeface="Arial"/>
-              <a:buNone/>
-            </a:pPr>
-            <a:r>
-              <a:rPr lang="en-US" sz="3600" dirty="0">
-                <a:solidFill>
-                  <a:srgbClr val="93DF5F"/>
-                </a:solidFill>
-                <a:latin typeface="Times New Roman"/>
-                <a:ea typeface="Times New Roman"/>
-                <a:cs typeface="Times New Roman"/>
-                <a:sym typeface="Times New Roman"/>
-              </a:rPr>
-              <a:t>View components</a:t>
-            </a:r>
-            <a:endParaRPr sz="3600" i="0" u="none" strike="noStrike" cap="none" dirty="0">
-              <a:solidFill>
-                <a:srgbClr val="93DF5F"/>
-              </a:solidFill>
-              <a:latin typeface="Times New Roman"/>
-              <a:ea typeface="Times New Roman"/>
-              <a:cs typeface="Times New Roman"/>
-              <a:sym typeface="Times New Roman"/>
-            </a:endParaRPr>
-          </a:p>
-        </p:txBody>
-      </p:sp>
-      <p:cxnSp>
-        <p:nvCxnSpPr>
-          <p:cNvPr id="331" name="Google Shape;331;geef53d5d55_1_168"/>
-          <p:cNvCxnSpPr/>
-          <p:nvPr/>
-        </p:nvCxnSpPr>
-        <p:spPr>
-          <a:xfrm>
-            <a:off x="815879" y="1325204"/>
-            <a:ext cx="5210700" cy="0"/>
-          </a:xfrm>
-          <a:prstGeom prst="straightConnector1">
-            <a:avLst/>
-          </a:prstGeom>
-          <a:noFill/>
-          <a:ln w="25400" cap="flat" cmpd="sng">
-            <a:solidFill>
-              <a:schemeClr val="accent1"/>
-            </a:solidFill>
-            <a:prstDash val="solid"/>
-            <a:round/>
-            <a:headEnd type="none" w="sm" len="sm"/>
-            <a:tailEnd type="none" w="sm" len="sm"/>
-          </a:ln>
-        </p:spPr>
-      </p:cxnSp>
-      <p:pic>
-        <p:nvPicPr>
-          <p:cNvPr id="332" name="Google Shape;332;geef53d5d55_1_168"/>
-          <p:cNvPicPr preferRelativeResize="0"/>
-          <p:nvPr/>
-        </p:nvPicPr>
-        <p:blipFill rotWithShape="1">
-          <a:blip r:embed="rId3">
-            <a:alphaModFix/>
-          </a:blip>
-          <a:srcRect/>
-          <a:stretch/>
-        </p:blipFill>
-        <p:spPr>
-          <a:xfrm>
-            <a:off x="677316" y="6274352"/>
-            <a:ext cx="1639649" cy="413900"/>
-          </a:xfrm>
-          <a:prstGeom prst="rect">
-            <a:avLst/>
-          </a:prstGeom>
-          <a:noFill/>
-          <a:ln>
-            <a:noFill/>
-          </a:ln>
-        </p:spPr>
-      </p:pic>
-      <p:sp>
-        <p:nvSpPr>
-          <p:cNvPr id="10" name="Google Shape;289;geef53d5d55_1_89">
-            <a:extLst>
-              <a:ext uri="{FF2B5EF4-FFF2-40B4-BE49-F238E27FC236}">
-                <a16:creationId xmlns:a16="http://schemas.microsoft.com/office/drawing/2014/main" id="{E7D88335-BB28-4B90-9CFC-58D32F3C8505}"/>
-              </a:ext>
-            </a:extLst>
-          </p:cNvPr>
-          <p:cNvSpPr txBox="1">
-            <a:spLocks noGrp="1"/>
-          </p:cNvSpPr>
-          <p:nvPr>
-            <p:ph type="body" idx="1"/>
-          </p:nvPr>
-        </p:nvSpPr>
-        <p:spPr>
-          <a:xfrm>
-            <a:off x="677316" y="1637035"/>
-            <a:ext cx="8596800" cy="1189438"/>
-          </a:xfrm>
-          <a:prstGeom prst="rect">
-            <a:avLst/>
-          </a:prstGeom>
-          <a:noFill/>
-          <a:ln>
-            <a:noFill/>
-          </a:ln>
-        </p:spPr>
-        <p:txBody>
-          <a:bodyPr spcFirstLastPara="1" wrap="square" lIns="91425" tIns="45700" rIns="91425" bIns="45700" anchor="t" anchorCtr="0">
-            <a:normAutofit/>
-          </a:bodyPr>
-          <a:lstStyle/>
-          <a:p>
-            <a:pPr marL="285750" lvl="0" indent="-285750" algn="l" rtl="0">
-              <a:spcBef>
-                <a:spcPts val="0"/>
-              </a:spcBef>
-              <a:spcAft>
-                <a:spcPts val="0"/>
-              </a:spcAft>
-              <a:buFontTx/>
-              <a:buChar char="-"/>
-            </a:pPr>
-            <a:r>
-              <a:rPr lang="en-US" dirty="0">
-                <a:solidFill>
-                  <a:schemeClr val="lt1"/>
-                </a:solidFill>
-                <a:latin typeface="Times New Roman"/>
-                <a:ea typeface="Times New Roman"/>
-                <a:cs typeface="Times New Roman"/>
-                <a:sym typeface="Times New Roman"/>
-              </a:rPr>
-              <a:t>View component </a:t>
-            </a:r>
-            <a:r>
-              <a:rPr lang="en-US" dirty="0" err="1">
-                <a:solidFill>
-                  <a:schemeClr val="lt1"/>
-                </a:solidFill>
-                <a:latin typeface="Times New Roman"/>
-                <a:ea typeface="Times New Roman"/>
-                <a:cs typeface="Times New Roman"/>
-                <a:sym typeface="Times New Roman"/>
-              </a:rPr>
-              <a:t>có</a:t>
-            </a:r>
-            <a:r>
-              <a:rPr lang="en-US" dirty="0">
-                <a:solidFill>
-                  <a:schemeClr val="lt1"/>
-                </a:solidFill>
-                <a:latin typeface="Times New Roman"/>
-                <a:ea typeface="Times New Roman"/>
-                <a:cs typeface="Times New Roman"/>
-                <a:sym typeface="Times New Roman"/>
-              </a:rPr>
-              <a:t> thể </a:t>
-            </a:r>
-            <a:r>
-              <a:rPr lang="en-US" dirty="0" err="1">
-                <a:solidFill>
-                  <a:schemeClr val="lt1"/>
-                </a:solidFill>
-                <a:latin typeface="Times New Roman"/>
-                <a:ea typeface="Times New Roman"/>
-                <a:cs typeface="Times New Roman"/>
-                <a:sym typeface="Times New Roman"/>
-              </a:rPr>
-              <a:t>đóng</a:t>
-            </a:r>
-            <a:r>
-              <a:rPr lang="en-US" dirty="0">
-                <a:solidFill>
-                  <a:schemeClr val="lt1"/>
-                </a:solidFill>
-                <a:latin typeface="Times New Roman"/>
-                <a:ea typeface="Times New Roman"/>
-                <a:cs typeface="Times New Roman"/>
-                <a:sym typeface="Times New Roman"/>
-              </a:rPr>
-              <a:t> </a:t>
-            </a:r>
-            <a:r>
-              <a:rPr lang="en-US" dirty="0" err="1">
-                <a:solidFill>
-                  <a:schemeClr val="lt1"/>
-                </a:solidFill>
-                <a:latin typeface="Times New Roman"/>
-                <a:ea typeface="Times New Roman"/>
-                <a:cs typeface="Times New Roman"/>
-                <a:sym typeface="Times New Roman"/>
-              </a:rPr>
-              <a:t>gói</a:t>
-            </a:r>
-            <a:r>
-              <a:rPr lang="en-US" dirty="0">
-                <a:solidFill>
-                  <a:schemeClr val="lt1"/>
-                </a:solidFill>
-                <a:latin typeface="Times New Roman"/>
-                <a:ea typeface="Times New Roman"/>
-                <a:cs typeface="Times New Roman"/>
-                <a:sym typeface="Times New Roman"/>
-              </a:rPr>
-              <a:t> cả view và logic </a:t>
-            </a:r>
-            <a:r>
-              <a:rPr lang="en-US" dirty="0" err="1">
-                <a:solidFill>
-                  <a:schemeClr val="lt1"/>
-                </a:solidFill>
-                <a:latin typeface="Times New Roman"/>
-                <a:ea typeface="Times New Roman"/>
-                <a:cs typeface="Times New Roman"/>
-                <a:sym typeface="Times New Roman"/>
-              </a:rPr>
-              <a:t>để</a:t>
-            </a:r>
-            <a:r>
-              <a:rPr lang="en-US" dirty="0">
-                <a:solidFill>
-                  <a:schemeClr val="lt1"/>
-                </a:solidFill>
-                <a:latin typeface="Times New Roman"/>
-                <a:ea typeface="Times New Roman"/>
-                <a:cs typeface="Times New Roman"/>
-                <a:sym typeface="Times New Roman"/>
-              </a:rPr>
-              <a:t> </a:t>
-            </a:r>
-            <a:r>
-              <a:rPr lang="en-US" dirty="0" err="1">
-                <a:solidFill>
-                  <a:schemeClr val="lt1"/>
-                </a:solidFill>
-                <a:latin typeface="Times New Roman"/>
-                <a:ea typeface="Times New Roman"/>
-                <a:cs typeface="Times New Roman"/>
-                <a:sym typeface="Times New Roman"/>
-              </a:rPr>
-              <a:t>tái</a:t>
-            </a:r>
-            <a:r>
-              <a:rPr lang="en-US" dirty="0">
-                <a:solidFill>
-                  <a:schemeClr val="lt1"/>
-                </a:solidFill>
-                <a:latin typeface="Times New Roman"/>
-                <a:ea typeface="Times New Roman"/>
-                <a:cs typeface="Times New Roman"/>
-                <a:sym typeface="Times New Roman"/>
-              </a:rPr>
-              <a:t> </a:t>
-            </a:r>
-            <a:r>
-              <a:rPr lang="en-US" dirty="0" err="1">
-                <a:solidFill>
-                  <a:schemeClr val="lt1"/>
-                </a:solidFill>
-                <a:latin typeface="Times New Roman"/>
-                <a:ea typeface="Times New Roman"/>
-                <a:cs typeface="Times New Roman"/>
-                <a:sym typeface="Times New Roman"/>
-              </a:rPr>
-              <a:t>sử</a:t>
-            </a:r>
-            <a:r>
-              <a:rPr lang="en-US" dirty="0">
-                <a:solidFill>
-                  <a:schemeClr val="lt1"/>
-                </a:solidFill>
-                <a:latin typeface="Times New Roman"/>
-                <a:ea typeface="Times New Roman"/>
-                <a:cs typeface="Times New Roman"/>
-                <a:sym typeface="Times New Roman"/>
-              </a:rPr>
-              <a:t> </a:t>
-            </a:r>
-            <a:r>
-              <a:rPr lang="en-US" dirty="0" err="1">
-                <a:solidFill>
-                  <a:schemeClr val="lt1"/>
-                </a:solidFill>
-                <a:latin typeface="Times New Roman"/>
-                <a:ea typeface="Times New Roman"/>
-                <a:cs typeface="Times New Roman"/>
-                <a:sym typeface="Times New Roman"/>
-              </a:rPr>
-              <a:t>dụng</a:t>
-            </a:r>
-            <a:endParaRPr lang="en-US" dirty="0">
-              <a:solidFill>
-                <a:schemeClr val="lt1"/>
-              </a:solidFill>
-              <a:latin typeface="Times New Roman"/>
-              <a:ea typeface="Times New Roman"/>
-              <a:cs typeface="Times New Roman"/>
-              <a:sym typeface="Times New Roman"/>
-            </a:endParaRPr>
-          </a:p>
-          <a:p>
-            <a:pPr marL="285750" lvl="0" indent="-285750" algn="l" rtl="0">
-              <a:spcBef>
-                <a:spcPts val="0"/>
-              </a:spcBef>
-              <a:spcAft>
-                <a:spcPts val="0"/>
-              </a:spcAft>
-              <a:buFontTx/>
-              <a:buChar char="-"/>
-            </a:pPr>
-            <a:r>
-              <a:rPr lang="en-US" dirty="0">
-                <a:solidFill>
-                  <a:schemeClr val="lt1"/>
-                </a:solidFill>
-                <a:latin typeface="Times New Roman"/>
-                <a:ea typeface="Times New Roman"/>
-                <a:cs typeface="Times New Roman"/>
-                <a:sym typeface="Times New Roman"/>
-              </a:rPr>
-              <a:t>View component </a:t>
-            </a:r>
-            <a:r>
-              <a:rPr lang="en-US" dirty="0" err="1">
-                <a:solidFill>
-                  <a:schemeClr val="lt1"/>
-                </a:solidFill>
-                <a:latin typeface="Times New Roman"/>
-                <a:ea typeface="Times New Roman"/>
-                <a:cs typeface="Times New Roman"/>
-                <a:sym typeface="Times New Roman"/>
-              </a:rPr>
-              <a:t>có</a:t>
-            </a:r>
-            <a:r>
-              <a:rPr lang="en-US" dirty="0">
-                <a:solidFill>
-                  <a:schemeClr val="lt1"/>
-                </a:solidFill>
-                <a:latin typeface="Times New Roman"/>
-                <a:ea typeface="Times New Roman"/>
-                <a:cs typeface="Times New Roman"/>
-                <a:sym typeface="Times New Roman"/>
-              </a:rPr>
-              <a:t> thể </a:t>
-            </a:r>
-            <a:r>
-              <a:rPr lang="en-US" dirty="0" err="1">
-                <a:solidFill>
-                  <a:schemeClr val="lt1"/>
-                </a:solidFill>
-                <a:latin typeface="Times New Roman"/>
-                <a:ea typeface="Times New Roman"/>
-                <a:cs typeface="Times New Roman"/>
-                <a:sym typeface="Times New Roman"/>
-              </a:rPr>
-              <a:t>rerender</a:t>
-            </a:r>
-            <a:r>
-              <a:rPr lang="en-US" dirty="0">
-                <a:solidFill>
-                  <a:schemeClr val="lt1"/>
-                </a:solidFill>
-                <a:latin typeface="Times New Roman"/>
-                <a:ea typeface="Times New Roman"/>
-                <a:cs typeface="Times New Roman"/>
-                <a:sym typeface="Times New Roman"/>
-              </a:rPr>
-              <a:t> </a:t>
-            </a:r>
-            <a:r>
-              <a:rPr lang="en-US" dirty="0" err="1">
-                <a:solidFill>
-                  <a:schemeClr val="lt1"/>
-                </a:solidFill>
-                <a:latin typeface="Times New Roman"/>
-                <a:ea typeface="Times New Roman"/>
-                <a:cs typeface="Times New Roman"/>
-                <a:sym typeface="Times New Roman"/>
-              </a:rPr>
-              <a:t>sử</a:t>
-            </a:r>
-            <a:r>
-              <a:rPr lang="en-US" dirty="0">
-                <a:solidFill>
-                  <a:schemeClr val="lt1"/>
-                </a:solidFill>
-                <a:latin typeface="Times New Roman"/>
-                <a:ea typeface="Times New Roman"/>
-                <a:cs typeface="Times New Roman"/>
-                <a:sym typeface="Times New Roman"/>
-              </a:rPr>
-              <a:t> </a:t>
-            </a:r>
-            <a:r>
-              <a:rPr lang="en-US" dirty="0" err="1">
-                <a:solidFill>
-                  <a:schemeClr val="lt1"/>
-                </a:solidFill>
-                <a:latin typeface="Times New Roman"/>
-                <a:ea typeface="Times New Roman"/>
-                <a:cs typeface="Times New Roman"/>
-                <a:sym typeface="Times New Roman"/>
-              </a:rPr>
-              <a:t>dụng</a:t>
-            </a:r>
-            <a:r>
-              <a:rPr lang="en-US" dirty="0">
-                <a:solidFill>
-                  <a:schemeClr val="lt1"/>
-                </a:solidFill>
-                <a:latin typeface="Times New Roman"/>
-                <a:ea typeface="Times New Roman"/>
-                <a:cs typeface="Times New Roman"/>
-                <a:sym typeface="Times New Roman"/>
-              </a:rPr>
-              <a:t> tag helper</a:t>
-            </a:r>
-          </a:p>
-          <a:p>
-            <a:pPr marL="285750" lvl="0" indent="-285750">
-              <a:spcBef>
-                <a:spcPts val="0"/>
-              </a:spcBef>
-              <a:buFontTx/>
-              <a:buChar char="-"/>
-            </a:pPr>
-            <a:r>
-              <a:rPr lang="en-US" dirty="0">
-                <a:solidFill>
-                  <a:schemeClr val="lt1"/>
-                </a:solidFill>
-                <a:latin typeface="Times New Roman"/>
-                <a:ea typeface="Times New Roman"/>
-                <a:cs typeface="Times New Roman"/>
-                <a:sym typeface="Times New Roman"/>
-              </a:rPr>
-              <a:t>Có thể invoked </a:t>
-            </a:r>
-            <a:r>
-              <a:rPr lang="en-US" dirty="0" err="1">
-                <a:solidFill>
-                  <a:schemeClr val="lt1"/>
-                </a:solidFill>
-                <a:latin typeface="Times New Roman"/>
-                <a:ea typeface="Times New Roman"/>
-                <a:cs typeface="Times New Roman"/>
-                <a:sym typeface="Times New Roman"/>
-              </a:rPr>
-              <a:t>với</a:t>
-            </a:r>
-            <a:r>
-              <a:rPr lang="en-US" dirty="0">
-                <a:solidFill>
-                  <a:schemeClr val="lt1"/>
-                </a:solidFill>
-                <a:latin typeface="Times New Roman"/>
-                <a:ea typeface="Times New Roman"/>
-                <a:cs typeface="Times New Roman"/>
-                <a:sym typeface="Times New Roman"/>
-              </a:rPr>
-              <a:t> parameters hoặc </a:t>
-            </a:r>
-            <a:r>
-              <a:rPr lang="en-US" dirty="0" err="1">
-                <a:solidFill>
-                  <a:schemeClr val="lt1"/>
-                </a:solidFill>
-                <a:latin typeface="Times New Roman"/>
-                <a:ea typeface="Times New Roman"/>
-                <a:cs typeface="Times New Roman"/>
-                <a:sym typeface="Times New Roman"/>
-              </a:rPr>
-              <a:t>không</a:t>
-            </a:r>
-            <a:r>
-              <a:rPr lang="en-US" dirty="0">
-                <a:solidFill>
-                  <a:schemeClr val="lt1"/>
-                </a:solidFill>
-                <a:latin typeface="Times New Roman"/>
-                <a:ea typeface="Times New Roman"/>
-                <a:cs typeface="Times New Roman"/>
-                <a:sym typeface="Times New Roman"/>
-              </a:rPr>
-              <a:t> </a:t>
-            </a:r>
-            <a:r>
-              <a:rPr lang="en-US" dirty="0" err="1">
-                <a:solidFill>
-                  <a:schemeClr val="lt1"/>
-                </a:solidFill>
-                <a:latin typeface="Times New Roman"/>
-                <a:ea typeface="Times New Roman"/>
-                <a:cs typeface="Times New Roman"/>
-                <a:sym typeface="Times New Roman"/>
-              </a:rPr>
-              <a:t>có</a:t>
-            </a:r>
-            <a:r>
-              <a:rPr lang="en-US" dirty="0">
-                <a:solidFill>
-                  <a:schemeClr val="lt1"/>
-                </a:solidFill>
-                <a:latin typeface="Times New Roman"/>
-                <a:ea typeface="Times New Roman"/>
-                <a:cs typeface="Times New Roman"/>
-                <a:sym typeface="Times New Roman"/>
-              </a:rPr>
-              <a:t> parameters</a:t>
-            </a:r>
-            <a:endParaRPr dirty="0">
-              <a:solidFill>
-                <a:schemeClr val="lt1"/>
-              </a:solidFill>
-              <a:latin typeface="Times New Roman"/>
-              <a:ea typeface="Times New Roman"/>
-              <a:cs typeface="Times New Roman"/>
-              <a:sym typeface="Times New Roman"/>
-            </a:endParaRPr>
-          </a:p>
-        </p:txBody>
-      </p:sp>
-      <p:pic>
-        <p:nvPicPr>
-          <p:cNvPr id="3" name="Picture 2">
-            <a:extLst>
-              <a:ext uri="{FF2B5EF4-FFF2-40B4-BE49-F238E27FC236}">
-                <a16:creationId xmlns:a16="http://schemas.microsoft.com/office/drawing/2014/main" id="{9DBA3418-C970-49B3-8EF6-47717D19DA53}"/>
-              </a:ext>
-            </a:extLst>
-          </p:cNvPr>
-          <p:cNvPicPr>
-            <a:picLocks noChangeAspect="1"/>
-          </p:cNvPicPr>
-          <p:nvPr/>
-        </p:nvPicPr>
-        <p:blipFill>
-          <a:blip r:embed="rId4"/>
-          <a:stretch>
-            <a:fillRect/>
-          </a:stretch>
-        </p:blipFill>
-        <p:spPr>
-          <a:xfrm>
-            <a:off x="7399176" y="2887686"/>
-            <a:ext cx="4305490" cy="2709887"/>
-          </a:xfrm>
-          <a:prstGeom prst="rect">
-            <a:avLst/>
-          </a:prstGeom>
-        </p:spPr>
-      </p:pic>
-      <p:pic>
-        <p:nvPicPr>
-          <p:cNvPr id="6" name="Picture 5">
-            <a:extLst>
-              <a:ext uri="{FF2B5EF4-FFF2-40B4-BE49-F238E27FC236}">
-                <a16:creationId xmlns:a16="http://schemas.microsoft.com/office/drawing/2014/main" id="{B922AFB0-3D0C-47C2-9697-CF78FB3C173E}"/>
-              </a:ext>
-            </a:extLst>
-          </p:cNvPr>
-          <p:cNvPicPr>
-            <a:picLocks noChangeAspect="1"/>
-          </p:cNvPicPr>
-          <p:nvPr/>
-        </p:nvPicPr>
-        <p:blipFill>
-          <a:blip r:embed="rId5"/>
-          <a:stretch>
-            <a:fillRect/>
-          </a:stretch>
-        </p:blipFill>
-        <p:spPr>
-          <a:xfrm>
-            <a:off x="317636" y="2981409"/>
-            <a:ext cx="7003387" cy="2522439"/>
           </a:xfrm>
           <a:prstGeom prst="rect">
             <a:avLst/>
@@ -40090,6 +40322,886 @@
   <p:cSld>
     <p:spTree>
       <p:nvGrpSpPr>
+        <p:cNvPr id="1" name="Shape 306"/>
+        <p:cNvGrpSpPr/>
+        <p:nvPr/>
+      </p:nvGrpSpPr>
+      <p:grpSpPr>
+        <a:xfrm>
+          <a:off x="0" y="0"/>
+          <a:ext cx="0" cy="0"/>
+          <a:chOff x="0" y="0"/>
+          <a:chExt cx="0" cy="0"/>
+        </a:xfrm>
+      </p:grpSpPr>
+      <p:sp>
+        <p:nvSpPr>
+          <p:cNvPr id="308" name="Google Shape;308;geef53d5d55_1_114"/>
+          <p:cNvSpPr txBox="1"/>
+          <p:nvPr/>
+        </p:nvSpPr>
+        <p:spPr>
+          <a:xfrm>
+            <a:off x="677334" y="678873"/>
+            <a:ext cx="9782282" cy="646290"/>
+          </a:xfrm>
+          <a:prstGeom prst="rect">
+            <a:avLst/>
+          </a:prstGeom>
+          <a:noFill/>
+          <a:ln>
+            <a:noFill/>
+          </a:ln>
+        </p:spPr>
+        <p:txBody>
+          <a:bodyPr spcFirstLastPara="1" wrap="square" lIns="91425" tIns="45700" rIns="91425" bIns="45700" anchor="t" anchorCtr="0">
+            <a:spAutoFit/>
+          </a:bodyPr>
+          <a:lstStyle/>
+          <a:p>
+            <a:pPr marL="0" marR="0" lvl="0" indent="0" algn="l" rtl="0">
+              <a:lnSpc>
+                <a:spcPct val="100000"/>
+              </a:lnSpc>
+              <a:spcBef>
+                <a:spcPts val="0"/>
+              </a:spcBef>
+              <a:spcAft>
+                <a:spcPts val="0"/>
+              </a:spcAft>
+              <a:buClr>
+                <a:srgbClr val="000000"/>
+              </a:buClr>
+              <a:buSzPts val="3600"/>
+              <a:buFont typeface="Arial"/>
+              <a:buNone/>
+            </a:pPr>
+            <a:r>
+              <a:rPr lang="en-US" sz="3600" dirty="0">
+                <a:solidFill>
+                  <a:srgbClr val="93DF5F"/>
+                </a:solidFill>
+                <a:latin typeface="Times New Roman"/>
+                <a:ea typeface="Times New Roman"/>
+                <a:cs typeface="Times New Roman"/>
+                <a:sym typeface="Times New Roman"/>
+              </a:rPr>
+              <a:t>Demo dynamic layout </a:t>
+            </a:r>
+            <a:r>
+              <a:rPr lang="en-US" sz="3600" dirty="0" err="1">
+                <a:solidFill>
+                  <a:srgbClr val="93DF5F"/>
+                </a:solidFill>
+                <a:latin typeface="Times New Roman"/>
+                <a:ea typeface="Times New Roman"/>
+                <a:cs typeface="Times New Roman"/>
+                <a:sym typeface="Times New Roman"/>
+              </a:rPr>
+              <a:t>sử</a:t>
+            </a:r>
+            <a:r>
+              <a:rPr lang="en-US" sz="3600" dirty="0">
+                <a:solidFill>
+                  <a:srgbClr val="93DF5F"/>
+                </a:solidFill>
+                <a:latin typeface="Times New Roman"/>
+                <a:ea typeface="Times New Roman"/>
+                <a:cs typeface="Times New Roman"/>
+                <a:sym typeface="Times New Roman"/>
+              </a:rPr>
+              <a:t> </a:t>
+            </a:r>
+            <a:r>
+              <a:rPr lang="en-US" sz="3600" dirty="0" err="1">
+                <a:solidFill>
+                  <a:srgbClr val="93DF5F"/>
+                </a:solidFill>
+                <a:latin typeface="Times New Roman"/>
+                <a:ea typeface="Times New Roman"/>
+                <a:cs typeface="Times New Roman"/>
+                <a:sym typeface="Times New Roman"/>
+              </a:rPr>
+              <a:t>dụng</a:t>
+            </a:r>
+            <a:r>
+              <a:rPr lang="en-US" sz="3600" dirty="0">
+                <a:solidFill>
+                  <a:srgbClr val="93DF5F"/>
+                </a:solidFill>
+                <a:latin typeface="Times New Roman"/>
+                <a:ea typeface="Times New Roman"/>
+                <a:cs typeface="Times New Roman"/>
+                <a:sym typeface="Times New Roman"/>
+              </a:rPr>
+              <a:t> section</a:t>
+            </a:r>
+            <a:endParaRPr sz="3600" i="0" u="none" strike="noStrike" cap="none" dirty="0">
+              <a:solidFill>
+                <a:srgbClr val="93DF5F"/>
+              </a:solidFill>
+              <a:latin typeface="Times New Roman"/>
+              <a:ea typeface="Times New Roman"/>
+              <a:cs typeface="Times New Roman"/>
+              <a:sym typeface="Times New Roman"/>
+            </a:endParaRPr>
+          </a:p>
+        </p:txBody>
+      </p:sp>
+      <p:cxnSp>
+        <p:nvCxnSpPr>
+          <p:cNvPr id="309" name="Google Shape;309;geef53d5d55_1_114"/>
+          <p:cNvCxnSpPr>
+            <a:cxnSpLocks/>
+          </p:cNvCxnSpPr>
+          <p:nvPr/>
+        </p:nvCxnSpPr>
+        <p:spPr>
+          <a:xfrm>
+            <a:off x="815879" y="1325204"/>
+            <a:ext cx="7124472" cy="0"/>
+          </a:xfrm>
+          <a:prstGeom prst="straightConnector1">
+            <a:avLst/>
+          </a:prstGeom>
+          <a:noFill/>
+          <a:ln w="25400" cap="flat" cmpd="sng">
+            <a:solidFill>
+              <a:schemeClr val="accent1"/>
+            </a:solidFill>
+            <a:prstDash val="solid"/>
+            <a:round/>
+            <a:headEnd type="none" w="sm" len="sm"/>
+            <a:tailEnd type="none" w="sm" len="sm"/>
+          </a:ln>
+        </p:spPr>
+      </p:cxnSp>
+      <p:pic>
+        <p:nvPicPr>
+          <p:cNvPr id="310" name="Google Shape;310;geef53d5d55_1_114"/>
+          <p:cNvPicPr preferRelativeResize="0"/>
+          <p:nvPr/>
+        </p:nvPicPr>
+        <p:blipFill rotWithShape="1">
+          <a:blip r:embed="rId3">
+            <a:alphaModFix/>
+          </a:blip>
+          <a:srcRect/>
+          <a:stretch/>
+        </p:blipFill>
+        <p:spPr>
+          <a:xfrm>
+            <a:off x="677316" y="6274352"/>
+            <a:ext cx="1639649" cy="413900"/>
+          </a:xfrm>
+          <a:prstGeom prst="rect">
+            <a:avLst/>
+          </a:prstGeom>
+          <a:noFill/>
+          <a:ln>
+            <a:noFill/>
+          </a:ln>
+        </p:spPr>
+      </p:pic>
+      <p:pic>
+        <p:nvPicPr>
+          <p:cNvPr id="2" name="Picture 1">
+            <a:extLst>
+              <a:ext uri="{FF2B5EF4-FFF2-40B4-BE49-F238E27FC236}">
+                <a16:creationId xmlns:a16="http://schemas.microsoft.com/office/drawing/2014/main" id="{A766A6DA-EC85-422D-81AD-CD42D8676D7D}"/>
+              </a:ext>
+            </a:extLst>
+          </p:cNvPr>
+          <p:cNvPicPr>
+            <a:picLocks noChangeAspect="1"/>
+          </p:cNvPicPr>
+          <p:nvPr/>
+        </p:nvPicPr>
+        <p:blipFill>
+          <a:blip r:embed="rId4"/>
+          <a:stretch>
+            <a:fillRect/>
+          </a:stretch>
+        </p:blipFill>
+        <p:spPr>
+          <a:xfrm>
+            <a:off x="677316" y="1643983"/>
+            <a:ext cx="8245151" cy="4311507"/>
+          </a:xfrm>
+          <a:prstGeom prst="rect">
+            <a:avLst/>
+          </a:prstGeom>
+        </p:spPr>
+      </p:pic>
+    </p:spTree>
+    <p:extLst>
+      <p:ext uri="{BB962C8B-B14F-4D97-AF65-F5344CB8AC3E}">
+        <p14:creationId xmlns:p14="http://schemas.microsoft.com/office/powerpoint/2010/main" val="225986631"/>
+      </p:ext>
+    </p:extLst>
+  </p:cSld>
+  <p:clrMapOvr>
+    <a:masterClrMapping/>
+  </p:clrMapOvr>
+</p:sld>
+</file>
+
+<file path=ppt/slides/slide41.xml><?xml version="1.0" encoding="utf-8"?>
+<p:sld xmlns:a="http://schemas.openxmlformats.org/drawingml/2006/main" xmlns:r="http://schemas.openxmlformats.org/officeDocument/2006/relationships" xmlns:p="http://schemas.openxmlformats.org/presentationml/2006/main">
+  <p:cSld>
+    <p:spTree>
+      <p:nvGrpSpPr>
+        <p:cNvPr id="1" name="Shape 328"/>
+        <p:cNvGrpSpPr/>
+        <p:nvPr/>
+      </p:nvGrpSpPr>
+      <p:grpSpPr>
+        <a:xfrm>
+          <a:off x="0" y="0"/>
+          <a:ext cx="0" cy="0"/>
+          <a:chOff x="0" y="0"/>
+          <a:chExt cx="0" cy="0"/>
+        </a:xfrm>
+      </p:grpSpPr>
+      <p:sp>
+        <p:nvSpPr>
+          <p:cNvPr id="330" name="Google Shape;330;geef53d5d55_1_168"/>
+          <p:cNvSpPr txBox="1"/>
+          <p:nvPr/>
+        </p:nvSpPr>
+        <p:spPr>
+          <a:xfrm>
+            <a:off x="677321" y="678875"/>
+            <a:ext cx="8539200" cy="646500"/>
+          </a:xfrm>
+          <a:prstGeom prst="rect">
+            <a:avLst/>
+          </a:prstGeom>
+          <a:noFill/>
+          <a:ln>
+            <a:noFill/>
+          </a:ln>
+        </p:spPr>
+        <p:txBody>
+          <a:bodyPr spcFirstLastPara="1" wrap="square" lIns="91425" tIns="45700" rIns="91425" bIns="45700" anchor="t" anchorCtr="0">
+            <a:spAutoFit/>
+          </a:bodyPr>
+          <a:lstStyle/>
+          <a:p>
+            <a:pPr marL="0" marR="0" lvl="0" indent="0" algn="l" rtl="0">
+              <a:lnSpc>
+                <a:spcPct val="100000"/>
+              </a:lnSpc>
+              <a:spcBef>
+                <a:spcPts val="0"/>
+              </a:spcBef>
+              <a:spcAft>
+                <a:spcPts val="0"/>
+              </a:spcAft>
+              <a:buClr>
+                <a:srgbClr val="000000"/>
+              </a:buClr>
+              <a:buSzPts val="3600"/>
+              <a:buFont typeface="Arial"/>
+              <a:buNone/>
+            </a:pPr>
+            <a:r>
+              <a:rPr lang="en-US" sz="3600" dirty="0">
+                <a:solidFill>
+                  <a:srgbClr val="93DF5F"/>
+                </a:solidFill>
+                <a:latin typeface="Times New Roman"/>
+                <a:ea typeface="Times New Roman"/>
+                <a:cs typeface="Times New Roman"/>
+                <a:sym typeface="Times New Roman"/>
+              </a:rPr>
+              <a:t>View components</a:t>
+            </a:r>
+            <a:endParaRPr sz="3600" i="0" u="none" strike="noStrike" cap="none" dirty="0">
+              <a:solidFill>
+                <a:srgbClr val="93DF5F"/>
+              </a:solidFill>
+              <a:latin typeface="Times New Roman"/>
+              <a:ea typeface="Times New Roman"/>
+              <a:cs typeface="Times New Roman"/>
+              <a:sym typeface="Times New Roman"/>
+            </a:endParaRPr>
+          </a:p>
+        </p:txBody>
+      </p:sp>
+      <p:cxnSp>
+        <p:nvCxnSpPr>
+          <p:cNvPr id="331" name="Google Shape;331;geef53d5d55_1_168"/>
+          <p:cNvCxnSpPr/>
+          <p:nvPr/>
+        </p:nvCxnSpPr>
+        <p:spPr>
+          <a:xfrm>
+            <a:off x="815879" y="1325204"/>
+            <a:ext cx="5210700" cy="0"/>
+          </a:xfrm>
+          <a:prstGeom prst="straightConnector1">
+            <a:avLst/>
+          </a:prstGeom>
+          <a:noFill/>
+          <a:ln w="25400" cap="flat" cmpd="sng">
+            <a:solidFill>
+              <a:schemeClr val="accent1"/>
+            </a:solidFill>
+            <a:prstDash val="solid"/>
+            <a:round/>
+            <a:headEnd type="none" w="sm" len="sm"/>
+            <a:tailEnd type="none" w="sm" len="sm"/>
+          </a:ln>
+        </p:spPr>
+      </p:cxnSp>
+      <p:pic>
+        <p:nvPicPr>
+          <p:cNvPr id="332" name="Google Shape;332;geef53d5d55_1_168"/>
+          <p:cNvPicPr preferRelativeResize="0"/>
+          <p:nvPr/>
+        </p:nvPicPr>
+        <p:blipFill rotWithShape="1">
+          <a:blip r:embed="rId3">
+            <a:alphaModFix/>
+          </a:blip>
+          <a:srcRect/>
+          <a:stretch/>
+        </p:blipFill>
+        <p:spPr>
+          <a:xfrm>
+            <a:off x="677316" y="6274352"/>
+            <a:ext cx="1639649" cy="413900"/>
+          </a:xfrm>
+          <a:prstGeom prst="rect">
+            <a:avLst/>
+          </a:prstGeom>
+          <a:noFill/>
+          <a:ln>
+            <a:noFill/>
+          </a:ln>
+        </p:spPr>
+      </p:pic>
+      <p:sp>
+        <p:nvSpPr>
+          <p:cNvPr id="10" name="Google Shape;289;geef53d5d55_1_89">
+            <a:extLst>
+              <a:ext uri="{FF2B5EF4-FFF2-40B4-BE49-F238E27FC236}">
+                <a16:creationId xmlns:a16="http://schemas.microsoft.com/office/drawing/2014/main" id="{E7D88335-BB28-4B90-9CFC-58D32F3C8505}"/>
+              </a:ext>
+            </a:extLst>
+          </p:cNvPr>
+          <p:cNvSpPr txBox="1">
+            <a:spLocks noGrp="1"/>
+          </p:cNvSpPr>
+          <p:nvPr>
+            <p:ph type="body" idx="1"/>
+          </p:nvPr>
+        </p:nvSpPr>
+        <p:spPr>
+          <a:xfrm>
+            <a:off x="677316" y="1637035"/>
+            <a:ext cx="8596800" cy="1189438"/>
+          </a:xfrm>
+          <a:prstGeom prst="rect">
+            <a:avLst/>
+          </a:prstGeom>
+          <a:noFill/>
+          <a:ln>
+            <a:noFill/>
+          </a:ln>
+        </p:spPr>
+        <p:txBody>
+          <a:bodyPr spcFirstLastPara="1" wrap="square" lIns="91425" tIns="45700" rIns="91425" bIns="45700" anchor="t" anchorCtr="0">
+            <a:normAutofit/>
+          </a:bodyPr>
+          <a:lstStyle/>
+          <a:p>
+            <a:pPr marL="285750" lvl="0" indent="-285750" algn="l" rtl="0">
+              <a:spcBef>
+                <a:spcPts val="0"/>
+              </a:spcBef>
+              <a:spcAft>
+                <a:spcPts val="0"/>
+              </a:spcAft>
+              <a:buFontTx/>
+              <a:buChar char="-"/>
+            </a:pPr>
+            <a:r>
+              <a:rPr lang="en-US" dirty="0">
+                <a:solidFill>
+                  <a:schemeClr val="lt1"/>
+                </a:solidFill>
+                <a:latin typeface="Times New Roman"/>
+                <a:ea typeface="Times New Roman"/>
+                <a:cs typeface="Times New Roman"/>
+                <a:sym typeface="Times New Roman"/>
+              </a:rPr>
+              <a:t>View component </a:t>
+            </a:r>
+            <a:r>
+              <a:rPr lang="en-US" dirty="0" err="1">
+                <a:solidFill>
+                  <a:schemeClr val="lt1"/>
+                </a:solidFill>
+                <a:latin typeface="Times New Roman"/>
+                <a:ea typeface="Times New Roman"/>
+                <a:cs typeface="Times New Roman"/>
+                <a:sym typeface="Times New Roman"/>
+              </a:rPr>
+              <a:t>có</a:t>
+            </a:r>
+            <a:r>
+              <a:rPr lang="en-US" dirty="0">
+                <a:solidFill>
+                  <a:schemeClr val="lt1"/>
+                </a:solidFill>
+                <a:latin typeface="Times New Roman"/>
+                <a:ea typeface="Times New Roman"/>
+                <a:cs typeface="Times New Roman"/>
+                <a:sym typeface="Times New Roman"/>
+              </a:rPr>
+              <a:t> thể </a:t>
+            </a:r>
+            <a:r>
+              <a:rPr lang="en-US" dirty="0" err="1">
+                <a:solidFill>
+                  <a:schemeClr val="lt1"/>
+                </a:solidFill>
+                <a:latin typeface="Times New Roman"/>
+                <a:ea typeface="Times New Roman"/>
+                <a:cs typeface="Times New Roman"/>
+                <a:sym typeface="Times New Roman"/>
+              </a:rPr>
+              <a:t>đóng</a:t>
+            </a:r>
+            <a:r>
+              <a:rPr lang="en-US" dirty="0">
+                <a:solidFill>
+                  <a:schemeClr val="lt1"/>
+                </a:solidFill>
+                <a:latin typeface="Times New Roman"/>
+                <a:ea typeface="Times New Roman"/>
+                <a:cs typeface="Times New Roman"/>
+                <a:sym typeface="Times New Roman"/>
+              </a:rPr>
+              <a:t> </a:t>
+            </a:r>
+            <a:r>
+              <a:rPr lang="en-US" dirty="0" err="1">
+                <a:solidFill>
+                  <a:schemeClr val="lt1"/>
+                </a:solidFill>
+                <a:latin typeface="Times New Roman"/>
+                <a:ea typeface="Times New Roman"/>
+                <a:cs typeface="Times New Roman"/>
+                <a:sym typeface="Times New Roman"/>
+              </a:rPr>
+              <a:t>gói</a:t>
+            </a:r>
+            <a:r>
+              <a:rPr lang="en-US" dirty="0">
+                <a:solidFill>
+                  <a:schemeClr val="lt1"/>
+                </a:solidFill>
+                <a:latin typeface="Times New Roman"/>
+                <a:ea typeface="Times New Roman"/>
+                <a:cs typeface="Times New Roman"/>
+                <a:sym typeface="Times New Roman"/>
+              </a:rPr>
+              <a:t> cả view và logic </a:t>
+            </a:r>
+            <a:r>
+              <a:rPr lang="en-US" dirty="0" err="1">
+                <a:solidFill>
+                  <a:schemeClr val="lt1"/>
+                </a:solidFill>
+                <a:latin typeface="Times New Roman"/>
+                <a:ea typeface="Times New Roman"/>
+                <a:cs typeface="Times New Roman"/>
+                <a:sym typeface="Times New Roman"/>
+              </a:rPr>
+              <a:t>để</a:t>
+            </a:r>
+            <a:r>
+              <a:rPr lang="en-US" dirty="0">
+                <a:solidFill>
+                  <a:schemeClr val="lt1"/>
+                </a:solidFill>
+                <a:latin typeface="Times New Roman"/>
+                <a:ea typeface="Times New Roman"/>
+                <a:cs typeface="Times New Roman"/>
+                <a:sym typeface="Times New Roman"/>
+              </a:rPr>
+              <a:t> </a:t>
+            </a:r>
+            <a:r>
+              <a:rPr lang="en-US" dirty="0" err="1">
+                <a:solidFill>
+                  <a:schemeClr val="lt1"/>
+                </a:solidFill>
+                <a:latin typeface="Times New Roman"/>
+                <a:ea typeface="Times New Roman"/>
+                <a:cs typeface="Times New Roman"/>
+                <a:sym typeface="Times New Roman"/>
+              </a:rPr>
+              <a:t>tái</a:t>
+            </a:r>
+            <a:r>
+              <a:rPr lang="en-US" dirty="0">
+                <a:solidFill>
+                  <a:schemeClr val="lt1"/>
+                </a:solidFill>
+                <a:latin typeface="Times New Roman"/>
+                <a:ea typeface="Times New Roman"/>
+                <a:cs typeface="Times New Roman"/>
+                <a:sym typeface="Times New Roman"/>
+              </a:rPr>
+              <a:t> </a:t>
+            </a:r>
+            <a:r>
+              <a:rPr lang="en-US" dirty="0" err="1">
+                <a:solidFill>
+                  <a:schemeClr val="lt1"/>
+                </a:solidFill>
+                <a:latin typeface="Times New Roman"/>
+                <a:ea typeface="Times New Roman"/>
+                <a:cs typeface="Times New Roman"/>
+                <a:sym typeface="Times New Roman"/>
+              </a:rPr>
+              <a:t>sử</a:t>
+            </a:r>
+            <a:r>
+              <a:rPr lang="en-US" dirty="0">
+                <a:solidFill>
+                  <a:schemeClr val="lt1"/>
+                </a:solidFill>
+                <a:latin typeface="Times New Roman"/>
+                <a:ea typeface="Times New Roman"/>
+                <a:cs typeface="Times New Roman"/>
+                <a:sym typeface="Times New Roman"/>
+              </a:rPr>
+              <a:t> </a:t>
+            </a:r>
+            <a:r>
+              <a:rPr lang="en-US" dirty="0" err="1">
+                <a:solidFill>
+                  <a:schemeClr val="lt1"/>
+                </a:solidFill>
+                <a:latin typeface="Times New Roman"/>
+                <a:ea typeface="Times New Roman"/>
+                <a:cs typeface="Times New Roman"/>
+                <a:sym typeface="Times New Roman"/>
+              </a:rPr>
+              <a:t>dụng</a:t>
+            </a:r>
+            <a:endParaRPr lang="en-US" dirty="0">
+              <a:solidFill>
+                <a:schemeClr val="lt1"/>
+              </a:solidFill>
+              <a:latin typeface="Times New Roman"/>
+              <a:ea typeface="Times New Roman"/>
+              <a:cs typeface="Times New Roman"/>
+              <a:sym typeface="Times New Roman"/>
+            </a:endParaRPr>
+          </a:p>
+          <a:p>
+            <a:pPr marL="285750" lvl="0" indent="-285750" algn="l" rtl="0">
+              <a:spcBef>
+                <a:spcPts val="0"/>
+              </a:spcBef>
+              <a:spcAft>
+                <a:spcPts val="0"/>
+              </a:spcAft>
+              <a:buFontTx/>
+              <a:buChar char="-"/>
+            </a:pPr>
+            <a:r>
+              <a:rPr lang="en-US" dirty="0">
+                <a:solidFill>
+                  <a:schemeClr val="lt1"/>
+                </a:solidFill>
+                <a:latin typeface="Times New Roman"/>
+                <a:ea typeface="Times New Roman"/>
+                <a:cs typeface="Times New Roman"/>
+                <a:sym typeface="Times New Roman"/>
+              </a:rPr>
+              <a:t>View component </a:t>
+            </a:r>
+            <a:r>
+              <a:rPr lang="en-US" dirty="0" err="1">
+                <a:solidFill>
+                  <a:schemeClr val="lt1"/>
+                </a:solidFill>
+                <a:latin typeface="Times New Roman"/>
+                <a:ea typeface="Times New Roman"/>
+                <a:cs typeface="Times New Roman"/>
+                <a:sym typeface="Times New Roman"/>
+              </a:rPr>
+              <a:t>có</a:t>
+            </a:r>
+            <a:r>
+              <a:rPr lang="en-US" dirty="0">
+                <a:solidFill>
+                  <a:schemeClr val="lt1"/>
+                </a:solidFill>
+                <a:latin typeface="Times New Roman"/>
+                <a:ea typeface="Times New Roman"/>
+                <a:cs typeface="Times New Roman"/>
+                <a:sym typeface="Times New Roman"/>
+              </a:rPr>
+              <a:t> thể </a:t>
+            </a:r>
+            <a:r>
+              <a:rPr lang="en-US" dirty="0" err="1">
+                <a:solidFill>
+                  <a:schemeClr val="lt1"/>
+                </a:solidFill>
+                <a:latin typeface="Times New Roman"/>
+                <a:ea typeface="Times New Roman"/>
+                <a:cs typeface="Times New Roman"/>
+                <a:sym typeface="Times New Roman"/>
+              </a:rPr>
+              <a:t>rerender</a:t>
+            </a:r>
+            <a:r>
+              <a:rPr lang="en-US" dirty="0">
+                <a:solidFill>
+                  <a:schemeClr val="lt1"/>
+                </a:solidFill>
+                <a:latin typeface="Times New Roman"/>
+                <a:ea typeface="Times New Roman"/>
+                <a:cs typeface="Times New Roman"/>
+                <a:sym typeface="Times New Roman"/>
+              </a:rPr>
+              <a:t> </a:t>
+            </a:r>
+            <a:r>
+              <a:rPr lang="en-US" dirty="0" err="1">
+                <a:solidFill>
+                  <a:schemeClr val="lt1"/>
+                </a:solidFill>
+                <a:latin typeface="Times New Roman"/>
+                <a:ea typeface="Times New Roman"/>
+                <a:cs typeface="Times New Roman"/>
+                <a:sym typeface="Times New Roman"/>
+              </a:rPr>
+              <a:t>sử</a:t>
+            </a:r>
+            <a:r>
+              <a:rPr lang="en-US" dirty="0">
+                <a:solidFill>
+                  <a:schemeClr val="lt1"/>
+                </a:solidFill>
+                <a:latin typeface="Times New Roman"/>
+                <a:ea typeface="Times New Roman"/>
+                <a:cs typeface="Times New Roman"/>
+                <a:sym typeface="Times New Roman"/>
+              </a:rPr>
+              <a:t> </a:t>
+            </a:r>
+            <a:r>
+              <a:rPr lang="en-US" dirty="0" err="1">
+                <a:solidFill>
+                  <a:schemeClr val="lt1"/>
+                </a:solidFill>
+                <a:latin typeface="Times New Roman"/>
+                <a:ea typeface="Times New Roman"/>
+                <a:cs typeface="Times New Roman"/>
+                <a:sym typeface="Times New Roman"/>
+              </a:rPr>
+              <a:t>dụng</a:t>
+            </a:r>
+            <a:r>
+              <a:rPr lang="en-US" dirty="0">
+                <a:solidFill>
+                  <a:schemeClr val="lt1"/>
+                </a:solidFill>
+                <a:latin typeface="Times New Roman"/>
+                <a:ea typeface="Times New Roman"/>
+                <a:cs typeface="Times New Roman"/>
+                <a:sym typeface="Times New Roman"/>
+              </a:rPr>
+              <a:t> tag helper</a:t>
+            </a:r>
+          </a:p>
+          <a:p>
+            <a:pPr marL="285750" lvl="0" indent="-285750">
+              <a:spcBef>
+                <a:spcPts val="0"/>
+              </a:spcBef>
+              <a:buFontTx/>
+              <a:buChar char="-"/>
+            </a:pPr>
+            <a:r>
+              <a:rPr lang="en-US" dirty="0">
+                <a:solidFill>
+                  <a:schemeClr val="lt1"/>
+                </a:solidFill>
+                <a:latin typeface="Times New Roman"/>
+                <a:ea typeface="Times New Roman"/>
+                <a:cs typeface="Times New Roman"/>
+                <a:sym typeface="Times New Roman"/>
+              </a:rPr>
+              <a:t>Có thể invoked </a:t>
+            </a:r>
+            <a:r>
+              <a:rPr lang="en-US" dirty="0" err="1">
+                <a:solidFill>
+                  <a:schemeClr val="lt1"/>
+                </a:solidFill>
+                <a:latin typeface="Times New Roman"/>
+                <a:ea typeface="Times New Roman"/>
+                <a:cs typeface="Times New Roman"/>
+                <a:sym typeface="Times New Roman"/>
+              </a:rPr>
+              <a:t>với</a:t>
+            </a:r>
+            <a:r>
+              <a:rPr lang="en-US" dirty="0">
+                <a:solidFill>
+                  <a:schemeClr val="lt1"/>
+                </a:solidFill>
+                <a:latin typeface="Times New Roman"/>
+                <a:ea typeface="Times New Roman"/>
+                <a:cs typeface="Times New Roman"/>
+                <a:sym typeface="Times New Roman"/>
+              </a:rPr>
+              <a:t> parameters hoặc </a:t>
+            </a:r>
+            <a:r>
+              <a:rPr lang="en-US" dirty="0" err="1">
+                <a:solidFill>
+                  <a:schemeClr val="lt1"/>
+                </a:solidFill>
+                <a:latin typeface="Times New Roman"/>
+                <a:ea typeface="Times New Roman"/>
+                <a:cs typeface="Times New Roman"/>
+                <a:sym typeface="Times New Roman"/>
+              </a:rPr>
+              <a:t>không</a:t>
+            </a:r>
+            <a:r>
+              <a:rPr lang="en-US" dirty="0">
+                <a:solidFill>
+                  <a:schemeClr val="lt1"/>
+                </a:solidFill>
+                <a:latin typeface="Times New Roman"/>
+                <a:ea typeface="Times New Roman"/>
+                <a:cs typeface="Times New Roman"/>
+                <a:sym typeface="Times New Roman"/>
+              </a:rPr>
+              <a:t> </a:t>
+            </a:r>
+            <a:r>
+              <a:rPr lang="en-US" dirty="0" err="1">
+                <a:solidFill>
+                  <a:schemeClr val="lt1"/>
+                </a:solidFill>
+                <a:latin typeface="Times New Roman"/>
+                <a:ea typeface="Times New Roman"/>
+                <a:cs typeface="Times New Roman"/>
+                <a:sym typeface="Times New Roman"/>
+              </a:rPr>
+              <a:t>có</a:t>
+            </a:r>
+            <a:r>
+              <a:rPr lang="en-US" dirty="0">
+                <a:solidFill>
+                  <a:schemeClr val="lt1"/>
+                </a:solidFill>
+                <a:latin typeface="Times New Roman"/>
+                <a:ea typeface="Times New Roman"/>
+                <a:cs typeface="Times New Roman"/>
+                <a:sym typeface="Times New Roman"/>
+              </a:rPr>
+              <a:t> parameters</a:t>
+            </a:r>
+            <a:endParaRPr dirty="0">
+              <a:solidFill>
+                <a:schemeClr val="lt1"/>
+              </a:solidFill>
+              <a:latin typeface="Times New Roman"/>
+              <a:ea typeface="Times New Roman"/>
+              <a:cs typeface="Times New Roman"/>
+              <a:sym typeface="Times New Roman"/>
+            </a:endParaRPr>
+          </a:p>
+        </p:txBody>
+      </p:sp>
+      <p:pic>
+        <p:nvPicPr>
+          <p:cNvPr id="3" name="Picture 2">
+            <a:extLst>
+              <a:ext uri="{FF2B5EF4-FFF2-40B4-BE49-F238E27FC236}">
+                <a16:creationId xmlns:a16="http://schemas.microsoft.com/office/drawing/2014/main" id="{9DBA3418-C970-49B3-8EF6-47717D19DA53}"/>
+              </a:ext>
+            </a:extLst>
+          </p:cNvPr>
+          <p:cNvPicPr>
+            <a:picLocks noChangeAspect="1"/>
+          </p:cNvPicPr>
+          <p:nvPr/>
+        </p:nvPicPr>
+        <p:blipFill>
+          <a:blip r:embed="rId4"/>
+          <a:stretch>
+            <a:fillRect/>
+          </a:stretch>
+        </p:blipFill>
+        <p:spPr>
+          <a:xfrm>
+            <a:off x="7399176" y="2887686"/>
+            <a:ext cx="4305490" cy="2709887"/>
+          </a:xfrm>
+          <a:prstGeom prst="rect">
+            <a:avLst/>
+          </a:prstGeom>
+        </p:spPr>
+      </p:pic>
+      <p:pic>
+        <p:nvPicPr>
+          <p:cNvPr id="6" name="Picture 5">
+            <a:extLst>
+              <a:ext uri="{FF2B5EF4-FFF2-40B4-BE49-F238E27FC236}">
+                <a16:creationId xmlns:a16="http://schemas.microsoft.com/office/drawing/2014/main" id="{B922AFB0-3D0C-47C2-9697-CF78FB3C173E}"/>
+              </a:ext>
+            </a:extLst>
+          </p:cNvPr>
+          <p:cNvPicPr>
+            <a:picLocks noChangeAspect="1"/>
+          </p:cNvPicPr>
+          <p:nvPr/>
+        </p:nvPicPr>
+        <p:blipFill>
+          <a:blip r:embed="rId5"/>
+          <a:stretch>
+            <a:fillRect/>
+          </a:stretch>
+        </p:blipFill>
+        <p:spPr>
+          <a:xfrm>
+            <a:off x="317636" y="2981409"/>
+            <a:ext cx="7003387" cy="2522439"/>
+          </a:xfrm>
+          <a:prstGeom prst="rect">
+            <a:avLst/>
+          </a:prstGeom>
+        </p:spPr>
+      </p:pic>
+    </p:spTree>
+  </p:cSld>
+  <p:clrMapOvr>
+    <a:masterClrMapping/>
+  </p:clrMapOvr>
+</p:sld>
+</file>
+
+<file path=ppt/slides/slide42.xml><?xml version="1.0" encoding="utf-8"?>
+<p:sld xmlns:a="http://schemas.openxmlformats.org/drawingml/2006/main" xmlns:r="http://schemas.openxmlformats.org/officeDocument/2006/relationships" xmlns:p="http://schemas.openxmlformats.org/presentationml/2006/main">
+  <p:cSld>
+    <p:spTree>
+      <p:nvGrpSpPr>
         <p:cNvPr id="1" name="Shape 336"/>
         <p:cNvGrpSpPr/>
         <p:nvPr/>
@@ -40385,7 +41497,7 @@
 </p:sld>
 </file>
 
-<file path=ppt/slides/slide41.xml><?xml version="1.0" encoding="utf-8"?>
+<file path=ppt/slides/slide43.xml><?xml version="1.0" encoding="utf-8"?>
 <p:sld xmlns:a="http://schemas.openxmlformats.org/drawingml/2006/main" xmlns:r="http://schemas.openxmlformats.org/officeDocument/2006/relationships" xmlns:p="http://schemas.openxmlformats.org/presentationml/2006/main">
   <p:cSld>
     <p:spTree>
@@ -40681,7 +41793,7 @@
 </p:sld>
 </file>
 
-<file path=ppt/slides/slide42.xml><?xml version="1.0" encoding="utf-8"?>
+<file path=ppt/slides/slide44.xml><?xml version="1.0" encoding="utf-8"?>
 <p:sld xmlns:a="http://schemas.openxmlformats.org/drawingml/2006/main" xmlns:r="http://schemas.openxmlformats.org/officeDocument/2006/relationships" xmlns:p="http://schemas.openxmlformats.org/presentationml/2006/main">
   <p:cSld>
     <p:spTree>
@@ -40891,7 +42003,7 @@
 </p:sld>
 </file>
 
-<file path=ppt/slides/slide43.xml><?xml version="1.0" encoding="utf-8"?>
+<file path=ppt/slides/slide45.xml><?xml version="1.0" encoding="utf-8"?>
 <p:sld xmlns:a="http://schemas.openxmlformats.org/drawingml/2006/main" xmlns:r="http://schemas.openxmlformats.org/officeDocument/2006/relationships" xmlns:p="http://schemas.openxmlformats.org/presentationml/2006/main">
   <p:cSld>
     <p:spTree>
